--- a/참고자료.pptx
+++ b/참고자료.pptx
@@ -6,6 +6,7 @@
   </p:sldMasterIdLst>
   <p:sldIdLst>
     <p:sldId id="256" r:id="rId2"/>
+    <p:sldId id="257" r:id="rId3"/>
   </p:sldIdLst>
   <p:sldSz cx="12192000" cy="6858000"/>
   <p:notesSz cx="6858000" cy="9144000"/>
@@ -104,6 +105,11 @@
       </a:defRPr>
     </a:lvl9pPr>
   </p:defaultTextStyle>
+  <p:extLst>
+    <p:ext uri="{EFAFB233-063F-42B5-8137-9DF3F51BA10A}">
+      <p15:sldGuideLst xmlns:p15="http://schemas.microsoft.com/office/powerpoint/2012/main"/>
+    </p:ext>
+  </p:extLst>
 </p:presentation>
 </file>
 
@@ -8103,6 +8109,466 @@
 </p:sld>
 </file>
 
+<file path=ppt/slides/slide2.xml><?xml version="1.0" encoding="utf-8"?>
+<p:sld xmlns:a="http://schemas.openxmlformats.org/drawingml/2006/main" xmlns:r="http://schemas.openxmlformats.org/officeDocument/2006/relationships" xmlns:p="http://schemas.openxmlformats.org/presentationml/2006/main">
+  <p:cSld>
+    <p:spTree>
+      <p:nvGrpSpPr>
+        <p:cNvPr id="1" name=""/>
+        <p:cNvGrpSpPr/>
+        <p:nvPr/>
+      </p:nvGrpSpPr>
+      <p:grpSpPr>
+        <a:xfrm>
+          <a:off x="0" y="0"/>
+          <a:ext cx="0" cy="0"/>
+          <a:chOff x="0" y="0"/>
+          <a:chExt cx="0" cy="0"/>
+        </a:xfrm>
+      </p:grpSpPr>
+      <p:sp>
+        <p:nvSpPr>
+          <p:cNvPr id="4" name="TextBox 3">
+            <a:extLst>
+              <a:ext uri="{FF2B5EF4-FFF2-40B4-BE49-F238E27FC236}">
+                <a16:creationId xmlns:a16="http://schemas.microsoft.com/office/drawing/2014/main" id="{82A64ACA-B0AA-B25C-0F54-CD50296D1AA1}"/>
+              </a:ext>
+            </a:extLst>
+          </p:cNvPr>
+          <p:cNvSpPr txBox="1"/>
+          <p:nvPr/>
+        </p:nvSpPr>
+        <p:spPr>
+          <a:xfrm>
+            <a:off x="130629" y="130629"/>
+            <a:ext cx="2403222" cy="369332"/>
+          </a:xfrm>
+          <a:prstGeom prst="rect">
+            <a:avLst/>
+          </a:prstGeom>
+          <a:noFill/>
+        </p:spPr>
+        <p:txBody>
+          <a:bodyPr wrap="none" rtlCol="0">
+            <a:spAutoFit/>
+          </a:bodyPr>
+          <a:lstStyle/>
+          <a:p>
+            <a:r>
+              <a:rPr lang="en-US" altLang="ko-KR"/>
+              <a:t>1010</a:t>
+            </a:r>
+            <a:r>
+              <a:rPr lang="ko-KR" altLang="en-US"/>
+              <a:t> 다리 놓기 참고</a:t>
+            </a:r>
+          </a:p>
+        </p:txBody>
+      </p:sp>
+      <p:sp>
+        <p:nvSpPr>
+          <p:cNvPr id="5" name="TextBox 4">
+            <a:extLst>
+              <a:ext uri="{FF2B5EF4-FFF2-40B4-BE49-F238E27FC236}">
+                <a16:creationId xmlns:a16="http://schemas.microsoft.com/office/drawing/2014/main" id="{B69B691F-5BC2-BC1D-6ED3-811D27AE0F4B}"/>
+              </a:ext>
+            </a:extLst>
+          </p:cNvPr>
+          <p:cNvSpPr txBox="1"/>
+          <p:nvPr/>
+        </p:nvSpPr>
+        <p:spPr>
+          <a:xfrm>
+            <a:off x="429208" y="905069"/>
+            <a:ext cx="5913798" cy="369332"/>
+          </a:xfrm>
+          <a:prstGeom prst="rect">
+            <a:avLst/>
+          </a:prstGeom>
+          <a:noFill/>
+        </p:spPr>
+        <p:txBody>
+          <a:bodyPr wrap="none" rtlCol="0">
+            <a:spAutoFit/>
+          </a:bodyPr>
+          <a:lstStyle/>
+          <a:p>
+            <a:r>
+              <a:rPr lang="ko-KR" altLang="en-US" b="1"/>
+              <a:t>서로 다른 </a:t>
+            </a:r>
+            <a:r>
+              <a:rPr lang="en-US" altLang="ko-KR" b="1"/>
+              <a:t>n</a:t>
+            </a:r>
+            <a:r>
+              <a:rPr lang="ko-KR" altLang="en-US" b="1"/>
+              <a:t>개의 자료에서 </a:t>
+            </a:r>
+            <a:r>
+              <a:rPr lang="en-US" altLang="ko-KR" b="1"/>
+              <a:t>r</a:t>
+            </a:r>
+            <a:r>
+              <a:rPr lang="ko-KR" altLang="en-US" b="1"/>
+              <a:t>개를 선택하는 경우 </a:t>
+            </a:r>
+            <a:r>
+              <a:rPr lang="en-US" altLang="ko-KR" b="1"/>
+              <a:t>= </a:t>
+            </a:r>
+            <a:r>
+              <a:rPr lang="ko-KR" altLang="en-US" b="1">
+                <a:solidFill>
+                  <a:srgbClr val="0070C0"/>
+                </a:solidFill>
+              </a:rPr>
+              <a:t>조합</a:t>
+            </a:r>
+          </a:p>
+        </p:txBody>
+      </p:sp>
+      <p:sp>
+        <p:nvSpPr>
+          <p:cNvPr id="6" name="TextBox 5">
+            <a:extLst>
+              <a:ext uri="{FF2B5EF4-FFF2-40B4-BE49-F238E27FC236}">
+                <a16:creationId xmlns:a16="http://schemas.microsoft.com/office/drawing/2014/main" id="{265A5F8C-D8A4-C822-3C15-0438AA60B23C}"/>
+              </a:ext>
+            </a:extLst>
+          </p:cNvPr>
+          <p:cNvSpPr txBox="1"/>
+          <p:nvPr/>
+        </p:nvSpPr>
+        <p:spPr>
+          <a:xfrm>
+            <a:off x="429208" y="1420198"/>
+            <a:ext cx="5343129" cy="369332"/>
+          </a:xfrm>
+          <a:prstGeom prst="rect">
+            <a:avLst/>
+          </a:prstGeom>
+          <a:noFill/>
+        </p:spPr>
+        <p:txBody>
+          <a:bodyPr wrap="none" rtlCol="0">
+            <a:spAutoFit/>
+          </a:bodyPr>
+          <a:lstStyle/>
+          <a:p>
+            <a:r>
+              <a:rPr lang="ko-KR" altLang="en-US" b="1"/>
+              <a:t>순서를 고려하지 않으며 중복을 포함하지 않는다</a:t>
+            </a:r>
+            <a:r>
+              <a:rPr lang="en-US" altLang="ko-KR" b="1"/>
+              <a:t>.</a:t>
+            </a:r>
+            <a:endParaRPr lang="ko-KR" altLang="en-US" b="1"/>
+          </a:p>
+        </p:txBody>
+      </p:sp>
+      <p:pic>
+        <p:nvPicPr>
+          <p:cNvPr id="10" name="그림 9">
+            <a:extLst>
+              <a:ext uri="{FF2B5EF4-FFF2-40B4-BE49-F238E27FC236}">
+                <a16:creationId xmlns:a16="http://schemas.microsoft.com/office/drawing/2014/main" id="{78C8C9BE-7D8B-9913-90A7-B013087FA936}"/>
+              </a:ext>
+            </a:extLst>
+          </p:cNvPr>
+          <p:cNvPicPr>
+            <a:picLocks noChangeAspect="1"/>
+          </p:cNvPicPr>
+          <p:nvPr/>
+        </p:nvPicPr>
+        <p:blipFill>
+          <a:blip r:embed="rId2"/>
+          <a:stretch>
+            <a:fillRect/>
+          </a:stretch>
+        </p:blipFill>
+        <p:spPr>
+          <a:xfrm>
+            <a:off x="500960" y="1789530"/>
+            <a:ext cx="2552921" cy="1127858"/>
+          </a:xfrm>
+          <a:prstGeom prst="rect">
+            <a:avLst/>
+          </a:prstGeom>
+        </p:spPr>
+      </p:pic>
+      <p:pic>
+        <p:nvPicPr>
+          <p:cNvPr id="12" name="그림 11">
+            <a:extLst>
+              <a:ext uri="{FF2B5EF4-FFF2-40B4-BE49-F238E27FC236}">
+                <a16:creationId xmlns:a16="http://schemas.microsoft.com/office/drawing/2014/main" id="{240423D5-D66B-40BB-7B02-D58D48F6E84E}"/>
+              </a:ext>
+            </a:extLst>
+          </p:cNvPr>
+          <p:cNvPicPr>
+            <a:picLocks noChangeAspect="1"/>
+          </p:cNvPicPr>
+          <p:nvPr/>
+        </p:nvPicPr>
+        <p:blipFill>
+          <a:blip r:embed="rId3"/>
+          <a:stretch>
+            <a:fillRect/>
+          </a:stretch>
+        </p:blipFill>
+        <p:spPr>
+          <a:xfrm>
+            <a:off x="423615" y="2917388"/>
+            <a:ext cx="1882303" cy="1127858"/>
+          </a:xfrm>
+          <a:prstGeom prst="rect">
+            <a:avLst/>
+          </a:prstGeom>
+        </p:spPr>
+      </p:pic>
+      <p:pic>
+        <p:nvPicPr>
+          <p:cNvPr id="14" name="그림 13">
+            <a:extLst>
+              <a:ext uri="{FF2B5EF4-FFF2-40B4-BE49-F238E27FC236}">
+                <a16:creationId xmlns:a16="http://schemas.microsoft.com/office/drawing/2014/main" id="{761805A2-2FC8-7889-DD45-F586B399896D}"/>
+              </a:ext>
+            </a:extLst>
+          </p:cNvPr>
+          <p:cNvPicPr>
+            <a:picLocks noChangeAspect="1"/>
+          </p:cNvPicPr>
+          <p:nvPr/>
+        </p:nvPicPr>
+        <p:blipFill>
+          <a:blip r:embed="rId4"/>
+          <a:stretch>
+            <a:fillRect/>
+          </a:stretch>
+        </p:blipFill>
+        <p:spPr>
+          <a:xfrm>
+            <a:off x="370270" y="4053478"/>
+            <a:ext cx="1988992" cy="1226926"/>
+          </a:xfrm>
+          <a:prstGeom prst="rect">
+            <a:avLst/>
+          </a:prstGeom>
+        </p:spPr>
+      </p:pic>
+      <p:sp>
+        <p:nvSpPr>
+          <p:cNvPr id="15" name="TextBox 14">
+            <a:extLst>
+              <a:ext uri="{FF2B5EF4-FFF2-40B4-BE49-F238E27FC236}">
+                <a16:creationId xmlns:a16="http://schemas.microsoft.com/office/drawing/2014/main" id="{7B56C46C-ABA6-D145-5DCA-7F16440D548F}"/>
+              </a:ext>
+            </a:extLst>
+          </p:cNvPr>
+          <p:cNvSpPr txBox="1"/>
+          <p:nvPr/>
+        </p:nvSpPr>
+        <p:spPr>
+          <a:xfrm>
+            <a:off x="3623388" y="2480681"/>
+            <a:ext cx="7059946" cy="646331"/>
+          </a:xfrm>
+          <a:prstGeom prst="rect">
+            <a:avLst/>
+          </a:prstGeom>
+          <a:noFill/>
+        </p:spPr>
+        <p:txBody>
+          <a:bodyPr wrap="none" rtlCol="0">
+            <a:spAutoFit/>
+          </a:bodyPr>
+          <a:lstStyle/>
+          <a:p>
+            <a:r>
+              <a:rPr lang="ko-KR" altLang="en-US" b="1"/>
+              <a:t>서로 다른 </a:t>
+            </a:r>
+            <a:r>
+              <a:rPr lang="en-US" altLang="ko-KR" b="1"/>
+              <a:t>n</a:t>
+            </a:r>
+            <a:r>
+              <a:rPr lang="ko-KR" altLang="en-US" b="1"/>
+              <a:t>개가 속한 집합에서 </a:t>
+            </a:r>
+            <a:r>
+              <a:rPr lang="en-US" altLang="ko-KR" b="1"/>
+              <a:t>r</a:t>
+            </a:r>
+            <a:r>
+              <a:rPr lang="ko-KR" altLang="en-US" b="1"/>
+              <a:t>개를 선택해 </a:t>
+            </a:r>
+            <a:r>
+              <a:rPr lang="en-US" altLang="ko-KR" b="1"/>
+              <a:t>“</a:t>
+            </a:r>
+            <a:r>
+              <a:rPr lang="ko-KR" altLang="en-US" b="1">
+                <a:solidFill>
+                  <a:srgbClr val="FF0000"/>
+                </a:solidFill>
+              </a:rPr>
+              <a:t>순서대로</a:t>
+            </a:r>
+            <a:r>
+              <a:rPr lang="en-US" altLang="ko-KR" b="1"/>
+              <a:t>” </a:t>
+            </a:r>
+            <a:r>
+              <a:rPr lang="ko-KR" altLang="en-US" b="1"/>
+              <a:t>나열하는</a:t>
+            </a:r>
+            <a:endParaRPr lang="en-US" altLang="ko-KR" b="1"/>
+          </a:p>
+          <a:p>
+            <a:r>
+              <a:rPr lang="ko-KR" altLang="en-US" b="1"/>
+              <a:t>경우의 수 </a:t>
+            </a:r>
+            <a:r>
+              <a:rPr lang="en-US" altLang="ko-KR" b="1"/>
+              <a:t>= </a:t>
+            </a:r>
+            <a:r>
+              <a:rPr lang="ko-KR" altLang="en-US" b="1">
+                <a:solidFill>
+                  <a:srgbClr val="0070C0"/>
+                </a:solidFill>
+              </a:rPr>
+              <a:t>순열</a:t>
+            </a:r>
+          </a:p>
+        </p:txBody>
+      </p:sp>
+      <p:pic>
+        <p:nvPicPr>
+          <p:cNvPr id="17" name="그림 16">
+            <a:extLst>
+              <a:ext uri="{FF2B5EF4-FFF2-40B4-BE49-F238E27FC236}">
+                <a16:creationId xmlns:a16="http://schemas.microsoft.com/office/drawing/2014/main" id="{A9014771-912C-4E27-850A-FC63FC35B8CE}"/>
+              </a:ext>
+            </a:extLst>
+          </p:cNvPr>
+          <p:cNvPicPr>
+            <a:picLocks noChangeAspect="1"/>
+          </p:cNvPicPr>
+          <p:nvPr/>
+        </p:nvPicPr>
+        <p:blipFill>
+          <a:blip r:embed="rId5"/>
+          <a:stretch>
+            <a:fillRect/>
+          </a:stretch>
+        </p:blipFill>
+        <p:spPr>
+          <a:xfrm>
+            <a:off x="3623388" y="3137306"/>
+            <a:ext cx="2394857" cy="1187366"/>
+          </a:xfrm>
+          <a:prstGeom prst="rect">
+            <a:avLst/>
+          </a:prstGeom>
+        </p:spPr>
+      </p:pic>
+      <p:sp>
+        <p:nvSpPr>
+          <p:cNvPr id="18" name="TextBox 17">
+            <a:extLst>
+              <a:ext uri="{FF2B5EF4-FFF2-40B4-BE49-F238E27FC236}">
+                <a16:creationId xmlns:a16="http://schemas.microsoft.com/office/drawing/2014/main" id="{26A69E72-2C6F-A975-DEC3-51748A074B80}"/>
+              </a:ext>
+            </a:extLst>
+          </p:cNvPr>
+          <p:cNvSpPr txBox="1"/>
+          <p:nvPr/>
+        </p:nvSpPr>
+        <p:spPr>
+          <a:xfrm>
+            <a:off x="3623388" y="4533082"/>
+            <a:ext cx="5785558" cy="369332"/>
+          </a:xfrm>
+          <a:prstGeom prst="rect">
+            <a:avLst/>
+          </a:prstGeom>
+          <a:noFill/>
+        </p:spPr>
+        <p:txBody>
+          <a:bodyPr wrap="none" rtlCol="0">
+            <a:spAutoFit/>
+          </a:bodyPr>
+          <a:lstStyle/>
+          <a:p>
+            <a:r>
+              <a:rPr lang="ko-KR" altLang="en-US" b="1"/>
+              <a:t>꺼낸 값을 다시 선택할 수 있을 때의 순열 </a:t>
+            </a:r>
+            <a:r>
+              <a:rPr lang="en-US" altLang="ko-KR" b="1"/>
+              <a:t>(</a:t>
+            </a:r>
+            <a:r>
+              <a:rPr lang="ko-KR" altLang="en-US" b="1"/>
+              <a:t>중복 허용</a:t>
+            </a:r>
+            <a:r>
+              <a:rPr lang="en-US" altLang="ko-KR" b="1"/>
+              <a:t>)</a:t>
+            </a:r>
+            <a:endParaRPr lang="ko-KR" altLang="en-US" b="1"/>
+          </a:p>
+        </p:txBody>
+      </p:sp>
+      <p:pic>
+        <p:nvPicPr>
+          <p:cNvPr id="20" name="그림 19">
+            <a:extLst>
+              <a:ext uri="{FF2B5EF4-FFF2-40B4-BE49-F238E27FC236}">
+                <a16:creationId xmlns:a16="http://schemas.microsoft.com/office/drawing/2014/main" id="{E6B3EDB8-1C40-D469-3D0C-8790A46FE910}"/>
+              </a:ext>
+            </a:extLst>
+          </p:cNvPr>
+          <p:cNvPicPr>
+            <a:picLocks noChangeAspect="1"/>
+          </p:cNvPicPr>
+          <p:nvPr/>
+        </p:nvPicPr>
+        <p:blipFill>
+          <a:blip r:embed="rId6"/>
+          <a:stretch>
+            <a:fillRect/>
+          </a:stretch>
+        </p:blipFill>
+        <p:spPr>
+          <a:xfrm>
+            <a:off x="3623388" y="5135301"/>
+            <a:ext cx="1711912" cy="817630"/>
+          </a:xfrm>
+          <a:prstGeom prst="rect">
+            <a:avLst/>
+          </a:prstGeom>
+        </p:spPr>
+      </p:pic>
+    </p:spTree>
+    <p:extLst>
+      <p:ext uri="{BB962C8B-B14F-4D97-AF65-F5344CB8AC3E}">
+        <p14:creationId xmlns:p14="http://schemas.microsoft.com/office/powerpoint/2010/main" val="3030599365"/>
+      </p:ext>
+    </p:extLst>
+  </p:cSld>
+  <p:clrMapOvr>
+    <a:masterClrMapping/>
+  </p:clrMapOvr>
+</p:sld>
+</file>
+
 <file path=ppt/theme/theme1.xml><?xml version="1.0" encoding="utf-8"?>
 <a:theme xmlns:a="http://schemas.openxmlformats.org/drawingml/2006/main" name="Office 테마">
   <a:themeElements>

--- a/참고자료.pptx
+++ b/참고자료.pptx
@@ -5,8 +5,12 @@
     <p:sldMasterId id="2147483648" r:id="rId1"/>
   </p:sldMasterIdLst>
   <p:sldIdLst>
-    <p:sldId id="256" r:id="rId2"/>
-    <p:sldId id="257" r:id="rId3"/>
+    <p:sldId id="259" r:id="rId2"/>
+    <p:sldId id="258" r:id="rId3"/>
+    <p:sldId id="260" r:id="rId4"/>
+    <p:sldId id="256" r:id="rId5"/>
+    <p:sldId id="257" r:id="rId6"/>
+    <p:sldId id="261" r:id="rId7"/>
   </p:sldIdLst>
   <p:sldSz cx="12192000" cy="6858000"/>
   <p:notesSz cx="6858000" cy="9144000"/>
@@ -260,7 +264,7 @@
           <a:p>
             <a:fld id="{79000915-8F6C-483C-9EF6-9DDB3374F9AC}" type="datetimeFigureOut">
               <a:rPr lang="ko-KR" altLang="en-US" smtClean="0"/>
-              <a:t>2022-06-01</a:t>
+              <a:t>2022-09-27</a:t>
             </a:fld>
             <a:endParaRPr lang="ko-KR" altLang="en-US"/>
           </a:p>
@@ -458,7 +462,7 @@
           <a:p>
             <a:fld id="{79000915-8F6C-483C-9EF6-9DDB3374F9AC}" type="datetimeFigureOut">
               <a:rPr lang="ko-KR" altLang="en-US" smtClean="0"/>
-              <a:t>2022-06-01</a:t>
+              <a:t>2022-09-27</a:t>
             </a:fld>
             <a:endParaRPr lang="ko-KR" altLang="en-US"/>
           </a:p>
@@ -666,7 +670,7 @@
           <a:p>
             <a:fld id="{79000915-8F6C-483C-9EF6-9DDB3374F9AC}" type="datetimeFigureOut">
               <a:rPr lang="ko-KR" altLang="en-US" smtClean="0"/>
-              <a:t>2022-06-01</a:t>
+              <a:t>2022-09-27</a:t>
             </a:fld>
             <a:endParaRPr lang="ko-KR" altLang="en-US"/>
           </a:p>
@@ -864,7 +868,7 @@
           <a:p>
             <a:fld id="{79000915-8F6C-483C-9EF6-9DDB3374F9AC}" type="datetimeFigureOut">
               <a:rPr lang="ko-KR" altLang="en-US" smtClean="0"/>
-              <a:t>2022-06-01</a:t>
+              <a:t>2022-09-27</a:t>
             </a:fld>
             <a:endParaRPr lang="ko-KR" altLang="en-US"/>
           </a:p>
@@ -1139,7 +1143,7 @@
           <a:p>
             <a:fld id="{79000915-8F6C-483C-9EF6-9DDB3374F9AC}" type="datetimeFigureOut">
               <a:rPr lang="ko-KR" altLang="en-US" smtClean="0"/>
-              <a:t>2022-06-01</a:t>
+              <a:t>2022-09-27</a:t>
             </a:fld>
             <a:endParaRPr lang="ko-KR" altLang="en-US"/>
           </a:p>
@@ -1404,7 +1408,7 @@
           <a:p>
             <a:fld id="{79000915-8F6C-483C-9EF6-9DDB3374F9AC}" type="datetimeFigureOut">
               <a:rPr lang="ko-KR" altLang="en-US" smtClean="0"/>
-              <a:t>2022-06-01</a:t>
+              <a:t>2022-09-27</a:t>
             </a:fld>
             <a:endParaRPr lang="ko-KR" altLang="en-US"/>
           </a:p>
@@ -1816,7 +1820,7 @@
           <a:p>
             <a:fld id="{79000915-8F6C-483C-9EF6-9DDB3374F9AC}" type="datetimeFigureOut">
               <a:rPr lang="ko-KR" altLang="en-US" smtClean="0"/>
-              <a:t>2022-06-01</a:t>
+              <a:t>2022-09-27</a:t>
             </a:fld>
             <a:endParaRPr lang="ko-KR" altLang="en-US"/>
           </a:p>
@@ -1957,7 +1961,7 @@
           <a:p>
             <a:fld id="{79000915-8F6C-483C-9EF6-9DDB3374F9AC}" type="datetimeFigureOut">
               <a:rPr lang="ko-KR" altLang="en-US" smtClean="0"/>
-              <a:t>2022-06-01</a:t>
+              <a:t>2022-09-27</a:t>
             </a:fld>
             <a:endParaRPr lang="ko-KR" altLang="en-US"/>
           </a:p>
@@ -2070,7 +2074,7 @@
           <a:p>
             <a:fld id="{79000915-8F6C-483C-9EF6-9DDB3374F9AC}" type="datetimeFigureOut">
               <a:rPr lang="ko-KR" altLang="en-US" smtClean="0"/>
-              <a:t>2022-06-01</a:t>
+              <a:t>2022-09-27</a:t>
             </a:fld>
             <a:endParaRPr lang="ko-KR" altLang="en-US"/>
           </a:p>
@@ -2381,7 +2385,7 @@
           <a:p>
             <a:fld id="{79000915-8F6C-483C-9EF6-9DDB3374F9AC}" type="datetimeFigureOut">
               <a:rPr lang="ko-KR" altLang="en-US" smtClean="0"/>
-              <a:t>2022-06-01</a:t>
+              <a:t>2022-09-27</a:t>
             </a:fld>
             <a:endParaRPr lang="ko-KR" altLang="en-US"/>
           </a:p>
@@ -2669,7 +2673,7 @@
           <a:p>
             <a:fld id="{79000915-8F6C-483C-9EF6-9DDB3374F9AC}" type="datetimeFigureOut">
               <a:rPr lang="ko-KR" altLang="en-US" smtClean="0"/>
-              <a:t>2022-06-01</a:t>
+              <a:t>2022-09-27</a:t>
             </a:fld>
             <a:endParaRPr lang="ko-KR" altLang="en-US"/>
           </a:p>
@@ -2910,7 +2914,7 @@
           <a:p>
             <a:fld id="{79000915-8F6C-483C-9EF6-9DDB3374F9AC}" type="datetimeFigureOut">
               <a:rPr lang="ko-KR" altLang="en-US" smtClean="0"/>
-              <a:t>2022-06-01</a:t>
+              <a:t>2022-09-27</a:t>
             </a:fld>
             <a:endParaRPr lang="ko-KR" altLang="en-US"/>
           </a:p>
@@ -3332,6 +3336,498 @@
           <p:cNvPr id="4" name="TextBox 3">
             <a:extLst>
               <a:ext uri="{FF2B5EF4-FFF2-40B4-BE49-F238E27FC236}">
+                <a16:creationId xmlns:a16="http://schemas.microsoft.com/office/drawing/2014/main" id="{362E4998-E59E-3BCD-E33C-F69E54DAABF0}"/>
+              </a:ext>
+            </a:extLst>
+          </p:cNvPr>
+          <p:cNvSpPr txBox="1"/>
+          <p:nvPr/>
+        </p:nvSpPr>
+        <p:spPr>
+          <a:xfrm>
+            <a:off x="204106" y="179614"/>
+            <a:ext cx="1651414" cy="369332"/>
+          </a:xfrm>
+          <a:prstGeom prst="rect">
+            <a:avLst/>
+          </a:prstGeom>
+          <a:noFill/>
+        </p:spPr>
+        <p:txBody>
+          <a:bodyPr wrap="none" rtlCol="0">
+            <a:spAutoFit/>
+          </a:bodyPr>
+          <a:lstStyle/>
+          <a:p>
+            <a:r>
+              <a:rPr lang="ko-KR" altLang="en-US" dirty="0">
+                <a:latin typeface="HY헤드라인M" panose="02030600000101010101" pitchFamily="18" charset="-127"/>
+                <a:ea typeface="HY헤드라인M" panose="02030600000101010101" pitchFamily="18" charset="-127"/>
+              </a:rPr>
+              <a:t>알고리즘 분류</a:t>
+            </a:r>
+          </a:p>
+        </p:txBody>
+      </p:sp>
+      <p:sp>
+        <p:nvSpPr>
+          <p:cNvPr id="5" name="TextBox 4">
+            <a:extLst>
+              <a:ext uri="{FF2B5EF4-FFF2-40B4-BE49-F238E27FC236}">
+                <a16:creationId xmlns:a16="http://schemas.microsoft.com/office/drawing/2014/main" id="{21A08266-6ADA-134D-3C87-5A3EF1B6A1BA}"/>
+              </a:ext>
+            </a:extLst>
+          </p:cNvPr>
+          <p:cNvSpPr txBox="1"/>
+          <p:nvPr/>
+        </p:nvSpPr>
+        <p:spPr>
+          <a:xfrm>
+            <a:off x="450968" y="699407"/>
+            <a:ext cx="2962221" cy="338554"/>
+          </a:xfrm>
+          <a:prstGeom prst="rect">
+            <a:avLst/>
+          </a:prstGeom>
+          <a:noFill/>
+        </p:spPr>
+        <p:txBody>
+          <a:bodyPr wrap="none" rtlCol="0">
+            <a:spAutoFit/>
+          </a:bodyPr>
+          <a:lstStyle/>
+          <a:p>
+            <a:r>
+              <a:rPr lang="ko-KR" altLang="en-US" sz="1600" dirty="0"/>
+              <a:t>위상 정렬 </a:t>
+            </a:r>
+            <a:r>
+              <a:rPr lang="en-US" altLang="ko-KR" sz="1600" dirty="0"/>
+              <a:t>: 1005(ACM Craft) </a:t>
+            </a:r>
+            <a:endParaRPr lang="ko-KR" altLang="en-US" sz="1600" dirty="0"/>
+          </a:p>
+        </p:txBody>
+      </p:sp>
+      <p:sp>
+        <p:nvSpPr>
+          <p:cNvPr id="6" name="TextBox 5">
+            <a:extLst>
+              <a:ext uri="{FF2B5EF4-FFF2-40B4-BE49-F238E27FC236}">
+                <a16:creationId xmlns:a16="http://schemas.microsoft.com/office/drawing/2014/main" id="{5E184AC1-AAE7-50A8-E5C2-F5B92B963F52}"/>
+              </a:ext>
+            </a:extLst>
+          </p:cNvPr>
+          <p:cNvSpPr txBox="1"/>
+          <p:nvPr/>
+        </p:nvSpPr>
+        <p:spPr>
+          <a:xfrm>
+            <a:off x="450967" y="1170469"/>
+            <a:ext cx="2534668" cy="338554"/>
+          </a:xfrm>
+          <a:prstGeom prst="rect">
+            <a:avLst/>
+          </a:prstGeom>
+          <a:noFill/>
+        </p:spPr>
+        <p:txBody>
+          <a:bodyPr wrap="none" rtlCol="0">
+            <a:spAutoFit/>
+          </a:bodyPr>
+          <a:lstStyle/>
+          <a:p>
+            <a:r>
+              <a:rPr lang="ko-KR" altLang="en-US" sz="1600" dirty="0"/>
+              <a:t>기하학 </a:t>
+            </a:r>
+            <a:r>
+              <a:rPr lang="en-US" altLang="ko-KR" sz="1600" dirty="0"/>
+              <a:t>: 1004(</a:t>
+            </a:r>
+            <a:r>
+              <a:rPr lang="ko-KR" altLang="en-US" sz="1600" dirty="0" err="1"/>
+              <a:t>어린왕자</a:t>
+            </a:r>
+            <a:r>
+              <a:rPr lang="en-US" altLang="ko-KR" sz="1600" dirty="0"/>
+              <a:t>) </a:t>
+            </a:r>
+            <a:endParaRPr lang="ko-KR" altLang="en-US" sz="1600" dirty="0"/>
+          </a:p>
+        </p:txBody>
+      </p:sp>
+      <p:sp>
+        <p:nvSpPr>
+          <p:cNvPr id="7" name="TextBox 6">
+            <a:extLst>
+              <a:ext uri="{FF2B5EF4-FFF2-40B4-BE49-F238E27FC236}">
+                <a16:creationId xmlns:a16="http://schemas.microsoft.com/office/drawing/2014/main" id="{F758E447-1119-6BEF-3EA9-AEF814CC259D}"/>
+              </a:ext>
+            </a:extLst>
+          </p:cNvPr>
+          <p:cNvSpPr txBox="1"/>
+          <p:nvPr/>
+        </p:nvSpPr>
+        <p:spPr>
+          <a:xfrm>
+            <a:off x="450967" y="1659484"/>
+            <a:ext cx="5355953" cy="338554"/>
+          </a:xfrm>
+          <a:prstGeom prst="rect">
+            <a:avLst/>
+          </a:prstGeom>
+          <a:noFill/>
+        </p:spPr>
+        <p:txBody>
+          <a:bodyPr wrap="none" rtlCol="0">
+            <a:spAutoFit/>
+          </a:bodyPr>
+          <a:lstStyle/>
+          <a:p>
+            <a:r>
+              <a:rPr lang="ko-KR" altLang="en-US" sz="1600" dirty="0"/>
+              <a:t>다이나믹 프로그래밍 </a:t>
+            </a:r>
+            <a:r>
+              <a:rPr lang="en-US" altLang="ko-KR" sz="1600" dirty="0"/>
+              <a:t>: </a:t>
+            </a:r>
+            <a:r>
+              <a:rPr lang="en-US" altLang="ko-KR" sz="1600" dirty="0">
+                <a:solidFill>
+                  <a:srgbClr val="FF0000"/>
+                </a:solidFill>
+              </a:rPr>
+              <a:t>1003(</a:t>
+            </a:r>
+            <a:r>
+              <a:rPr lang="ko-KR" altLang="en-US" sz="1600" dirty="0">
+                <a:solidFill>
+                  <a:srgbClr val="FF0000"/>
+                </a:solidFill>
+              </a:rPr>
+              <a:t>피보나치</a:t>
+            </a:r>
+            <a:r>
+              <a:rPr lang="en-US" altLang="ko-KR" sz="1600" dirty="0">
+                <a:solidFill>
+                  <a:srgbClr val="FF0000"/>
+                </a:solidFill>
+              </a:rPr>
+              <a:t>)</a:t>
+            </a:r>
+            <a:r>
+              <a:rPr lang="en-US" altLang="ko-KR" sz="1600" dirty="0"/>
+              <a:t>,</a:t>
+            </a:r>
+            <a:r>
+              <a:rPr lang="en-US" altLang="ko-KR" sz="1600" dirty="0">
+                <a:solidFill>
+                  <a:srgbClr val="FF0000"/>
+                </a:solidFill>
+              </a:rPr>
+              <a:t> </a:t>
+            </a:r>
+            <a:r>
+              <a:rPr lang="en-US" altLang="ko-KR" sz="1600" dirty="0"/>
+              <a:t>1010(</a:t>
+            </a:r>
+            <a:r>
+              <a:rPr lang="ko-KR" altLang="en-US" sz="1600" dirty="0"/>
+              <a:t>다리놓기</a:t>
+            </a:r>
+            <a:r>
+              <a:rPr lang="en-US" altLang="ko-KR" sz="1600" dirty="0"/>
+              <a:t>) </a:t>
+            </a:r>
+            <a:endParaRPr lang="ko-KR" altLang="en-US" sz="1600" dirty="0"/>
+          </a:p>
+        </p:txBody>
+      </p:sp>
+      <p:sp>
+        <p:nvSpPr>
+          <p:cNvPr id="8" name="TextBox 7">
+            <a:extLst>
+              <a:ext uri="{FF2B5EF4-FFF2-40B4-BE49-F238E27FC236}">
+                <a16:creationId xmlns:a16="http://schemas.microsoft.com/office/drawing/2014/main" id="{B3DAAC25-5929-E046-34C8-18F2711E4CAD}"/>
+              </a:ext>
+            </a:extLst>
+          </p:cNvPr>
+          <p:cNvSpPr txBox="1"/>
+          <p:nvPr/>
+        </p:nvSpPr>
+        <p:spPr>
+          <a:xfrm>
+            <a:off x="450967" y="2130546"/>
+            <a:ext cx="2544158" cy="338554"/>
+          </a:xfrm>
+          <a:prstGeom prst="rect">
+            <a:avLst/>
+          </a:prstGeom>
+          <a:noFill/>
+        </p:spPr>
+        <p:txBody>
+          <a:bodyPr wrap="none" rtlCol="0">
+            <a:spAutoFit/>
+          </a:bodyPr>
+          <a:lstStyle/>
+          <a:p>
+            <a:r>
+              <a:rPr lang="ko-KR" altLang="en-US" sz="1600" dirty="0"/>
+              <a:t>수학 </a:t>
+            </a:r>
+            <a:r>
+              <a:rPr lang="en-US" altLang="ko-KR" sz="1600" dirty="0"/>
+              <a:t>: 1010(Fly me to…) </a:t>
+            </a:r>
+            <a:endParaRPr lang="ko-KR" altLang="en-US" sz="1600" dirty="0"/>
+          </a:p>
+        </p:txBody>
+      </p:sp>
+      <p:sp>
+        <p:nvSpPr>
+          <p:cNvPr id="9" name="TextBox 8">
+            <a:extLst>
+              <a:ext uri="{FF2B5EF4-FFF2-40B4-BE49-F238E27FC236}">
+                <a16:creationId xmlns:a16="http://schemas.microsoft.com/office/drawing/2014/main" id="{2B906DE0-DEF1-10E5-0DE8-1DB19F721A8F}"/>
+              </a:ext>
+            </a:extLst>
+          </p:cNvPr>
+          <p:cNvSpPr txBox="1"/>
+          <p:nvPr/>
+        </p:nvSpPr>
+        <p:spPr>
+          <a:xfrm>
+            <a:off x="450967" y="2619561"/>
+            <a:ext cx="3150221" cy="338554"/>
+          </a:xfrm>
+          <a:prstGeom prst="rect">
+            <a:avLst/>
+          </a:prstGeom>
+          <a:noFill/>
+        </p:spPr>
+        <p:txBody>
+          <a:bodyPr wrap="none" rtlCol="0">
+            <a:spAutoFit/>
+          </a:bodyPr>
+          <a:lstStyle/>
+          <a:p>
+            <a:r>
+              <a:rPr lang="ko-KR" altLang="en-US" sz="1600" dirty="0"/>
+              <a:t>그래프이론 </a:t>
+            </a:r>
+            <a:r>
+              <a:rPr lang="en-US" altLang="ko-KR" sz="1600" dirty="0"/>
+              <a:t>: 1012(</a:t>
+            </a:r>
+            <a:r>
+              <a:rPr lang="ko-KR" altLang="en-US" sz="1600" dirty="0"/>
+              <a:t>유기농 배추</a:t>
+            </a:r>
+            <a:r>
+              <a:rPr lang="en-US" altLang="ko-KR" sz="1600" dirty="0"/>
+              <a:t>) </a:t>
+            </a:r>
+            <a:endParaRPr lang="ko-KR" altLang="en-US" sz="1600" dirty="0"/>
+          </a:p>
+        </p:txBody>
+      </p:sp>
+    </p:spTree>
+    <p:extLst>
+      <p:ext uri="{BB962C8B-B14F-4D97-AF65-F5344CB8AC3E}">
+        <p14:creationId xmlns:p14="http://schemas.microsoft.com/office/powerpoint/2010/main" val="1523866878"/>
+      </p:ext>
+    </p:extLst>
+  </p:cSld>
+  <p:clrMapOvr>
+    <a:masterClrMapping/>
+  </p:clrMapOvr>
+</p:sld>
+</file>
+
+<file path=ppt/slides/slide2.xml><?xml version="1.0" encoding="utf-8"?>
+<p:sld xmlns:a="http://schemas.openxmlformats.org/drawingml/2006/main" xmlns:r="http://schemas.openxmlformats.org/officeDocument/2006/relationships" xmlns:p="http://schemas.openxmlformats.org/presentationml/2006/main">
+  <p:cSld>
+    <p:spTree>
+      <p:nvGrpSpPr>
+        <p:cNvPr id="1" name=""/>
+        <p:cNvGrpSpPr/>
+        <p:nvPr/>
+      </p:nvGrpSpPr>
+      <p:grpSpPr>
+        <a:xfrm>
+          <a:off x="0" y="0"/>
+          <a:ext cx="0" cy="0"/>
+          <a:chOff x="0" y="0"/>
+          <a:chExt cx="0" cy="0"/>
+        </a:xfrm>
+      </p:grpSpPr>
+      <p:sp>
+        <p:nvSpPr>
+          <p:cNvPr id="2" name="제목 1">
+            <a:extLst>
+              <a:ext uri="{FF2B5EF4-FFF2-40B4-BE49-F238E27FC236}">
+                <a16:creationId xmlns:a16="http://schemas.microsoft.com/office/drawing/2014/main" id="{DF075039-E0F5-8F9C-C9A4-9CB563559340}"/>
+              </a:ext>
+            </a:extLst>
+          </p:cNvPr>
+          <p:cNvSpPr>
+            <a:spLocks noGrp="1"/>
+          </p:cNvSpPr>
+          <p:nvPr>
+            <p:ph type="title"/>
+          </p:nvPr>
+        </p:nvSpPr>
+        <p:spPr/>
+        <p:txBody>
+          <a:bodyPr/>
+          <a:lstStyle/>
+          <a:p>
+            <a:endParaRPr lang="ko-KR" altLang="en-US"/>
+          </a:p>
+        </p:txBody>
+      </p:sp>
+      <p:sp>
+        <p:nvSpPr>
+          <p:cNvPr id="3" name="내용 개체 틀 2">
+            <a:extLst>
+              <a:ext uri="{FF2B5EF4-FFF2-40B4-BE49-F238E27FC236}">
+                <a16:creationId xmlns:a16="http://schemas.microsoft.com/office/drawing/2014/main" id="{E4F4646F-AD8D-3C61-BE86-550201AF6C53}"/>
+              </a:ext>
+            </a:extLst>
+          </p:cNvPr>
+          <p:cNvSpPr>
+            <a:spLocks noGrp="1"/>
+          </p:cNvSpPr>
+          <p:nvPr>
+            <p:ph idx="1"/>
+          </p:nvPr>
+        </p:nvSpPr>
+        <p:spPr/>
+        <p:txBody>
+          <a:bodyPr/>
+          <a:lstStyle/>
+          <a:p>
+            <a:endParaRPr lang="ko-KR" altLang="en-US"/>
+          </a:p>
+        </p:txBody>
+      </p:sp>
+    </p:spTree>
+    <p:extLst>
+      <p:ext uri="{BB962C8B-B14F-4D97-AF65-F5344CB8AC3E}">
+        <p14:creationId xmlns:p14="http://schemas.microsoft.com/office/powerpoint/2010/main" val="1488370991"/>
+      </p:ext>
+    </p:extLst>
+  </p:cSld>
+  <p:clrMapOvr>
+    <a:masterClrMapping/>
+  </p:clrMapOvr>
+</p:sld>
+</file>
+
+<file path=ppt/slides/slide3.xml><?xml version="1.0" encoding="utf-8"?>
+<p:sld xmlns:a="http://schemas.openxmlformats.org/drawingml/2006/main" xmlns:r="http://schemas.openxmlformats.org/officeDocument/2006/relationships" xmlns:p="http://schemas.openxmlformats.org/presentationml/2006/main">
+  <p:cSld>
+    <p:spTree>
+      <p:nvGrpSpPr>
+        <p:cNvPr id="1" name=""/>
+        <p:cNvGrpSpPr/>
+        <p:nvPr/>
+      </p:nvGrpSpPr>
+      <p:grpSpPr>
+        <a:xfrm>
+          <a:off x="0" y="0"/>
+          <a:ext cx="0" cy="0"/>
+          <a:chOff x="0" y="0"/>
+          <a:chExt cx="0" cy="0"/>
+        </a:xfrm>
+      </p:grpSpPr>
+      <p:sp>
+        <p:nvSpPr>
+          <p:cNvPr id="2" name="제목 1">
+            <a:extLst>
+              <a:ext uri="{FF2B5EF4-FFF2-40B4-BE49-F238E27FC236}">
+                <a16:creationId xmlns:a16="http://schemas.microsoft.com/office/drawing/2014/main" id="{59CE8465-36EC-87A7-30EB-E13B71D5326D}"/>
+              </a:ext>
+            </a:extLst>
+          </p:cNvPr>
+          <p:cNvSpPr>
+            <a:spLocks noGrp="1"/>
+          </p:cNvSpPr>
+          <p:nvPr>
+            <p:ph type="title"/>
+          </p:nvPr>
+        </p:nvSpPr>
+        <p:spPr/>
+        <p:txBody>
+          <a:bodyPr/>
+          <a:lstStyle/>
+          <a:p>
+            <a:endParaRPr lang="ko-KR" altLang="en-US"/>
+          </a:p>
+        </p:txBody>
+      </p:sp>
+      <p:sp>
+        <p:nvSpPr>
+          <p:cNvPr id="3" name="내용 개체 틀 2">
+            <a:extLst>
+              <a:ext uri="{FF2B5EF4-FFF2-40B4-BE49-F238E27FC236}">
+                <a16:creationId xmlns:a16="http://schemas.microsoft.com/office/drawing/2014/main" id="{FFE49F80-C0C1-AC6C-A086-E2DEEE686266}"/>
+              </a:ext>
+            </a:extLst>
+          </p:cNvPr>
+          <p:cNvSpPr>
+            <a:spLocks noGrp="1"/>
+          </p:cNvSpPr>
+          <p:nvPr>
+            <p:ph idx="1"/>
+          </p:nvPr>
+        </p:nvSpPr>
+        <p:spPr/>
+        <p:txBody>
+          <a:bodyPr/>
+          <a:lstStyle/>
+          <a:p>
+            <a:endParaRPr lang="ko-KR" altLang="en-US"/>
+          </a:p>
+        </p:txBody>
+      </p:sp>
+    </p:spTree>
+    <p:extLst>
+      <p:ext uri="{BB962C8B-B14F-4D97-AF65-F5344CB8AC3E}">
+        <p14:creationId xmlns:p14="http://schemas.microsoft.com/office/powerpoint/2010/main" val="734438224"/>
+      </p:ext>
+    </p:extLst>
+  </p:cSld>
+  <p:clrMapOvr>
+    <a:masterClrMapping/>
+  </p:clrMapOvr>
+</p:sld>
+</file>
+
+<file path=ppt/slides/slide4.xml><?xml version="1.0" encoding="utf-8"?>
+<p:sld xmlns:a="http://schemas.openxmlformats.org/drawingml/2006/main" xmlns:r="http://schemas.openxmlformats.org/officeDocument/2006/relationships" xmlns:p="http://schemas.openxmlformats.org/presentationml/2006/main">
+  <p:cSld>
+    <p:spTree>
+      <p:nvGrpSpPr>
+        <p:cNvPr id="1" name=""/>
+        <p:cNvGrpSpPr/>
+        <p:nvPr/>
+      </p:nvGrpSpPr>
+      <p:grpSpPr>
+        <a:xfrm>
+          <a:off x="0" y="0"/>
+          <a:ext cx="0" cy="0"/>
+          <a:chOff x="0" y="0"/>
+          <a:chExt cx="0" cy="0"/>
+        </a:xfrm>
+      </p:grpSpPr>
+      <p:sp>
+        <p:nvSpPr>
+          <p:cNvPr id="4" name="TextBox 3">
+            <a:extLst>
+              <a:ext uri="{FF2B5EF4-FFF2-40B4-BE49-F238E27FC236}">
                 <a16:creationId xmlns:a16="http://schemas.microsoft.com/office/drawing/2014/main" id="{69B86187-DFF5-EA01-BF01-36C2EE9331DC}"/>
               </a:ext>
             </a:extLst>
@@ -8109,7 +8605,7 @@
 </p:sld>
 </file>
 
-<file path=ppt/slides/slide2.xml><?xml version="1.0" encoding="utf-8"?>
+<file path=ppt/slides/slide5.xml><?xml version="1.0" encoding="utf-8"?>
 <p:sld xmlns:a="http://schemas.openxmlformats.org/drawingml/2006/main" xmlns:r="http://schemas.openxmlformats.org/officeDocument/2006/relationships" xmlns:p="http://schemas.openxmlformats.org/presentationml/2006/main">
   <p:cSld>
     <p:spTree>
@@ -8141,7 +8637,7 @@
         <p:spPr>
           <a:xfrm>
             <a:off x="130629" y="130629"/>
-            <a:ext cx="2403222" cy="369332"/>
+            <a:ext cx="3942105" cy="369332"/>
           </a:xfrm>
           <a:prstGeom prst="rect">
             <a:avLst/>
@@ -8155,12 +8651,20 @@
           <a:lstStyle/>
           <a:p>
             <a:r>
-              <a:rPr lang="en-US" altLang="ko-KR"/>
+              <a:rPr lang="en-US" altLang="ko-KR" dirty="0"/>
               <a:t>1010</a:t>
             </a:r>
             <a:r>
-              <a:rPr lang="ko-KR" altLang="en-US"/>
-              <a:t> 다리 놓기 참고</a:t>
+              <a:rPr lang="ko-KR" altLang="en-US" dirty="0"/>
+              <a:t> 다리 놓기 참고  </a:t>
+            </a:r>
+            <a:r>
+              <a:rPr lang="en-US" altLang="ko-KR" dirty="0"/>
+              <a:t>#</a:t>
+            </a:r>
+            <a:r>
+              <a:rPr lang="ko-KR" altLang="en-US" dirty="0"/>
+              <a:t>순열과 조합</a:t>
             </a:r>
           </a:p>
         </p:txBody>
@@ -8560,6 +9064,499 @@
     <p:extLst>
       <p:ext uri="{BB962C8B-B14F-4D97-AF65-F5344CB8AC3E}">
         <p14:creationId xmlns:p14="http://schemas.microsoft.com/office/powerpoint/2010/main" val="3030599365"/>
+      </p:ext>
+    </p:extLst>
+  </p:cSld>
+  <p:clrMapOvr>
+    <a:masterClrMapping/>
+  </p:clrMapOvr>
+</p:sld>
+</file>
+
+<file path=ppt/slides/slide6.xml><?xml version="1.0" encoding="utf-8"?>
+<p:sld xmlns:a="http://schemas.openxmlformats.org/drawingml/2006/main" xmlns:r="http://schemas.openxmlformats.org/officeDocument/2006/relationships" xmlns:p="http://schemas.openxmlformats.org/presentationml/2006/main">
+  <p:cSld>
+    <p:spTree>
+      <p:nvGrpSpPr>
+        <p:cNvPr id="1" name=""/>
+        <p:cNvGrpSpPr/>
+        <p:nvPr/>
+      </p:nvGrpSpPr>
+      <p:grpSpPr>
+        <a:xfrm>
+          <a:off x="0" y="0"/>
+          <a:ext cx="0" cy="0"/>
+          <a:chOff x="0" y="0"/>
+          <a:chExt cx="0" cy="0"/>
+        </a:xfrm>
+      </p:grpSpPr>
+      <p:pic>
+        <p:nvPicPr>
+          <p:cNvPr id="5" name="그림 4">
+            <a:extLst>
+              <a:ext uri="{FF2B5EF4-FFF2-40B4-BE49-F238E27FC236}">
+                <a16:creationId xmlns:a16="http://schemas.microsoft.com/office/drawing/2014/main" id="{A7395C35-5BAE-A932-310D-52BC5A85314A}"/>
+              </a:ext>
+            </a:extLst>
+          </p:cNvPr>
+          <p:cNvPicPr>
+            <a:picLocks noChangeAspect="1"/>
+          </p:cNvPicPr>
+          <p:nvPr/>
+        </p:nvPicPr>
+        <p:blipFill>
+          <a:blip r:embed="rId2"/>
+          <a:stretch>
+            <a:fillRect/>
+          </a:stretch>
+        </p:blipFill>
+        <p:spPr>
+          <a:xfrm>
+            <a:off x="934809" y="651101"/>
+            <a:ext cx="5459171" cy="2892199"/>
+          </a:xfrm>
+          <a:prstGeom prst="rect">
+            <a:avLst/>
+          </a:prstGeom>
+        </p:spPr>
+      </p:pic>
+      <p:sp>
+        <p:nvSpPr>
+          <p:cNvPr id="8" name="직사각형 7">
+            <a:extLst>
+              <a:ext uri="{FF2B5EF4-FFF2-40B4-BE49-F238E27FC236}">
+                <a16:creationId xmlns:a16="http://schemas.microsoft.com/office/drawing/2014/main" id="{F2486003-ADD9-8831-4EF5-7546147D8608}"/>
+              </a:ext>
+            </a:extLst>
+          </p:cNvPr>
+          <p:cNvSpPr/>
+          <p:nvPr/>
+        </p:nvSpPr>
+        <p:spPr>
+          <a:xfrm>
+            <a:off x="1183821" y="840921"/>
+            <a:ext cx="171450" cy="212272"/>
+          </a:xfrm>
+          <a:prstGeom prst="rect">
+            <a:avLst/>
+          </a:prstGeom>
+          <a:noFill/>
+          <a:ln>
+            <a:noFill/>
+          </a:ln>
+        </p:spPr>
+        <p:style>
+          <a:lnRef idx="2">
+            <a:schemeClr val="accent1">
+              <a:shade val="50000"/>
+            </a:schemeClr>
+          </a:lnRef>
+          <a:fillRef idx="1">
+            <a:schemeClr val="accent1"/>
+          </a:fillRef>
+          <a:effectRef idx="0">
+            <a:schemeClr val="accent1"/>
+          </a:effectRef>
+          <a:fontRef idx="minor">
+            <a:schemeClr val="lt1"/>
+          </a:fontRef>
+        </p:style>
+        <p:txBody>
+          <a:bodyPr rtlCol="0" anchor="ctr"/>
+          <a:lstStyle/>
+          <a:p>
+            <a:pPr algn="ctr"/>
+            <a:endParaRPr lang="ko-KR" altLang="en-US"/>
+          </a:p>
+        </p:txBody>
+      </p:sp>
+      <p:sp>
+        <p:nvSpPr>
+          <p:cNvPr id="9" name="직사각형 8">
+            <a:extLst>
+              <a:ext uri="{FF2B5EF4-FFF2-40B4-BE49-F238E27FC236}">
+                <a16:creationId xmlns:a16="http://schemas.microsoft.com/office/drawing/2014/main" id="{1341CF25-685F-7070-D844-56F2091F5F11}"/>
+              </a:ext>
+            </a:extLst>
+          </p:cNvPr>
+          <p:cNvSpPr/>
+          <p:nvPr/>
+        </p:nvSpPr>
+        <p:spPr>
+          <a:xfrm>
+            <a:off x="1719943" y="1295399"/>
+            <a:ext cx="171450" cy="212272"/>
+          </a:xfrm>
+          <a:prstGeom prst="rect">
+            <a:avLst/>
+          </a:prstGeom>
+          <a:noFill/>
+          <a:ln>
+            <a:noFill/>
+          </a:ln>
+        </p:spPr>
+        <p:style>
+          <a:lnRef idx="2">
+            <a:schemeClr val="accent1">
+              <a:shade val="50000"/>
+            </a:schemeClr>
+          </a:lnRef>
+          <a:fillRef idx="1">
+            <a:schemeClr val="accent1"/>
+          </a:fillRef>
+          <a:effectRef idx="0">
+            <a:schemeClr val="accent1"/>
+          </a:effectRef>
+          <a:fontRef idx="minor">
+            <a:schemeClr val="lt1"/>
+          </a:fontRef>
+        </p:style>
+        <p:txBody>
+          <a:bodyPr rtlCol="0" anchor="ctr"/>
+          <a:lstStyle/>
+          <a:p>
+            <a:pPr algn="ctr"/>
+            <a:endParaRPr lang="ko-KR" altLang="en-US"/>
+          </a:p>
+        </p:txBody>
+      </p:sp>
+      <p:cxnSp>
+        <p:nvCxnSpPr>
+          <p:cNvPr id="11" name="연결선: 꺾임 10">
+            <a:extLst>
+              <a:ext uri="{FF2B5EF4-FFF2-40B4-BE49-F238E27FC236}">
+                <a16:creationId xmlns:a16="http://schemas.microsoft.com/office/drawing/2014/main" id="{7B20501F-9B2C-091A-590A-F9C6E156B645}"/>
+              </a:ext>
+            </a:extLst>
+          </p:cNvPr>
+          <p:cNvCxnSpPr>
+            <a:stCxn id="8" idx="3"/>
+            <a:endCxn id="9" idx="0"/>
+          </p:cNvCxnSpPr>
+          <p:nvPr/>
+        </p:nvCxnSpPr>
+        <p:spPr>
+          <a:xfrm>
+            <a:off x="1355271" y="947057"/>
+            <a:ext cx="450397" cy="348342"/>
+          </a:xfrm>
+          <a:prstGeom prst="bentConnector2">
+            <a:avLst/>
+          </a:prstGeom>
+          <a:ln w="38100">
+            <a:solidFill>
+              <a:srgbClr val="00B050"/>
+            </a:solidFill>
+          </a:ln>
+        </p:spPr>
+        <p:style>
+          <a:lnRef idx="1">
+            <a:schemeClr val="accent1"/>
+          </a:lnRef>
+          <a:fillRef idx="0">
+            <a:schemeClr val="accent1"/>
+          </a:fillRef>
+          <a:effectRef idx="0">
+            <a:schemeClr val="accent1"/>
+          </a:effectRef>
+          <a:fontRef idx="minor">
+            <a:schemeClr val="tx1"/>
+          </a:fontRef>
+        </p:style>
+      </p:cxnSp>
+      <p:cxnSp>
+        <p:nvCxnSpPr>
+          <p:cNvPr id="13" name="직선 연결선 12">
+            <a:extLst>
+              <a:ext uri="{FF2B5EF4-FFF2-40B4-BE49-F238E27FC236}">
+                <a16:creationId xmlns:a16="http://schemas.microsoft.com/office/drawing/2014/main" id="{072C8A97-8481-327A-006D-421ABB3E7B80}"/>
+              </a:ext>
+            </a:extLst>
+          </p:cNvPr>
+          <p:cNvCxnSpPr>
+            <a:cxnSpLocks/>
+          </p:cNvCxnSpPr>
+          <p:nvPr/>
+        </p:nvCxnSpPr>
+        <p:spPr>
+          <a:xfrm>
+            <a:off x="3380014" y="1933914"/>
+            <a:ext cx="0" cy="277586"/>
+          </a:xfrm>
+          <a:prstGeom prst="line">
+            <a:avLst/>
+          </a:prstGeom>
+          <a:ln w="38100">
+            <a:solidFill>
+              <a:srgbClr val="00B050"/>
+            </a:solidFill>
+          </a:ln>
+        </p:spPr>
+        <p:style>
+          <a:lnRef idx="1">
+            <a:schemeClr val="accent1"/>
+          </a:lnRef>
+          <a:fillRef idx="0">
+            <a:schemeClr val="accent1"/>
+          </a:fillRef>
+          <a:effectRef idx="0">
+            <a:schemeClr val="accent1"/>
+          </a:effectRef>
+          <a:fontRef idx="minor">
+            <a:schemeClr val="tx1"/>
+          </a:fontRef>
+        </p:style>
+      </p:cxnSp>
+      <p:cxnSp>
+        <p:nvCxnSpPr>
+          <p:cNvPr id="14" name="직선 연결선 13">
+            <a:extLst>
+              <a:ext uri="{FF2B5EF4-FFF2-40B4-BE49-F238E27FC236}">
+                <a16:creationId xmlns:a16="http://schemas.microsoft.com/office/drawing/2014/main" id="{472893CC-E7CF-1E6E-1825-D69BF37CFE0A}"/>
+              </a:ext>
+            </a:extLst>
+          </p:cNvPr>
+          <p:cNvCxnSpPr>
+            <a:cxnSpLocks/>
+          </p:cNvCxnSpPr>
+          <p:nvPr/>
+        </p:nvCxnSpPr>
+        <p:spPr>
+          <a:xfrm flipH="1">
+            <a:off x="2400300" y="2775857"/>
+            <a:ext cx="367393" cy="0"/>
+          </a:xfrm>
+          <a:prstGeom prst="line">
+            <a:avLst/>
+          </a:prstGeom>
+          <a:ln w="38100">
+            <a:solidFill>
+              <a:srgbClr val="00B050"/>
+            </a:solidFill>
+          </a:ln>
+        </p:spPr>
+        <p:style>
+          <a:lnRef idx="1">
+            <a:schemeClr val="accent1"/>
+          </a:lnRef>
+          <a:fillRef idx="0">
+            <a:schemeClr val="accent1"/>
+          </a:fillRef>
+          <a:effectRef idx="0">
+            <a:schemeClr val="accent1"/>
+          </a:effectRef>
+          <a:fontRef idx="minor">
+            <a:schemeClr val="tx1"/>
+          </a:fontRef>
+        </p:style>
+      </p:cxnSp>
+      <p:sp>
+        <p:nvSpPr>
+          <p:cNvPr id="19" name="직사각형 18">
+            <a:extLst>
+              <a:ext uri="{FF2B5EF4-FFF2-40B4-BE49-F238E27FC236}">
+                <a16:creationId xmlns:a16="http://schemas.microsoft.com/office/drawing/2014/main" id="{F1EBCA5E-CFC3-4614-4313-C29ED8EFE6AD}"/>
+              </a:ext>
+            </a:extLst>
+          </p:cNvPr>
+          <p:cNvSpPr/>
+          <p:nvPr/>
+        </p:nvSpPr>
+        <p:spPr>
+          <a:xfrm>
+            <a:off x="4947557" y="2775857"/>
+            <a:ext cx="1148443" cy="514349"/>
+          </a:xfrm>
+          <a:prstGeom prst="rect">
+            <a:avLst/>
+          </a:prstGeom>
+          <a:noFill/>
+          <a:ln w="38100">
+            <a:solidFill>
+              <a:srgbClr val="00B050"/>
+            </a:solidFill>
+          </a:ln>
+        </p:spPr>
+        <p:style>
+          <a:lnRef idx="2">
+            <a:schemeClr val="accent1">
+              <a:shade val="50000"/>
+            </a:schemeClr>
+          </a:lnRef>
+          <a:fillRef idx="1">
+            <a:schemeClr val="accent1"/>
+          </a:fillRef>
+          <a:effectRef idx="0">
+            <a:schemeClr val="accent1"/>
+          </a:effectRef>
+          <a:fontRef idx="minor">
+            <a:schemeClr val="lt1"/>
+          </a:fontRef>
+        </p:style>
+        <p:txBody>
+          <a:bodyPr rtlCol="0" anchor="ctr"/>
+          <a:lstStyle/>
+          <a:p>
+            <a:pPr algn="ctr"/>
+            <a:endParaRPr lang="ko-KR" altLang="en-US" dirty="0"/>
+          </a:p>
+        </p:txBody>
+      </p:sp>
+      <p:sp>
+        <p:nvSpPr>
+          <p:cNvPr id="20" name="타원 19">
+            <a:extLst>
+              <a:ext uri="{FF2B5EF4-FFF2-40B4-BE49-F238E27FC236}">
+                <a16:creationId xmlns:a16="http://schemas.microsoft.com/office/drawing/2014/main" id="{713A3511-A28E-A644-D235-3368A0ADACE6}"/>
+              </a:ext>
+            </a:extLst>
+          </p:cNvPr>
+          <p:cNvSpPr/>
+          <p:nvPr/>
+        </p:nvSpPr>
+        <p:spPr>
+          <a:xfrm>
+            <a:off x="3269796" y="3126920"/>
+            <a:ext cx="220436" cy="220436"/>
+          </a:xfrm>
+          <a:prstGeom prst="ellipse">
+            <a:avLst/>
+          </a:prstGeom>
+          <a:noFill/>
+          <a:ln w="38100">
+            <a:solidFill>
+              <a:srgbClr val="00B050"/>
+            </a:solidFill>
+          </a:ln>
+        </p:spPr>
+        <p:style>
+          <a:lnRef idx="2">
+            <a:schemeClr val="accent1">
+              <a:shade val="50000"/>
+            </a:schemeClr>
+          </a:lnRef>
+          <a:fillRef idx="1">
+            <a:schemeClr val="accent1"/>
+          </a:fillRef>
+          <a:effectRef idx="0">
+            <a:schemeClr val="accent1"/>
+          </a:effectRef>
+          <a:fontRef idx="minor">
+            <a:schemeClr val="lt1"/>
+          </a:fontRef>
+        </p:style>
+        <p:txBody>
+          <a:bodyPr rtlCol="0" anchor="ctr"/>
+          <a:lstStyle/>
+          <a:p>
+            <a:pPr algn="ctr"/>
+            <a:endParaRPr lang="ko-KR" altLang="en-US"/>
+          </a:p>
+        </p:txBody>
+      </p:sp>
+      <p:sp>
+        <p:nvSpPr>
+          <p:cNvPr id="21" name="TextBox 20">
+            <a:extLst>
+              <a:ext uri="{FF2B5EF4-FFF2-40B4-BE49-F238E27FC236}">
+                <a16:creationId xmlns:a16="http://schemas.microsoft.com/office/drawing/2014/main" id="{5D8F43BF-4D6B-4436-ADC0-B743D8B08906}"/>
+              </a:ext>
+            </a:extLst>
+          </p:cNvPr>
+          <p:cNvSpPr txBox="1"/>
+          <p:nvPr/>
+        </p:nvSpPr>
+        <p:spPr>
+          <a:xfrm>
+            <a:off x="3390120" y="3624943"/>
+            <a:ext cx="548548" cy="369332"/>
+          </a:xfrm>
+          <a:prstGeom prst="rect">
+            <a:avLst/>
+          </a:prstGeom>
+          <a:noFill/>
+        </p:spPr>
+        <p:txBody>
+          <a:bodyPr wrap="none" rtlCol="0">
+            <a:spAutoFit/>
+          </a:bodyPr>
+          <a:lstStyle/>
+          <a:p>
+            <a:r>
+              <a:rPr lang="en-US" altLang="ko-KR" b="1" dirty="0"/>
+              <a:t>5</a:t>
+            </a:r>
+            <a:r>
+              <a:rPr lang="ko-KR" altLang="en-US" b="1" dirty="0"/>
+              <a:t>개</a:t>
+            </a:r>
+          </a:p>
+        </p:txBody>
+      </p:sp>
+      <p:sp>
+        <p:nvSpPr>
+          <p:cNvPr id="22" name="TextBox 21">
+            <a:extLst>
+              <a:ext uri="{FF2B5EF4-FFF2-40B4-BE49-F238E27FC236}">
+                <a16:creationId xmlns:a16="http://schemas.microsoft.com/office/drawing/2014/main" id="{27C166DA-9CAA-75FF-05A9-DC9FBA6AD1F1}"/>
+              </a:ext>
+            </a:extLst>
+          </p:cNvPr>
+          <p:cNvSpPr txBox="1"/>
+          <p:nvPr/>
+        </p:nvSpPr>
+        <p:spPr>
+          <a:xfrm>
+            <a:off x="130629" y="130629"/>
+            <a:ext cx="3219023" cy="369332"/>
+          </a:xfrm>
+          <a:prstGeom prst="rect">
+            <a:avLst/>
+          </a:prstGeom>
+          <a:noFill/>
+        </p:spPr>
+        <p:txBody>
+          <a:bodyPr wrap="none" rtlCol="0">
+            <a:spAutoFit/>
+          </a:bodyPr>
+          <a:lstStyle/>
+          <a:p>
+            <a:r>
+              <a:rPr lang="en-US" altLang="ko-KR" dirty="0"/>
+              <a:t>1012</a:t>
+            </a:r>
+            <a:r>
+              <a:rPr lang="ko-KR" altLang="en-US" dirty="0"/>
+              <a:t> </a:t>
+            </a:r>
+            <a:r>
+              <a:rPr lang="ko-KR" altLang="en-US" dirty="0" err="1"/>
+              <a:t>유기농배추</a:t>
+            </a:r>
+            <a:r>
+              <a:rPr lang="ko-KR" altLang="en-US" dirty="0"/>
+              <a:t>  </a:t>
+            </a:r>
+            <a:r>
+              <a:rPr lang="en-US" altLang="ko-KR" dirty="0"/>
+              <a:t>#DFS,</a:t>
+            </a:r>
+            <a:r>
+              <a:rPr lang="ko-KR" altLang="en-US" dirty="0"/>
+              <a:t> </a:t>
+            </a:r>
+            <a:r>
+              <a:rPr lang="en-US" altLang="ko-KR" dirty="0"/>
+              <a:t>BFS</a:t>
+            </a:r>
+            <a:endParaRPr lang="ko-KR" altLang="en-US" dirty="0"/>
+          </a:p>
+        </p:txBody>
+      </p:sp>
+    </p:spTree>
+    <p:extLst>
+      <p:ext uri="{BB962C8B-B14F-4D97-AF65-F5344CB8AC3E}">
+        <p14:creationId xmlns:p14="http://schemas.microsoft.com/office/powerpoint/2010/main" val="3990574556"/>
       </p:ext>
     </p:extLst>
   </p:cSld>

--- a/참고자료.pptx
+++ b/참고자료.pptx
@@ -11,6 +11,7 @@
     <p:sldId id="256" r:id="rId5"/>
     <p:sldId id="257" r:id="rId6"/>
     <p:sldId id="261" r:id="rId7"/>
+    <p:sldId id="262" r:id="rId8"/>
   </p:sldIdLst>
   <p:sldSz cx="12192000" cy="6858000"/>
   <p:notesSz cx="6858000" cy="9144000"/>
@@ -264,7 +265,7 @@
           <a:p>
             <a:fld id="{79000915-8F6C-483C-9EF6-9DDB3374F9AC}" type="datetimeFigureOut">
               <a:rPr lang="ko-KR" altLang="en-US" smtClean="0"/>
-              <a:t>2022-09-27</a:t>
+              <a:t>2022-09-28</a:t>
             </a:fld>
             <a:endParaRPr lang="ko-KR" altLang="en-US"/>
           </a:p>
@@ -462,7 +463,7 @@
           <a:p>
             <a:fld id="{79000915-8F6C-483C-9EF6-9DDB3374F9AC}" type="datetimeFigureOut">
               <a:rPr lang="ko-KR" altLang="en-US" smtClean="0"/>
-              <a:t>2022-09-27</a:t>
+              <a:t>2022-09-28</a:t>
             </a:fld>
             <a:endParaRPr lang="ko-KR" altLang="en-US"/>
           </a:p>
@@ -670,7 +671,7 @@
           <a:p>
             <a:fld id="{79000915-8F6C-483C-9EF6-9DDB3374F9AC}" type="datetimeFigureOut">
               <a:rPr lang="ko-KR" altLang="en-US" smtClean="0"/>
-              <a:t>2022-09-27</a:t>
+              <a:t>2022-09-28</a:t>
             </a:fld>
             <a:endParaRPr lang="ko-KR" altLang="en-US"/>
           </a:p>
@@ -868,7 +869,7 @@
           <a:p>
             <a:fld id="{79000915-8F6C-483C-9EF6-9DDB3374F9AC}" type="datetimeFigureOut">
               <a:rPr lang="ko-KR" altLang="en-US" smtClean="0"/>
-              <a:t>2022-09-27</a:t>
+              <a:t>2022-09-28</a:t>
             </a:fld>
             <a:endParaRPr lang="ko-KR" altLang="en-US"/>
           </a:p>
@@ -1143,7 +1144,7 @@
           <a:p>
             <a:fld id="{79000915-8F6C-483C-9EF6-9DDB3374F9AC}" type="datetimeFigureOut">
               <a:rPr lang="ko-KR" altLang="en-US" smtClean="0"/>
-              <a:t>2022-09-27</a:t>
+              <a:t>2022-09-28</a:t>
             </a:fld>
             <a:endParaRPr lang="ko-KR" altLang="en-US"/>
           </a:p>
@@ -1408,7 +1409,7 @@
           <a:p>
             <a:fld id="{79000915-8F6C-483C-9EF6-9DDB3374F9AC}" type="datetimeFigureOut">
               <a:rPr lang="ko-KR" altLang="en-US" smtClean="0"/>
-              <a:t>2022-09-27</a:t>
+              <a:t>2022-09-28</a:t>
             </a:fld>
             <a:endParaRPr lang="ko-KR" altLang="en-US"/>
           </a:p>
@@ -1820,7 +1821,7 @@
           <a:p>
             <a:fld id="{79000915-8F6C-483C-9EF6-9DDB3374F9AC}" type="datetimeFigureOut">
               <a:rPr lang="ko-KR" altLang="en-US" smtClean="0"/>
-              <a:t>2022-09-27</a:t>
+              <a:t>2022-09-28</a:t>
             </a:fld>
             <a:endParaRPr lang="ko-KR" altLang="en-US"/>
           </a:p>
@@ -1961,7 +1962,7 @@
           <a:p>
             <a:fld id="{79000915-8F6C-483C-9EF6-9DDB3374F9AC}" type="datetimeFigureOut">
               <a:rPr lang="ko-KR" altLang="en-US" smtClean="0"/>
-              <a:t>2022-09-27</a:t>
+              <a:t>2022-09-28</a:t>
             </a:fld>
             <a:endParaRPr lang="ko-KR" altLang="en-US"/>
           </a:p>
@@ -2074,7 +2075,7 @@
           <a:p>
             <a:fld id="{79000915-8F6C-483C-9EF6-9DDB3374F9AC}" type="datetimeFigureOut">
               <a:rPr lang="ko-KR" altLang="en-US" smtClean="0"/>
-              <a:t>2022-09-27</a:t>
+              <a:t>2022-09-28</a:t>
             </a:fld>
             <a:endParaRPr lang="ko-KR" altLang="en-US"/>
           </a:p>
@@ -2385,7 +2386,7 @@
           <a:p>
             <a:fld id="{79000915-8F6C-483C-9EF6-9DDB3374F9AC}" type="datetimeFigureOut">
               <a:rPr lang="ko-KR" altLang="en-US" smtClean="0"/>
-              <a:t>2022-09-27</a:t>
+              <a:t>2022-09-28</a:t>
             </a:fld>
             <a:endParaRPr lang="ko-KR" altLang="en-US"/>
           </a:p>
@@ -2673,7 +2674,7 @@
           <a:p>
             <a:fld id="{79000915-8F6C-483C-9EF6-9DDB3374F9AC}" type="datetimeFigureOut">
               <a:rPr lang="ko-KR" altLang="en-US" smtClean="0"/>
-              <a:t>2022-09-27</a:t>
+              <a:t>2022-09-28</a:t>
             </a:fld>
             <a:endParaRPr lang="ko-KR" altLang="en-US"/>
           </a:p>
@@ -2914,7 +2915,7 @@
           <a:p>
             <a:fld id="{79000915-8F6C-483C-9EF6-9DDB3374F9AC}" type="datetimeFigureOut">
               <a:rPr lang="ko-KR" altLang="en-US" smtClean="0"/>
-              <a:t>2022-09-27</a:t>
+              <a:t>2022-09-28</a:t>
             </a:fld>
             <a:endParaRPr lang="ko-KR" altLang="en-US"/>
           </a:p>
@@ -9553,10 +9554,3698 @@
           </a:p>
         </p:txBody>
       </p:sp>
+      <p:sp>
+        <p:nvSpPr>
+          <p:cNvPr id="2" name="TextBox 1">
+            <a:extLst>
+              <a:ext uri="{FF2B5EF4-FFF2-40B4-BE49-F238E27FC236}">
+                <a16:creationId xmlns:a16="http://schemas.microsoft.com/office/drawing/2014/main" id="{E2D6E990-962A-C995-8080-72C5DEE3C181}"/>
+              </a:ext>
+            </a:extLst>
+          </p:cNvPr>
+          <p:cNvSpPr txBox="1"/>
+          <p:nvPr/>
+        </p:nvSpPr>
+        <p:spPr>
+          <a:xfrm>
+            <a:off x="7141030" y="315295"/>
+            <a:ext cx="4240263" cy="369332"/>
+          </a:xfrm>
+          <a:prstGeom prst="rect">
+            <a:avLst/>
+          </a:prstGeom>
+          <a:noFill/>
+        </p:spPr>
+        <p:txBody>
+          <a:bodyPr wrap="none" rtlCol="0">
+            <a:spAutoFit/>
+          </a:bodyPr>
+          <a:lstStyle/>
+          <a:p>
+            <a:r>
+              <a:rPr lang="en-US" altLang="ko-KR" dirty="0"/>
+              <a:t>2775</a:t>
+            </a:r>
+            <a:r>
+              <a:rPr lang="ko-KR" altLang="en-US" dirty="0"/>
+              <a:t> 부녀회장  </a:t>
+            </a:r>
+            <a:r>
+              <a:rPr lang="en-US" altLang="ko-KR" dirty="0"/>
+              <a:t>#</a:t>
+            </a:r>
+            <a:r>
+              <a:rPr lang="ko-KR" altLang="en-US" dirty="0"/>
+              <a:t>다이나믹 프로그래밍</a:t>
+            </a:r>
+          </a:p>
+        </p:txBody>
+      </p:sp>
+      <p:sp>
+        <p:nvSpPr>
+          <p:cNvPr id="3" name="TextBox 2">
+            <a:extLst>
+              <a:ext uri="{FF2B5EF4-FFF2-40B4-BE49-F238E27FC236}">
+                <a16:creationId xmlns:a16="http://schemas.microsoft.com/office/drawing/2014/main" id="{A5A3F3B9-51DF-4F8E-C374-36EEAD541658}"/>
+              </a:ext>
+            </a:extLst>
+          </p:cNvPr>
+          <p:cNvSpPr txBox="1"/>
+          <p:nvPr/>
+        </p:nvSpPr>
+        <p:spPr>
+          <a:xfrm>
+            <a:off x="7347014" y="805347"/>
+            <a:ext cx="3632726" cy="369332"/>
+          </a:xfrm>
+          <a:prstGeom prst="rect">
+            <a:avLst/>
+          </a:prstGeom>
+          <a:noFill/>
+        </p:spPr>
+        <p:txBody>
+          <a:bodyPr wrap="none" rtlCol="0">
+            <a:spAutoFit/>
+          </a:bodyPr>
+          <a:lstStyle/>
+          <a:p>
+            <a:r>
+              <a:rPr lang="en-US" altLang="ko-KR" b="1" dirty="0"/>
+              <a:t>K=</a:t>
+            </a:r>
+            <a:r>
+              <a:rPr lang="ko-KR" altLang="en-US" b="1" dirty="0"/>
+              <a:t>층</a:t>
+            </a:r>
+            <a:r>
+              <a:rPr lang="en-US" altLang="ko-KR" b="1" dirty="0"/>
+              <a:t>, N=</a:t>
+            </a:r>
+            <a:r>
+              <a:rPr lang="ko-KR" altLang="en-US" b="1" dirty="0"/>
+              <a:t>호실   </a:t>
+            </a:r>
+            <a:r>
+              <a:rPr lang="en-US" altLang="ko-KR" b="1" dirty="0"/>
+              <a:t>K=1,</a:t>
+            </a:r>
+            <a:r>
+              <a:rPr lang="ko-KR" altLang="en-US" b="1" dirty="0"/>
+              <a:t>  </a:t>
+            </a:r>
+            <a:r>
+              <a:rPr lang="en-US" altLang="ko-KR" b="1" dirty="0"/>
+              <a:t>N=3</a:t>
+            </a:r>
+            <a:r>
+              <a:rPr lang="ko-KR" altLang="en-US" b="1" dirty="0"/>
+              <a:t> 가정</a:t>
+            </a:r>
+          </a:p>
+        </p:txBody>
+      </p:sp>
+      <p:sp>
+        <p:nvSpPr>
+          <p:cNvPr id="4" name="TextBox 3">
+            <a:extLst>
+              <a:ext uri="{FF2B5EF4-FFF2-40B4-BE49-F238E27FC236}">
+                <a16:creationId xmlns:a16="http://schemas.microsoft.com/office/drawing/2014/main" id="{31229F5E-FE64-9FD4-39FD-F3EFB7AE8139}"/>
+              </a:ext>
+            </a:extLst>
+          </p:cNvPr>
+          <p:cNvSpPr txBox="1"/>
+          <p:nvPr/>
+        </p:nvSpPr>
+        <p:spPr>
+          <a:xfrm>
+            <a:off x="6531575" y="1295399"/>
+            <a:ext cx="5459171" cy="369332"/>
+          </a:xfrm>
+          <a:prstGeom prst="rect">
+            <a:avLst/>
+          </a:prstGeom>
+          <a:noFill/>
+        </p:spPr>
+        <p:txBody>
+          <a:bodyPr wrap="square" rtlCol="0">
+            <a:spAutoFit/>
+          </a:bodyPr>
+          <a:lstStyle/>
+          <a:p>
+            <a:r>
+              <a:rPr lang="en-US" altLang="ko-KR" b="1" dirty="0"/>
+              <a:t>K</a:t>
+            </a:r>
+            <a:r>
+              <a:rPr lang="ko-KR" altLang="en-US" b="1" dirty="0"/>
+              <a:t>층 </a:t>
+            </a:r>
+            <a:r>
+              <a:rPr lang="en-US" altLang="ko-KR" b="1" dirty="0"/>
+              <a:t>N</a:t>
+            </a:r>
+            <a:r>
+              <a:rPr lang="ko-KR" altLang="en-US" b="1" dirty="0"/>
+              <a:t>방의 수 </a:t>
+            </a:r>
+            <a:r>
+              <a:rPr lang="en-US" altLang="ko-KR" b="1" dirty="0"/>
+              <a:t>= (K</a:t>
+            </a:r>
+            <a:r>
+              <a:rPr lang="ko-KR" altLang="en-US" b="1" dirty="0"/>
+              <a:t>층 </a:t>
+            </a:r>
+            <a:r>
+              <a:rPr lang="en-US" altLang="ko-KR" b="1" dirty="0"/>
+              <a:t>N-1</a:t>
+            </a:r>
+            <a:r>
+              <a:rPr lang="ko-KR" altLang="en-US" b="1" dirty="0"/>
+              <a:t>방 수</a:t>
+            </a:r>
+            <a:r>
+              <a:rPr lang="en-US" altLang="ko-KR" b="1" dirty="0"/>
+              <a:t>) + (K-1</a:t>
+            </a:r>
+            <a:r>
+              <a:rPr lang="ko-KR" altLang="en-US" b="1" dirty="0"/>
+              <a:t>층 </a:t>
+            </a:r>
+            <a:r>
+              <a:rPr lang="en-US" altLang="ko-KR" b="1" dirty="0"/>
+              <a:t>N</a:t>
+            </a:r>
+            <a:r>
+              <a:rPr lang="ko-KR" altLang="en-US" b="1" dirty="0"/>
+              <a:t>방 수</a:t>
+            </a:r>
+            <a:r>
+              <a:rPr lang="en-US" altLang="ko-KR" b="1" dirty="0"/>
+              <a:t>)</a:t>
+            </a:r>
+            <a:endParaRPr lang="ko-KR" altLang="en-US" b="1" dirty="0"/>
+          </a:p>
+        </p:txBody>
+      </p:sp>
+      <p:graphicFrame>
+        <p:nvGraphicFramePr>
+          <p:cNvPr id="6" name="표 6">
+            <a:extLst>
+              <a:ext uri="{FF2B5EF4-FFF2-40B4-BE49-F238E27FC236}">
+                <a16:creationId xmlns:a16="http://schemas.microsoft.com/office/drawing/2014/main" id="{65FB39F2-CE34-73F9-BE1E-560B97583368}"/>
+              </a:ext>
+            </a:extLst>
+          </p:cNvPr>
+          <p:cNvGraphicFramePr>
+            <a:graphicFrameLocks noGrp="1"/>
+          </p:cNvGraphicFramePr>
+          <p:nvPr>
+            <p:extLst>
+              <p:ext uri="{D42A27DB-BD31-4B8C-83A1-F6EECF244321}">
+                <p14:modId xmlns:p14="http://schemas.microsoft.com/office/powerpoint/2010/main" val="2127082711"/>
+              </p:ext>
+            </p:extLst>
+          </p:nvPr>
+        </p:nvGraphicFramePr>
+        <p:xfrm>
+          <a:off x="7492932" y="1873461"/>
+          <a:ext cx="1670445" cy="447477"/>
+        </p:xfrm>
+        <a:graphic>
+          <a:graphicData uri="http://schemas.openxmlformats.org/drawingml/2006/table">
+            <a:tbl>
+              <a:tblPr firstRow="1" bandRow="1">
+                <a:tableStyleId>{5C22544A-7EE6-4342-B048-85BDC9FD1C3A}</a:tableStyleId>
+              </a:tblPr>
+              <a:tblGrid>
+                <a:gridCol w="556815">
+                  <a:extLst>
+                    <a:ext uri="{9D8B030D-6E8A-4147-A177-3AD203B41FA5}">
+                      <a16:colId xmlns:a16="http://schemas.microsoft.com/office/drawing/2014/main" val="3429469581"/>
+                    </a:ext>
+                  </a:extLst>
+                </a:gridCol>
+                <a:gridCol w="556815">
+                  <a:extLst>
+                    <a:ext uri="{9D8B030D-6E8A-4147-A177-3AD203B41FA5}">
+                      <a16:colId xmlns:a16="http://schemas.microsoft.com/office/drawing/2014/main" val="1386934304"/>
+                    </a:ext>
+                  </a:extLst>
+                </a:gridCol>
+                <a:gridCol w="556815">
+                  <a:extLst>
+                    <a:ext uri="{9D8B030D-6E8A-4147-A177-3AD203B41FA5}">
+                      <a16:colId xmlns:a16="http://schemas.microsoft.com/office/drawing/2014/main" val="915684080"/>
+                    </a:ext>
+                  </a:extLst>
+                </a:gridCol>
+              </a:tblGrid>
+              <a:tr h="447477">
+                <a:tc>
+                  <a:txBody>
+                    <a:bodyPr/>
+                    <a:lstStyle/>
+                    <a:p>
+                      <a:pPr algn="ctr" latinLnBrk="1"/>
+                      <a:r>
+                        <a:rPr lang="en-US" altLang="ko-KR" dirty="0">
+                          <a:solidFill>
+                            <a:schemeClr val="tx1">
+                              <a:lumMod val="95000"/>
+                              <a:lumOff val="5000"/>
+                            </a:schemeClr>
+                          </a:solidFill>
+                        </a:rPr>
+                        <a:t>1</a:t>
+                      </a:r>
+                      <a:endParaRPr lang="ko-KR" altLang="en-US" dirty="0">
+                        <a:solidFill>
+                          <a:schemeClr val="tx1">
+                            <a:lumMod val="95000"/>
+                            <a:lumOff val="5000"/>
+                          </a:schemeClr>
+                        </a:solidFill>
+                      </a:endParaRPr>
+                    </a:p>
+                  </a:txBody>
+                  <a:tcPr anchor="ctr">
+                    <a:lnL w="12700" cap="flat" cmpd="sng" algn="ctr">
+                      <a:solidFill>
+                        <a:schemeClr val="tx1"/>
+                      </a:solidFill>
+                      <a:prstDash val="solid"/>
+                      <a:round/>
+                      <a:headEnd type="none" w="med" len="med"/>
+                      <a:tailEnd type="none" w="med" len="med"/>
+                    </a:lnL>
+                    <a:lnR w="12700" cap="flat" cmpd="sng" algn="ctr">
+                      <a:solidFill>
+                        <a:schemeClr val="tx1"/>
+                      </a:solidFill>
+                      <a:prstDash val="solid"/>
+                      <a:round/>
+                      <a:headEnd type="none" w="med" len="med"/>
+                      <a:tailEnd type="none" w="med" len="med"/>
+                    </a:lnR>
+                    <a:lnT w="12700" cap="flat" cmpd="sng" algn="ctr">
+                      <a:solidFill>
+                        <a:schemeClr val="tx1"/>
+                      </a:solidFill>
+                      <a:prstDash val="solid"/>
+                      <a:round/>
+                      <a:headEnd type="none" w="med" len="med"/>
+                      <a:tailEnd type="none" w="med" len="med"/>
+                    </a:lnT>
+                    <a:lnB w="12700" cap="flat" cmpd="sng" algn="ctr">
+                      <a:solidFill>
+                        <a:schemeClr val="tx1"/>
+                      </a:solidFill>
+                      <a:prstDash val="solid"/>
+                      <a:round/>
+                      <a:headEnd type="none" w="med" len="med"/>
+                      <a:tailEnd type="none" w="med" len="med"/>
+                    </a:lnB>
+                    <a:lnTlToBr w="12700" cmpd="sng">
+                      <a:noFill/>
+                      <a:prstDash val="solid"/>
+                    </a:lnTlToBr>
+                    <a:lnBlToTr w="12700" cmpd="sng">
+                      <a:noFill/>
+                      <a:prstDash val="solid"/>
+                    </a:lnBlToTr>
+                    <a:solidFill>
+                      <a:schemeClr val="accent6">
+                        <a:lumMod val="40000"/>
+                        <a:lumOff val="60000"/>
+                      </a:schemeClr>
+                    </a:solidFill>
+                  </a:tcPr>
+                </a:tc>
+                <a:tc>
+                  <a:txBody>
+                    <a:bodyPr/>
+                    <a:lstStyle/>
+                    <a:p>
+                      <a:pPr algn="ctr" latinLnBrk="1"/>
+                      <a:r>
+                        <a:rPr lang="en-US" altLang="ko-KR" dirty="0">
+                          <a:solidFill>
+                            <a:schemeClr val="tx1">
+                              <a:lumMod val="95000"/>
+                              <a:lumOff val="5000"/>
+                            </a:schemeClr>
+                          </a:solidFill>
+                        </a:rPr>
+                        <a:t>2</a:t>
+                      </a:r>
+                      <a:endParaRPr lang="ko-KR" altLang="en-US" dirty="0">
+                        <a:solidFill>
+                          <a:schemeClr val="tx1">
+                            <a:lumMod val="95000"/>
+                            <a:lumOff val="5000"/>
+                          </a:schemeClr>
+                        </a:solidFill>
+                      </a:endParaRPr>
+                    </a:p>
+                  </a:txBody>
+                  <a:tcPr anchor="ctr">
+                    <a:lnL w="12700" cap="flat" cmpd="sng" algn="ctr">
+                      <a:solidFill>
+                        <a:schemeClr val="tx1"/>
+                      </a:solidFill>
+                      <a:prstDash val="solid"/>
+                      <a:round/>
+                      <a:headEnd type="none" w="med" len="med"/>
+                      <a:tailEnd type="none" w="med" len="med"/>
+                    </a:lnL>
+                    <a:lnR w="12700" cap="flat" cmpd="sng" algn="ctr">
+                      <a:solidFill>
+                        <a:schemeClr val="tx1"/>
+                      </a:solidFill>
+                      <a:prstDash val="solid"/>
+                      <a:round/>
+                      <a:headEnd type="none" w="med" len="med"/>
+                      <a:tailEnd type="none" w="med" len="med"/>
+                    </a:lnR>
+                    <a:lnT w="12700" cap="flat" cmpd="sng" algn="ctr">
+                      <a:solidFill>
+                        <a:schemeClr val="tx1"/>
+                      </a:solidFill>
+                      <a:prstDash val="solid"/>
+                      <a:round/>
+                      <a:headEnd type="none" w="med" len="med"/>
+                      <a:tailEnd type="none" w="med" len="med"/>
+                    </a:lnT>
+                    <a:lnB w="12700" cap="flat" cmpd="sng" algn="ctr">
+                      <a:solidFill>
+                        <a:schemeClr val="tx1"/>
+                      </a:solidFill>
+                      <a:prstDash val="solid"/>
+                      <a:round/>
+                      <a:headEnd type="none" w="med" len="med"/>
+                      <a:tailEnd type="none" w="med" len="med"/>
+                    </a:lnB>
+                    <a:lnTlToBr w="12700" cmpd="sng">
+                      <a:noFill/>
+                      <a:prstDash val="solid"/>
+                    </a:lnTlToBr>
+                    <a:lnBlToTr w="12700" cmpd="sng">
+                      <a:noFill/>
+                      <a:prstDash val="solid"/>
+                    </a:lnBlToTr>
+                    <a:solidFill>
+                      <a:schemeClr val="accent6">
+                        <a:lumMod val="40000"/>
+                        <a:lumOff val="60000"/>
+                      </a:schemeClr>
+                    </a:solidFill>
+                  </a:tcPr>
+                </a:tc>
+                <a:tc>
+                  <a:txBody>
+                    <a:bodyPr/>
+                    <a:lstStyle/>
+                    <a:p>
+                      <a:pPr algn="ctr" latinLnBrk="1"/>
+                      <a:r>
+                        <a:rPr lang="en-US" altLang="ko-KR" dirty="0">
+                          <a:solidFill>
+                            <a:schemeClr val="tx1">
+                              <a:lumMod val="95000"/>
+                              <a:lumOff val="5000"/>
+                            </a:schemeClr>
+                          </a:solidFill>
+                        </a:rPr>
+                        <a:t>3</a:t>
+                      </a:r>
+                      <a:endParaRPr lang="ko-KR" altLang="en-US" dirty="0">
+                        <a:solidFill>
+                          <a:schemeClr val="tx1">
+                            <a:lumMod val="95000"/>
+                            <a:lumOff val="5000"/>
+                          </a:schemeClr>
+                        </a:solidFill>
+                      </a:endParaRPr>
+                    </a:p>
+                  </a:txBody>
+                  <a:tcPr anchor="ctr">
+                    <a:lnL w="12700" cap="flat" cmpd="sng" algn="ctr">
+                      <a:solidFill>
+                        <a:schemeClr val="tx1"/>
+                      </a:solidFill>
+                      <a:prstDash val="solid"/>
+                      <a:round/>
+                      <a:headEnd type="none" w="med" len="med"/>
+                      <a:tailEnd type="none" w="med" len="med"/>
+                    </a:lnL>
+                    <a:lnR w="12700" cap="flat" cmpd="sng" algn="ctr">
+                      <a:solidFill>
+                        <a:schemeClr val="tx1"/>
+                      </a:solidFill>
+                      <a:prstDash val="solid"/>
+                      <a:round/>
+                      <a:headEnd type="none" w="med" len="med"/>
+                      <a:tailEnd type="none" w="med" len="med"/>
+                    </a:lnR>
+                    <a:lnT w="12700" cap="flat" cmpd="sng" algn="ctr">
+                      <a:solidFill>
+                        <a:schemeClr val="tx1"/>
+                      </a:solidFill>
+                      <a:prstDash val="solid"/>
+                      <a:round/>
+                      <a:headEnd type="none" w="med" len="med"/>
+                      <a:tailEnd type="none" w="med" len="med"/>
+                    </a:lnT>
+                    <a:lnB w="12700" cap="flat" cmpd="sng" algn="ctr">
+                      <a:solidFill>
+                        <a:schemeClr val="tx1"/>
+                      </a:solidFill>
+                      <a:prstDash val="solid"/>
+                      <a:round/>
+                      <a:headEnd type="none" w="med" len="med"/>
+                      <a:tailEnd type="none" w="med" len="med"/>
+                    </a:lnB>
+                    <a:lnTlToBr w="12700" cmpd="sng">
+                      <a:noFill/>
+                      <a:prstDash val="solid"/>
+                    </a:lnTlToBr>
+                    <a:lnBlToTr w="12700" cmpd="sng">
+                      <a:noFill/>
+                      <a:prstDash val="solid"/>
+                    </a:lnBlToTr>
+                    <a:solidFill>
+                      <a:schemeClr val="accent6">
+                        <a:lumMod val="40000"/>
+                        <a:lumOff val="60000"/>
+                      </a:schemeClr>
+                    </a:solidFill>
+                  </a:tcPr>
+                </a:tc>
+                <a:extLst>
+                  <a:ext uri="{0D108BD9-81ED-4DB2-BD59-A6C34878D82A}">
+                    <a16:rowId xmlns:a16="http://schemas.microsoft.com/office/drawing/2014/main" val="4214331581"/>
+                  </a:ext>
+                </a:extLst>
+              </a:tr>
+            </a:tbl>
+          </a:graphicData>
+        </a:graphic>
+      </p:graphicFrame>
+      <p:sp>
+        <p:nvSpPr>
+          <p:cNvPr id="7" name="TextBox 6">
+            <a:extLst>
+              <a:ext uri="{FF2B5EF4-FFF2-40B4-BE49-F238E27FC236}">
+                <a16:creationId xmlns:a16="http://schemas.microsoft.com/office/drawing/2014/main" id="{57689385-0DF1-7DF6-7EB3-4CA3FF47E146}"/>
+              </a:ext>
+            </a:extLst>
+          </p:cNvPr>
+          <p:cNvSpPr txBox="1"/>
+          <p:nvPr/>
+        </p:nvSpPr>
+        <p:spPr>
+          <a:xfrm>
+            <a:off x="9355577" y="1912534"/>
+            <a:ext cx="1624163" cy="369332"/>
+          </a:xfrm>
+          <a:prstGeom prst="rect">
+            <a:avLst/>
+          </a:prstGeom>
+          <a:noFill/>
+        </p:spPr>
+        <p:txBody>
+          <a:bodyPr wrap="none" rtlCol="0">
+            <a:spAutoFit/>
+          </a:bodyPr>
+          <a:lstStyle/>
+          <a:p>
+            <a:r>
+              <a:rPr lang="en-US" altLang="ko-KR" dirty="0">
+                <a:sym typeface="Wingdings" panose="05000000000000000000" pitchFamily="2" charset="2"/>
+              </a:rPr>
+              <a:t> </a:t>
+            </a:r>
+            <a:r>
+              <a:rPr lang="en-US" altLang="ko-KR" dirty="0"/>
+              <a:t>0</a:t>
+            </a:r>
+            <a:r>
+              <a:rPr lang="ko-KR" altLang="en-US" dirty="0"/>
+              <a:t>층 초기화</a:t>
+            </a:r>
+          </a:p>
+        </p:txBody>
+      </p:sp>
+      <p:sp>
+        <p:nvSpPr>
+          <p:cNvPr id="10" name="TextBox 9">
+            <a:extLst>
+              <a:ext uri="{FF2B5EF4-FFF2-40B4-BE49-F238E27FC236}">
+                <a16:creationId xmlns:a16="http://schemas.microsoft.com/office/drawing/2014/main" id="{E768B828-6C68-4125-135F-B52D461BA209}"/>
+              </a:ext>
+            </a:extLst>
+          </p:cNvPr>
+          <p:cNvSpPr txBox="1"/>
+          <p:nvPr/>
+        </p:nvSpPr>
+        <p:spPr>
+          <a:xfrm>
+            <a:off x="7401516" y="2589002"/>
+            <a:ext cx="3719288" cy="646331"/>
+          </a:xfrm>
+          <a:prstGeom prst="rect">
+            <a:avLst/>
+          </a:prstGeom>
+          <a:noFill/>
+        </p:spPr>
+        <p:txBody>
+          <a:bodyPr wrap="none" rtlCol="0">
+            <a:spAutoFit/>
+          </a:bodyPr>
+          <a:lstStyle/>
+          <a:p>
+            <a:pPr algn="ctr"/>
+            <a:r>
+              <a:rPr lang="ko-KR" altLang="en-US" dirty="0">
+                <a:sym typeface="Wingdings" panose="05000000000000000000" pitchFamily="2" charset="2"/>
+              </a:rPr>
+              <a:t>★인원 수의 특징 상 </a:t>
+            </a:r>
+            <a:endParaRPr lang="en-US" altLang="ko-KR" dirty="0">
+              <a:sym typeface="Wingdings" panose="05000000000000000000" pitchFamily="2" charset="2"/>
+            </a:endParaRPr>
+          </a:p>
+          <a:p>
+            <a:pPr algn="ctr"/>
+            <a:r>
+              <a:rPr lang="ko-KR" altLang="en-US" dirty="0">
+                <a:sym typeface="Wingdings" panose="05000000000000000000" pitchFamily="2" charset="2"/>
+              </a:rPr>
+              <a:t>모든 </a:t>
+            </a:r>
+            <a:r>
+              <a:rPr lang="en-US" altLang="ko-KR" dirty="0">
+                <a:sym typeface="Wingdings" panose="05000000000000000000" pitchFamily="2" charset="2"/>
+              </a:rPr>
+              <a:t>k</a:t>
+            </a:r>
+            <a:r>
+              <a:rPr lang="ko-KR" altLang="en-US" dirty="0">
+                <a:sym typeface="Wingdings" panose="05000000000000000000" pitchFamily="2" charset="2"/>
+              </a:rPr>
+              <a:t>층의 </a:t>
+            </a:r>
+            <a:r>
+              <a:rPr lang="en-US" altLang="ko-KR" dirty="0">
+                <a:sym typeface="Wingdings" panose="05000000000000000000" pitchFamily="2" charset="2"/>
+              </a:rPr>
+              <a:t>1</a:t>
+            </a:r>
+            <a:r>
+              <a:rPr lang="ko-KR" altLang="en-US" dirty="0">
+                <a:sym typeface="Wingdings" panose="05000000000000000000" pitchFamily="2" charset="2"/>
+              </a:rPr>
+              <a:t>호실 인원 수는 </a:t>
+            </a:r>
+            <a:r>
+              <a:rPr lang="en-US" altLang="ko-KR" dirty="0">
+                <a:sym typeface="Wingdings" panose="05000000000000000000" pitchFamily="2" charset="2"/>
+              </a:rPr>
+              <a:t>1</a:t>
+            </a:r>
+            <a:r>
+              <a:rPr lang="ko-KR" altLang="en-US" dirty="0">
+                <a:sym typeface="Wingdings" panose="05000000000000000000" pitchFamily="2" charset="2"/>
+              </a:rPr>
+              <a:t>명</a:t>
+            </a:r>
+            <a:r>
+              <a:rPr lang="en-US" altLang="ko-KR" dirty="0">
+                <a:sym typeface="Wingdings" panose="05000000000000000000" pitchFamily="2" charset="2"/>
+              </a:rPr>
+              <a:t>!!</a:t>
+            </a:r>
+            <a:endParaRPr lang="ko-KR" altLang="en-US" dirty="0"/>
+          </a:p>
+        </p:txBody>
+      </p:sp>
+      <p:sp>
+        <p:nvSpPr>
+          <p:cNvPr id="12" name="TextBox 11">
+            <a:extLst>
+              <a:ext uri="{FF2B5EF4-FFF2-40B4-BE49-F238E27FC236}">
+                <a16:creationId xmlns:a16="http://schemas.microsoft.com/office/drawing/2014/main" id="{A857EA62-3F23-3CAE-0487-381B40B2A66B}"/>
+              </a:ext>
+            </a:extLst>
+          </p:cNvPr>
+          <p:cNvSpPr txBox="1"/>
+          <p:nvPr/>
+        </p:nvSpPr>
+        <p:spPr>
+          <a:xfrm>
+            <a:off x="6940012" y="3421754"/>
+            <a:ext cx="4642296" cy="369332"/>
+          </a:xfrm>
+          <a:prstGeom prst="rect">
+            <a:avLst/>
+          </a:prstGeom>
+          <a:noFill/>
+        </p:spPr>
+        <p:txBody>
+          <a:bodyPr wrap="none" rtlCol="0">
+            <a:spAutoFit/>
+          </a:bodyPr>
+          <a:lstStyle/>
+          <a:p>
+            <a:r>
+              <a:rPr lang="en-US" altLang="ko-KR" dirty="0">
+                <a:sym typeface="Wingdings" panose="05000000000000000000" pitchFamily="2" charset="2"/>
+              </a:rPr>
+              <a:t>2</a:t>
+            </a:r>
+            <a:r>
+              <a:rPr lang="ko-KR" altLang="en-US" dirty="0">
+                <a:sym typeface="Wingdings" panose="05000000000000000000" pitchFamily="2" charset="2"/>
+              </a:rPr>
+              <a:t>호실부터 층</a:t>
+            </a:r>
+            <a:r>
+              <a:rPr lang="en-US" altLang="ko-KR" dirty="0">
+                <a:sym typeface="Wingdings" panose="05000000000000000000" pitchFamily="2" charset="2"/>
+              </a:rPr>
+              <a:t>(k) </a:t>
+            </a:r>
+            <a:r>
+              <a:rPr lang="ko-KR" altLang="en-US" dirty="0">
+                <a:sym typeface="Wingdings" panose="05000000000000000000" pitchFamily="2" charset="2"/>
+              </a:rPr>
+              <a:t>수에 대한 인원을 </a:t>
+            </a:r>
+            <a:r>
+              <a:rPr lang="en-US" altLang="ko-KR" dirty="0">
+                <a:sym typeface="Wingdings" panose="05000000000000000000" pitchFamily="2" charset="2"/>
+              </a:rPr>
+              <a:t>Update.</a:t>
+            </a:r>
+            <a:endParaRPr lang="ko-KR" altLang="en-US" dirty="0"/>
+          </a:p>
+        </p:txBody>
+      </p:sp>
+      <p:graphicFrame>
+        <p:nvGraphicFramePr>
+          <p:cNvPr id="25" name="표 25">
+            <a:extLst>
+              <a:ext uri="{FF2B5EF4-FFF2-40B4-BE49-F238E27FC236}">
+                <a16:creationId xmlns:a16="http://schemas.microsoft.com/office/drawing/2014/main" id="{383144B1-67B4-D2FA-5196-C4FD36147001}"/>
+              </a:ext>
+            </a:extLst>
+          </p:cNvPr>
+          <p:cNvGraphicFramePr>
+            <a:graphicFrameLocks noGrp="1"/>
+          </p:cNvGraphicFramePr>
+          <p:nvPr>
+            <p:extLst>
+              <p:ext uri="{D42A27DB-BD31-4B8C-83A1-F6EECF244321}">
+                <p14:modId xmlns:p14="http://schemas.microsoft.com/office/powerpoint/2010/main" val="1814243769"/>
+              </p:ext>
+            </p:extLst>
+          </p:nvPr>
+        </p:nvGraphicFramePr>
+        <p:xfrm>
+          <a:off x="6096000" y="4596308"/>
+          <a:ext cx="1806102" cy="1292748"/>
+        </p:xfrm>
+        <a:graphic>
+          <a:graphicData uri="http://schemas.openxmlformats.org/drawingml/2006/table">
+            <a:tbl>
+              <a:tblPr firstRow="1" bandRow="1">
+                <a:tableStyleId>{5C22544A-7EE6-4342-B048-85BDC9FD1C3A}</a:tableStyleId>
+              </a:tblPr>
+              <a:tblGrid>
+                <a:gridCol w="602034">
+                  <a:extLst>
+                    <a:ext uri="{9D8B030D-6E8A-4147-A177-3AD203B41FA5}">
+                      <a16:colId xmlns:a16="http://schemas.microsoft.com/office/drawing/2014/main" val="4272493453"/>
+                    </a:ext>
+                  </a:extLst>
+                </a:gridCol>
+                <a:gridCol w="602034">
+                  <a:extLst>
+                    <a:ext uri="{9D8B030D-6E8A-4147-A177-3AD203B41FA5}">
+                      <a16:colId xmlns:a16="http://schemas.microsoft.com/office/drawing/2014/main" val="886964248"/>
+                    </a:ext>
+                  </a:extLst>
+                </a:gridCol>
+                <a:gridCol w="602034">
+                  <a:extLst>
+                    <a:ext uri="{9D8B030D-6E8A-4147-A177-3AD203B41FA5}">
+                      <a16:colId xmlns:a16="http://schemas.microsoft.com/office/drawing/2014/main" val="469666670"/>
+                    </a:ext>
+                  </a:extLst>
+                </a:gridCol>
+              </a:tblGrid>
+              <a:tr h="430916">
+                <a:tc>
+                  <a:txBody>
+                    <a:bodyPr/>
+                    <a:lstStyle/>
+                    <a:p>
+                      <a:pPr algn="ctr" latinLnBrk="1"/>
+                      <a:r>
+                        <a:rPr lang="en-US" altLang="ko-KR" b="1" dirty="0">
+                          <a:solidFill>
+                            <a:schemeClr val="tx1">
+                              <a:lumMod val="95000"/>
+                              <a:lumOff val="5000"/>
+                            </a:schemeClr>
+                          </a:solidFill>
+                        </a:rPr>
+                        <a:t>1</a:t>
+                      </a:r>
+                      <a:endParaRPr lang="ko-KR" altLang="en-US" b="1" dirty="0">
+                        <a:solidFill>
+                          <a:schemeClr val="tx1">
+                            <a:lumMod val="95000"/>
+                            <a:lumOff val="5000"/>
+                          </a:schemeClr>
+                        </a:solidFill>
+                      </a:endParaRPr>
+                    </a:p>
+                  </a:txBody>
+                  <a:tcPr anchor="ctr">
+                    <a:lnL w="12700" cap="flat" cmpd="sng" algn="ctr">
+                      <a:solidFill>
+                        <a:schemeClr val="tx1"/>
+                      </a:solidFill>
+                      <a:prstDash val="solid"/>
+                      <a:round/>
+                      <a:headEnd type="none" w="med" len="med"/>
+                      <a:tailEnd type="none" w="med" len="med"/>
+                    </a:lnL>
+                    <a:lnR w="12700" cap="flat" cmpd="sng" algn="ctr">
+                      <a:solidFill>
+                        <a:schemeClr val="tx1"/>
+                      </a:solidFill>
+                      <a:prstDash val="solid"/>
+                      <a:round/>
+                      <a:headEnd type="none" w="med" len="med"/>
+                      <a:tailEnd type="none" w="med" len="med"/>
+                    </a:lnR>
+                    <a:lnT w="12700" cap="flat" cmpd="sng" algn="ctr">
+                      <a:solidFill>
+                        <a:schemeClr val="tx1"/>
+                      </a:solidFill>
+                      <a:prstDash val="solid"/>
+                      <a:round/>
+                      <a:headEnd type="none" w="med" len="med"/>
+                      <a:tailEnd type="none" w="med" len="med"/>
+                    </a:lnT>
+                    <a:lnB w="12700" cap="flat" cmpd="sng" algn="ctr">
+                      <a:solidFill>
+                        <a:schemeClr val="tx1"/>
+                      </a:solidFill>
+                      <a:prstDash val="solid"/>
+                      <a:round/>
+                      <a:headEnd type="none" w="med" len="med"/>
+                      <a:tailEnd type="none" w="med" len="med"/>
+                    </a:lnB>
+                    <a:solidFill>
+                      <a:schemeClr val="accent6">
+                        <a:lumMod val="40000"/>
+                        <a:lumOff val="60000"/>
+                      </a:schemeClr>
+                    </a:solidFill>
+                  </a:tcPr>
+                </a:tc>
+                <a:tc>
+                  <a:txBody>
+                    <a:bodyPr/>
+                    <a:lstStyle/>
+                    <a:p>
+                      <a:pPr algn="ctr" latinLnBrk="1"/>
+                      <a:r>
+                        <a:rPr lang="en-US" altLang="ko-KR" b="1" dirty="0">
+                          <a:solidFill>
+                            <a:schemeClr val="tx1">
+                              <a:lumMod val="95000"/>
+                              <a:lumOff val="5000"/>
+                            </a:schemeClr>
+                          </a:solidFill>
+                        </a:rPr>
+                        <a:t>4</a:t>
+                      </a:r>
+                      <a:endParaRPr lang="ko-KR" altLang="en-US" b="1" dirty="0">
+                        <a:solidFill>
+                          <a:schemeClr val="tx1">
+                            <a:lumMod val="95000"/>
+                            <a:lumOff val="5000"/>
+                          </a:schemeClr>
+                        </a:solidFill>
+                      </a:endParaRPr>
+                    </a:p>
+                  </a:txBody>
+                  <a:tcPr anchor="ctr">
+                    <a:lnL w="12700" cap="flat" cmpd="sng" algn="ctr">
+                      <a:solidFill>
+                        <a:schemeClr val="tx1"/>
+                      </a:solidFill>
+                      <a:prstDash val="solid"/>
+                      <a:round/>
+                      <a:headEnd type="none" w="med" len="med"/>
+                      <a:tailEnd type="none" w="med" len="med"/>
+                    </a:lnL>
+                    <a:lnR w="12700" cap="flat" cmpd="sng" algn="ctr">
+                      <a:solidFill>
+                        <a:schemeClr val="tx1"/>
+                      </a:solidFill>
+                      <a:prstDash val="solid"/>
+                      <a:round/>
+                      <a:headEnd type="none" w="med" len="med"/>
+                      <a:tailEnd type="none" w="med" len="med"/>
+                    </a:lnR>
+                    <a:lnT w="12700" cap="flat" cmpd="sng" algn="ctr">
+                      <a:solidFill>
+                        <a:schemeClr val="tx1"/>
+                      </a:solidFill>
+                      <a:prstDash val="solid"/>
+                      <a:round/>
+                      <a:headEnd type="none" w="med" len="med"/>
+                      <a:tailEnd type="none" w="med" len="med"/>
+                    </a:lnT>
+                    <a:lnB w="12700" cap="flat" cmpd="sng" algn="ctr">
+                      <a:solidFill>
+                        <a:schemeClr val="tx1"/>
+                      </a:solidFill>
+                      <a:prstDash val="solid"/>
+                      <a:round/>
+                      <a:headEnd type="none" w="med" len="med"/>
+                      <a:tailEnd type="none" w="med" len="med"/>
+                    </a:lnB>
+                    <a:solidFill>
+                      <a:schemeClr val="accent6">
+                        <a:lumMod val="40000"/>
+                        <a:lumOff val="60000"/>
+                      </a:schemeClr>
+                    </a:solidFill>
+                  </a:tcPr>
+                </a:tc>
+                <a:tc>
+                  <a:txBody>
+                    <a:bodyPr/>
+                    <a:lstStyle/>
+                    <a:p>
+                      <a:pPr algn="ctr" latinLnBrk="1"/>
+                      <a:r>
+                        <a:rPr lang="en-US" altLang="ko-KR" b="1" dirty="0">
+                          <a:solidFill>
+                            <a:schemeClr val="tx1">
+                              <a:lumMod val="95000"/>
+                              <a:lumOff val="5000"/>
+                            </a:schemeClr>
+                          </a:solidFill>
+                        </a:rPr>
+                        <a:t>10</a:t>
+                      </a:r>
+                      <a:endParaRPr lang="ko-KR" altLang="en-US" b="1" dirty="0">
+                        <a:solidFill>
+                          <a:schemeClr val="tx1">
+                            <a:lumMod val="95000"/>
+                            <a:lumOff val="5000"/>
+                          </a:schemeClr>
+                        </a:solidFill>
+                      </a:endParaRPr>
+                    </a:p>
+                  </a:txBody>
+                  <a:tcPr anchor="ctr">
+                    <a:lnL w="12700" cap="flat" cmpd="sng" algn="ctr">
+                      <a:solidFill>
+                        <a:schemeClr val="tx1"/>
+                      </a:solidFill>
+                      <a:prstDash val="solid"/>
+                      <a:round/>
+                      <a:headEnd type="none" w="med" len="med"/>
+                      <a:tailEnd type="none" w="med" len="med"/>
+                    </a:lnL>
+                    <a:lnR w="12700" cap="flat" cmpd="sng" algn="ctr">
+                      <a:solidFill>
+                        <a:schemeClr val="tx1"/>
+                      </a:solidFill>
+                      <a:prstDash val="solid"/>
+                      <a:round/>
+                      <a:headEnd type="none" w="med" len="med"/>
+                      <a:tailEnd type="none" w="med" len="med"/>
+                    </a:lnR>
+                    <a:lnT w="12700" cap="flat" cmpd="sng" algn="ctr">
+                      <a:solidFill>
+                        <a:schemeClr val="tx1"/>
+                      </a:solidFill>
+                      <a:prstDash val="solid"/>
+                      <a:round/>
+                      <a:headEnd type="none" w="med" len="med"/>
+                      <a:tailEnd type="none" w="med" len="med"/>
+                    </a:lnT>
+                    <a:lnB w="12700" cap="flat" cmpd="sng" algn="ctr">
+                      <a:solidFill>
+                        <a:schemeClr val="tx1"/>
+                      </a:solidFill>
+                      <a:prstDash val="solid"/>
+                      <a:round/>
+                      <a:headEnd type="none" w="med" len="med"/>
+                      <a:tailEnd type="none" w="med" len="med"/>
+                    </a:lnB>
+                    <a:solidFill>
+                      <a:schemeClr val="accent6">
+                        <a:lumMod val="40000"/>
+                        <a:lumOff val="60000"/>
+                      </a:schemeClr>
+                    </a:solidFill>
+                  </a:tcPr>
+                </a:tc>
+                <a:extLst>
+                  <a:ext uri="{0D108BD9-81ED-4DB2-BD59-A6C34878D82A}">
+                    <a16:rowId xmlns:a16="http://schemas.microsoft.com/office/drawing/2014/main" val="1461199918"/>
+                  </a:ext>
+                </a:extLst>
+              </a:tr>
+              <a:tr h="430916">
+                <a:tc>
+                  <a:txBody>
+                    <a:bodyPr/>
+                    <a:lstStyle/>
+                    <a:p>
+                      <a:pPr algn="ctr" latinLnBrk="1"/>
+                      <a:r>
+                        <a:rPr lang="en-US" altLang="ko-KR" b="1" dirty="0">
+                          <a:solidFill>
+                            <a:schemeClr val="tx1">
+                              <a:lumMod val="95000"/>
+                              <a:lumOff val="5000"/>
+                            </a:schemeClr>
+                          </a:solidFill>
+                        </a:rPr>
+                        <a:t>1</a:t>
+                      </a:r>
+                      <a:endParaRPr lang="ko-KR" altLang="en-US" b="1" dirty="0">
+                        <a:solidFill>
+                          <a:schemeClr val="tx1">
+                            <a:lumMod val="95000"/>
+                            <a:lumOff val="5000"/>
+                          </a:schemeClr>
+                        </a:solidFill>
+                      </a:endParaRPr>
+                    </a:p>
+                  </a:txBody>
+                  <a:tcPr anchor="ctr">
+                    <a:lnL w="12700" cap="flat" cmpd="sng" algn="ctr">
+                      <a:solidFill>
+                        <a:schemeClr val="tx1"/>
+                      </a:solidFill>
+                      <a:prstDash val="solid"/>
+                      <a:round/>
+                      <a:headEnd type="none" w="med" len="med"/>
+                      <a:tailEnd type="none" w="med" len="med"/>
+                    </a:lnL>
+                    <a:lnR w="12700" cap="flat" cmpd="sng" algn="ctr">
+                      <a:solidFill>
+                        <a:schemeClr val="tx1"/>
+                      </a:solidFill>
+                      <a:prstDash val="solid"/>
+                      <a:round/>
+                      <a:headEnd type="none" w="med" len="med"/>
+                      <a:tailEnd type="none" w="med" len="med"/>
+                    </a:lnR>
+                    <a:lnT w="12700" cap="flat" cmpd="sng" algn="ctr">
+                      <a:solidFill>
+                        <a:schemeClr val="tx1"/>
+                      </a:solidFill>
+                      <a:prstDash val="solid"/>
+                      <a:round/>
+                      <a:headEnd type="none" w="med" len="med"/>
+                      <a:tailEnd type="none" w="med" len="med"/>
+                    </a:lnT>
+                    <a:lnB w="12700" cap="flat" cmpd="sng" algn="ctr">
+                      <a:solidFill>
+                        <a:schemeClr val="tx1"/>
+                      </a:solidFill>
+                      <a:prstDash val="solid"/>
+                      <a:round/>
+                      <a:headEnd type="none" w="med" len="med"/>
+                      <a:tailEnd type="none" w="med" len="med"/>
+                    </a:lnB>
+                    <a:solidFill>
+                      <a:schemeClr val="accent6">
+                        <a:lumMod val="40000"/>
+                        <a:lumOff val="60000"/>
+                      </a:schemeClr>
+                    </a:solidFill>
+                  </a:tcPr>
+                </a:tc>
+                <a:tc>
+                  <a:txBody>
+                    <a:bodyPr/>
+                    <a:lstStyle/>
+                    <a:p>
+                      <a:pPr algn="ctr" latinLnBrk="1"/>
+                      <a:r>
+                        <a:rPr lang="en-US" altLang="ko-KR" b="1" dirty="0">
+                          <a:solidFill>
+                            <a:schemeClr val="tx1">
+                              <a:lumMod val="95000"/>
+                              <a:lumOff val="5000"/>
+                            </a:schemeClr>
+                          </a:solidFill>
+                        </a:rPr>
+                        <a:t>3</a:t>
+                      </a:r>
+                      <a:endParaRPr lang="ko-KR" altLang="en-US" b="1" dirty="0">
+                        <a:solidFill>
+                          <a:schemeClr val="tx1">
+                            <a:lumMod val="95000"/>
+                            <a:lumOff val="5000"/>
+                          </a:schemeClr>
+                        </a:solidFill>
+                      </a:endParaRPr>
+                    </a:p>
+                  </a:txBody>
+                  <a:tcPr anchor="ctr">
+                    <a:lnL w="12700" cap="flat" cmpd="sng" algn="ctr">
+                      <a:solidFill>
+                        <a:schemeClr val="tx1"/>
+                      </a:solidFill>
+                      <a:prstDash val="solid"/>
+                      <a:round/>
+                      <a:headEnd type="none" w="med" len="med"/>
+                      <a:tailEnd type="none" w="med" len="med"/>
+                    </a:lnL>
+                    <a:lnR w="12700" cap="flat" cmpd="sng" algn="ctr">
+                      <a:solidFill>
+                        <a:schemeClr val="tx1"/>
+                      </a:solidFill>
+                      <a:prstDash val="solid"/>
+                      <a:round/>
+                      <a:headEnd type="none" w="med" len="med"/>
+                      <a:tailEnd type="none" w="med" len="med"/>
+                    </a:lnR>
+                    <a:lnT w="12700" cap="flat" cmpd="sng" algn="ctr">
+                      <a:solidFill>
+                        <a:schemeClr val="tx1"/>
+                      </a:solidFill>
+                      <a:prstDash val="solid"/>
+                      <a:round/>
+                      <a:headEnd type="none" w="med" len="med"/>
+                      <a:tailEnd type="none" w="med" len="med"/>
+                    </a:lnT>
+                    <a:lnB w="12700" cap="flat" cmpd="sng" algn="ctr">
+                      <a:solidFill>
+                        <a:schemeClr val="tx1"/>
+                      </a:solidFill>
+                      <a:prstDash val="solid"/>
+                      <a:round/>
+                      <a:headEnd type="none" w="med" len="med"/>
+                      <a:tailEnd type="none" w="med" len="med"/>
+                    </a:lnB>
+                    <a:solidFill>
+                      <a:schemeClr val="accent6">
+                        <a:lumMod val="40000"/>
+                        <a:lumOff val="60000"/>
+                      </a:schemeClr>
+                    </a:solidFill>
+                  </a:tcPr>
+                </a:tc>
+                <a:tc>
+                  <a:txBody>
+                    <a:bodyPr/>
+                    <a:lstStyle/>
+                    <a:p>
+                      <a:pPr algn="ctr" latinLnBrk="1"/>
+                      <a:r>
+                        <a:rPr lang="en-US" altLang="ko-KR" b="1" dirty="0">
+                          <a:solidFill>
+                            <a:schemeClr val="tx1">
+                              <a:lumMod val="95000"/>
+                              <a:lumOff val="5000"/>
+                            </a:schemeClr>
+                          </a:solidFill>
+                        </a:rPr>
+                        <a:t>6</a:t>
+                      </a:r>
+                      <a:endParaRPr lang="ko-KR" altLang="en-US" b="1" dirty="0">
+                        <a:solidFill>
+                          <a:schemeClr val="tx1">
+                            <a:lumMod val="95000"/>
+                            <a:lumOff val="5000"/>
+                          </a:schemeClr>
+                        </a:solidFill>
+                      </a:endParaRPr>
+                    </a:p>
+                  </a:txBody>
+                  <a:tcPr anchor="ctr">
+                    <a:lnL w="12700" cap="flat" cmpd="sng" algn="ctr">
+                      <a:solidFill>
+                        <a:schemeClr val="tx1"/>
+                      </a:solidFill>
+                      <a:prstDash val="solid"/>
+                      <a:round/>
+                      <a:headEnd type="none" w="med" len="med"/>
+                      <a:tailEnd type="none" w="med" len="med"/>
+                    </a:lnL>
+                    <a:lnR w="12700" cap="flat" cmpd="sng" algn="ctr">
+                      <a:solidFill>
+                        <a:schemeClr val="tx1"/>
+                      </a:solidFill>
+                      <a:prstDash val="solid"/>
+                      <a:round/>
+                      <a:headEnd type="none" w="med" len="med"/>
+                      <a:tailEnd type="none" w="med" len="med"/>
+                    </a:lnR>
+                    <a:lnT w="12700" cap="flat" cmpd="sng" algn="ctr">
+                      <a:solidFill>
+                        <a:schemeClr val="tx1"/>
+                      </a:solidFill>
+                      <a:prstDash val="solid"/>
+                      <a:round/>
+                      <a:headEnd type="none" w="med" len="med"/>
+                      <a:tailEnd type="none" w="med" len="med"/>
+                    </a:lnT>
+                    <a:lnB w="12700" cap="flat" cmpd="sng" algn="ctr">
+                      <a:solidFill>
+                        <a:schemeClr val="tx1"/>
+                      </a:solidFill>
+                      <a:prstDash val="solid"/>
+                      <a:round/>
+                      <a:headEnd type="none" w="med" len="med"/>
+                      <a:tailEnd type="none" w="med" len="med"/>
+                    </a:lnB>
+                    <a:solidFill>
+                      <a:schemeClr val="accent6">
+                        <a:lumMod val="40000"/>
+                        <a:lumOff val="60000"/>
+                      </a:schemeClr>
+                    </a:solidFill>
+                  </a:tcPr>
+                </a:tc>
+                <a:extLst>
+                  <a:ext uri="{0D108BD9-81ED-4DB2-BD59-A6C34878D82A}">
+                    <a16:rowId xmlns:a16="http://schemas.microsoft.com/office/drawing/2014/main" val="995487720"/>
+                  </a:ext>
+                </a:extLst>
+              </a:tr>
+              <a:tr h="430916">
+                <a:tc>
+                  <a:txBody>
+                    <a:bodyPr/>
+                    <a:lstStyle/>
+                    <a:p>
+                      <a:pPr algn="ctr" latinLnBrk="1"/>
+                      <a:r>
+                        <a:rPr lang="en-US" altLang="ko-KR" b="1" dirty="0">
+                          <a:solidFill>
+                            <a:schemeClr val="tx1">
+                              <a:lumMod val="95000"/>
+                              <a:lumOff val="5000"/>
+                            </a:schemeClr>
+                          </a:solidFill>
+                        </a:rPr>
+                        <a:t>1</a:t>
+                      </a:r>
+                      <a:endParaRPr lang="ko-KR" altLang="en-US" b="1" dirty="0">
+                        <a:solidFill>
+                          <a:schemeClr val="tx1">
+                            <a:lumMod val="95000"/>
+                            <a:lumOff val="5000"/>
+                          </a:schemeClr>
+                        </a:solidFill>
+                      </a:endParaRPr>
+                    </a:p>
+                  </a:txBody>
+                  <a:tcPr anchor="ctr">
+                    <a:lnL w="12700" cap="flat" cmpd="sng" algn="ctr">
+                      <a:solidFill>
+                        <a:schemeClr val="tx1"/>
+                      </a:solidFill>
+                      <a:prstDash val="solid"/>
+                      <a:round/>
+                      <a:headEnd type="none" w="med" len="med"/>
+                      <a:tailEnd type="none" w="med" len="med"/>
+                    </a:lnL>
+                    <a:lnR w="12700" cap="flat" cmpd="sng" algn="ctr">
+                      <a:solidFill>
+                        <a:schemeClr val="tx1"/>
+                      </a:solidFill>
+                      <a:prstDash val="solid"/>
+                      <a:round/>
+                      <a:headEnd type="none" w="med" len="med"/>
+                      <a:tailEnd type="none" w="med" len="med"/>
+                    </a:lnR>
+                    <a:lnT w="12700" cap="flat" cmpd="sng" algn="ctr">
+                      <a:solidFill>
+                        <a:schemeClr val="tx1"/>
+                      </a:solidFill>
+                      <a:prstDash val="solid"/>
+                      <a:round/>
+                      <a:headEnd type="none" w="med" len="med"/>
+                      <a:tailEnd type="none" w="med" len="med"/>
+                    </a:lnT>
+                    <a:lnB w="12700" cap="flat" cmpd="sng" algn="ctr">
+                      <a:solidFill>
+                        <a:schemeClr val="tx1"/>
+                      </a:solidFill>
+                      <a:prstDash val="solid"/>
+                      <a:round/>
+                      <a:headEnd type="none" w="med" len="med"/>
+                      <a:tailEnd type="none" w="med" len="med"/>
+                    </a:lnB>
+                    <a:solidFill>
+                      <a:schemeClr val="accent6">
+                        <a:lumMod val="40000"/>
+                        <a:lumOff val="60000"/>
+                      </a:schemeClr>
+                    </a:solidFill>
+                  </a:tcPr>
+                </a:tc>
+                <a:tc>
+                  <a:txBody>
+                    <a:bodyPr/>
+                    <a:lstStyle/>
+                    <a:p>
+                      <a:pPr algn="ctr" latinLnBrk="1"/>
+                      <a:r>
+                        <a:rPr lang="en-US" altLang="ko-KR" b="1" dirty="0">
+                          <a:solidFill>
+                            <a:schemeClr val="tx1">
+                              <a:lumMod val="95000"/>
+                              <a:lumOff val="5000"/>
+                            </a:schemeClr>
+                          </a:solidFill>
+                        </a:rPr>
+                        <a:t>2</a:t>
+                      </a:r>
+                      <a:endParaRPr lang="ko-KR" altLang="en-US" b="1" dirty="0">
+                        <a:solidFill>
+                          <a:schemeClr val="tx1">
+                            <a:lumMod val="95000"/>
+                            <a:lumOff val="5000"/>
+                          </a:schemeClr>
+                        </a:solidFill>
+                      </a:endParaRPr>
+                    </a:p>
+                  </a:txBody>
+                  <a:tcPr anchor="ctr">
+                    <a:lnL w="12700" cap="flat" cmpd="sng" algn="ctr">
+                      <a:solidFill>
+                        <a:schemeClr val="tx1"/>
+                      </a:solidFill>
+                      <a:prstDash val="solid"/>
+                      <a:round/>
+                      <a:headEnd type="none" w="med" len="med"/>
+                      <a:tailEnd type="none" w="med" len="med"/>
+                    </a:lnL>
+                    <a:lnR w="12700" cap="flat" cmpd="sng" algn="ctr">
+                      <a:solidFill>
+                        <a:schemeClr val="tx1"/>
+                      </a:solidFill>
+                      <a:prstDash val="solid"/>
+                      <a:round/>
+                      <a:headEnd type="none" w="med" len="med"/>
+                      <a:tailEnd type="none" w="med" len="med"/>
+                    </a:lnR>
+                    <a:lnT w="12700" cap="flat" cmpd="sng" algn="ctr">
+                      <a:solidFill>
+                        <a:schemeClr val="tx1"/>
+                      </a:solidFill>
+                      <a:prstDash val="solid"/>
+                      <a:round/>
+                      <a:headEnd type="none" w="med" len="med"/>
+                      <a:tailEnd type="none" w="med" len="med"/>
+                    </a:lnT>
+                    <a:lnB w="12700" cap="flat" cmpd="sng" algn="ctr">
+                      <a:solidFill>
+                        <a:schemeClr val="tx1"/>
+                      </a:solidFill>
+                      <a:prstDash val="solid"/>
+                      <a:round/>
+                      <a:headEnd type="none" w="med" len="med"/>
+                      <a:tailEnd type="none" w="med" len="med"/>
+                    </a:lnB>
+                    <a:solidFill>
+                      <a:schemeClr val="accent6">
+                        <a:lumMod val="40000"/>
+                        <a:lumOff val="60000"/>
+                      </a:schemeClr>
+                    </a:solidFill>
+                  </a:tcPr>
+                </a:tc>
+                <a:tc>
+                  <a:txBody>
+                    <a:bodyPr/>
+                    <a:lstStyle/>
+                    <a:p>
+                      <a:pPr algn="ctr" latinLnBrk="1"/>
+                      <a:r>
+                        <a:rPr lang="en-US" altLang="ko-KR" b="1" dirty="0">
+                          <a:solidFill>
+                            <a:schemeClr val="tx1">
+                              <a:lumMod val="95000"/>
+                              <a:lumOff val="5000"/>
+                            </a:schemeClr>
+                          </a:solidFill>
+                        </a:rPr>
+                        <a:t>3</a:t>
+                      </a:r>
+                      <a:endParaRPr lang="ko-KR" altLang="en-US" b="1" dirty="0">
+                        <a:solidFill>
+                          <a:schemeClr val="tx1">
+                            <a:lumMod val="95000"/>
+                            <a:lumOff val="5000"/>
+                          </a:schemeClr>
+                        </a:solidFill>
+                      </a:endParaRPr>
+                    </a:p>
+                  </a:txBody>
+                  <a:tcPr anchor="ctr">
+                    <a:lnL w="12700" cap="flat" cmpd="sng" algn="ctr">
+                      <a:solidFill>
+                        <a:schemeClr val="tx1"/>
+                      </a:solidFill>
+                      <a:prstDash val="solid"/>
+                      <a:round/>
+                      <a:headEnd type="none" w="med" len="med"/>
+                      <a:tailEnd type="none" w="med" len="med"/>
+                    </a:lnL>
+                    <a:lnR w="12700" cap="flat" cmpd="sng" algn="ctr">
+                      <a:solidFill>
+                        <a:schemeClr val="tx1"/>
+                      </a:solidFill>
+                      <a:prstDash val="solid"/>
+                      <a:round/>
+                      <a:headEnd type="none" w="med" len="med"/>
+                      <a:tailEnd type="none" w="med" len="med"/>
+                    </a:lnR>
+                    <a:lnT w="12700" cap="flat" cmpd="sng" algn="ctr">
+                      <a:solidFill>
+                        <a:schemeClr val="tx1"/>
+                      </a:solidFill>
+                      <a:prstDash val="solid"/>
+                      <a:round/>
+                      <a:headEnd type="none" w="med" len="med"/>
+                      <a:tailEnd type="none" w="med" len="med"/>
+                    </a:lnT>
+                    <a:lnB w="12700" cap="flat" cmpd="sng" algn="ctr">
+                      <a:solidFill>
+                        <a:schemeClr val="tx1"/>
+                      </a:solidFill>
+                      <a:prstDash val="solid"/>
+                      <a:round/>
+                      <a:headEnd type="none" w="med" len="med"/>
+                      <a:tailEnd type="none" w="med" len="med"/>
+                    </a:lnB>
+                    <a:solidFill>
+                      <a:schemeClr val="accent6">
+                        <a:lumMod val="40000"/>
+                        <a:lumOff val="60000"/>
+                      </a:schemeClr>
+                    </a:solidFill>
+                  </a:tcPr>
+                </a:tc>
+                <a:extLst>
+                  <a:ext uri="{0D108BD9-81ED-4DB2-BD59-A6C34878D82A}">
+                    <a16:rowId xmlns:a16="http://schemas.microsoft.com/office/drawing/2014/main" val="1175316995"/>
+                  </a:ext>
+                </a:extLst>
+              </a:tr>
+            </a:tbl>
+          </a:graphicData>
+        </a:graphic>
+      </p:graphicFrame>
+      <p:sp>
+        <p:nvSpPr>
+          <p:cNvPr id="27" name="TextBox 26">
+            <a:extLst>
+              <a:ext uri="{FF2B5EF4-FFF2-40B4-BE49-F238E27FC236}">
+                <a16:creationId xmlns:a16="http://schemas.microsoft.com/office/drawing/2014/main" id="{7EC8C7E2-3099-A601-C741-8173A6985E61}"/>
+              </a:ext>
+            </a:extLst>
+          </p:cNvPr>
+          <p:cNvSpPr txBox="1"/>
+          <p:nvPr/>
+        </p:nvSpPr>
+        <p:spPr>
+          <a:xfrm>
+            <a:off x="7975581" y="5503647"/>
+            <a:ext cx="849913" cy="369332"/>
+          </a:xfrm>
+          <a:prstGeom prst="rect">
+            <a:avLst/>
+          </a:prstGeom>
+          <a:noFill/>
+        </p:spPr>
+        <p:txBody>
+          <a:bodyPr wrap="none" rtlCol="0">
+            <a:spAutoFit/>
+          </a:bodyPr>
+          <a:lstStyle/>
+          <a:p>
+            <a:r>
+              <a:rPr lang="en-US" altLang="ko-KR" dirty="0">
+                <a:sym typeface="Wingdings" panose="05000000000000000000" pitchFamily="2" charset="2"/>
+              </a:rPr>
+              <a:t> </a:t>
+            </a:r>
+            <a:r>
+              <a:rPr lang="en-US" altLang="ko-KR" dirty="0"/>
+              <a:t>0</a:t>
+            </a:r>
+            <a:r>
+              <a:rPr lang="ko-KR" altLang="en-US" dirty="0"/>
+              <a:t>층</a:t>
+            </a:r>
+          </a:p>
+        </p:txBody>
+      </p:sp>
+      <p:sp>
+        <p:nvSpPr>
+          <p:cNvPr id="28" name="TextBox 27">
+            <a:extLst>
+              <a:ext uri="{FF2B5EF4-FFF2-40B4-BE49-F238E27FC236}">
+                <a16:creationId xmlns:a16="http://schemas.microsoft.com/office/drawing/2014/main" id="{4E0435C7-ACA4-A2A3-8A9C-2E7CF821FB70}"/>
+              </a:ext>
+            </a:extLst>
+          </p:cNvPr>
+          <p:cNvSpPr txBox="1"/>
+          <p:nvPr/>
+        </p:nvSpPr>
+        <p:spPr>
+          <a:xfrm>
+            <a:off x="7975580" y="4607811"/>
+            <a:ext cx="849913" cy="369332"/>
+          </a:xfrm>
+          <a:prstGeom prst="rect">
+            <a:avLst/>
+          </a:prstGeom>
+          <a:noFill/>
+        </p:spPr>
+        <p:txBody>
+          <a:bodyPr wrap="none" rtlCol="0">
+            <a:spAutoFit/>
+          </a:bodyPr>
+          <a:lstStyle/>
+          <a:p>
+            <a:r>
+              <a:rPr lang="en-US" altLang="ko-KR" dirty="0">
+                <a:sym typeface="Wingdings" panose="05000000000000000000" pitchFamily="2" charset="2"/>
+              </a:rPr>
+              <a:t> 2</a:t>
+            </a:r>
+            <a:r>
+              <a:rPr lang="ko-KR" altLang="en-US" dirty="0"/>
+              <a:t>층</a:t>
+            </a:r>
+          </a:p>
+        </p:txBody>
+      </p:sp>
     </p:spTree>
     <p:extLst>
       <p:ext uri="{BB962C8B-B14F-4D97-AF65-F5344CB8AC3E}">
         <p14:creationId xmlns:p14="http://schemas.microsoft.com/office/powerpoint/2010/main" val="3990574556"/>
+      </p:ext>
+    </p:extLst>
+  </p:cSld>
+  <p:clrMapOvr>
+    <a:masterClrMapping/>
+  </p:clrMapOvr>
+</p:sld>
+</file>
+
+<file path=ppt/slides/slide7.xml><?xml version="1.0" encoding="utf-8"?>
+<p:sld xmlns:a="http://schemas.openxmlformats.org/drawingml/2006/main" xmlns:r="http://schemas.openxmlformats.org/officeDocument/2006/relationships" xmlns:p="http://schemas.openxmlformats.org/presentationml/2006/main">
+  <p:cSld>
+    <p:spTree>
+      <p:nvGrpSpPr>
+        <p:cNvPr id="1" name=""/>
+        <p:cNvGrpSpPr/>
+        <p:nvPr/>
+      </p:nvGrpSpPr>
+      <p:grpSpPr>
+        <a:xfrm>
+          <a:off x="0" y="0"/>
+          <a:ext cx="0" cy="0"/>
+          <a:chOff x="0" y="0"/>
+          <a:chExt cx="0" cy="0"/>
+        </a:xfrm>
+      </p:grpSpPr>
+      <p:cxnSp>
+        <p:nvCxnSpPr>
+          <p:cNvPr id="10" name="직선 화살표 연결선 9">
+            <a:extLst>
+              <a:ext uri="{FF2B5EF4-FFF2-40B4-BE49-F238E27FC236}">
+                <a16:creationId xmlns:a16="http://schemas.microsoft.com/office/drawing/2014/main" id="{209D9ED9-4E30-512F-7348-44484E64E015}"/>
+              </a:ext>
+            </a:extLst>
+          </p:cNvPr>
+          <p:cNvCxnSpPr>
+            <a:cxnSpLocks/>
+            <a:stCxn id="8" idx="4"/>
+          </p:cNvCxnSpPr>
+          <p:nvPr/>
+        </p:nvCxnSpPr>
+        <p:spPr>
+          <a:xfrm>
+            <a:off x="1418615" y="1304554"/>
+            <a:ext cx="0" cy="342710"/>
+          </a:xfrm>
+          <a:prstGeom prst="straightConnector1">
+            <a:avLst/>
+          </a:prstGeom>
+          <a:ln w="28575">
+            <a:tailEnd type="triangle"/>
+          </a:ln>
+        </p:spPr>
+        <p:style>
+          <a:lnRef idx="1">
+            <a:schemeClr val="accent1"/>
+          </a:lnRef>
+          <a:fillRef idx="0">
+            <a:schemeClr val="accent1"/>
+          </a:fillRef>
+          <a:effectRef idx="0">
+            <a:schemeClr val="accent1"/>
+          </a:effectRef>
+          <a:fontRef idx="minor">
+            <a:schemeClr val="tx1"/>
+          </a:fontRef>
+        </p:style>
+      </p:cxnSp>
+      <p:graphicFrame>
+        <p:nvGraphicFramePr>
+          <p:cNvPr id="4" name="표 6">
+            <a:extLst>
+              <a:ext uri="{FF2B5EF4-FFF2-40B4-BE49-F238E27FC236}">
+                <a16:creationId xmlns:a16="http://schemas.microsoft.com/office/drawing/2014/main" id="{6352F56F-88E2-F0BD-C115-A328959AB7B3}"/>
+              </a:ext>
+            </a:extLst>
+          </p:cNvPr>
+          <p:cNvGraphicFramePr>
+            <a:graphicFrameLocks noGrp="1"/>
+          </p:cNvGraphicFramePr>
+          <p:nvPr>
+            <p:extLst>
+              <p:ext uri="{D42A27DB-BD31-4B8C-83A1-F6EECF244321}">
+                <p14:modId xmlns:p14="http://schemas.microsoft.com/office/powerpoint/2010/main" val="1293626948"/>
+              </p:ext>
+            </p:extLst>
+          </p:nvPr>
+        </p:nvGraphicFramePr>
+        <p:xfrm>
+          <a:off x="569262" y="890707"/>
+          <a:ext cx="1670445" cy="447477"/>
+        </p:xfrm>
+        <a:graphic>
+          <a:graphicData uri="http://schemas.openxmlformats.org/drawingml/2006/table">
+            <a:tbl>
+              <a:tblPr firstRow="1" bandRow="1">
+                <a:tableStyleId>{5C22544A-7EE6-4342-B048-85BDC9FD1C3A}</a:tableStyleId>
+              </a:tblPr>
+              <a:tblGrid>
+                <a:gridCol w="556815">
+                  <a:extLst>
+                    <a:ext uri="{9D8B030D-6E8A-4147-A177-3AD203B41FA5}">
+                      <a16:colId xmlns:a16="http://schemas.microsoft.com/office/drawing/2014/main" val="3429469581"/>
+                    </a:ext>
+                  </a:extLst>
+                </a:gridCol>
+                <a:gridCol w="556815">
+                  <a:extLst>
+                    <a:ext uri="{9D8B030D-6E8A-4147-A177-3AD203B41FA5}">
+                      <a16:colId xmlns:a16="http://schemas.microsoft.com/office/drawing/2014/main" val="1386934304"/>
+                    </a:ext>
+                  </a:extLst>
+                </a:gridCol>
+                <a:gridCol w="556815">
+                  <a:extLst>
+                    <a:ext uri="{9D8B030D-6E8A-4147-A177-3AD203B41FA5}">
+                      <a16:colId xmlns:a16="http://schemas.microsoft.com/office/drawing/2014/main" val="915684080"/>
+                    </a:ext>
+                  </a:extLst>
+                </a:gridCol>
+              </a:tblGrid>
+              <a:tr h="447477">
+                <a:tc>
+                  <a:txBody>
+                    <a:bodyPr/>
+                    <a:lstStyle/>
+                    <a:p>
+                      <a:pPr algn="ctr" latinLnBrk="1"/>
+                      <a:r>
+                        <a:rPr lang="en-US" altLang="ko-KR" dirty="0">
+                          <a:solidFill>
+                            <a:schemeClr val="tx1">
+                              <a:lumMod val="95000"/>
+                              <a:lumOff val="5000"/>
+                            </a:schemeClr>
+                          </a:solidFill>
+                        </a:rPr>
+                        <a:t>1</a:t>
+                      </a:r>
+                      <a:endParaRPr lang="ko-KR" altLang="en-US" dirty="0">
+                        <a:solidFill>
+                          <a:schemeClr val="tx1">
+                            <a:lumMod val="95000"/>
+                            <a:lumOff val="5000"/>
+                          </a:schemeClr>
+                        </a:solidFill>
+                      </a:endParaRPr>
+                    </a:p>
+                  </a:txBody>
+                  <a:tcPr anchor="ctr">
+                    <a:lnL w="12700" cap="flat" cmpd="sng" algn="ctr">
+                      <a:solidFill>
+                        <a:schemeClr val="tx1"/>
+                      </a:solidFill>
+                      <a:prstDash val="solid"/>
+                      <a:round/>
+                      <a:headEnd type="none" w="med" len="med"/>
+                      <a:tailEnd type="none" w="med" len="med"/>
+                    </a:lnL>
+                    <a:lnR w="12700" cap="flat" cmpd="sng" algn="ctr">
+                      <a:solidFill>
+                        <a:schemeClr val="tx1"/>
+                      </a:solidFill>
+                      <a:prstDash val="solid"/>
+                      <a:round/>
+                      <a:headEnd type="none" w="med" len="med"/>
+                      <a:tailEnd type="none" w="med" len="med"/>
+                    </a:lnR>
+                    <a:lnT w="12700" cap="flat" cmpd="sng" algn="ctr">
+                      <a:solidFill>
+                        <a:schemeClr val="tx1"/>
+                      </a:solidFill>
+                      <a:prstDash val="solid"/>
+                      <a:round/>
+                      <a:headEnd type="none" w="med" len="med"/>
+                      <a:tailEnd type="none" w="med" len="med"/>
+                    </a:lnT>
+                    <a:lnB w="12700" cap="flat" cmpd="sng" algn="ctr">
+                      <a:solidFill>
+                        <a:schemeClr val="tx1"/>
+                      </a:solidFill>
+                      <a:prstDash val="solid"/>
+                      <a:round/>
+                      <a:headEnd type="none" w="med" len="med"/>
+                      <a:tailEnd type="none" w="med" len="med"/>
+                    </a:lnB>
+                    <a:lnTlToBr w="12700" cmpd="sng">
+                      <a:noFill/>
+                      <a:prstDash val="solid"/>
+                    </a:lnTlToBr>
+                    <a:lnBlToTr w="12700" cmpd="sng">
+                      <a:noFill/>
+                      <a:prstDash val="solid"/>
+                    </a:lnBlToTr>
+                    <a:solidFill>
+                      <a:schemeClr val="accent6">
+                        <a:lumMod val="40000"/>
+                        <a:lumOff val="60000"/>
+                      </a:schemeClr>
+                    </a:solidFill>
+                  </a:tcPr>
+                </a:tc>
+                <a:tc>
+                  <a:txBody>
+                    <a:bodyPr/>
+                    <a:lstStyle/>
+                    <a:p>
+                      <a:pPr algn="ctr" latinLnBrk="1"/>
+                      <a:r>
+                        <a:rPr lang="en-US" altLang="ko-KR" dirty="0">
+                          <a:solidFill>
+                            <a:schemeClr val="tx1">
+                              <a:lumMod val="95000"/>
+                              <a:lumOff val="5000"/>
+                            </a:schemeClr>
+                          </a:solidFill>
+                        </a:rPr>
+                        <a:t>2</a:t>
+                      </a:r>
+                      <a:endParaRPr lang="ko-KR" altLang="en-US" dirty="0">
+                        <a:solidFill>
+                          <a:schemeClr val="tx1">
+                            <a:lumMod val="95000"/>
+                            <a:lumOff val="5000"/>
+                          </a:schemeClr>
+                        </a:solidFill>
+                      </a:endParaRPr>
+                    </a:p>
+                  </a:txBody>
+                  <a:tcPr anchor="ctr">
+                    <a:lnL w="12700" cap="flat" cmpd="sng" algn="ctr">
+                      <a:solidFill>
+                        <a:schemeClr val="tx1"/>
+                      </a:solidFill>
+                      <a:prstDash val="solid"/>
+                      <a:round/>
+                      <a:headEnd type="none" w="med" len="med"/>
+                      <a:tailEnd type="none" w="med" len="med"/>
+                    </a:lnL>
+                    <a:lnR w="12700" cap="flat" cmpd="sng" algn="ctr">
+                      <a:solidFill>
+                        <a:schemeClr val="tx1"/>
+                      </a:solidFill>
+                      <a:prstDash val="solid"/>
+                      <a:round/>
+                      <a:headEnd type="none" w="med" len="med"/>
+                      <a:tailEnd type="none" w="med" len="med"/>
+                    </a:lnR>
+                    <a:lnT w="12700" cap="flat" cmpd="sng" algn="ctr">
+                      <a:solidFill>
+                        <a:schemeClr val="tx1"/>
+                      </a:solidFill>
+                      <a:prstDash val="solid"/>
+                      <a:round/>
+                      <a:headEnd type="none" w="med" len="med"/>
+                      <a:tailEnd type="none" w="med" len="med"/>
+                    </a:lnT>
+                    <a:lnB w="12700" cap="flat" cmpd="sng" algn="ctr">
+                      <a:solidFill>
+                        <a:schemeClr val="tx1"/>
+                      </a:solidFill>
+                      <a:prstDash val="solid"/>
+                      <a:round/>
+                      <a:headEnd type="none" w="med" len="med"/>
+                      <a:tailEnd type="none" w="med" len="med"/>
+                    </a:lnB>
+                    <a:lnTlToBr w="12700" cmpd="sng">
+                      <a:noFill/>
+                      <a:prstDash val="solid"/>
+                    </a:lnTlToBr>
+                    <a:lnBlToTr w="12700" cmpd="sng">
+                      <a:noFill/>
+                      <a:prstDash val="solid"/>
+                    </a:lnBlToTr>
+                    <a:solidFill>
+                      <a:schemeClr val="accent6">
+                        <a:lumMod val="40000"/>
+                        <a:lumOff val="60000"/>
+                      </a:schemeClr>
+                    </a:solidFill>
+                  </a:tcPr>
+                </a:tc>
+                <a:tc>
+                  <a:txBody>
+                    <a:bodyPr/>
+                    <a:lstStyle/>
+                    <a:p>
+                      <a:pPr algn="ctr" latinLnBrk="1"/>
+                      <a:r>
+                        <a:rPr lang="en-US" altLang="ko-KR" dirty="0">
+                          <a:solidFill>
+                            <a:schemeClr val="tx1">
+                              <a:lumMod val="95000"/>
+                              <a:lumOff val="5000"/>
+                            </a:schemeClr>
+                          </a:solidFill>
+                        </a:rPr>
+                        <a:t>3</a:t>
+                      </a:r>
+                      <a:endParaRPr lang="ko-KR" altLang="en-US" dirty="0">
+                        <a:solidFill>
+                          <a:schemeClr val="tx1">
+                            <a:lumMod val="95000"/>
+                            <a:lumOff val="5000"/>
+                          </a:schemeClr>
+                        </a:solidFill>
+                      </a:endParaRPr>
+                    </a:p>
+                  </a:txBody>
+                  <a:tcPr anchor="ctr">
+                    <a:lnL w="12700" cap="flat" cmpd="sng" algn="ctr">
+                      <a:solidFill>
+                        <a:schemeClr val="tx1"/>
+                      </a:solidFill>
+                      <a:prstDash val="solid"/>
+                      <a:round/>
+                      <a:headEnd type="none" w="med" len="med"/>
+                      <a:tailEnd type="none" w="med" len="med"/>
+                    </a:lnL>
+                    <a:lnR w="12700" cap="flat" cmpd="sng" algn="ctr">
+                      <a:solidFill>
+                        <a:schemeClr val="tx1"/>
+                      </a:solidFill>
+                      <a:prstDash val="solid"/>
+                      <a:round/>
+                      <a:headEnd type="none" w="med" len="med"/>
+                      <a:tailEnd type="none" w="med" len="med"/>
+                    </a:lnR>
+                    <a:lnT w="12700" cap="flat" cmpd="sng" algn="ctr">
+                      <a:solidFill>
+                        <a:schemeClr val="tx1"/>
+                      </a:solidFill>
+                      <a:prstDash val="solid"/>
+                      <a:round/>
+                      <a:headEnd type="none" w="med" len="med"/>
+                      <a:tailEnd type="none" w="med" len="med"/>
+                    </a:lnT>
+                    <a:lnB w="12700" cap="flat" cmpd="sng" algn="ctr">
+                      <a:solidFill>
+                        <a:schemeClr val="tx1"/>
+                      </a:solidFill>
+                      <a:prstDash val="solid"/>
+                      <a:round/>
+                      <a:headEnd type="none" w="med" len="med"/>
+                      <a:tailEnd type="none" w="med" len="med"/>
+                    </a:lnB>
+                    <a:lnTlToBr w="12700" cmpd="sng">
+                      <a:noFill/>
+                      <a:prstDash val="solid"/>
+                    </a:lnTlToBr>
+                    <a:lnBlToTr w="12700" cmpd="sng">
+                      <a:noFill/>
+                      <a:prstDash val="solid"/>
+                    </a:lnBlToTr>
+                    <a:solidFill>
+                      <a:schemeClr val="accent6">
+                        <a:lumMod val="40000"/>
+                        <a:lumOff val="60000"/>
+                      </a:schemeClr>
+                    </a:solidFill>
+                  </a:tcPr>
+                </a:tc>
+                <a:extLst>
+                  <a:ext uri="{0D108BD9-81ED-4DB2-BD59-A6C34878D82A}">
+                    <a16:rowId xmlns:a16="http://schemas.microsoft.com/office/drawing/2014/main" val="4214331581"/>
+                  </a:ext>
+                </a:extLst>
+              </a:tr>
+            </a:tbl>
+          </a:graphicData>
+        </a:graphic>
+      </p:graphicFrame>
+      <p:sp>
+        <p:nvSpPr>
+          <p:cNvPr id="5" name="TextBox 4">
+            <a:extLst>
+              <a:ext uri="{FF2B5EF4-FFF2-40B4-BE49-F238E27FC236}">
+                <a16:creationId xmlns:a16="http://schemas.microsoft.com/office/drawing/2014/main" id="{B64699E5-6CE9-6725-A8C7-792AE10E4A55}"/>
+              </a:ext>
+            </a:extLst>
+          </p:cNvPr>
+          <p:cNvSpPr txBox="1"/>
+          <p:nvPr/>
+        </p:nvSpPr>
+        <p:spPr>
+          <a:xfrm>
+            <a:off x="246148" y="343832"/>
+            <a:ext cx="3594254" cy="369332"/>
+          </a:xfrm>
+          <a:prstGeom prst="rect">
+            <a:avLst/>
+          </a:prstGeom>
+          <a:noFill/>
+        </p:spPr>
+        <p:txBody>
+          <a:bodyPr wrap="none" rtlCol="0">
+            <a:spAutoFit/>
+          </a:bodyPr>
+          <a:lstStyle/>
+          <a:p>
+            <a:r>
+              <a:rPr lang="ko-KR" altLang="en-US" dirty="0"/>
+              <a:t>★ 같은 배열에서 발생하는 연산</a:t>
+            </a:r>
+          </a:p>
+        </p:txBody>
+      </p:sp>
+      <p:sp>
+        <p:nvSpPr>
+          <p:cNvPr id="6" name="타원 5">
+            <a:extLst>
+              <a:ext uri="{FF2B5EF4-FFF2-40B4-BE49-F238E27FC236}">
+                <a16:creationId xmlns:a16="http://schemas.microsoft.com/office/drawing/2014/main" id="{9541A26A-8AFA-156B-B657-1137A47B2F27}"/>
+              </a:ext>
+            </a:extLst>
+          </p:cNvPr>
+          <p:cNvSpPr/>
+          <p:nvPr/>
+        </p:nvSpPr>
+        <p:spPr>
+          <a:xfrm>
+            <a:off x="679747" y="929779"/>
+            <a:ext cx="340180" cy="369332"/>
+          </a:xfrm>
+          <a:prstGeom prst="ellipse">
+            <a:avLst/>
+          </a:prstGeom>
+          <a:noFill/>
+          <a:ln>
+            <a:solidFill>
+              <a:srgbClr val="002060"/>
+            </a:solidFill>
+          </a:ln>
+        </p:spPr>
+        <p:style>
+          <a:lnRef idx="2">
+            <a:schemeClr val="accent1">
+              <a:shade val="50000"/>
+            </a:schemeClr>
+          </a:lnRef>
+          <a:fillRef idx="1">
+            <a:schemeClr val="accent1"/>
+          </a:fillRef>
+          <a:effectRef idx="0">
+            <a:schemeClr val="accent1"/>
+          </a:effectRef>
+          <a:fontRef idx="minor">
+            <a:schemeClr val="lt1"/>
+          </a:fontRef>
+        </p:style>
+        <p:txBody>
+          <a:bodyPr rtlCol="0" anchor="ctr"/>
+          <a:lstStyle/>
+          <a:p>
+            <a:pPr algn="ctr"/>
+            <a:endParaRPr lang="ko-KR" altLang="en-US" dirty="0"/>
+          </a:p>
+        </p:txBody>
+      </p:sp>
+      <p:graphicFrame>
+        <p:nvGraphicFramePr>
+          <p:cNvPr id="7" name="표 6">
+            <a:extLst>
+              <a:ext uri="{FF2B5EF4-FFF2-40B4-BE49-F238E27FC236}">
+                <a16:creationId xmlns:a16="http://schemas.microsoft.com/office/drawing/2014/main" id="{6F588C4B-0E8D-DBF0-5C7D-B8089D99E0A7}"/>
+              </a:ext>
+            </a:extLst>
+          </p:cNvPr>
+          <p:cNvGraphicFramePr>
+            <a:graphicFrameLocks noGrp="1"/>
+          </p:cNvGraphicFramePr>
+          <p:nvPr>
+            <p:extLst>
+              <p:ext uri="{D42A27DB-BD31-4B8C-83A1-F6EECF244321}">
+                <p14:modId xmlns:p14="http://schemas.microsoft.com/office/powerpoint/2010/main" val="1755484858"/>
+              </p:ext>
+            </p:extLst>
+          </p:nvPr>
+        </p:nvGraphicFramePr>
+        <p:xfrm>
+          <a:off x="569261" y="2576439"/>
+          <a:ext cx="1670445" cy="447477"/>
+        </p:xfrm>
+        <a:graphic>
+          <a:graphicData uri="http://schemas.openxmlformats.org/drawingml/2006/table">
+            <a:tbl>
+              <a:tblPr firstRow="1" bandRow="1">
+                <a:tableStyleId>{5C22544A-7EE6-4342-B048-85BDC9FD1C3A}</a:tableStyleId>
+              </a:tblPr>
+              <a:tblGrid>
+                <a:gridCol w="556815">
+                  <a:extLst>
+                    <a:ext uri="{9D8B030D-6E8A-4147-A177-3AD203B41FA5}">
+                      <a16:colId xmlns:a16="http://schemas.microsoft.com/office/drawing/2014/main" val="3429469581"/>
+                    </a:ext>
+                  </a:extLst>
+                </a:gridCol>
+                <a:gridCol w="556815">
+                  <a:extLst>
+                    <a:ext uri="{9D8B030D-6E8A-4147-A177-3AD203B41FA5}">
+                      <a16:colId xmlns:a16="http://schemas.microsoft.com/office/drawing/2014/main" val="1386934304"/>
+                    </a:ext>
+                  </a:extLst>
+                </a:gridCol>
+                <a:gridCol w="556815">
+                  <a:extLst>
+                    <a:ext uri="{9D8B030D-6E8A-4147-A177-3AD203B41FA5}">
+                      <a16:colId xmlns:a16="http://schemas.microsoft.com/office/drawing/2014/main" val="915684080"/>
+                    </a:ext>
+                  </a:extLst>
+                </a:gridCol>
+              </a:tblGrid>
+              <a:tr h="447477">
+                <a:tc>
+                  <a:txBody>
+                    <a:bodyPr/>
+                    <a:lstStyle/>
+                    <a:p>
+                      <a:pPr algn="ctr" latinLnBrk="1"/>
+                      <a:r>
+                        <a:rPr lang="en-US" altLang="ko-KR" dirty="0">
+                          <a:solidFill>
+                            <a:schemeClr val="tx1">
+                              <a:lumMod val="95000"/>
+                              <a:lumOff val="5000"/>
+                            </a:schemeClr>
+                          </a:solidFill>
+                        </a:rPr>
+                        <a:t>1</a:t>
+                      </a:r>
+                      <a:endParaRPr lang="ko-KR" altLang="en-US" dirty="0">
+                        <a:solidFill>
+                          <a:schemeClr val="tx1">
+                            <a:lumMod val="95000"/>
+                            <a:lumOff val="5000"/>
+                          </a:schemeClr>
+                        </a:solidFill>
+                      </a:endParaRPr>
+                    </a:p>
+                  </a:txBody>
+                  <a:tcPr anchor="ctr">
+                    <a:lnL w="12700" cap="flat" cmpd="sng" algn="ctr">
+                      <a:solidFill>
+                        <a:schemeClr val="tx1"/>
+                      </a:solidFill>
+                      <a:prstDash val="solid"/>
+                      <a:round/>
+                      <a:headEnd type="none" w="med" len="med"/>
+                      <a:tailEnd type="none" w="med" len="med"/>
+                    </a:lnL>
+                    <a:lnR w="12700" cap="flat" cmpd="sng" algn="ctr">
+                      <a:solidFill>
+                        <a:schemeClr val="tx1"/>
+                      </a:solidFill>
+                      <a:prstDash val="solid"/>
+                      <a:round/>
+                      <a:headEnd type="none" w="med" len="med"/>
+                      <a:tailEnd type="none" w="med" len="med"/>
+                    </a:lnR>
+                    <a:lnT w="12700" cap="flat" cmpd="sng" algn="ctr">
+                      <a:solidFill>
+                        <a:schemeClr val="tx1"/>
+                      </a:solidFill>
+                      <a:prstDash val="solid"/>
+                      <a:round/>
+                      <a:headEnd type="none" w="med" len="med"/>
+                      <a:tailEnd type="none" w="med" len="med"/>
+                    </a:lnT>
+                    <a:lnB w="12700" cap="flat" cmpd="sng" algn="ctr">
+                      <a:solidFill>
+                        <a:schemeClr val="tx1"/>
+                      </a:solidFill>
+                      <a:prstDash val="solid"/>
+                      <a:round/>
+                      <a:headEnd type="none" w="med" len="med"/>
+                      <a:tailEnd type="none" w="med" len="med"/>
+                    </a:lnB>
+                    <a:lnTlToBr w="12700" cmpd="sng">
+                      <a:noFill/>
+                      <a:prstDash val="solid"/>
+                    </a:lnTlToBr>
+                    <a:lnBlToTr w="12700" cmpd="sng">
+                      <a:noFill/>
+                      <a:prstDash val="solid"/>
+                    </a:lnBlToTr>
+                    <a:solidFill>
+                      <a:schemeClr val="accent6">
+                        <a:lumMod val="40000"/>
+                        <a:lumOff val="60000"/>
+                      </a:schemeClr>
+                    </a:solidFill>
+                  </a:tcPr>
+                </a:tc>
+                <a:tc>
+                  <a:txBody>
+                    <a:bodyPr/>
+                    <a:lstStyle/>
+                    <a:p>
+                      <a:pPr algn="ctr" latinLnBrk="1"/>
+                      <a:r>
+                        <a:rPr lang="en-US" altLang="ko-KR" dirty="0">
+                          <a:solidFill>
+                            <a:srgbClr val="FF0000"/>
+                          </a:solidFill>
+                        </a:rPr>
+                        <a:t>3</a:t>
+                      </a:r>
+                      <a:endParaRPr lang="ko-KR" altLang="en-US" dirty="0">
+                        <a:solidFill>
+                          <a:srgbClr val="FF0000"/>
+                        </a:solidFill>
+                      </a:endParaRPr>
+                    </a:p>
+                  </a:txBody>
+                  <a:tcPr anchor="ctr">
+                    <a:lnL w="12700" cap="flat" cmpd="sng" algn="ctr">
+                      <a:solidFill>
+                        <a:schemeClr val="tx1"/>
+                      </a:solidFill>
+                      <a:prstDash val="solid"/>
+                      <a:round/>
+                      <a:headEnd type="none" w="med" len="med"/>
+                      <a:tailEnd type="none" w="med" len="med"/>
+                    </a:lnL>
+                    <a:lnR w="12700" cap="flat" cmpd="sng" algn="ctr">
+                      <a:solidFill>
+                        <a:schemeClr val="tx1"/>
+                      </a:solidFill>
+                      <a:prstDash val="solid"/>
+                      <a:round/>
+                      <a:headEnd type="none" w="med" len="med"/>
+                      <a:tailEnd type="none" w="med" len="med"/>
+                    </a:lnR>
+                    <a:lnT w="12700" cap="flat" cmpd="sng" algn="ctr">
+                      <a:solidFill>
+                        <a:schemeClr val="tx1"/>
+                      </a:solidFill>
+                      <a:prstDash val="solid"/>
+                      <a:round/>
+                      <a:headEnd type="none" w="med" len="med"/>
+                      <a:tailEnd type="none" w="med" len="med"/>
+                    </a:lnT>
+                    <a:lnB w="12700" cap="flat" cmpd="sng" algn="ctr">
+                      <a:solidFill>
+                        <a:schemeClr val="tx1"/>
+                      </a:solidFill>
+                      <a:prstDash val="solid"/>
+                      <a:round/>
+                      <a:headEnd type="none" w="med" len="med"/>
+                      <a:tailEnd type="none" w="med" len="med"/>
+                    </a:lnB>
+                    <a:lnTlToBr w="12700" cmpd="sng">
+                      <a:noFill/>
+                      <a:prstDash val="solid"/>
+                    </a:lnTlToBr>
+                    <a:lnBlToTr w="12700" cmpd="sng">
+                      <a:noFill/>
+                      <a:prstDash val="solid"/>
+                    </a:lnBlToTr>
+                    <a:solidFill>
+                      <a:schemeClr val="accent6">
+                        <a:lumMod val="40000"/>
+                        <a:lumOff val="60000"/>
+                      </a:schemeClr>
+                    </a:solidFill>
+                  </a:tcPr>
+                </a:tc>
+                <a:tc>
+                  <a:txBody>
+                    <a:bodyPr/>
+                    <a:lstStyle/>
+                    <a:p>
+                      <a:pPr algn="ctr" latinLnBrk="1"/>
+                      <a:r>
+                        <a:rPr lang="en-US" altLang="ko-KR" dirty="0">
+                          <a:solidFill>
+                            <a:schemeClr val="tx1">
+                              <a:lumMod val="95000"/>
+                              <a:lumOff val="5000"/>
+                            </a:schemeClr>
+                          </a:solidFill>
+                        </a:rPr>
+                        <a:t>3</a:t>
+                      </a:r>
+                      <a:endParaRPr lang="ko-KR" altLang="en-US" dirty="0">
+                        <a:solidFill>
+                          <a:schemeClr val="tx1">
+                            <a:lumMod val="95000"/>
+                            <a:lumOff val="5000"/>
+                          </a:schemeClr>
+                        </a:solidFill>
+                      </a:endParaRPr>
+                    </a:p>
+                  </a:txBody>
+                  <a:tcPr anchor="ctr">
+                    <a:lnL w="12700" cap="flat" cmpd="sng" algn="ctr">
+                      <a:solidFill>
+                        <a:schemeClr val="tx1"/>
+                      </a:solidFill>
+                      <a:prstDash val="solid"/>
+                      <a:round/>
+                      <a:headEnd type="none" w="med" len="med"/>
+                      <a:tailEnd type="none" w="med" len="med"/>
+                    </a:lnL>
+                    <a:lnR w="12700" cap="flat" cmpd="sng" algn="ctr">
+                      <a:solidFill>
+                        <a:schemeClr val="tx1"/>
+                      </a:solidFill>
+                      <a:prstDash val="solid"/>
+                      <a:round/>
+                      <a:headEnd type="none" w="med" len="med"/>
+                      <a:tailEnd type="none" w="med" len="med"/>
+                    </a:lnR>
+                    <a:lnT w="12700" cap="flat" cmpd="sng" algn="ctr">
+                      <a:solidFill>
+                        <a:schemeClr val="tx1"/>
+                      </a:solidFill>
+                      <a:prstDash val="solid"/>
+                      <a:round/>
+                      <a:headEnd type="none" w="med" len="med"/>
+                      <a:tailEnd type="none" w="med" len="med"/>
+                    </a:lnT>
+                    <a:lnB w="12700" cap="flat" cmpd="sng" algn="ctr">
+                      <a:solidFill>
+                        <a:schemeClr val="tx1"/>
+                      </a:solidFill>
+                      <a:prstDash val="solid"/>
+                      <a:round/>
+                      <a:headEnd type="none" w="med" len="med"/>
+                      <a:tailEnd type="none" w="med" len="med"/>
+                    </a:lnB>
+                    <a:lnTlToBr w="12700" cmpd="sng">
+                      <a:noFill/>
+                      <a:prstDash val="solid"/>
+                    </a:lnTlToBr>
+                    <a:lnBlToTr w="12700" cmpd="sng">
+                      <a:noFill/>
+                      <a:prstDash val="solid"/>
+                    </a:lnBlToTr>
+                    <a:solidFill>
+                      <a:schemeClr val="accent6">
+                        <a:lumMod val="40000"/>
+                        <a:lumOff val="60000"/>
+                      </a:schemeClr>
+                    </a:solidFill>
+                  </a:tcPr>
+                </a:tc>
+                <a:extLst>
+                  <a:ext uri="{0D108BD9-81ED-4DB2-BD59-A6C34878D82A}">
+                    <a16:rowId xmlns:a16="http://schemas.microsoft.com/office/drawing/2014/main" val="4214331581"/>
+                  </a:ext>
+                </a:extLst>
+              </a:tr>
+            </a:tbl>
+          </a:graphicData>
+        </a:graphic>
+      </p:graphicFrame>
+      <p:sp>
+        <p:nvSpPr>
+          <p:cNvPr id="8" name="타원 7">
+            <a:extLst>
+              <a:ext uri="{FF2B5EF4-FFF2-40B4-BE49-F238E27FC236}">
+                <a16:creationId xmlns:a16="http://schemas.microsoft.com/office/drawing/2014/main" id="{99BD1B30-619B-CEE5-7CE6-633055A3B116}"/>
+              </a:ext>
+            </a:extLst>
+          </p:cNvPr>
+          <p:cNvSpPr/>
+          <p:nvPr/>
+        </p:nvSpPr>
+        <p:spPr>
+          <a:xfrm>
+            <a:off x="1248525" y="935222"/>
+            <a:ext cx="340180" cy="369332"/>
+          </a:xfrm>
+          <a:prstGeom prst="ellipse">
+            <a:avLst/>
+          </a:prstGeom>
+          <a:noFill/>
+          <a:ln>
+            <a:solidFill>
+              <a:srgbClr val="002060"/>
+            </a:solidFill>
+          </a:ln>
+        </p:spPr>
+        <p:style>
+          <a:lnRef idx="2">
+            <a:schemeClr val="accent1">
+              <a:shade val="50000"/>
+            </a:schemeClr>
+          </a:lnRef>
+          <a:fillRef idx="1">
+            <a:schemeClr val="accent1"/>
+          </a:fillRef>
+          <a:effectRef idx="0">
+            <a:schemeClr val="accent1"/>
+          </a:effectRef>
+          <a:fontRef idx="minor">
+            <a:schemeClr val="lt1"/>
+          </a:fontRef>
+        </p:style>
+        <p:txBody>
+          <a:bodyPr rtlCol="0" anchor="ctr"/>
+          <a:lstStyle/>
+          <a:p>
+            <a:pPr algn="ctr"/>
+            <a:endParaRPr lang="ko-KR" altLang="en-US" dirty="0"/>
+          </a:p>
+        </p:txBody>
+      </p:sp>
+      <p:sp>
+        <p:nvSpPr>
+          <p:cNvPr id="13" name="TextBox 12">
+            <a:extLst>
+              <a:ext uri="{FF2B5EF4-FFF2-40B4-BE49-F238E27FC236}">
+                <a16:creationId xmlns:a16="http://schemas.microsoft.com/office/drawing/2014/main" id="{774825A9-8747-4D2B-BF95-97477E944B0F}"/>
+              </a:ext>
+            </a:extLst>
+          </p:cNvPr>
+          <p:cNvSpPr txBox="1"/>
+          <p:nvPr/>
+        </p:nvSpPr>
+        <p:spPr>
+          <a:xfrm>
+            <a:off x="1220484" y="1579633"/>
+            <a:ext cx="396262" cy="446276"/>
+          </a:xfrm>
+          <a:prstGeom prst="rect">
+            <a:avLst/>
+          </a:prstGeom>
+          <a:noFill/>
+        </p:spPr>
+        <p:txBody>
+          <a:bodyPr wrap="none" rtlCol="0">
+            <a:spAutoFit/>
+          </a:bodyPr>
+          <a:lstStyle/>
+          <a:p>
+            <a:r>
+              <a:rPr lang="en-US" altLang="ko-KR" sz="2300" b="1" dirty="0">
+                <a:solidFill>
+                  <a:srgbClr val="FF0000"/>
+                </a:solidFill>
+                <a:sym typeface="Wingdings" panose="05000000000000000000" pitchFamily="2" charset="2"/>
+              </a:rPr>
+              <a:t>+</a:t>
+            </a:r>
+            <a:endParaRPr lang="ko-KR" altLang="en-US" sz="2300" b="1" dirty="0">
+              <a:solidFill>
+                <a:srgbClr val="FF0000"/>
+              </a:solidFill>
+            </a:endParaRPr>
+          </a:p>
+        </p:txBody>
+      </p:sp>
+      <p:cxnSp>
+        <p:nvCxnSpPr>
+          <p:cNvPr id="16" name="연결선: 꺾임 15">
+            <a:extLst>
+              <a:ext uri="{FF2B5EF4-FFF2-40B4-BE49-F238E27FC236}">
+                <a16:creationId xmlns:a16="http://schemas.microsoft.com/office/drawing/2014/main" id="{97AD5BAC-DC39-7E94-FF9A-953EAD949FBA}"/>
+              </a:ext>
+            </a:extLst>
+          </p:cNvPr>
+          <p:cNvCxnSpPr>
+            <a:stCxn id="6" idx="4"/>
+            <a:endCxn id="13" idx="1"/>
+          </p:cNvCxnSpPr>
+          <p:nvPr/>
+        </p:nvCxnSpPr>
+        <p:spPr>
+          <a:xfrm rot="16200000" flipH="1">
+            <a:off x="783330" y="1365617"/>
+            <a:ext cx="503660" cy="370647"/>
+          </a:xfrm>
+          <a:prstGeom prst="bentConnector2">
+            <a:avLst/>
+          </a:prstGeom>
+          <a:ln w="28575">
+            <a:tailEnd type="triangle"/>
+          </a:ln>
+        </p:spPr>
+        <p:style>
+          <a:lnRef idx="1">
+            <a:schemeClr val="accent1"/>
+          </a:lnRef>
+          <a:fillRef idx="0">
+            <a:schemeClr val="accent1"/>
+          </a:fillRef>
+          <a:effectRef idx="0">
+            <a:schemeClr val="accent1"/>
+          </a:effectRef>
+          <a:fontRef idx="minor">
+            <a:schemeClr val="tx1"/>
+          </a:fontRef>
+        </p:style>
+      </p:cxnSp>
+      <p:cxnSp>
+        <p:nvCxnSpPr>
+          <p:cNvPr id="17" name="직선 화살표 연결선 16">
+            <a:extLst>
+              <a:ext uri="{FF2B5EF4-FFF2-40B4-BE49-F238E27FC236}">
+                <a16:creationId xmlns:a16="http://schemas.microsoft.com/office/drawing/2014/main" id="{49ED8325-C5C5-97DD-792B-032120E59438}"/>
+              </a:ext>
+            </a:extLst>
+          </p:cNvPr>
+          <p:cNvCxnSpPr>
+            <a:cxnSpLocks/>
+          </p:cNvCxnSpPr>
+          <p:nvPr/>
+        </p:nvCxnSpPr>
+        <p:spPr>
+          <a:xfrm>
+            <a:off x="1418615" y="2025909"/>
+            <a:ext cx="0" cy="382334"/>
+          </a:xfrm>
+          <a:prstGeom prst="straightConnector1">
+            <a:avLst/>
+          </a:prstGeom>
+          <a:ln w="28575">
+            <a:tailEnd type="triangle"/>
+          </a:ln>
+        </p:spPr>
+        <p:style>
+          <a:lnRef idx="1">
+            <a:schemeClr val="accent1"/>
+          </a:lnRef>
+          <a:fillRef idx="0">
+            <a:schemeClr val="accent1"/>
+          </a:fillRef>
+          <a:effectRef idx="0">
+            <a:schemeClr val="accent1"/>
+          </a:effectRef>
+          <a:fontRef idx="minor">
+            <a:schemeClr val="tx1"/>
+          </a:fontRef>
+        </p:style>
+      </p:cxnSp>
+      <p:sp>
+        <p:nvSpPr>
+          <p:cNvPr id="19" name="TextBox 18">
+            <a:extLst>
+              <a:ext uri="{FF2B5EF4-FFF2-40B4-BE49-F238E27FC236}">
+                <a16:creationId xmlns:a16="http://schemas.microsoft.com/office/drawing/2014/main" id="{C7587393-05F9-022C-D155-5630EC42B0C0}"/>
+              </a:ext>
+            </a:extLst>
+          </p:cNvPr>
+          <p:cNvSpPr txBox="1"/>
+          <p:nvPr/>
+        </p:nvSpPr>
+        <p:spPr>
+          <a:xfrm>
+            <a:off x="213626" y="3659839"/>
+            <a:ext cx="2236510" cy="553998"/>
+          </a:xfrm>
+          <a:prstGeom prst="rect">
+            <a:avLst/>
+          </a:prstGeom>
+          <a:noFill/>
+        </p:spPr>
+        <p:txBody>
+          <a:bodyPr wrap="none" rtlCol="0">
+            <a:spAutoFit/>
+          </a:bodyPr>
+          <a:lstStyle/>
+          <a:p>
+            <a:r>
+              <a:rPr lang="en-US" altLang="ko-KR" sz="1500" dirty="0">
+                <a:sym typeface="Wingdings" panose="05000000000000000000" pitchFamily="2" charset="2"/>
+              </a:rPr>
+              <a:t>1</a:t>
+            </a:r>
+            <a:r>
+              <a:rPr lang="ko-KR" altLang="en-US" sz="1500" dirty="0">
+                <a:sym typeface="Wingdings" panose="05000000000000000000" pitchFamily="2" charset="2"/>
+              </a:rPr>
+              <a:t>호는 </a:t>
+            </a:r>
+            <a:r>
+              <a:rPr lang="en-US" altLang="ko-KR" sz="1500" dirty="0">
+                <a:sym typeface="Wingdings" panose="05000000000000000000" pitchFamily="2" charset="2"/>
+              </a:rPr>
+              <a:t>1</a:t>
+            </a:r>
+            <a:r>
+              <a:rPr lang="ko-KR" altLang="en-US" sz="1500" dirty="0">
+                <a:sym typeface="Wingdings" panose="05000000000000000000" pitchFamily="2" charset="2"/>
+              </a:rPr>
+              <a:t>고정이라 무시</a:t>
+            </a:r>
+            <a:endParaRPr lang="en-US" altLang="ko-KR" sz="1500" dirty="0">
+              <a:sym typeface="Wingdings" panose="05000000000000000000" pitchFamily="2" charset="2"/>
+            </a:endParaRPr>
+          </a:p>
+          <a:p>
+            <a:r>
+              <a:rPr lang="en-US" altLang="ko-KR" sz="1500" dirty="0"/>
+              <a:t>(</a:t>
+            </a:r>
+            <a:r>
+              <a:rPr lang="ko-KR" altLang="en-US" sz="1500" dirty="0"/>
+              <a:t>값을 그대로 사용한다</a:t>
+            </a:r>
+            <a:r>
+              <a:rPr lang="en-US" altLang="ko-KR" sz="1500" dirty="0"/>
+              <a:t>)</a:t>
+            </a:r>
+            <a:endParaRPr lang="ko-KR" altLang="en-US" sz="1500" dirty="0"/>
+          </a:p>
+        </p:txBody>
+      </p:sp>
+      <p:cxnSp>
+        <p:nvCxnSpPr>
+          <p:cNvPr id="20" name="직선 화살표 연결선 19">
+            <a:extLst>
+              <a:ext uri="{FF2B5EF4-FFF2-40B4-BE49-F238E27FC236}">
+                <a16:creationId xmlns:a16="http://schemas.microsoft.com/office/drawing/2014/main" id="{FDAC64DF-F88F-F515-D54A-8AE88B80AA35}"/>
+              </a:ext>
+            </a:extLst>
+          </p:cNvPr>
+          <p:cNvCxnSpPr>
+            <a:cxnSpLocks/>
+          </p:cNvCxnSpPr>
+          <p:nvPr/>
+        </p:nvCxnSpPr>
+        <p:spPr>
+          <a:xfrm flipV="1">
+            <a:off x="849836" y="3231502"/>
+            <a:ext cx="0" cy="382334"/>
+          </a:xfrm>
+          <a:prstGeom prst="straightConnector1">
+            <a:avLst/>
+          </a:prstGeom>
+          <a:ln w="28575">
+            <a:solidFill>
+              <a:schemeClr val="tx1"/>
+            </a:solidFill>
+            <a:tailEnd type="triangle"/>
+          </a:ln>
+        </p:spPr>
+        <p:style>
+          <a:lnRef idx="1">
+            <a:schemeClr val="accent1"/>
+          </a:lnRef>
+          <a:fillRef idx="0">
+            <a:schemeClr val="accent1"/>
+          </a:fillRef>
+          <a:effectRef idx="0">
+            <a:schemeClr val="accent1"/>
+          </a:effectRef>
+          <a:fontRef idx="minor">
+            <a:schemeClr val="tx1"/>
+          </a:fontRef>
+        </p:style>
+      </p:cxnSp>
+      <p:graphicFrame>
+        <p:nvGraphicFramePr>
+          <p:cNvPr id="21" name="표 6">
+            <a:extLst>
+              <a:ext uri="{FF2B5EF4-FFF2-40B4-BE49-F238E27FC236}">
+                <a16:creationId xmlns:a16="http://schemas.microsoft.com/office/drawing/2014/main" id="{BA72B8B1-EF79-8F78-A833-C67159E7D38D}"/>
+              </a:ext>
+            </a:extLst>
+          </p:cNvPr>
+          <p:cNvGraphicFramePr>
+            <a:graphicFrameLocks noGrp="1"/>
+          </p:cNvGraphicFramePr>
+          <p:nvPr>
+            <p:extLst>
+              <p:ext uri="{D42A27DB-BD31-4B8C-83A1-F6EECF244321}">
+                <p14:modId xmlns:p14="http://schemas.microsoft.com/office/powerpoint/2010/main" val="2140150892"/>
+              </p:ext>
+            </p:extLst>
+          </p:nvPr>
+        </p:nvGraphicFramePr>
+        <p:xfrm>
+          <a:off x="3079643" y="890707"/>
+          <a:ext cx="1670445" cy="447477"/>
+        </p:xfrm>
+        <a:graphic>
+          <a:graphicData uri="http://schemas.openxmlformats.org/drawingml/2006/table">
+            <a:tbl>
+              <a:tblPr firstRow="1" bandRow="1">
+                <a:tableStyleId>{5C22544A-7EE6-4342-B048-85BDC9FD1C3A}</a:tableStyleId>
+              </a:tblPr>
+              <a:tblGrid>
+                <a:gridCol w="556815">
+                  <a:extLst>
+                    <a:ext uri="{9D8B030D-6E8A-4147-A177-3AD203B41FA5}">
+                      <a16:colId xmlns:a16="http://schemas.microsoft.com/office/drawing/2014/main" val="3429469581"/>
+                    </a:ext>
+                  </a:extLst>
+                </a:gridCol>
+                <a:gridCol w="556815">
+                  <a:extLst>
+                    <a:ext uri="{9D8B030D-6E8A-4147-A177-3AD203B41FA5}">
+                      <a16:colId xmlns:a16="http://schemas.microsoft.com/office/drawing/2014/main" val="1386934304"/>
+                    </a:ext>
+                  </a:extLst>
+                </a:gridCol>
+                <a:gridCol w="556815">
+                  <a:extLst>
+                    <a:ext uri="{9D8B030D-6E8A-4147-A177-3AD203B41FA5}">
+                      <a16:colId xmlns:a16="http://schemas.microsoft.com/office/drawing/2014/main" val="915684080"/>
+                    </a:ext>
+                  </a:extLst>
+                </a:gridCol>
+              </a:tblGrid>
+              <a:tr h="447477">
+                <a:tc>
+                  <a:txBody>
+                    <a:bodyPr/>
+                    <a:lstStyle/>
+                    <a:p>
+                      <a:pPr algn="ctr" latinLnBrk="1"/>
+                      <a:r>
+                        <a:rPr lang="en-US" altLang="ko-KR" dirty="0">
+                          <a:solidFill>
+                            <a:schemeClr val="tx1">
+                              <a:lumMod val="95000"/>
+                              <a:lumOff val="5000"/>
+                            </a:schemeClr>
+                          </a:solidFill>
+                        </a:rPr>
+                        <a:t>1</a:t>
+                      </a:r>
+                      <a:endParaRPr lang="ko-KR" altLang="en-US" dirty="0">
+                        <a:solidFill>
+                          <a:schemeClr val="tx1">
+                            <a:lumMod val="95000"/>
+                            <a:lumOff val="5000"/>
+                          </a:schemeClr>
+                        </a:solidFill>
+                      </a:endParaRPr>
+                    </a:p>
+                  </a:txBody>
+                  <a:tcPr anchor="ctr">
+                    <a:lnL w="12700" cap="flat" cmpd="sng" algn="ctr">
+                      <a:solidFill>
+                        <a:schemeClr val="tx1"/>
+                      </a:solidFill>
+                      <a:prstDash val="solid"/>
+                      <a:round/>
+                      <a:headEnd type="none" w="med" len="med"/>
+                      <a:tailEnd type="none" w="med" len="med"/>
+                    </a:lnL>
+                    <a:lnR w="12700" cap="flat" cmpd="sng" algn="ctr">
+                      <a:solidFill>
+                        <a:schemeClr val="tx1"/>
+                      </a:solidFill>
+                      <a:prstDash val="solid"/>
+                      <a:round/>
+                      <a:headEnd type="none" w="med" len="med"/>
+                      <a:tailEnd type="none" w="med" len="med"/>
+                    </a:lnR>
+                    <a:lnT w="12700" cap="flat" cmpd="sng" algn="ctr">
+                      <a:solidFill>
+                        <a:schemeClr val="tx1"/>
+                      </a:solidFill>
+                      <a:prstDash val="solid"/>
+                      <a:round/>
+                      <a:headEnd type="none" w="med" len="med"/>
+                      <a:tailEnd type="none" w="med" len="med"/>
+                    </a:lnT>
+                    <a:lnB w="12700" cap="flat" cmpd="sng" algn="ctr">
+                      <a:solidFill>
+                        <a:schemeClr val="tx1"/>
+                      </a:solidFill>
+                      <a:prstDash val="solid"/>
+                      <a:round/>
+                      <a:headEnd type="none" w="med" len="med"/>
+                      <a:tailEnd type="none" w="med" len="med"/>
+                    </a:lnB>
+                    <a:lnTlToBr w="12700" cmpd="sng">
+                      <a:noFill/>
+                      <a:prstDash val="solid"/>
+                    </a:lnTlToBr>
+                    <a:lnBlToTr w="12700" cmpd="sng">
+                      <a:noFill/>
+                      <a:prstDash val="solid"/>
+                    </a:lnBlToTr>
+                    <a:solidFill>
+                      <a:schemeClr val="accent6">
+                        <a:lumMod val="40000"/>
+                        <a:lumOff val="60000"/>
+                      </a:schemeClr>
+                    </a:solidFill>
+                  </a:tcPr>
+                </a:tc>
+                <a:tc>
+                  <a:txBody>
+                    <a:bodyPr/>
+                    <a:lstStyle/>
+                    <a:p>
+                      <a:pPr algn="ctr" latinLnBrk="1"/>
+                      <a:r>
+                        <a:rPr lang="en-US" altLang="ko-KR" dirty="0">
+                          <a:solidFill>
+                            <a:schemeClr val="tx1">
+                              <a:lumMod val="95000"/>
+                              <a:lumOff val="5000"/>
+                            </a:schemeClr>
+                          </a:solidFill>
+                        </a:rPr>
+                        <a:t>3</a:t>
+                      </a:r>
+                      <a:endParaRPr lang="ko-KR" altLang="en-US" dirty="0">
+                        <a:solidFill>
+                          <a:schemeClr val="tx1">
+                            <a:lumMod val="95000"/>
+                            <a:lumOff val="5000"/>
+                          </a:schemeClr>
+                        </a:solidFill>
+                      </a:endParaRPr>
+                    </a:p>
+                  </a:txBody>
+                  <a:tcPr anchor="ctr">
+                    <a:lnL w="12700" cap="flat" cmpd="sng" algn="ctr">
+                      <a:solidFill>
+                        <a:schemeClr val="tx1"/>
+                      </a:solidFill>
+                      <a:prstDash val="solid"/>
+                      <a:round/>
+                      <a:headEnd type="none" w="med" len="med"/>
+                      <a:tailEnd type="none" w="med" len="med"/>
+                    </a:lnL>
+                    <a:lnR w="12700" cap="flat" cmpd="sng" algn="ctr">
+                      <a:solidFill>
+                        <a:schemeClr val="tx1"/>
+                      </a:solidFill>
+                      <a:prstDash val="solid"/>
+                      <a:round/>
+                      <a:headEnd type="none" w="med" len="med"/>
+                      <a:tailEnd type="none" w="med" len="med"/>
+                    </a:lnR>
+                    <a:lnT w="12700" cap="flat" cmpd="sng" algn="ctr">
+                      <a:solidFill>
+                        <a:schemeClr val="tx1"/>
+                      </a:solidFill>
+                      <a:prstDash val="solid"/>
+                      <a:round/>
+                      <a:headEnd type="none" w="med" len="med"/>
+                      <a:tailEnd type="none" w="med" len="med"/>
+                    </a:lnT>
+                    <a:lnB w="12700" cap="flat" cmpd="sng" algn="ctr">
+                      <a:solidFill>
+                        <a:schemeClr val="tx1"/>
+                      </a:solidFill>
+                      <a:prstDash val="solid"/>
+                      <a:round/>
+                      <a:headEnd type="none" w="med" len="med"/>
+                      <a:tailEnd type="none" w="med" len="med"/>
+                    </a:lnB>
+                    <a:lnTlToBr w="12700" cmpd="sng">
+                      <a:noFill/>
+                      <a:prstDash val="solid"/>
+                    </a:lnTlToBr>
+                    <a:lnBlToTr w="12700" cmpd="sng">
+                      <a:noFill/>
+                      <a:prstDash val="solid"/>
+                    </a:lnBlToTr>
+                    <a:solidFill>
+                      <a:schemeClr val="accent6">
+                        <a:lumMod val="40000"/>
+                        <a:lumOff val="60000"/>
+                      </a:schemeClr>
+                    </a:solidFill>
+                  </a:tcPr>
+                </a:tc>
+                <a:tc>
+                  <a:txBody>
+                    <a:bodyPr/>
+                    <a:lstStyle/>
+                    <a:p>
+                      <a:pPr algn="ctr" latinLnBrk="1"/>
+                      <a:r>
+                        <a:rPr lang="en-US" altLang="ko-KR" dirty="0">
+                          <a:solidFill>
+                            <a:schemeClr val="tx1">
+                              <a:lumMod val="95000"/>
+                              <a:lumOff val="5000"/>
+                            </a:schemeClr>
+                          </a:solidFill>
+                        </a:rPr>
+                        <a:t>3</a:t>
+                      </a:r>
+                      <a:endParaRPr lang="ko-KR" altLang="en-US" dirty="0">
+                        <a:solidFill>
+                          <a:schemeClr val="tx1">
+                            <a:lumMod val="95000"/>
+                            <a:lumOff val="5000"/>
+                          </a:schemeClr>
+                        </a:solidFill>
+                      </a:endParaRPr>
+                    </a:p>
+                  </a:txBody>
+                  <a:tcPr anchor="ctr">
+                    <a:lnL w="12700" cap="flat" cmpd="sng" algn="ctr">
+                      <a:solidFill>
+                        <a:schemeClr val="tx1"/>
+                      </a:solidFill>
+                      <a:prstDash val="solid"/>
+                      <a:round/>
+                      <a:headEnd type="none" w="med" len="med"/>
+                      <a:tailEnd type="none" w="med" len="med"/>
+                    </a:lnL>
+                    <a:lnR w="12700" cap="flat" cmpd="sng" algn="ctr">
+                      <a:solidFill>
+                        <a:schemeClr val="tx1"/>
+                      </a:solidFill>
+                      <a:prstDash val="solid"/>
+                      <a:round/>
+                      <a:headEnd type="none" w="med" len="med"/>
+                      <a:tailEnd type="none" w="med" len="med"/>
+                    </a:lnR>
+                    <a:lnT w="12700" cap="flat" cmpd="sng" algn="ctr">
+                      <a:solidFill>
+                        <a:schemeClr val="tx1"/>
+                      </a:solidFill>
+                      <a:prstDash val="solid"/>
+                      <a:round/>
+                      <a:headEnd type="none" w="med" len="med"/>
+                      <a:tailEnd type="none" w="med" len="med"/>
+                    </a:lnT>
+                    <a:lnB w="12700" cap="flat" cmpd="sng" algn="ctr">
+                      <a:solidFill>
+                        <a:schemeClr val="tx1"/>
+                      </a:solidFill>
+                      <a:prstDash val="solid"/>
+                      <a:round/>
+                      <a:headEnd type="none" w="med" len="med"/>
+                      <a:tailEnd type="none" w="med" len="med"/>
+                    </a:lnB>
+                    <a:lnTlToBr w="12700" cmpd="sng">
+                      <a:noFill/>
+                      <a:prstDash val="solid"/>
+                    </a:lnTlToBr>
+                    <a:lnBlToTr w="12700" cmpd="sng">
+                      <a:noFill/>
+                      <a:prstDash val="solid"/>
+                    </a:lnBlToTr>
+                    <a:solidFill>
+                      <a:schemeClr val="accent6">
+                        <a:lumMod val="40000"/>
+                        <a:lumOff val="60000"/>
+                      </a:schemeClr>
+                    </a:solidFill>
+                  </a:tcPr>
+                </a:tc>
+                <a:extLst>
+                  <a:ext uri="{0D108BD9-81ED-4DB2-BD59-A6C34878D82A}">
+                    <a16:rowId xmlns:a16="http://schemas.microsoft.com/office/drawing/2014/main" val="4214331581"/>
+                  </a:ext>
+                </a:extLst>
+              </a:tr>
+            </a:tbl>
+          </a:graphicData>
+        </a:graphic>
+      </p:graphicFrame>
+      <p:graphicFrame>
+        <p:nvGraphicFramePr>
+          <p:cNvPr id="22" name="표 21">
+            <a:extLst>
+              <a:ext uri="{FF2B5EF4-FFF2-40B4-BE49-F238E27FC236}">
+                <a16:creationId xmlns:a16="http://schemas.microsoft.com/office/drawing/2014/main" id="{8FC4897E-8A73-F825-AF45-B2D1721838A8}"/>
+              </a:ext>
+            </a:extLst>
+          </p:cNvPr>
+          <p:cNvGraphicFramePr>
+            <a:graphicFrameLocks noGrp="1"/>
+          </p:cNvGraphicFramePr>
+          <p:nvPr>
+            <p:extLst>
+              <p:ext uri="{D42A27DB-BD31-4B8C-83A1-F6EECF244321}">
+                <p14:modId xmlns:p14="http://schemas.microsoft.com/office/powerpoint/2010/main" val="522302145"/>
+              </p:ext>
+            </p:extLst>
+          </p:nvPr>
+        </p:nvGraphicFramePr>
+        <p:xfrm>
+          <a:off x="3079642" y="2575102"/>
+          <a:ext cx="1670445" cy="447477"/>
+        </p:xfrm>
+        <a:graphic>
+          <a:graphicData uri="http://schemas.openxmlformats.org/drawingml/2006/table">
+            <a:tbl>
+              <a:tblPr firstRow="1" bandRow="1">
+                <a:tableStyleId>{5C22544A-7EE6-4342-B048-85BDC9FD1C3A}</a:tableStyleId>
+              </a:tblPr>
+              <a:tblGrid>
+                <a:gridCol w="556815">
+                  <a:extLst>
+                    <a:ext uri="{9D8B030D-6E8A-4147-A177-3AD203B41FA5}">
+                      <a16:colId xmlns:a16="http://schemas.microsoft.com/office/drawing/2014/main" val="3429469581"/>
+                    </a:ext>
+                  </a:extLst>
+                </a:gridCol>
+                <a:gridCol w="556815">
+                  <a:extLst>
+                    <a:ext uri="{9D8B030D-6E8A-4147-A177-3AD203B41FA5}">
+                      <a16:colId xmlns:a16="http://schemas.microsoft.com/office/drawing/2014/main" val="1386934304"/>
+                    </a:ext>
+                  </a:extLst>
+                </a:gridCol>
+                <a:gridCol w="556815">
+                  <a:extLst>
+                    <a:ext uri="{9D8B030D-6E8A-4147-A177-3AD203B41FA5}">
+                      <a16:colId xmlns:a16="http://schemas.microsoft.com/office/drawing/2014/main" val="915684080"/>
+                    </a:ext>
+                  </a:extLst>
+                </a:gridCol>
+              </a:tblGrid>
+              <a:tr h="447477">
+                <a:tc>
+                  <a:txBody>
+                    <a:bodyPr/>
+                    <a:lstStyle/>
+                    <a:p>
+                      <a:pPr algn="ctr" latinLnBrk="1"/>
+                      <a:r>
+                        <a:rPr lang="en-US" altLang="ko-KR" dirty="0">
+                          <a:solidFill>
+                            <a:schemeClr val="tx1">
+                              <a:lumMod val="95000"/>
+                              <a:lumOff val="5000"/>
+                            </a:schemeClr>
+                          </a:solidFill>
+                        </a:rPr>
+                        <a:t>1</a:t>
+                      </a:r>
+                      <a:endParaRPr lang="ko-KR" altLang="en-US" dirty="0">
+                        <a:solidFill>
+                          <a:schemeClr val="tx1">
+                            <a:lumMod val="95000"/>
+                            <a:lumOff val="5000"/>
+                          </a:schemeClr>
+                        </a:solidFill>
+                      </a:endParaRPr>
+                    </a:p>
+                  </a:txBody>
+                  <a:tcPr anchor="ctr">
+                    <a:lnL w="12700" cap="flat" cmpd="sng" algn="ctr">
+                      <a:solidFill>
+                        <a:schemeClr val="tx1"/>
+                      </a:solidFill>
+                      <a:prstDash val="solid"/>
+                      <a:round/>
+                      <a:headEnd type="none" w="med" len="med"/>
+                      <a:tailEnd type="none" w="med" len="med"/>
+                    </a:lnL>
+                    <a:lnR w="12700" cap="flat" cmpd="sng" algn="ctr">
+                      <a:solidFill>
+                        <a:schemeClr val="tx1"/>
+                      </a:solidFill>
+                      <a:prstDash val="solid"/>
+                      <a:round/>
+                      <a:headEnd type="none" w="med" len="med"/>
+                      <a:tailEnd type="none" w="med" len="med"/>
+                    </a:lnR>
+                    <a:lnT w="12700" cap="flat" cmpd="sng" algn="ctr">
+                      <a:solidFill>
+                        <a:schemeClr val="tx1"/>
+                      </a:solidFill>
+                      <a:prstDash val="solid"/>
+                      <a:round/>
+                      <a:headEnd type="none" w="med" len="med"/>
+                      <a:tailEnd type="none" w="med" len="med"/>
+                    </a:lnT>
+                    <a:lnB w="12700" cap="flat" cmpd="sng" algn="ctr">
+                      <a:solidFill>
+                        <a:schemeClr val="tx1"/>
+                      </a:solidFill>
+                      <a:prstDash val="solid"/>
+                      <a:round/>
+                      <a:headEnd type="none" w="med" len="med"/>
+                      <a:tailEnd type="none" w="med" len="med"/>
+                    </a:lnB>
+                    <a:lnTlToBr w="12700" cmpd="sng">
+                      <a:noFill/>
+                      <a:prstDash val="solid"/>
+                    </a:lnTlToBr>
+                    <a:lnBlToTr w="12700" cmpd="sng">
+                      <a:noFill/>
+                      <a:prstDash val="solid"/>
+                    </a:lnBlToTr>
+                    <a:solidFill>
+                      <a:schemeClr val="accent6">
+                        <a:lumMod val="40000"/>
+                        <a:lumOff val="60000"/>
+                      </a:schemeClr>
+                    </a:solidFill>
+                  </a:tcPr>
+                </a:tc>
+                <a:tc>
+                  <a:txBody>
+                    <a:bodyPr/>
+                    <a:lstStyle/>
+                    <a:p>
+                      <a:pPr algn="ctr" latinLnBrk="1"/>
+                      <a:r>
+                        <a:rPr lang="en-US" altLang="ko-KR" dirty="0">
+                          <a:solidFill>
+                            <a:schemeClr val="tx1"/>
+                          </a:solidFill>
+                        </a:rPr>
+                        <a:t>3</a:t>
+                      </a:r>
+                      <a:endParaRPr lang="ko-KR" altLang="en-US" dirty="0">
+                        <a:solidFill>
+                          <a:schemeClr val="tx1"/>
+                        </a:solidFill>
+                      </a:endParaRPr>
+                    </a:p>
+                  </a:txBody>
+                  <a:tcPr anchor="ctr">
+                    <a:lnL w="12700" cap="flat" cmpd="sng" algn="ctr">
+                      <a:solidFill>
+                        <a:schemeClr val="tx1"/>
+                      </a:solidFill>
+                      <a:prstDash val="solid"/>
+                      <a:round/>
+                      <a:headEnd type="none" w="med" len="med"/>
+                      <a:tailEnd type="none" w="med" len="med"/>
+                    </a:lnL>
+                    <a:lnR w="12700" cap="flat" cmpd="sng" algn="ctr">
+                      <a:solidFill>
+                        <a:schemeClr val="tx1"/>
+                      </a:solidFill>
+                      <a:prstDash val="solid"/>
+                      <a:round/>
+                      <a:headEnd type="none" w="med" len="med"/>
+                      <a:tailEnd type="none" w="med" len="med"/>
+                    </a:lnR>
+                    <a:lnT w="12700" cap="flat" cmpd="sng" algn="ctr">
+                      <a:solidFill>
+                        <a:schemeClr val="tx1"/>
+                      </a:solidFill>
+                      <a:prstDash val="solid"/>
+                      <a:round/>
+                      <a:headEnd type="none" w="med" len="med"/>
+                      <a:tailEnd type="none" w="med" len="med"/>
+                    </a:lnT>
+                    <a:lnB w="12700" cap="flat" cmpd="sng" algn="ctr">
+                      <a:solidFill>
+                        <a:schemeClr val="tx1"/>
+                      </a:solidFill>
+                      <a:prstDash val="solid"/>
+                      <a:round/>
+                      <a:headEnd type="none" w="med" len="med"/>
+                      <a:tailEnd type="none" w="med" len="med"/>
+                    </a:lnB>
+                    <a:lnTlToBr w="12700" cmpd="sng">
+                      <a:noFill/>
+                      <a:prstDash val="solid"/>
+                    </a:lnTlToBr>
+                    <a:lnBlToTr w="12700" cmpd="sng">
+                      <a:noFill/>
+                      <a:prstDash val="solid"/>
+                    </a:lnBlToTr>
+                    <a:solidFill>
+                      <a:schemeClr val="accent6">
+                        <a:lumMod val="40000"/>
+                        <a:lumOff val="60000"/>
+                      </a:schemeClr>
+                    </a:solidFill>
+                  </a:tcPr>
+                </a:tc>
+                <a:tc>
+                  <a:txBody>
+                    <a:bodyPr/>
+                    <a:lstStyle/>
+                    <a:p>
+                      <a:pPr algn="ctr" latinLnBrk="1"/>
+                      <a:r>
+                        <a:rPr lang="en-US" altLang="ko-KR" dirty="0">
+                          <a:solidFill>
+                            <a:srgbClr val="FF0000"/>
+                          </a:solidFill>
+                        </a:rPr>
+                        <a:t>6</a:t>
+                      </a:r>
+                      <a:endParaRPr lang="ko-KR" altLang="en-US" dirty="0">
+                        <a:solidFill>
+                          <a:srgbClr val="FF0000"/>
+                        </a:solidFill>
+                      </a:endParaRPr>
+                    </a:p>
+                  </a:txBody>
+                  <a:tcPr anchor="ctr">
+                    <a:lnL w="12700" cap="flat" cmpd="sng" algn="ctr">
+                      <a:solidFill>
+                        <a:schemeClr val="tx1"/>
+                      </a:solidFill>
+                      <a:prstDash val="solid"/>
+                      <a:round/>
+                      <a:headEnd type="none" w="med" len="med"/>
+                      <a:tailEnd type="none" w="med" len="med"/>
+                    </a:lnL>
+                    <a:lnR w="12700" cap="flat" cmpd="sng" algn="ctr">
+                      <a:solidFill>
+                        <a:schemeClr val="tx1"/>
+                      </a:solidFill>
+                      <a:prstDash val="solid"/>
+                      <a:round/>
+                      <a:headEnd type="none" w="med" len="med"/>
+                      <a:tailEnd type="none" w="med" len="med"/>
+                    </a:lnR>
+                    <a:lnT w="12700" cap="flat" cmpd="sng" algn="ctr">
+                      <a:solidFill>
+                        <a:schemeClr val="tx1"/>
+                      </a:solidFill>
+                      <a:prstDash val="solid"/>
+                      <a:round/>
+                      <a:headEnd type="none" w="med" len="med"/>
+                      <a:tailEnd type="none" w="med" len="med"/>
+                    </a:lnT>
+                    <a:lnB w="12700" cap="flat" cmpd="sng" algn="ctr">
+                      <a:solidFill>
+                        <a:schemeClr val="tx1"/>
+                      </a:solidFill>
+                      <a:prstDash val="solid"/>
+                      <a:round/>
+                      <a:headEnd type="none" w="med" len="med"/>
+                      <a:tailEnd type="none" w="med" len="med"/>
+                    </a:lnB>
+                    <a:lnTlToBr w="12700" cmpd="sng">
+                      <a:noFill/>
+                      <a:prstDash val="solid"/>
+                    </a:lnTlToBr>
+                    <a:lnBlToTr w="12700" cmpd="sng">
+                      <a:noFill/>
+                      <a:prstDash val="solid"/>
+                    </a:lnBlToTr>
+                    <a:solidFill>
+                      <a:schemeClr val="accent6">
+                        <a:lumMod val="40000"/>
+                        <a:lumOff val="60000"/>
+                      </a:schemeClr>
+                    </a:solidFill>
+                  </a:tcPr>
+                </a:tc>
+                <a:extLst>
+                  <a:ext uri="{0D108BD9-81ED-4DB2-BD59-A6C34878D82A}">
+                    <a16:rowId xmlns:a16="http://schemas.microsoft.com/office/drawing/2014/main" val="4214331581"/>
+                  </a:ext>
+                </a:extLst>
+              </a:tr>
+            </a:tbl>
+          </a:graphicData>
+        </a:graphic>
+      </p:graphicFrame>
+      <p:cxnSp>
+        <p:nvCxnSpPr>
+          <p:cNvPr id="23" name="직선 화살표 연결선 22">
+            <a:extLst>
+              <a:ext uri="{FF2B5EF4-FFF2-40B4-BE49-F238E27FC236}">
+                <a16:creationId xmlns:a16="http://schemas.microsoft.com/office/drawing/2014/main" id="{B6E61D3B-ECC1-CA5F-2E3D-6C8290A94332}"/>
+              </a:ext>
+            </a:extLst>
+          </p:cNvPr>
+          <p:cNvCxnSpPr>
+            <a:cxnSpLocks/>
+            <a:stCxn id="25" idx="4"/>
+          </p:cNvCxnSpPr>
+          <p:nvPr/>
+        </p:nvCxnSpPr>
+        <p:spPr>
+          <a:xfrm>
+            <a:off x="4484167" y="1308661"/>
+            <a:ext cx="0" cy="342710"/>
+          </a:xfrm>
+          <a:prstGeom prst="straightConnector1">
+            <a:avLst/>
+          </a:prstGeom>
+          <a:ln w="28575">
+            <a:tailEnd type="triangle"/>
+          </a:ln>
+        </p:spPr>
+        <p:style>
+          <a:lnRef idx="1">
+            <a:schemeClr val="accent1"/>
+          </a:lnRef>
+          <a:fillRef idx="0">
+            <a:schemeClr val="accent1"/>
+          </a:fillRef>
+          <a:effectRef idx="0">
+            <a:schemeClr val="accent1"/>
+          </a:effectRef>
+          <a:fontRef idx="minor">
+            <a:schemeClr val="tx1"/>
+          </a:fontRef>
+        </p:style>
+      </p:cxnSp>
+      <p:sp>
+        <p:nvSpPr>
+          <p:cNvPr id="24" name="타원 23">
+            <a:extLst>
+              <a:ext uri="{FF2B5EF4-FFF2-40B4-BE49-F238E27FC236}">
+                <a16:creationId xmlns:a16="http://schemas.microsoft.com/office/drawing/2014/main" id="{39631F87-EDDA-1AB3-9040-0F12DF234DD4}"/>
+              </a:ext>
+            </a:extLst>
+          </p:cNvPr>
+          <p:cNvSpPr/>
+          <p:nvPr/>
+        </p:nvSpPr>
+        <p:spPr>
+          <a:xfrm>
+            <a:off x="3745299" y="933886"/>
+            <a:ext cx="340180" cy="369332"/>
+          </a:xfrm>
+          <a:prstGeom prst="ellipse">
+            <a:avLst/>
+          </a:prstGeom>
+          <a:noFill/>
+          <a:ln>
+            <a:solidFill>
+              <a:srgbClr val="002060"/>
+            </a:solidFill>
+          </a:ln>
+        </p:spPr>
+        <p:style>
+          <a:lnRef idx="2">
+            <a:schemeClr val="accent1">
+              <a:shade val="50000"/>
+            </a:schemeClr>
+          </a:lnRef>
+          <a:fillRef idx="1">
+            <a:schemeClr val="accent1"/>
+          </a:fillRef>
+          <a:effectRef idx="0">
+            <a:schemeClr val="accent1"/>
+          </a:effectRef>
+          <a:fontRef idx="minor">
+            <a:schemeClr val="lt1"/>
+          </a:fontRef>
+        </p:style>
+        <p:txBody>
+          <a:bodyPr rtlCol="0" anchor="ctr"/>
+          <a:lstStyle/>
+          <a:p>
+            <a:pPr algn="ctr"/>
+            <a:endParaRPr lang="ko-KR" altLang="en-US" dirty="0"/>
+          </a:p>
+        </p:txBody>
+      </p:sp>
+      <p:sp>
+        <p:nvSpPr>
+          <p:cNvPr id="25" name="타원 24">
+            <a:extLst>
+              <a:ext uri="{FF2B5EF4-FFF2-40B4-BE49-F238E27FC236}">
+                <a16:creationId xmlns:a16="http://schemas.microsoft.com/office/drawing/2014/main" id="{C242B545-A720-4A22-03D1-9E7FB92E9484}"/>
+              </a:ext>
+            </a:extLst>
+          </p:cNvPr>
+          <p:cNvSpPr/>
+          <p:nvPr/>
+        </p:nvSpPr>
+        <p:spPr>
+          <a:xfrm>
+            <a:off x="4314077" y="939329"/>
+            <a:ext cx="340180" cy="369332"/>
+          </a:xfrm>
+          <a:prstGeom prst="ellipse">
+            <a:avLst/>
+          </a:prstGeom>
+          <a:noFill/>
+          <a:ln>
+            <a:solidFill>
+              <a:srgbClr val="002060"/>
+            </a:solidFill>
+          </a:ln>
+        </p:spPr>
+        <p:style>
+          <a:lnRef idx="2">
+            <a:schemeClr val="accent1">
+              <a:shade val="50000"/>
+            </a:schemeClr>
+          </a:lnRef>
+          <a:fillRef idx="1">
+            <a:schemeClr val="accent1"/>
+          </a:fillRef>
+          <a:effectRef idx="0">
+            <a:schemeClr val="accent1"/>
+          </a:effectRef>
+          <a:fontRef idx="minor">
+            <a:schemeClr val="lt1"/>
+          </a:fontRef>
+        </p:style>
+        <p:txBody>
+          <a:bodyPr rtlCol="0" anchor="ctr"/>
+          <a:lstStyle/>
+          <a:p>
+            <a:pPr algn="ctr"/>
+            <a:endParaRPr lang="ko-KR" altLang="en-US" dirty="0"/>
+          </a:p>
+        </p:txBody>
+      </p:sp>
+      <p:sp>
+        <p:nvSpPr>
+          <p:cNvPr id="26" name="TextBox 25">
+            <a:extLst>
+              <a:ext uri="{FF2B5EF4-FFF2-40B4-BE49-F238E27FC236}">
+                <a16:creationId xmlns:a16="http://schemas.microsoft.com/office/drawing/2014/main" id="{D847C051-2922-65A3-D008-C5DA31B80114}"/>
+              </a:ext>
+            </a:extLst>
+          </p:cNvPr>
+          <p:cNvSpPr txBox="1"/>
+          <p:nvPr/>
+        </p:nvSpPr>
+        <p:spPr>
+          <a:xfrm>
+            <a:off x="4286036" y="1583740"/>
+            <a:ext cx="396262" cy="446276"/>
+          </a:xfrm>
+          <a:prstGeom prst="rect">
+            <a:avLst/>
+          </a:prstGeom>
+          <a:noFill/>
+        </p:spPr>
+        <p:txBody>
+          <a:bodyPr wrap="none" rtlCol="0">
+            <a:spAutoFit/>
+          </a:bodyPr>
+          <a:lstStyle/>
+          <a:p>
+            <a:r>
+              <a:rPr lang="en-US" altLang="ko-KR" sz="2300" b="1" dirty="0">
+                <a:solidFill>
+                  <a:srgbClr val="FF0000"/>
+                </a:solidFill>
+                <a:sym typeface="Wingdings" panose="05000000000000000000" pitchFamily="2" charset="2"/>
+              </a:rPr>
+              <a:t>+</a:t>
+            </a:r>
+            <a:endParaRPr lang="ko-KR" altLang="en-US" sz="2300" b="1" dirty="0">
+              <a:solidFill>
+                <a:srgbClr val="FF0000"/>
+              </a:solidFill>
+            </a:endParaRPr>
+          </a:p>
+        </p:txBody>
+      </p:sp>
+      <p:cxnSp>
+        <p:nvCxnSpPr>
+          <p:cNvPr id="27" name="연결선: 꺾임 26">
+            <a:extLst>
+              <a:ext uri="{FF2B5EF4-FFF2-40B4-BE49-F238E27FC236}">
+                <a16:creationId xmlns:a16="http://schemas.microsoft.com/office/drawing/2014/main" id="{F2062748-3DD7-1046-4645-D7B0A123282B}"/>
+              </a:ext>
+            </a:extLst>
+          </p:cNvPr>
+          <p:cNvCxnSpPr>
+            <a:stCxn id="24" idx="4"/>
+            <a:endCxn id="26" idx="1"/>
+          </p:cNvCxnSpPr>
+          <p:nvPr/>
+        </p:nvCxnSpPr>
+        <p:spPr>
+          <a:xfrm rot="16200000" flipH="1">
+            <a:off x="3848882" y="1369724"/>
+            <a:ext cx="503660" cy="370647"/>
+          </a:xfrm>
+          <a:prstGeom prst="bentConnector2">
+            <a:avLst/>
+          </a:prstGeom>
+          <a:ln w="28575">
+            <a:tailEnd type="triangle"/>
+          </a:ln>
+        </p:spPr>
+        <p:style>
+          <a:lnRef idx="1">
+            <a:schemeClr val="accent1"/>
+          </a:lnRef>
+          <a:fillRef idx="0">
+            <a:schemeClr val="accent1"/>
+          </a:fillRef>
+          <a:effectRef idx="0">
+            <a:schemeClr val="accent1"/>
+          </a:effectRef>
+          <a:fontRef idx="minor">
+            <a:schemeClr val="tx1"/>
+          </a:fontRef>
+        </p:style>
+      </p:cxnSp>
+      <p:cxnSp>
+        <p:nvCxnSpPr>
+          <p:cNvPr id="28" name="직선 화살표 연결선 27">
+            <a:extLst>
+              <a:ext uri="{FF2B5EF4-FFF2-40B4-BE49-F238E27FC236}">
+                <a16:creationId xmlns:a16="http://schemas.microsoft.com/office/drawing/2014/main" id="{752A49D3-29C5-3B87-C2EC-C442D7F7EB82}"/>
+              </a:ext>
+            </a:extLst>
+          </p:cNvPr>
+          <p:cNvCxnSpPr>
+            <a:cxnSpLocks/>
+          </p:cNvCxnSpPr>
+          <p:nvPr/>
+        </p:nvCxnSpPr>
+        <p:spPr>
+          <a:xfrm>
+            <a:off x="4484167" y="2030016"/>
+            <a:ext cx="0" cy="382334"/>
+          </a:xfrm>
+          <a:prstGeom prst="straightConnector1">
+            <a:avLst/>
+          </a:prstGeom>
+          <a:ln w="28575">
+            <a:tailEnd type="triangle"/>
+          </a:ln>
+        </p:spPr>
+        <p:style>
+          <a:lnRef idx="1">
+            <a:schemeClr val="accent1"/>
+          </a:lnRef>
+          <a:fillRef idx="0">
+            <a:schemeClr val="accent1"/>
+          </a:fillRef>
+          <a:effectRef idx="0">
+            <a:schemeClr val="accent1"/>
+          </a:effectRef>
+          <a:fontRef idx="minor">
+            <a:schemeClr val="tx1"/>
+          </a:fontRef>
+        </p:style>
+      </p:cxnSp>
+      <p:sp>
+        <p:nvSpPr>
+          <p:cNvPr id="29" name="TextBox 28">
+            <a:extLst>
+              <a:ext uri="{FF2B5EF4-FFF2-40B4-BE49-F238E27FC236}">
+                <a16:creationId xmlns:a16="http://schemas.microsoft.com/office/drawing/2014/main" id="{C925C711-7BB7-04CE-1DC3-3787BD2B9851}"/>
+              </a:ext>
+            </a:extLst>
+          </p:cNvPr>
+          <p:cNvSpPr txBox="1"/>
+          <p:nvPr/>
+        </p:nvSpPr>
+        <p:spPr>
+          <a:xfrm>
+            <a:off x="4286036" y="304693"/>
+            <a:ext cx="2702984" cy="323165"/>
+          </a:xfrm>
+          <a:prstGeom prst="rect">
+            <a:avLst/>
+          </a:prstGeom>
+          <a:noFill/>
+        </p:spPr>
+        <p:txBody>
+          <a:bodyPr wrap="none" rtlCol="0">
+            <a:spAutoFit/>
+          </a:bodyPr>
+          <a:lstStyle/>
+          <a:p>
+            <a:r>
+              <a:rPr lang="en-US" altLang="ko-KR" sz="1500" b="1" dirty="0"/>
+              <a:t>K(1)</a:t>
+            </a:r>
+            <a:r>
+              <a:rPr lang="ko-KR" altLang="en-US" sz="1500" dirty="0"/>
+              <a:t>층 </a:t>
+            </a:r>
+            <a:r>
+              <a:rPr lang="en-US" altLang="ko-KR" sz="1500" b="1" dirty="0"/>
+              <a:t>N-1(2)</a:t>
+            </a:r>
+            <a:r>
+              <a:rPr lang="ko-KR" altLang="en-US" sz="1500" dirty="0"/>
+              <a:t>방의 수와 같음</a:t>
+            </a:r>
+          </a:p>
+        </p:txBody>
+      </p:sp>
+      <p:cxnSp>
+        <p:nvCxnSpPr>
+          <p:cNvPr id="30" name="연결선: 꺾임 29">
+            <a:extLst>
+              <a:ext uri="{FF2B5EF4-FFF2-40B4-BE49-F238E27FC236}">
+                <a16:creationId xmlns:a16="http://schemas.microsoft.com/office/drawing/2014/main" id="{00F261C6-FF85-FC4F-FC20-2A0F7523285D}"/>
+              </a:ext>
+            </a:extLst>
+          </p:cNvPr>
+          <p:cNvCxnSpPr>
+            <a:cxnSpLocks/>
+            <a:stCxn id="29" idx="1"/>
+            <a:endCxn id="21" idx="0"/>
+          </p:cNvCxnSpPr>
+          <p:nvPr/>
+        </p:nvCxnSpPr>
+        <p:spPr>
+          <a:xfrm rot="10800000" flipV="1">
+            <a:off x="3914866" y="466275"/>
+            <a:ext cx="371171" cy="424431"/>
+          </a:xfrm>
+          <a:prstGeom prst="bentConnector2">
+            <a:avLst/>
+          </a:prstGeom>
+          <a:ln w="28575">
+            <a:solidFill>
+              <a:schemeClr val="tx1"/>
+            </a:solidFill>
+            <a:tailEnd type="triangle"/>
+          </a:ln>
+        </p:spPr>
+        <p:style>
+          <a:lnRef idx="1">
+            <a:schemeClr val="accent1"/>
+          </a:lnRef>
+          <a:fillRef idx="0">
+            <a:schemeClr val="accent1"/>
+          </a:fillRef>
+          <a:effectRef idx="0">
+            <a:schemeClr val="accent1"/>
+          </a:effectRef>
+          <a:fontRef idx="minor">
+            <a:schemeClr val="tx1"/>
+          </a:fontRef>
+        </p:style>
+      </p:cxnSp>
+      <p:cxnSp>
+        <p:nvCxnSpPr>
+          <p:cNvPr id="33" name="직선 화살표 연결선 32">
+            <a:extLst>
+              <a:ext uri="{FF2B5EF4-FFF2-40B4-BE49-F238E27FC236}">
+                <a16:creationId xmlns:a16="http://schemas.microsoft.com/office/drawing/2014/main" id="{7DC9FAE3-F172-7E4B-EB2D-2C050CCBABF8}"/>
+              </a:ext>
+            </a:extLst>
+          </p:cNvPr>
+          <p:cNvCxnSpPr>
+            <a:cxnSpLocks/>
+          </p:cNvCxnSpPr>
+          <p:nvPr/>
+        </p:nvCxnSpPr>
+        <p:spPr>
+          <a:xfrm flipH="1">
+            <a:off x="4852413" y="1113109"/>
+            <a:ext cx="385591" cy="0"/>
+          </a:xfrm>
+          <a:prstGeom prst="straightConnector1">
+            <a:avLst/>
+          </a:prstGeom>
+          <a:ln w="28575">
+            <a:solidFill>
+              <a:schemeClr val="tx1"/>
+            </a:solidFill>
+            <a:tailEnd type="triangle"/>
+          </a:ln>
+        </p:spPr>
+        <p:style>
+          <a:lnRef idx="1">
+            <a:schemeClr val="accent1"/>
+          </a:lnRef>
+          <a:fillRef idx="0">
+            <a:schemeClr val="accent1"/>
+          </a:fillRef>
+          <a:effectRef idx="0">
+            <a:schemeClr val="accent1"/>
+          </a:effectRef>
+          <a:fontRef idx="minor">
+            <a:schemeClr val="tx1"/>
+          </a:fontRef>
+        </p:style>
+      </p:cxnSp>
+      <p:sp>
+        <p:nvSpPr>
+          <p:cNvPr id="35" name="TextBox 34">
+            <a:extLst>
+              <a:ext uri="{FF2B5EF4-FFF2-40B4-BE49-F238E27FC236}">
+                <a16:creationId xmlns:a16="http://schemas.microsoft.com/office/drawing/2014/main" id="{9C763091-BF29-808E-97E0-563214F86D1F}"/>
+              </a:ext>
+            </a:extLst>
+          </p:cNvPr>
+          <p:cNvSpPr txBox="1"/>
+          <p:nvPr/>
+        </p:nvSpPr>
+        <p:spPr>
+          <a:xfrm>
+            <a:off x="5238004" y="962412"/>
+            <a:ext cx="2058577" cy="323165"/>
+          </a:xfrm>
+          <a:prstGeom prst="rect">
+            <a:avLst/>
+          </a:prstGeom>
+          <a:noFill/>
+        </p:spPr>
+        <p:txBody>
+          <a:bodyPr wrap="none" rtlCol="0">
+            <a:spAutoFit/>
+          </a:bodyPr>
+          <a:lstStyle/>
+          <a:p>
+            <a:r>
+              <a:rPr lang="en-US" altLang="ko-KR" sz="1500" b="1" dirty="0"/>
+              <a:t>K-1(0)</a:t>
+            </a:r>
+            <a:r>
+              <a:rPr lang="ko-KR" altLang="en-US" sz="1500" dirty="0"/>
+              <a:t>층 </a:t>
+            </a:r>
+            <a:r>
+              <a:rPr lang="en-US" altLang="ko-KR" sz="1500" b="1" dirty="0"/>
+              <a:t>N(3)</a:t>
+            </a:r>
+            <a:r>
+              <a:rPr lang="ko-KR" altLang="en-US" sz="1500" dirty="0"/>
+              <a:t>방의 수</a:t>
+            </a:r>
+          </a:p>
+        </p:txBody>
+      </p:sp>
+      <p:sp>
+        <p:nvSpPr>
+          <p:cNvPr id="36" name="TextBox 35">
+            <a:extLst>
+              <a:ext uri="{FF2B5EF4-FFF2-40B4-BE49-F238E27FC236}">
+                <a16:creationId xmlns:a16="http://schemas.microsoft.com/office/drawing/2014/main" id="{2C62B067-ED88-17E8-4E84-7B38C05F1C6B}"/>
+              </a:ext>
+            </a:extLst>
+          </p:cNvPr>
+          <p:cNvSpPr txBox="1"/>
+          <p:nvPr/>
+        </p:nvSpPr>
+        <p:spPr>
+          <a:xfrm>
+            <a:off x="3079642" y="3664792"/>
+            <a:ext cx="4301177" cy="553998"/>
+          </a:xfrm>
+          <a:prstGeom prst="rect">
+            <a:avLst/>
+          </a:prstGeom>
+          <a:noFill/>
+        </p:spPr>
+        <p:txBody>
+          <a:bodyPr wrap="none" rtlCol="0">
+            <a:spAutoFit/>
+          </a:bodyPr>
+          <a:lstStyle/>
+          <a:p>
+            <a:r>
+              <a:rPr lang="ko-KR" altLang="en-US" sz="1500" dirty="0">
+                <a:sym typeface="Wingdings" panose="05000000000000000000" pitchFamily="2" charset="2"/>
+              </a:rPr>
+              <a:t>하나의 배열에서 </a:t>
+            </a:r>
+            <a:r>
+              <a:rPr lang="ko-KR" altLang="en-US" sz="1500" dirty="0">
+                <a:solidFill>
+                  <a:srgbClr val="FF0000"/>
+                </a:solidFill>
+                <a:sym typeface="Wingdings" panose="05000000000000000000" pitchFamily="2" charset="2"/>
+              </a:rPr>
+              <a:t>다이나믹 프로그래밍 </a:t>
+            </a:r>
+            <a:r>
+              <a:rPr lang="ko-KR" altLang="en-US" sz="1500" dirty="0">
+                <a:sym typeface="Wingdings" panose="05000000000000000000" pitchFamily="2" charset="2"/>
+              </a:rPr>
+              <a:t>방식으로</a:t>
+            </a:r>
+            <a:endParaRPr lang="en-US" altLang="ko-KR" sz="1500" dirty="0">
+              <a:sym typeface="Wingdings" panose="05000000000000000000" pitchFamily="2" charset="2"/>
+            </a:endParaRPr>
+          </a:p>
+          <a:p>
+            <a:r>
+              <a:rPr lang="ko-KR" altLang="en-US" sz="1500" dirty="0"/>
+              <a:t>각 층에 대한 인원 수를 업데이트 할 수 있다</a:t>
+            </a:r>
+            <a:r>
+              <a:rPr lang="en-US" altLang="ko-KR" sz="1500" dirty="0"/>
+              <a:t>.</a:t>
+            </a:r>
+            <a:endParaRPr lang="ko-KR" altLang="en-US" sz="1500" dirty="0"/>
+          </a:p>
+        </p:txBody>
+      </p:sp>
+    </p:spTree>
+    <p:extLst>
+      <p:ext uri="{BB962C8B-B14F-4D97-AF65-F5344CB8AC3E}">
+        <p14:creationId xmlns:p14="http://schemas.microsoft.com/office/powerpoint/2010/main" val="2172116102"/>
       </p:ext>
     </p:extLst>
   </p:cSld>

--- a/참고자료.pptx
+++ b/참고자료.pptx
@@ -12,6 +12,11 @@
     <p:sldId id="257" r:id="rId6"/>
     <p:sldId id="261" r:id="rId7"/>
     <p:sldId id="262" r:id="rId8"/>
+    <p:sldId id="263" r:id="rId9"/>
+    <p:sldId id="264" r:id="rId10"/>
+    <p:sldId id="265" r:id="rId11"/>
+    <p:sldId id="266" r:id="rId12"/>
+    <p:sldId id="267" r:id="rId13"/>
   </p:sldIdLst>
   <p:sldSz cx="12192000" cy="6858000"/>
   <p:notesSz cx="6858000" cy="9144000"/>
@@ -3473,7 +3478,7 @@
         <p:spPr>
           <a:xfrm>
             <a:off x="450967" y="1659484"/>
-            <a:ext cx="5355953" cy="338554"/>
+            <a:ext cx="7694735" cy="338554"/>
           </a:xfrm>
           <a:prstGeom prst="rect">
             <a:avLst/>
@@ -3537,6 +3542,14 @@
             <a:r>
               <a:rPr lang="ko-KR" altLang="en-US" sz="1600" dirty="0"/>
               <a:t>다리놓기</a:t>
+            </a:r>
+            <a:r>
+              <a:rPr lang="en-US" altLang="ko-KR" sz="1600" dirty="0"/>
+              <a:t>), 2775(</a:t>
+            </a:r>
+            <a:r>
+              <a:rPr lang="ko-KR" altLang="en-US" sz="1600" dirty="0" err="1"/>
+              <a:t>부녀회장이될테야</a:t>
             </a:r>
             <a:r>
               <a:rPr lang="en-US" altLang="ko-KR" sz="1600" dirty="0"/>
@@ -3638,6 +3651,246 @@
     <p:extLst>
       <p:ext uri="{BB962C8B-B14F-4D97-AF65-F5344CB8AC3E}">
         <p14:creationId xmlns:p14="http://schemas.microsoft.com/office/powerpoint/2010/main" val="1523866878"/>
+      </p:ext>
+    </p:extLst>
+  </p:cSld>
+  <p:clrMapOvr>
+    <a:masterClrMapping/>
+  </p:clrMapOvr>
+</p:sld>
+</file>
+
+<file path=ppt/slides/slide10.xml><?xml version="1.0" encoding="utf-8"?>
+<p:sld xmlns:a="http://schemas.openxmlformats.org/drawingml/2006/main" xmlns:r="http://schemas.openxmlformats.org/officeDocument/2006/relationships" xmlns:p="http://schemas.openxmlformats.org/presentationml/2006/main">
+  <p:cSld>
+    <p:spTree>
+      <p:nvGrpSpPr>
+        <p:cNvPr id="1" name=""/>
+        <p:cNvGrpSpPr/>
+        <p:nvPr/>
+      </p:nvGrpSpPr>
+      <p:grpSpPr>
+        <a:xfrm>
+          <a:off x="0" y="0"/>
+          <a:ext cx="0" cy="0"/>
+          <a:chOff x="0" y="0"/>
+          <a:chExt cx="0" cy="0"/>
+        </a:xfrm>
+      </p:grpSpPr>
+      <p:sp>
+        <p:nvSpPr>
+          <p:cNvPr id="2" name="제목 1">
+            <a:extLst>
+              <a:ext uri="{FF2B5EF4-FFF2-40B4-BE49-F238E27FC236}">
+                <a16:creationId xmlns:a16="http://schemas.microsoft.com/office/drawing/2014/main" id="{B111DC21-92ED-8152-56DC-4207848A26E6}"/>
+              </a:ext>
+            </a:extLst>
+          </p:cNvPr>
+          <p:cNvSpPr>
+            <a:spLocks noGrp="1"/>
+          </p:cNvSpPr>
+          <p:nvPr>
+            <p:ph type="title"/>
+          </p:nvPr>
+        </p:nvSpPr>
+        <p:spPr/>
+        <p:txBody>
+          <a:bodyPr/>
+          <a:lstStyle/>
+          <a:p>
+            <a:endParaRPr lang="ko-KR" altLang="en-US"/>
+          </a:p>
+        </p:txBody>
+      </p:sp>
+      <p:sp>
+        <p:nvSpPr>
+          <p:cNvPr id="3" name="내용 개체 틀 2">
+            <a:extLst>
+              <a:ext uri="{FF2B5EF4-FFF2-40B4-BE49-F238E27FC236}">
+                <a16:creationId xmlns:a16="http://schemas.microsoft.com/office/drawing/2014/main" id="{1262B144-8CB5-5C97-6880-C7C173C105FC}"/>
+              </a:ext>
+            </a:extLst>
+          </p:cNvPr>
+          <p:cNvSpPr>
+            <a:spLocks noGrp="1"/>
+          </p:cNvSpPr>
+          <p:nvPr>
+            <p:ph idx="1"/>
+          </p:nvPr>
+        </p:nvSpPr>
+        <p:spPr/>
+        <p:txBody>
+          <a:bodyPr/>
+          <a:lstStyle/>
+          <a:p>
+            <a:endParaRPr lang="ko-KR" altLang="en-US"/>
+          </a:p>
+        </p:txBody>
+      </p:sp>
+    </p:spTree>
+    <p:extLst>
+      <p:ext uri="{BB962C8B-B14F-4D97-AF65-F5344CB8AC3E}">
+        <p14:creationId xmlns:p14="http://schemas.microsoft.com/office/powerpoint/2010/main" val="1096045920"/>
+      </p:ext>
+    </p:extLst>
+  </p:cSld>
+  <p:clrMapOvr>
+    <a:masterClrMapping/>
+  </p:clrMapOvr>
+</p:sld>
+</file>
+
+<file path=ppt/slides/slide11.xml><?xml version="1.0" encoding="utf-8"?>
+<p:sld xmlns:a="http://schemas.openxmlformats.org/drawingml/2006/main" xmlns:r="http://schemas.openxmlformats.org/officeDocument/2006/relationships" xmlns:p="http://schemas.openxmlformats.org/presentationml/2006/main">
+  <p:cSld>
+    <p:spTree>
+      <p:nvGrpSpPr>
+        <p:cNvPr id="1" name=""/>
+        <p:cNvGrpSpPr/>
+        <p:nvPr/>
+      </p:nvGrpSpPr>
+      <p:grpSpPr>
+        <a:xfrm>
+          <a:off x="0" y="0"/>
+          <a:ext cx="0" cy="0"/>
+          <a:chOff x="0" y="0"/>
+          <a:chExt cx="0" cy="0"/>
+        </a:xfrm>
+      </p:grpSpPr>
+      <p:sp>
+        <p:nvSpPr>
+          <p:cNvPr id="2" name="제목 1">
+            <a:extLst>
+              <a:ext uri="{FF2B5EF4-FFF2-40B4-BE49-F238E27FC236}">
+                <a16:creationId xmlns:a16="http://schemas.microsoft.com/office/drawing/2014/main" id="{9816F452-0350-6B53-EC04-E6E24F30F9F7}"/>
+              </a:ext>
+            </a:extLst>
+          </p:cNvPr>
+          <p:cNvSpPr>
+            <a:spLocks noGrp="1"/>
+          </p:cNvSpPr>
+          <p:nvPr>
+            <p:ph type="title"/>
+          </p:nvPr>
+        </p:nvSpPr>
+        <p:spPr/>
+        <p:txBody>
+          <a:bodyPr/>
+          <a:lstStyle/>
+          <a:p>
+            <a:endParaRPr lang="ko-KR" altLang="en-US"/>
+          </a:p>
+        </p:txBody>
+      </p:sp>
+      <p:sp>
+        <p:nvSpPr>
+          <p:cNvPr id="3" name="내용 개체 틀 2">
+            <a:extLst>
+              <a:ext uri="{FF2B5EF4-FFF2-40B4-BE49-F238E27FC236}">
+                <a16:creationId xmlns:a16="http://schemas.microsoft.com/office/drawing/2014/main" id="{5F88FF79-385D-AB59-055B-28B64F5E1EB4}"/>
+              </a:ext>
+            </a:extLst>
+          </p:cNvPr>
+          <p:cNvSpPr>
+            <a:spLocks noGrp="1"/>
+          </p:cNvSpPr>
+          <p:nvPr>
+            <p:ph idx="1"/>
+          </p:nvPr>
+        </p:nvSpPr>
+        <p:spPr/>
+        <p:txBody>
+          <a:bodyPr/>
+          <a:lstStyle/>
+          <a:p>
+            <a:endParaRPr lang="ko-KR" altLang="en-US"/>
+          </a:p>
+        </p:txBody>
+      </p:sp>
+    </p:spTree>
+    <p:extLst>
+      <p:ext uri="{BB962C8B-B14F-4D97-AF65-F5344CB8AC3E}">
+        <p14:creationId xmlns:p14="http://schemas.microsoft.com/office/powerpoint/2010/main" val="1492187266"/>
+      </p:ext>
+    </p:extLst>
+  </p:cSld>
+  <p:clrMapOvr>
+    <a:masterClrMapping/>
+  </p:clrMapOvr>
+</p:sld>
+</file>
+
+<file path=ppt/slides/slide12.xml><?xml version="1.0" encoding="utf-8"?>
+<p:sld xmlns:a="http://schemas.openxmlformats.org/drawingml/2006/main" xmlns:r="http://schemas.openxmlformats.org/officeDocument/2006/relationships" xmlns:p="http://schemas.openxmlformats.org/presentationml/2006/main">
+  <p:cSld>
+    <p:spTree>
+      <p:nvGrpSpPr>
+        <p:cNvPr id="1" name=""/>
+        <p:cNvGrpSpPr/>
+        <p:nvPr/>
+      </p:nvGrpSpPr>
+      <p:grpSpPr>
+        <a:xfrm>
+          <a:off x="0" y="0"/>
+          <a:ext cx="0" cy="0"/>
+          <a:chOff x="0" y="0"/>
+          <a:chExt cx="0" cy="0"/>
+        </a:xfrm>
+      </p:grpSpPr>
+      <p:sp>
+        <p:nvSpPr>
+          <p:cNvPr id="2" name="제목 1">
+            <a:extLst>
+              <a:ext uri="{FF2B5EF4-FFF2-40B4-BE49-F238E27FC236}">
+                <a16:creationId xmlns:a16="http://schemas.microsoft.com/office/drawing/2014/main" id="{E778A509-C0BC-30D2-8ED0-B32E8DF359B5}"/>
+              </a:ext>
+            </a:extLst>
+          </p:cNvPr>
+          <p:cNvSpPr>
+            <a:spLocks noGrp="1"/>
+          </p:cNvSpPr>
+          <p:nvPr>
+            <p:ph type="title"/>
+          </p:nvPr>
+        </p:nvSpPr>
+        <p:spPr/>
+        <p:txBody>
+          <a:bodyPr/>
+          <a:lstStyle/>
+          <a:p>
+            <a:endParaRPr lang="ko-KR" altLang="en-US"/>
+          </a:p>
+        </p:txBody>
+      </p:sp>
+      <p:sp>
+        <p:nvSpPr>
+          <p:cNvPr id="3" name="내용 개체 틀 2">
+            <a:extLst>
+              <a:ext uri="{FF2B5EF4-FFF2-40B4-BE49-F238E27FC236}">
+                <a16:creationId xmlns:a16="http://schemas.microsoft.com/office/drawing/2014/main" id="{EC9C3857-9F45-9817-857F-30D0853D18F8}"/>
+              </a:ext>
+            </a:extLst>
+          </p:cNvPr>
+          <p:cNvSpPr>
+            <a:spLocks noGrp="1"/>
+          </p:cNvSpPr>
+          <p:nvPr>
+            <p:ph idx="1"/>
+          </p:nvPr>
+        </p:nvSpPr>
+        <p:spPr/>
+        <p:txBody>
+          <a:bodyPr/>
+          <a:lstStyle/>
+          <a:p>
+            <a:endParaRPr lang="ko-KR" altLang="en-US"/>
+          </a:p>
+        </p:txBody>
+      </p:sp>
+    </p:spTree>
+    <p:extLst>
+      <p:ext uri="{BB962C8B-B14F-4D97-AF65-F5344CB8AC3E}">
+        <p14:creationId xmlns:p14="http://schemas.microsoft.com/office/powerpoint/2010/main" val="164386768"/>
       </p:ext>
     </p:extLst>
   </p:cSld>
@@ -11111,7 +11364,7 @@
         </p:nvCxnSpPr>
         <p:spPr>
           <a:xfrm>
-            <a:off x="1418615" y="1304554"/>
+            <a:off x="1851322" y="2258370"/>
             <a:ext cx="0" cy="342710"/>
           </a:xfrm>
           <a:prstGeom prst="straightConnector1">
@@ -11151,13 +11404,13 @@
           <p:nvPr>
             <p:extLst>
               <p:ext uri="{D42A27DB-BD31-4B8C-83A1-F6EECF244321}">
-                <p14:modId xmlns:p14="http://schemas.microsoft.com/office/powerpoint/2010/main" val="1293626948"/>
+                <p14:modId xmlns:p14="http://schemas.microsoft.com/office/powerpoint/2010/main" val="1406618179"/>
               </p:ext>
             </p:extLst>
           </p:nvPr>
         </p:nvGraphicFramePr>
         <p:xfrm>
-          <a:off x="569262" y="890707"/>
+          <a:off x="1001969" y="1844523"/>
           <a:ext cx="1670445" cy="447477"/>
         </p:xfrm>
         <a:graphic>
@@ -11454,7 +11707,7 @@
         </p:nvSpPr>
         <p:spPr>
           <a:xfrm>
-            <a:off x="246148" y="343832"/>
+            <a:off x="678855" y="1297648"/>
             <a:ext cx="3594254" cy="369332"/>
           </a:xfrm>
           <a:prstGeom prst="rect">
@@ -11489,7 +11742,7 @@
         </p:nvSpPr>
         <p:spPr>
           <a:xfrm>
-            <a:off x="679747" y="929779"/>
+            <a:off x="1112454" y="1883595"/>
             <a:ext cx="340180" cy="369332"/>
           </a:xfrm>
           <a:prstGeom prst="ellipse">
@@ -11542,13 +11795,13 @@
           <p:nvPr>
             <p:extLst>
               <p:ext uri="{D42A27DB-BD31-4B8C-83A1-F6EECF244321}">
-                <p14:modId xmlns:p14="http://schemas.microsoft.com/office/powerpoint/2010/main" val="1755484858"/>
+                <p14:modId xmlns:p14="http://schemas.microsoft.com/office/powerpoint/2010/main" val="2098957112"/>
               </p:ext>
             </p:extLst>
           </p:nvPr>
         </p:nvGraphicFramePr>
         <p:xfrm>
-          <a:off x="569261" y="2576439"/>
+          <a:off x="1001968" y="3530255"/>
           <a:ext cx="1670445" cy="447477"/>
         </p:xfrm>
         <a:graphic>
@@ -11839,7 +12092,7 @@
         </p:nvSpPr>
         <p:spPr>
           <a:xfrm>
-            <a:off x="1248525" y="935222"/>
+            <a:off x="1681232" y="1889038"/>
             <a:ext cx="340180" cy="369332"/>
           </a:xfrm>
           <a:prstGeom prst="ellipse">
@@ -11891,7 +12144,7 @@
         </p:nvSpPr>
         <p:spPr>
           <a:xfrm>
-            <a:off x="1220484" y="1579633"/>
+            <a:off x="1653191" y="2533449"/>
             <a:ext cx="396262" cy="446276"/>
           </a:xfrm>
           <a:prstGeom prst="rect">
@@ -11939,7 +12192,7 @@
         </p:nvCxnSpPr>
         <p:spPr>
           <a:xfrm rot="16200000" flipH="1">
-            <a:off x="783330" y="1365617"/>
+            <a:off x="1216037" y="2319433"/>
             <a:ext cx="503660" cy="370647"/>
           </a:xfrm>
           <a:prstGeom prst="bentConnector2">
@@ -11980,7 +12233,7 @@
         </p:nvCxnSpPr>
         <p:spPr>
           <a:xfrm>
-            <a:off x="1418615" y="2025909"/>
+            <a:off x="1851322" y="2979725"/>
             <a:ext cx="0" cy="382334"/>
           </a:xfrm>
           <a:prstGeom prst="straightConnector1">
@@ -12019,7 +12272,7 @@
         </p:nvSpPr>
         <p:spPr>
           <a:xfrm>
-            <a:off x="213626" y="3659839"/>
+            <a:off x="646333" y="4613655"/>
             <a:ext cx="2236510" cy="553998"/>
           </a:xfrm>
           <a:prstGeom prst="rect">
@@ -12094,7 +12347,7 @@
         </p:nvCxnSpPr>
         <p:spPr>
           <a:xfrm flipV="1">
-            <a:off x="849836" y="3231502"/>
+            <a:off x="1282543" y="4185318"/>
             <a:ext cx="0" cy="382334"/>
           </a:xfrm>
           <a:prstGeom prst="straightConnector1">
@@ -12137,13 +12390,13 @@
           <p:nvPr>
             <p:extLst>
               <p:ext uri="{D42A27DB-BD31-4B8C-83A1-F6EECF244321}">
-                <p14:modId xmlns:p14="http://schemas.microsoft.com/office/powerpoint/2010/main" val="2140150892"/>
+                <p14:modId xmlns:p14="http://schemas.microsoft.com/office/powerpoint/2010/main" val="3031844977"/>
               </p:ext>
             </p:extLst>
           </p:nvPr>
         </p:nvGraphicFramePr>
         <p:xfrm>
-          <a:off x="3079643" y="890707"/>
+          <a:off x="3512350" y="1844523"/>
           <a:ext cx="1670445" cy="447477"/>
         </p:xfrm>
         <a:graphic>
@@ -12441,13 +12694,13 @@
           <p:nvPr>
             <p:extLst>
               <p:ext uri="{D42A27DB-BD31-4B8C-83A1-F6EECF244321}">
-                <p14:modId xmlns:p14="http://schemas.microsoft.com/office/powerpoint/2010/main" val="522302145"/>
+                <p14:modId xmlns:p14="http://schemas.microsoft.com/office/powerpoint/2010/main" val="281434348"/>
               </p:ext>
             </p:extLst>
           </p:nvPr>
         </p:nvGraphicFramePr>
         <p:xfrm>
-          <a:off x="3079642" y="2575102"/>
+          <a:off x="3512349" y="3528918"/>
           <a:ext cx="1670445" cy="447477"/>
         </p:xfrm>
         <a:graphic>
@@ -12735,7 +12988,7 @@
         </p:nvCxnSpPr>
         <p:spPr>
           <a:xfrm>
-            <a:off x="4484167" y="1308661"/>
+            <a:off x="4916874" y="2262477"/>
             <a:ext cx="0" cy="342710"/>
           </a:xfrm>
           <a:prstGeom prst="straightConnector1">
@@ -12774,7 +13027,7 @@
         </p:nvSpPr>
         <p:spPr>
           <a:xfrm>
-            <a:off x="3745299" y="933886"/>
+            <a:off x="4178006" y="1887702"/>
             <a:ext cx="340180" cy="369332"/>
           </a:xfrm>
           <a:prstGeom prst="ellipse">
@@ -12826,7 +13079,7 @@
         </p:nvSpPr>
         <p:spPr>
           <a:xfrm>
-            <a:off x="4314077" y="939329"/>
+            <a:off x="4746784" y="1893145"/>
             <a:ext cx="340180" cy="369332"/>
           </a:xfrm>
           <a:prstGeom prst="ellipse">
@@ -12878,7 +13131,7 @@
         </p:nvSpPr>
         <p:spPr>
           <a:xfrm>
-            <a:off x="4286036" y="1583740"/>
+            <a:off x="4718743" y="2537556"/>
             <a:ext cx="396262" cy="446276"/>
           </a:xfrm>
           <a:prstGeom prst="rect">
@@ -12926,7 +13179,7 @@
         </p:nvCxnSpPr>
         <p:spPr>
           <a:xfrm rot="16200000" flipH="1">
-            <a:off x="3848882" y="1369724"/>
+            <a:off x="4281589" y="2323540"/>
             <a:ext cx="503660" cy="370647"/>
           </a:xfrm>
           <a:prstGeom prst="bentConnector2">
@@ -12967,7 +13220,7 @@
         </p:nvCxnSpPr>
         <p:spPr>
           <a:xfrm>
-            <a:off x="4484167" y="2030016"/>
+            <a:off x="4916874" y="2983832"/>
             <a:ext cx="0" cy="382334"/>
           </a:xfrm>
           <a:prstGeom prst="straightConnector1">
@@ -13006,7 +13259,7 @@
         </p:nvSpPr>
         <p:spPr>
           <a:xfrm>
-            <a:off x="4286036" y="304693"/>
+            <a:off x="4718743" y="1258509"/>
             <a:ext cx="2702984" cy="323165"/>
           </a:xfrm>
           <a:prstGeom prst="rect">
@@ -13057,7 +13310,7 @@
         </p:nvCxnSpPr>
         <p:spPr>
           <a:xfrm rot="10800000" flipV="1">
-            <a:off x="3914866" y="466275"/>
+            <a:off x="4347573" y="1420091"/>
             <a:ext cx="371171" cy="424431"/>
           </a:xfrm>
           <a:prstGeom prst="bentConnector2">
@@ -13101,7 +13354,7 @@
         </p:nvCxnSpPr>
         <p:spPr>
           <a:xfrm flipH="1">
-            <a:off x="4852413" y="1113109"/>
+            <a:off x="5285120" y="2066925"/>
             <a:ext cx="385591" cy="0"/>
           </a:xfrm>
           <a:prstGeom prst="straightConnector1">
@@ -13143,7 +13396,7 @@
         </p:nvSpPr>
         <p:spPr>
           <a:xfrm>
-            <a:off x="5238004" y="962412"/>
+            <a:off x="5670711" y="1916228"/>
             <a:ext cx="2058577" cy="323165"/>
           </a:xfrm>
           <a:prstGeom prst="rect">
@@ -13190,7 +13443,7 @@
         </p:nvSpPr>
         <p:spPr>
           <a:xfrm>
-            <a:off x="3079642" y="3664792"/>
+            <a:off x="3512349" y="4618608"/>
             <a:ext cx="4301177" cy="553998"/>
           </a:xfrm>
           <a:prstGeom prst="rect">
@@ -13242,10 +13495,1439 @@
           </a:p>
         </p:txBody>
       </p:sp>
+      <p:sp>
+        <p:nvSpPr>
+          <p:cNvPr id="2" name="TextBox 1">
+            <a:extLst>
+              <a:ext uri="{FF2B5EF4-FFF2-40B4-BE49-F238E27FC236}">
+                <a16:creationId xmlns:a16="http://schemas.microsoft.com/office/drawing/2014/main" id="{CCEB1944-076E-2CFE-8805-63E29A9E534E}"/>
+              </a:ext>
+            </a:extLst>
+          </p:cNvPr>
+          <p:cNvSpPr txBox="1"/>
+          <p:nvPr/>
+        </p:nvSpPr>
+        <p:spPr>
+          <a:xfrm>
+            <a:off x="7275127" y="3118794"/>
+            <a:ext cx="4240263" cy="369332"/>
+          </a:xfrm>
+          <a:prstGeom prst="rect">
+            <a:avLst/>
+          </a:prstGeom>
+          <a:noFill/>
+        </p:spPr>
+        <p:txBody>
+          <a:bodyPr wrap="none" rtlCol="0">
+            <a:spAutoFit/>
+          </a:bodyPr>
+          <a:lstStyle/>
+          <a:p>
+            <a:r>
+              <a:rPr lang="en-US" altLang="ko-KR" dirty="0"/>
+              <a:t>2775</a:t>
+            </a:r>
+            <a:r>
+              <a:rPr lang="ko-KR" altLang="en-US" dirty="0"/>
+              <a:t> 부녀회장  </a:t>
+            </a:r>
+            <a:r>
+              <a:rPr lang="en-US" altLang="ko-KR" dirty="0"/>
+              <a:t>#</a:t>
+            </a:r>
+            <a:r>
+              <a:rPr lang="ko-KR" altLang="en-US" dirty="0"/>
+              <a:t>다이나믹 프로그래밍</a:t>
+            </a:r>
+          </a:p>
+        </p:txBody>
+      </p:sp>
     </p:spTree>
     <p:extLst>
       <p:ext uri="{BB962C8B-B14F-4D97-AF65-F5344CB8AC3E}">
         <p14:creationId xmlns:p14="http://schemas.microsoft.com/office/powerpoint/2010/main" val="2172116102"/>
+      </p:ext>
+    </p:extLst>
+  </p:cSld>
+  <p:clrMapOvr>
+    <a:masterClrMapping/>
+  </p:clrMapOvr>
+</p:sld>
+</file>
+
+<file path=ppt/slides/slide8.xml><?xml version="1.0" encoding="utf-8"?>
+<p:sld xmlns:a="http://schemas.openxmlformats.org/drawingml/2006/main" xmlns:r="http://schemas.openxmlformats.org/officeDocument/2006/relationships" xmlns:p="http://schemas.openxmlformats.org/presentationml/2006/main">
+  <p:cSld>
+    <p:spTree>
+      <p:nvGrpSpPr>
+        <p:cNvPr id="1" name=""/>
+        <p:cNvGrpSpPr/>
+        <p:nvPr/>
+      </p:nvGrpSpPr>
+      <p:grpSpPr>
+        <a:xfrm>
+          <a:off x="0" y="0"/>
+          <a:ext cx="0" cy="0"/>
+          <a:chOff x="0" y="0"/>
+          <a:chExt cx="0" cy="0"/>
+        </a:xfrm>
+      </p:grpSpPr>
+      <p:sp>
+        <p:nvSpPr>
+          <p:cNvPr id="4" name="TextBox 3">
+            <a:extLst>
+              <a:ext uri="{FF2B5EF4-FFF2-40B4-BE49-F238E27FC236}">
+                <a16:creationId xmlns:a16="http://schemas.microsoft.com/office/drawing/2014/main" id="{340234D1-27FE-4C2C-57CB-431B62C69328}"/>
+              </a:ext>
+            </a:extLst>
+          </p:cNvPr>
+          <p:cNvSpPr txBox="1"/>
+          <p:nvPr/>
+        </p:nvSpPr>
+        <p:spPr>
+          <a:xfrm>
+            <a:off x="237512" y="204144"/>
+            <a:ext cx="7151167" cy="369332"/>
+          </a:xfrm>
+          <a:prstGeom prst="rect">
+            <a:avLst/>
+          </a:prstGeom>
+          <a:noFill/>
+        </p:spPr>
+        <p:txBody>
+          <a:bodyPr wrap="square" rtlCol="0">
+            <a:spAutoFit/>
+          </a:bodyPr>
+          <a:lstStyle/>
+          <a:p>
+            <a:r>
+              <a:rPr lang="en-US" altLang="ko-KR" dirty="0"/>
+              <a:t>4675</a:t>
+            </a:r>
+            <a:r>
+              <a:rPr lang="ko-KR" altLang="en-US" dirty="0"/>
+              <a:t> </a:t>
+            </a:r>
+            <a:r>
+              <a:rPr lang="en-US" altLang="ko-KR" b="0" i="0" dirty="0">
+                <a:effectLst/>
+                <a:latin typeface="Open Sans" panose="020B0606030504020204" pitchFamily="34" charset="0"/>
+              </a:rPr>
+              <a:t>Word Amalgamation</a:t>
+            </a:r>
+            <a:r>
+              <a:rPr lang="en-US" altLang="ko-KR" b="0" i="0" dirty="0">
+                <a:solidFill>
+                  <a:srgbClr val="585F69"/>
+                </a:solidFill>
+                <a:effectLst/>
+                <a:latin typeface="Open Sans" panose="020B0606030504020204" pitchFamily="34" charset="0"/>
+              </a:rPr>
+              <a:t>  </a:t>
+            </a:r>
+            <a:r>
+              <a:rPr lang="en-US" altLang="ko-KR" dirty="0"/>
+              <a:t>#</a:t>
+            </a:r>
+            <a:r>
+              <a:rPr lang="ko-KR" altLang="en-US" dirty="0"/>
+              <a:t>트리 집합과 맵</a:t>
+            </a:r>
+            <a:r>
+              <a:rPr lang="en-US" altLang="ko-KR" dirty="0"/>
+              <a:t>, #</a:t>
+            </a:r>
+            <a:r>
+              <a:rPr lang="ko-KR" altLang="en-US" dirty="0"/>
+              <a:t>정렬</a:t>
+            </a:r>
+            <a:r>
+              <a:rPr lang="en-US" altLang="ko-KR" dirty="0"/>
+              <a:t>, #</a:t>
+            </a:r>
+            <a:r>
+              <a:rPr lang="ko-KR" altLang="en-US" dirty="0"/>
+              <a:t>문자열</a:t>
+            </a:r>
+          </a:p>
+        </p:txBody>
+      </p:sp>
+      <p:sp>
+        <p:nvSpPr>
+          <p:cNvPr id="5" name="양쪽 중괄호 4">
+            <a:extLst>
+              <a:ext uri="{FF2B5EF4-FFF2-40B4-BE49-F238E27FC236}">
+                <a16:creationId xmlns:a16="http://schemas.microsoft.com/office/drawing/2014/main" id="{F346CA31-87D9-6111-AC82-98264387B404}"/>
+              </a:ext>
+            </a:extLst>
+          </p:cNvPr>
+          <p:cNvSpPr/>
+          <p:nvPr/>
+        </p:nvSpPr>
+        <p:spPr>
+          <a:xfrm>
+            <a:off x="465362" y="2580066"/>
+            <a:ext cx="3012621" cy="661061"/>
+          </a:xfrm>
+          <a:prstGeom prst="bracePair">
+            <a:avLst/>
+          </a:prstGeom>
+          <a:ln w="57150">
+            <a:solidFill>
+              <a:schemeClr val="tx2">
+                <a:lumMod val="75000"/>
+              </a:schemeClr>
+            </a:solidFill>
+          </a:ln>
+        </p:spPr>
+        <p:style>
+          <a:lnRef idx="1">
+            <a:schemeClr val="accent1"/>
+          </a:lnRef>
+          <a:fillRef idx="0">
+            <a:schemeClr val="accent1"/>
+          </a:fillRef>
+          <a:effectRef idx="0">
+            <a:schemeClr val="accent1"/>
+          </a:effectRef>
+          <a:fontRef idx="minor">
+            <a:schemeClr val="tx1"/>
+          </a:fontRef>
+        </p:style>
+        <p:txBody>
+          <a:bodyPr rtlCol="0" anchor="ctr"/>
+          <a:lstStyle/>
+          <a:p>
+            <a:pPr algn="ctr"/>
+            <a:endParaRPr lang="ko-KR" altLang="en-US"/>
+          </a:p>
+        </p:txBody>
+      </p:sp>
+      <p:cxnSp>
+        <p:nvCxnSpPr>
+          <p:cNvPr id="6" name="직선 화살표 연결선 5">
+            <a:extLst>
+              <a:ext uri="{FF2B5EF4-FFF2-40B4-BE49-F238E27FC236}">
+                <a16:creationId xmlns:a16="http://schemas.microsoft.com/office/drawing/2014/main" id="{582A032C-F089-1F8B-E037-1F9EBCED3CEE}"/>
+              </a:ext>
+            </a:extLst>
+          </p:cNvPr>
+          <p:cNvCxnSpPr>
+            <a:cxnSpLocks/>
+          </p:cNvCxnSpPr>
+          <p:nvPr/>
+        </p:nvCxnSpPr>
+        <p:spPr>
+          <a:xfrm>
+            <a:off x="1269544" y="1509744"/>
+            <a:ext cx="0" cy="718696"/>
+          </a:xfrm>
+          <a:prstGeom prst="straightConnector1">
+            <a:avLst/>
+          </a:prstGeom>
+          <a:ln w="28575">
+            <a:tailEnd type="triangle"/>
+          </a:ln>
+        </p:spPr>
+        <p:style>
+          <a:lnRef idx="1">
+            <a:schemeClr val="accent1"/>
+          </a:lnRef>
+          <a:fillRef idx="0">
+            <a:schemeClr val="accent1"/>
+          </a:fillRef>
+          <a:effectRef idx="0">
+            <a:schemeClr val="accent1"/>
+          </a:effectRef>
+          <a:fontRef idx="minor">
+            <a:schemeClr val="tx1"/>
+          </a:fontRef>
+        </p:style>
+      </p:cxnSp>
+      <p:sp>
+        <p:nvSpPr>
+          <p:cNvPr id="7" name="TextBox 6">
+            <a:extLst>
+              <a:ext uri="{FF2B5EF4-FFF2-40B4-BE49-F238E27FC236}">
+                <a16:creationId xmlns:a16="http://schemas.microsoft.com/office/drawing/2014/main" id="{949FCDB5-8EE2-A810-133F-EBAB47E88239}"/>
+              </a:ext>
+            </a:extLst>
+          </p:cNvPr>
+          <p:cNvSpPr txBox="1"/>
+          <p:nvPr/>
+        </p:nvSpPr>
+        <p:spPr>
+          <a:xfrm>
+            <a:off x="1116788" y="911372"/>
+            <a:ext cx="2039148" cy="323165"/>
+          </a:xfrm>
+          <a:prstGeom prst="rect">
+            <a:avLst/>
+          </a:prstGeom>
+          <a:noFill/>
+        </p:spPr>
+        <p:txBody>
+          <a:bodyPr wrap="none" rtlCol="0">
+            <a:spAutoFit/>
+          </a:bodyPr>
+          <a:lstStyle/>
+          <a:p>
+            <a:r>
+              <a:rPr lang="en-US" altLang="ko-KR" sz="1500" b="1" dirty="0">
+                <a:solidFill>
+                  <a:srgbClr val="FF0000"/>
+                </a:solidFill>
+              </a:rPr>
+              <a:t>course</a:t>
+            </a:r>
+            <a:r>
+              <a:rPr lang="en-US" altLang="ko-KR" sz="1500" dirty="0"/>
+              <a:t> (</a:t>
+            </a:r>
+            <a:r>
+              <a:rPr lang="ko-KR" altLang="en-US" sz="1500" dirty="0"/>
+              <a:t>사용자 입력</a:t>
+            </a:r>
+            <a:r>
+              <a:rPr lang="en-US" altLang="ko-KR" sz="1500" dirty="0"/>
+              <a:t>)</a:t>
+            </a:r>
+            <a:endParaRPr lang="ko-KR" altLang="en-US" sz="1500" dirty="0"/>
+          </a:p>
+        </p:txBody>
+      </p:sp>
+      <p:sp>
+        <p:nvSpPr>
+          <p:cNvPr id="9" name="TextBox 8">
+            <a:extLst>
+              <a:ext uri="{FF2B5EF4-FFF2-40B4-BE49-F238E27FC236}">
+                <a16:creationId xmlns:a16="http://schemas.microsoft.com/office/drawing/2014/main" id="{84AE0688-681B-1502-A080-25625E35A03D}"/>
+              </a:ext>
+            </a:extLst>
+          </p:cNvPr>
+          <p:cNvSpPr txBox="1"/>
+          <p:nvPr/>
+        </p:nvSpPr>
+        <p:spPr>
+          <a:xfrm>
+            <a:off x="1475054" y="1476677"/>
+            <a:ext cx="2896947" cy="784830"/>
+          </a:xfrm>
+          <a:prstGeom prst="rect">
+            <a:avLst/>
+          </a:prstGeom>
+          <a:noFill/>
+        </p:spPr>
+        <p:txBody>
+          <a:bodyPr wrap="none" rtlCol="0">
+            <a:spAutoFit/>
+          </a:bodyPr>
+          <a:lstStyle/>
+          <a:p>
+            <a:r>
+              <a:rPr lang="ko-KR" altLang="en-US" sz="1500" dirty="0" err="1">
+                <a:latin typeface="+mj-lt"/>
+              </a:rPr>
+              <a:t>전처리</a:t>
+            </a:r>
+            <a:r>
+              <a:rPr lang="en-US" altLang="ko-KR" sz="1500" dirty="0">
+                <a:latin typeface="+mj-lt"/>
+              </a:rPr>
+              <a:t>: </a:t>
+            </a:r>
+          </a:p>
+          <a:p>
+            <a:r>
+              <a:rPr lang="ko-KR" altLang="en-US" sz="1500" dirty="0">
+                <a:latin typeface="+mj-lt"/>
+              </a:rPr>
+              <a:t> 입력에 대한 문자열 정렬 값을 </a:t>
+            </a:r>
+            <a:endParaRPr lang="en-US" altLang="ko-KR" sz="1500" dirty="0">
+              <a:latin typeface="+mj-lt"/>
+            </a:endParaRPr>
+          </a:p>
+          <a:p>
+            <a:r>
+              <a:rPr lang="ko-KR" altLang="en-US" sz="1500" dirty="0">
+                <a:latin typeface="+mj-lt"/>
+              </a:rPr>
+              <a:t> 사전의 </a:t>
+            </a:r>
+            <a:r>
+              <a:rPr lang="en-US" altLang="ko-KR" sz="1500" dirty="0">
+                <a:latin typeface="+mj-lt"/>
+              </a:rPr>
+              <a:t>Key</a:t>
+            </a:r>
+            <a:r>
+              <a:rPr lang="ko-KR" altLang="en-US" sz="1500" dirty="0">
+                <a:latin typeface="+mj-lt"/>
+              </a:rPr>
+              <a:t>로 활용</a:t>
+            </a:r>
+          </a:p>
+        </p:txBody>
+      </p:sp>
+      <p:sp>
+        <p:nvSpPr>
+          <p:cNvPr id="10" name="TextBox 9">
+            <a:extLst>
+              <a:ext uri="{FF2B5EF4-FFF2-40B4-BE49-F238E27FC236}">
+                <a16:creationId xmlns:a16="http://schemas.microsoft.com/office/drawing/2014/main" id="{0E610679-2259-0C01-905F-09D3CC7F4970}"/>
+              </a:ext>
+            </a:extLst>
+          </p:cNvPr>
+          <p:cNvSpPr txBox="1"/>
+          <p:nvPr/>
+        </p:nvSpPr>
+        <p:spPr>
+          <a:xfrm>
+            <a:off x="1054851" y="2665229"/>
+            <a:ext cx="1833643" cy="323165"/>
+          </a:xfrm>
+          <a:prstGeom prst="rect">
+            <a:avLst/>
+          </a:prstGeom>
+          <a:noFill/>
+        </p:spPr>
+        <p:txBody>
+          <a:bodyPr wrap="none" rtlCol="0">
+            <a:spAutoFit/>
+          </a:bodyPr>
+          <a:lstStyle/>
+          <a:p>
+            <a:r>
+              <a:rPr lang="en-US" altLang="ko-KR" sz="1500" b="1" dirty="0"/>
+              <a:t>'</a:t>
+            </a:r>
+            <a:r>
+              <a:rPr lang="en-US" altLang="ko-KR" sz="1500" b="1" dirty="0" err="1"/>
+              <a:t>ceorsu</a:t>
+            </a:r>
+            <a:r>
+              <a:rPr lang="en-US" altLang="ko-KR" sz="1500" b="1" dirty="0"/>
+              <a:t>': ['</a:t>
+            </a:r>
+            <a:r>
+              <a:rPr lang="en-US" altLang="ko-KR" sz="1500" b="1" dirty="0">
+                <a:solidFill>
+                  <a:srgbClr val="FF0000"/>
+                </a:solidFill>
+              </a:rPr>
+              <a:t>course</a:t>
+            </a:r>
+            <a:r>
+              <a:rPr lang="en-US" altLang="ko-KR" sz="1500" b="1" dirty="0"/>
+              <a:t>']</a:t>
+            </a:r>
+            <a:endParaRPr lang="ko-KR" altLang="en-US" sz="1500" dirty="0"/>
+          </a:p>
+        </p:txBody>
+      </p:sp>
+      <p:sp>
+        <p:nvSpPr>
+          <p:cNvPr id="11" name="TextBox 10">
+            <a:extLst>
+              <a:ext uri="{FF2B5EF4-FFF2-40B4-BE49-F238E27FC236}">
+                <a16:creationId xmlns:a16="http://schemas.microsoft.com/office/drawing/2014/main" id="{DF23DCAF-D818-EC7A-07D2-159BEFA7AD3D}"/>
+              </a:ext>
+            </a:extLst>
+          </p:cNvPr>
+          <p:cNvSpPr txBox="1"/>
+          <p:nvPr/>
+        </p:nvSpPr>
+        <p:spPr>
+          <a:xfrm>
+            <a:off x="3688729" y="2749013"/>
+            <a:ext cx="1665841" cy="323165"/>
+          </a:xfrm>
+          <a:prstGeom prst="rect">
+            <a:avLst/>
+          </a:prstGeom>
+          <a:noFill/>
+        </p:spPr>
+        <p:txBody>
+          <a:bodyPr wrap="none" rtlCol="0">
+            <a:spAutoFit/>
+          </a:bodyPr>
+          <a:lstStyle/>
+          <a:p>
+            <a:r>
+              <a:rPr lang="ko-KR" altLang="en-US" sz="1500" b="1" dirty="0"/>
+              <a:t>단어 사전에 추가</a:t>
+            </a:r>
+            <a:endParaRPr lang="ko-KR" altLang="en-US" sz="1500" dirty="0"/>
+          </a:p>
+        </p:txBody>
+      </p:sp>
+      <p:sp>
+        <p:nvSpPr>
+          <p:cNvPr id="12" name="양쪽 중괄호 11">
+            <a:extLst>
+              <a:ext uri="{FF2B5EF4-FFF2-40B4-BE49-F238E27FC236}">
+                <a16:creationId xmlns:a16="http://schemas.microsoft.com/office/drawing/2014/main" id="{609C6815-F3D9-1BCF-CBB0-BFAAD1CACFBD}"/>
+              </a:ext>
+            </a:extLst>
+          </p:cNvPr>
+          <p:cNvSpPr/>
+          <p:nvPr/>
+        </p:nvSpPr>
+        <p:spPr>
+          <a:xfrm>
+            <a:off x="5565317" y="2580066"/>
+            <a:ext cx="3012621" cy="661061"/>
+          </a:xfrm>
+          <a:prstGeom prst="bracePair">
+            <a:avLst/>
+          </a:prstGeom>
+          <a:ln w="57150">
+            <a:solidFill>
+              <a:schemeClr val="tx2">
+                <a:lumMod val="75000"/>
+              </a:schemeClr>
+            </a:solidFill>
+          </a:ln>
+        </p:spPr>
+        <p:style>
+          <a:lnRef idx="1">
+            <a:schemeClr val="accent1"/>
+          </a:lnRef>
+          <a:fillRef idx="0">
+            <a:schemeClr val="accent1"/>
+          </a:fillRef>
+          <a:effectRef idx="0">
+            <a:schemeClr val="accent1"/>
+          </a:effectRef>
+          <a:fontRef idx="minor">
+            <a:schemeClr val="tx1"/>
+          </a:fontRef>
+        </p:style>
+        <p:txBody>
+          <a:bodyPr rtlCol="0" anchor="ctr"/>
+          <a:lstStyle/>
+          <a:p>
+            <a:pPr algn="ctr"/>
+            <a:endParaRPr lang="ko-KR" altLang="en-US"/>
+          </a:p>
+        </p:txBody>
+      </p:sp>
+      <p:cxnSp>
+        <p:nvCxnSpPr>
+          <p:cNvPr id="13" name="직선 화살표 연결선 12">
+            <a:extLst>
+              <a:ext uri="{FF2B5EF4-FFF2-40B4-BE49-F238E27FC236}">
+                <a16:creationId xmlns:a16="http://schemas.microsoft.com/office/drawing/2014/main" id="{0B5C3DA3-7DCA-2A9A-B379-47808DDFC588}"/>
+              </a:ext>
+            </a:extLst>
+          </p:cNvPr>
+          <p:cNvCxnSpPr>
+            <a:cxnSpLocks/>
+          </p:cNvCxnSpPr>
+          <p:nvPr/>
+        </p:nvCxnSpPr>
+        <p:spPr>
+          <a:xfrm>
+            <a:off x="6353173" y="1509744"/>
+            <a:ext cx="0" cy="718696"/>
+          </a:xfrm>
+          <a:prstGeom prst="straightConnector1">
+            <a:avLst/>
+          </a:prstGeom>
+          <a:ln w="28575">
+            <a:tailEnd type="triangle"/>
+          </a:ln>
+        </p:spPr>
+        <p:style>
+          <a:lnRef idx="1">
+            <a:schemeClr val="accent1"/>
+          </a:lnRef>
+          <a:fillRef idx="0">
+            <a:schemeClr val="accent1"/>
+          </a:fillRef>
+          <a:effectRef idx="0">
+            <a:schemeClr val="accent1"/>
+          </a:effectRef>
+          <a:fontRef idx="minor">
+            <a:schemeClr val="tx1"/>
+          </a:fontRef>
+        </p:style>
+      </p:cxnSp>
+      <p:sp>
+        <p:nvSpPr>
+          <p:cNvPr id="14" name="TextBox 13">
+            <a:extLst>
+              <a:ext uri="{FF2B5EF4-FFF2-40B4-BE49-F238E27FC236}">
+                <a16:creationId xmlns:a16="http://schemas.microsoft.com/office/drawing/2014/main" id="{79FEAD6F-306C-F6E8-8445-B255E1CAB277}"/>
+              </a:ext>
+            </a:extLst>
+          </p:cNvPr>
+          <p:cNvSpPr txBox="1"/>
+          <p:nvPr/>
+        </p:nvSpPr>
+        <p:spPr>
+          <a:xfrm>
+            <a:off x="6216745" y="911372"/>
+            <a:ext cx="2267416" cy="323165"/>
+          </a:xfrm>
+          <a:prstGeom prst="rect">
+            <a:avLst/>
+          </a:prstGeom>
+          <a:noFill/>
+        </p:spPr>
+        <p:txBody>
+          <a:bodyPr wrap="none" rtlCol="0">
+            <a:spAutoFit/>
+          </a:bodyPr>
+          <a:lstStyle/>
+          <a:p>
+            <a:r>
+              <a:rPr lang="en-US" altLang="ko-KR" sz="1500" b="1" dirty="0">
+                <a:solidFill>
+                  <a:srgbClr val="FF0000"/>
+                </a:solidFill>
+              </a:rPr>
+              <a:t>trap</a:t>
+            </a:r>
+            <a:r>
+              <a:rPr lang="en-US" altLang="ko-KR" sz="1500" b="1" dirty="0"/>
+              <a:t>, </a:t>
+            </a:r>
+            <a:r>
+              <a:rPr lang="en-US" altLang="ko-KR" sz="1500" b="1" dirty="0">
+                <a:solidFill>
+                  <a:srgbClr val="FF0000"/>
+                </a:solidFill>
+              </a:rPr>
+              <a:t>part</a:t>
+            </a:r>
+            <a:r>
+              <a:rPr lang="en-US" altLang="ko-KR" sz="1500" b="1" dirty="0"/>
+              <a:t> </a:t>
+            </a:r>
+            <a:r>
+              <a:rPr lang="en-US" altLang="ko-KR" sz="1500" dirty="0"/>
+              <a:t>(</a:t>
+            </a:r>
+            <a:r>
+              <a:rPr lang="ko-KR" altLang="en-US" sz="1500" dirty="0"/>
+              <a:t>사용자 입력</a:t>
+            </a:r>
+            <a:r>
+              <a:rPr lang="en-US" altLang="ko-KR" sz="1500" dirty="0"/>
+              <a:t>)</a:t>
+            </a:r>
+            <a:endParaRPr lang="ko-KR" altLang="en-US" sz="1500" dirty="0"/>
+          </a:p>
+        </p:txBody>
+      </p:sp>
+      <p:sp>
+        <p:nvSpPr>
+          <p:cNvPr id="15" name="TextBox 14">
+            <a:extLst>
+              <a:ext uri="{FF2B5EF4-FFF2-40B4-BE49-F238E27FC236}">
+                <a16:creationId xmlns:a16="http://schemas.microsoft.com/office/drawing/2014/main" id="{722179A1-19BF-8BA3-2C2A-F3C4DFEA31F4}"/>
+              </a:ext>
+            </a:extLst>
+          </p:cNvPr>
+          <p:cNvSpPr txBox="1"/>
+          <p:nvPr/>
+        </p:nvSpPr>
+        <p:spPr>
+          <a:xfrm>
+            <a:off x="6558683" y="1593998"/>
+            <a:ext cx="3214341" cy="553998"/>
+          </a:xfrm>
+          <a:prstGeom prst="rect">
+            <a:avLst/>
+          </a:prstGeom>
+          <a:noFill/>
+        </p:spPr>
+        <p:txBody>
+          <a:bodyPr wrap="none" rtlCol="0">
+            <a:spAutoFit/>
+          </a:bodyPr>
+          <a:lstStyle/>
+          <a:p>
+            <a:r>
+              <a:rPr lang="ko-KR" altLang="en-US" sz="1500" dirty="0">
+                <a:latin typeface="+mj-lt"/>
+              </a:rPr>
+              <a:t>문자열 정렬 값이 같은 입력의 경우</a:t>
+            </a:r>
+            <a:endParaRPr lang="en-US" altLang="ko-KR" sz="1500" dirty="0">
+              <a:latin typeface="+mj-lt"/>
+            </a:endParaRPr>
+          </a:p>
+          <a:p>
+            <a:r>
+              <a:rPr lang="ko-KR" altLang="en-US" sz="1500" dirty="0">
+                <a:latin typeface="+mj-lt"/>
+              </a:rPr>
+              <a:t>같은 </a:t>
+            </a:r>
+            <a:r>
+              <a:rPr lang="en-US" altLang="ko-KR" sz="1500" dirty="0">
+                <a:latin typeface="+mj-lt"/>
+              </a:rPr>
+              <a:t>Key</a:t>
+            </a:r>
+            <a:r>
+              <a:rPr lang="ko-KR" altLang="en-US" sz="1500" dirty="0">
+                <a:latin typeface="+mj-lt"/>
+              </a:rPr>
+              <a:t>에 담는다</a:t>
+            </a:r>
+            <a:r>
+              <a:rPr lang="en-US" altLang="ko-KR" sz="1500" dirty="0">
+                <a:latin typeface="+mj-lt"/>
+              </a:rPr>
+              <a:t>.</a:t>
+            </a:r>
+          </a:p>
+        </p:txBody>
+      </p:sp>
+      <p:sp>
+        <p:nvSpPr>
+          <p:cNvPr id="16" name="TextBox 15">
+            <a:extLst>
+              <a:ext uri="{FF2B5EF4-FFF2-40B4-BE49-F238E27FC236}">
+                <a16:creationId xmlns:a16="http://schemas.microsoft.com/office/drawing/2014/main" id="{307447EE-FC6D-7A86-ED40-3BA240B014D9}"/>
+              </a:ext>
+            </a:extLst>
+          </p:cNvPr>
+          <p:cNvSpPr txBox="1"/>
+          <p:nvPr/>
+        </p:nvSpPr>
+        <p:spPr>
+          <a:xfrm>
+            <a:off x="6043427" y="2868408"/>
+            <a:ext cx="2056397" cy="323165"/>
+          </a:xfrm>
+          <a:prstGeom prst="rect">
+            <a:avLst/>
+          </a:prstGeom>
+          <a:noFill/>
+        </p:spPr>
+        <p:txBody>
+          <a:bodyPr wrap="none" rtlCol="0">
+            <a:spAutoFit/>
+          </a:bodyPr>
+          <a:lstStyle/>
+          <a:p>
+            <a:r>
+              <a:rPr lang="en-US" altLang="ko-KR" sz="1500" b="1" dirty="0"/>
+              <a:t>'</a:t>
+            </a:r>
+            <a:r>
+              <a:rPr lang="en-US" altLang="ko-KR" sz="1500" b="1" dirty="0" err="1"/>
+              <a:t>aprt</a:t>
+            </a:r>
+            <a:r>
+              <a:rPr lang="en-US" altLang="ko-KR" sz="1500" b="1" dirty="0"/>
+              <a:t>': [‘trap’, ‘part’]</a:t>
+            </a:r>
+            <a:endParaRPr lang="ko-KR" altLang="en-US" sz="1500" dirty="0"/>
+          </a:p>
+        </p:txBody>
+      </p:sp>
+      <p:sp>
+        <p:nvSpPr>
+          <p:cNvPr id="18" name="TextBox 17">
+            <a:extLst>
+              <a:ext uri="{FF2B5EF4-FFF2-40B4-BE49-F238E27FC236}">
+                <a16:creationId xmlns:a16="http://schemas.microsoft.com/office/drawing/2014/main" id="{521F3A1D-4697-D61C-18CD-2420308462C8}"/>
+              </a:ext>
+            </a:extLst>
+          </p:cNvPr>
+          <p:cNvSpPr txBox="1"/>
+          <p:nvPr/>
+        </p:nvSpPr>
+        <p:spPr>
+          <a:xfrm>
+            <a:off x="6154805" y="2495689"/>
+            <a:ext cx="1833643" cy="323165"/>
+          </a:xfrm>
+          <a:prstGeom prst="rect">
+            <a:avLst/>
+          </a:prstGeom>
+          <a:noFill/>
+        </p:spPr>
+        <p:txBody>
+          <a:bodyPr wrap="none" rtlCol="0">
+            <a:spAutoFit/>
+          </a:bodyPr>
+          <a:lstStyle/>
+          <a:p>
+            <a:r>
+              <a:rPr lang="en-US" altLang="ko-KR" sz="1500" b="1" dirty="0"/>
+              <a:t>'</a:t>
+            </a:r>
+            <a:r>
+              <a:rPr lang="en-US" altLang="ko-KR" sz="1500" b="1" dirty="0" err="1"/>
+              <a:t>ceorsu</a:t>
+            </a:r>
+            <a:r>
+              <a:rPr lang="en-US" altLang="ko-KR" sz="1500" b="1" dirty="0"/>
+              <a:t>': ['</a:t>
+            </a:r>
+            <a:r>
+              <a:rPr lang="en-US" altLang="ko-KR" sz="1500" b="1" dirty="0">
+                <a:solidFill>
+                  <a:srgbClr val="FF0000"/>
+                </a:solidFill>
+              </a:rPr>
+              <a:t>course</a:t>
+            </a:r>
+            <a:r>
+              <a:rPr lang="en-US" altLang="ko-KR" sz="1500" b="1" dirty="0"/>
+              <a:t>']</a:t>
+            </a:r>
+            <a:endParaRPr lang="ko-KR" altLang="en-US" sz="1500" dirty="0"/>
+          </a:p>
+        </p:txBody>
+      </p:sp>
+      <p:sp>
+        <p:nvSpPr>
+          <p:cNvPr id="19" name="양쪽 중괄호 18">
+            <a:extLst>
+              <a:ext uri="{FF2B5EF4-FFF2-40B4-BE49-F238E27FC236}">
+                <a16:creationId xmlns:a16="http://schemas.microsoft.com/office/drawing/2014/main" id="{3ABFC24D-0E8D-B18A-0D2F-FEBA25B813F6}"/>
+              </a:ext>
+            </a:extLst>
+          </p:cNvPr>
+          <p:cNvSpPr/>
+          <p:nvPr/>
+        </p:nvSpPr>
+        <p:spPr>
+          <a:xfrm>
+            <a:off x="465362" y="4327571"/>
+            <a:ext cx="3012621" cy="661061"/>
+          </a:xfrm>
+          <a:prstGeom prst="bracePair">
+            <a:avLst/>
+          </a:prstGeom>
+          <a:ln w="57150">
+            <a:solidFill>
+              <a:schemeClr val="tx2">
+                <a:lumMod val="75000"/>
+              </a:schemeClr>
+            </a:solidFill>
+          </a:ln>
+        </p:spPr>
+        <p:style>
+          <a:lnRef idx="1">
+            <a:schemeClr val="accent1"/>
+          </a:lnRef>
+          <a:fillRef idx="0">
+            <a:schemeClr val="accent1"/>
+          </a:fillRef>
+          <a:effectRef idx="0">
+            <a:schemeClr val="accent1"/>
+          </a:effectRef>
+          <a:fontRef idx="minor">
+            <a:schemeClr val="tx1"/>
+          </a:fontRef>
+        </p:style>
+        <p:txBody>
+          <a:bodyPr rtlCol="0" anchor="ctr"/>
+          <a:lstStyle/>
+          <a:p>
+            <a:pPr algn="ctr"/>
+            <a:endParaRPr lang="ko-KR" altLang="en-US"/>
+          </a:p>
+        </p:txBody>
+      </p:sp>
+      <p:sp>
+        <p:nvSpPr>
+          <p:cNvPr id="20" name="TextBox 19">
+            <a:extLst>
+              <a:ext uri="{FF2B5EF4-FFF2-40B4-BE49-F238E27FC236}">
+                <a16:creationId xmlns:a16="http://schemas.microsoft.com/office/drawing/2014/main" id="{126E157F-FBBE-2E36-CB15-01AE5ED09948}"/>
+              </a:ext>
+            </a:extLst>
+          </p:cNvPr>
+          <p:cNvSpPr txBox="1"/>
+          <p:nvPr/>
+        </p:nvSpPr>
+        <p:spPr>
+          <a:xfrm>
+            <a:off x="943472" y="4615913"/>
+            <a:ext cx="2056397" cy="323165"/>
+          </a:xfrm>
+          <a:prstGeom prst="rect">
+            <a:avLst/>
+          </a:prstGeom>
+          <a:noFill/>
+        </p:spPr>
+        <p:txBody>
+          <a:bodyPr wrap="none" rtlCol="0">
+            <a:spAutoFit/>
+          </a:bodyPr>
+          <a:lstStyle/>
+          <a:p>
+            <a:r>
+              <a:rPr lang="en-US" altLang="ko-KR" sz="1500" b="1" dirty="0"/>
+              <a:t>'</a:t>
+            </a:r>
+            <a:r>
+              <a:rPr lang="en-US" altLang="ko-KR" sz="1500" b="1" dirty="0" err="1"/>
+              <a:t>aprt</a:t>
+            </a:r>
+            <a:r>
+              <a:rPr lang="en-US" altLang="ko-KR" sz="1500" b="1" dirty="0"/>
+              <a:t>': [‘trap’, ‘part’]</a:t>
+            </a:r>
+            <a:endParaRPr lang="ko-KR" altLang="en-US" sz="1500" dirty="0"/>
+          </a:p>
+        </p:txBody>
+      </p:sp>
+      <p:sp>
+        <p:nvSpPr>
+          <p:cNvPr id="21" name="TextBox 20">
+            <a:extLst>
+              <a:ext uri="{FF2B5EF4-FFF2-40B4-BE49-F238E27FC236}">
+                <a16:creationId xmlns:a16="http://schemas.microsoft.com/office/drawing/2014/main" id="{DE362669-1BAD-E457-D197-2C3D6D6C256C}"/>
+              </a:ext>
+            </a:extLst>
+          </p:cNvPr>
+          <p:cNvSpPr txBox="1"/>
+          <p:nvPr/>
+        </p:nvSpPr>
+        <p:spPr>
+          <a:xfrm>
+            <a:off x="1054850" y="4243194"/>
+            <a:ext cx="1833643" cy="323165"/>
+          </a:xfrm>
+          <a:prstGeom prst="rect">
+            <a:avLst/>
+          </a:prstGeom>
+          <a:noFill/>
+        </p:spPr>
+        <p:txBody>
+          <a:bodyPr wrap="none" rtlCol="0">
+            <a:spAutoFit/>
+          </a:bodyPr>
+          <a:lstStyle/>
+          <a:p>
+            <a:r>
+              <a:rPr lang="en-US" altLang="ko-KR" sz="1500" b="1" dirty="0"/>
+              <a:t>'</a:t>
+            </a:r>
+            <a:r>
+              <a:rPr lang="en-US" altLang="ko-KR" sz="1500" b="1" dirty="0" err="1"/>
+              <a:t>ceorsu</a:t>
+            </a:r>
+            <a:r>
+              <a:rPr lang="en-US" altLang="ko-KR" sz="1500" b="1" dirty="0"/>
+              <a:t>': ['</a:t>
+            </a:r>
+            <a:r>
+              <a:rPr lang="en-US" altLang="ko-KR" sz="1500" b="1" dirty="0">
+                <a:solidFill>
+                  <a:srgbClr val="FF0000"/>
+                </a:solidFill>
+              </a:rPr>
+              <a:t>course</a:t>
+            </a:r>
+            <a:r>
+              <a:rPr lang="en-US" altLang="ko-KR" sz="1500" b="1" dirty="0"/>
+              <a:t>']</a:t>
+            </a:r>
+            <a:endParaRPr lang="ko-KR" altLang="en-US" sz="1500" dirty="0"/>
+          </a:p>
+        </p:txBody>
+      </p:sp>
+      <p:cxnSp>
+        <p:nvCxnSpPr>
+          <p:cNvPr id="22" name="직선 화살표 연결선 21">
+            <a:extLst>
+              <a:ext uri="{FF2B5EF4-FFF2-40B4-BE49-F238E27FC236}">
+                <a16:creationId xmlns:a16="http://schemas.microsoft.com/office/drawing/2014/main" id="{A70AC9E2-1523-D1F3-A7A3-C4B018E23818}"/>
+              </a:ext>
+            </a:extLst>
+          </p:cNvPr>
+          <p:cNvCxnSpPr>
+            <a:cxnSpLocks/>
+          </p:cNvCxnSpPr>
+          <p:nvPr/>
+        </p:nvCxnSpPr>
+        <p:spPr>
+          <a:xfrm flipH="1">
+            <a:off x="4171957" y="4658101"/>
+            <a:ext cx="699383" cy="0"/>
+          </a:xfrm>
+          <a:prstGeom prst="straightConnector1">
+            <a:avLst/>
+          </a:prstGeom>
+          <a:ln w="28575">
+            <a:tailEnd type="triangle"/>
+          </a:ln>
+        </p:spPr>
+        <p:style>
+          <a:lnRef idx="1">
+            <a:schemeClr val="accent1"/>
+          </a:lnRef>
+          <a:fillRef idx="0">
+            <a:schemeClr val="accent1"/>
+          </a:fillRef>
+          <a:effectRef idx="0">
+            <a:schemeClr val="accent1"/>
+          </a:effectRef>
+          <a:fontRef idx="minor">
+            <a:schemeClr val="tx1"/>
+          </a:fontRef>
+        </p:style>
+      </p:cxnSp>
+      <p:sp>
+        <p:nvSpPr>
+          <p:cNvPr id="24" name="TextBox 23">
+            <a:extLst>
+              <a:ext uri="{FF2B5EF4-FFF2-40B4-BE49-F238E27FC236}">
+                <a16:creationId xmlns:a16="http://schemas.microsoft.com/office/drawing/2014/main" id="{81C449AC-7ADF-2C53-08FF-D7F17686AE16}"/>
+              </a:ext>
+            </a:extLst>
+          </p:cNvPr>
+          <p:cNvSpPr txBox="1"/>
+          <p:nvPr/>
+        </p:nvSpPr>
+        <p:spPr>
+          <a:xfrm>
+            <a:off x="3653333" y="4113879"/>
+            <a:ext cx="1849096" cy="323165"/>
+          </a:xfrm>
+          <a:prstGeom prst="rect">
+            <a:avLst/>
+          </a:prstGeom>
+          <a:noFill/>
+        </p:spPr>
+        <p:txBody>
+          <a:bodyPr wrap="none" rtlCol="0">
+            <a:spAutoFit/>
+          </a:bodyPr>
+          <a:lstStyle/>
+          <a:p>
+            <a:r>
+              <a:rPr lang="ko-KR" altLang="en-US" sz="1500" dirty="0">
+                <a:latin typeface="+mj-lt"/>
+              </a:rPr>
+              <a:t>사전의 </a:t>
+            </a:r>
+            <a:r>
+              <a:rPr lang="en-US" altLang="ko-KR" sz="1500" dirty="0">
+                <a:latin typeface="+mj-lt"/>
+              </a:rPr>
+              <a:t>Key</a:t>
+            </a:r>
+            <a:r>
+              <a:rPr lang="ko-KR" altLang="en-US" sz="1500" dirty="0">
+                <a:latin typeface="+mj-lt"/>
+              </a:rPr>
+              <a:t>와 비교</a:t>
+            </a:r>
+          </a:p>
+        </p:txBody>
+      </p:sp>
+      <p:sp>
+        <p:nvSpPr>
+          <p:cNvPr id="25" name="TextBox 24">
+            <a:extLst>
+              <a:ext uri="{FF2B5EF4-FFF2-40B4-BE49-F238E27FC236}">
+                <a16:creationId xmlns:a16="http://schemas.microsoft.com/office/drawing/2014/main" id="{A6376471-0179-4A62-8BB8-515AF045E579}"/>
+              </a:ext>
+            </a:extLst>
+          </p:cNvPr>
+          <p:cNvSpPr txBox="1"/>
+          <p:nvPr/>
+        </p:nvSpPr>
+        <p:spPr>
+          <a:xfrm>
+            <a:off x="7071625" y="4289360"/>
+            <a:ext cx="1601656" cy="553998"/>
+          </a:xfrm>
+          <a:prstGeom prst="rect">
+            <a:avLst/>
+          </a:prstGeom>
+          <a:noFill/>
+        </p:spPr>
+        <p:txBody>
+          <a:bodyPr wrap="none" rtlCol="0">
+            <a:spAutoFit/>
+          </a:bodyPr>
+          <a:lstStyle/>
+          <a:p>
+            <a:pPr algn="ctr"/>
+            <a:r>
+              <a:rPr lang="en-US" altLang="ko-KR" sz="1500" dirty="0">
+                <a:latin typeface="+mj-lt"/>
+              </a:rPr>
+              <a:t>Scrambled word</a:t>
+            </a:r>
+          </a:p>
+          <a:p>
+            <a:pPr algn="ctr"/>
+            <a:r>
+              <a:rPr lang="en-US" altLang="ko-KR" sz="1500" dirty="0">
+                <a:latin typeface="+mj-lt"/>
+              </a:rPr>
+              <a:t>‘</a:t>
+            </a:r>
+            <a:r>
+              <a:rPr lang="en-US" altLang="ko-KR" sz="1500" b="1" dirty="0" err="1">
+                <a:latin typeface="+mj-lt"/>
+              </a:rPr>
+              <a:t>aptr</a:t>
+            </a:r>
+            <a:r>
+              <a:rPr lang="en-US" altLang="ko-KR" sz="1500" dirty="0">
+                <a:latin typeface="+mj-lt"/>
+              </a:rPr>
+              <a:t>’</a:t>
+            </a:r>
+          </a:p>
+        </p:txBody>
+      </p:sp>
+      <p:cxnSp>
+        <p:nvCxnSpPr>
+          <p:cNvPr id="27" name="직선 화살표 연결선 26">
+            <a:extLst>
+              <a:ext uri="{FF2B5EF4-FFF2-40B4-BE49-F238E27FC236}">
+                <a16:creationId xmlns:a16="http://schemas.microsoft.com/office/drawing/2014/main" id="{64047E16-8A5B-FE9B-9AF3-8130EFA1C39B}"/>
+              </a:ext>
+            </a:extLst>
+          </p:cNvPr>
+          <p:cNvCxnSpPr>
+            <a:cxnSpLocks/>
+          </p:cNvCxnSpPr>
+          <p:nvPr/>
+        </p:nvCxnSpPr>
+        <p:spPr>
+          <a:xfrm flipH="1">
+            <a:off x="6216745" y="4615913"/>
+            <a:ext cx="699383" cy="0"/>
+          </a:xfrm>
+          <a:prstGeom prst="straightConnector1">
+            <a:avLst/>
+          </a:prstGeom>
+          <a:ln w="28575">
+            <a:tailEnd type="triangle"/>
+          </a:ln>
+        </p:spPr>
+        <p:style>
+          <a:lnRef idx="1">
+            <a:schemeClr val="accent1"/>
+          </a:lnRef>
+          <a:fillRef idx="0">
+            <a:schemeClr val="accent1"/>
+          </a:fillRef>
+          <a:effectRef idx="0">
+            <a:schemeClr val="accent1"/>
+          </a:effectRef>
+          <a:fontRef idx="minor">
+            <a:schemeClr val="tx1"/>
+          </a:fontRef>
+        </p:style>
+      </p:cxnSp>
+      <p:sp>
+        <p:nvSpPr>
+          <p:cNvPr id="28" name="TextBox 27">
+            <a:extLst>
+              <a:ext uri="{FF2B5EF4-FFF2-40B4-BE49-F238E27FC236}">
+                <a16:creationId xmlns:a16="http://schemas.microsoft.com/office/drawing/2014/main" id="{63299D9F-3A76-B633-E33C-6C84A0830DC5}"/>
+              </a:ext>
+            </a:extLst>
+          </p:cNvPr>
+          <p:cNvSpPr txBox="1"/>
+          <p:nvPr/>
+        </p:nvSpPr>
+        <p:spPr>
+          <a:xfrm>
+            <a:off x="5959539" y="4070209"/>
+            <a:ext cx="1213794" cy="323165"/>
+          </a:xfrm>
+          <a:prstGeom prst="rect">
+            <a:avLst/>
+          </a:prstGeom>
+          <a:noFill/>
+        </p:spPr>
+        <p:txBody>
+          <a:bodyPr wrap="none" rtlCol="0">
+            <a:spAutoFit/>
+          </a:bodyPr>
+          <a:lstStyle/>
+          <a:p>
+            <a:r>
+              <a:rPr lang="ko-KR" altLang="en-US" sz="1500" dirty="0">
+                <a:latin typeface="+mj-lt"/>
+              </a:rPr>
+              <a:t>문자열 정렬</a:t>
+            </a:r>
+          </a:p>
+        </p:txBody>
+      </p:sp>
+      <p:sp>
+        <p:nvSpPr>
+          <p:cNvPr id="30" name="TextBox 29">
+            <a:extLst>
+              <a:ext uri="{FF2B5EF4-FFF2-40B4-BE49-F238E27FC236}">
+                <a16:creationId xmlns:a16="http://schemas.microsoft.com/office/drawing/2014/main" id="{CE04BFE0-DF89-9BA5-FCCA-2415F174CAED}"/>
+              </a:ext>
+            </a:extLst>
+          </p:cNvPr>
+          <p:cNvSpPr txBox="1"/>
+          <p:nvPr/>
+        </p:nvSpPr>
+        <p:spPr>
+          <a:xfrm>
+            <a:off x="5226795" y="4393374"/>
+            <a:ext cx="732744" cy="369332"/>
+          </a:xfrm>
+          <a:prstGeom prst="rect">
+            <a:avLst/>
+          </a:prstGeom>
+          <a:noFill/>
+        </p:spPr>
+        <p:txBody>
+          <a:bodyPr wrap="square">
+            <a:spAutoFit/>
+          </a:bodyPr>
+          <a:lstStyle/>
+          <a:p>
+            <a:r>
+              <a:rPr lang="en-US" altLang="ko-KR" sz="1800" b="1" dirty="0" err="1">
+                <a:latin typeface="+mj-lt"/>
+              </a:rPr>
+              <a:t>aprt</a:t>
+            </a:r>
+            <a:endParaRPr lang="ko-KR" altLang="en-US" dirty="0"/>
+          </a:p>
+        </p:txBody>
+      </p:sp>
+      <p:sp>
+        <p:nvSpPr>
+          <p:cNvPr id="31" name="TextBox 30">
+            <a:extLst>
+              <a:ext uri="{FF2B5EF4-FFF2-40B4-BE49-F238E27FC236}">
+                <a16:creationId xmlns:a16="http://schemas.microsoft.com/office/drawing/2014/main" id="{E7236755-A017-D427-89F3-F802FCA970E0}"/>
+              </a:ext>
+            </a:extLst>
+          </p:cNvPr>
+          <p:cNvSpPr txBox="1"/>
+          <p:nvPr/>
+        </p:nvSpPr>
+        <p:spPr>
+          <a:xfrm>
+            <a:off x="2484872" y="5640327"/>
+            <a:ext cx="4006225" cy="784830"/>
+          </a:xfrm>
+          <a:prstGeom prst="rect">
+            <a:avLst/>
+          </a:prstGeom>
+          <a:noFill/>
+        </p:spPr>
+        <p:txBody>
+          <a:bodyPr wrap="none" rtlCol="0">
+            <a:spAutoFit/>
+          </a:bodyPr>
+          <a:lstStyle/>
+          <a:p>
+            <a:pPr algn="ctr"/>
+            <a:r>
+              <a:rPr lang="ko-KR" altLang="en-US" sz="1500" dirty="0">
+                <a:latin typeface="+mj-lt"/>
+              </a:rPr>
+              <a:t>일치하는 </a:t>
+            </a:r>
+            <a:r>
+              <a:rPr lang="en-US" altLang="ko-KR" sz="1500" dirty="0">
+                <a:latin typeface="+mj-lt"/>
+              </a:rPr>
+              <a:t>Key</a:t>
+            </a:r>
+            <a:r>
+              <a:rPr lang="ko-KR" altLang="en-US" sz="1500" dirty="0">
+                <a:latin typeface="+mj-lt"/>
+              </a:rPr>
+              <a:t>의 </a:t>
+            </a:r>
+            <a:r>
+              <a:rPr lang="en-US" altLang="ko-KR" sz="1500" dirty="0">
+                <a:latin typeface="+mj-lt"/>
+              </a:rPr>
+              <a:t>Values</a:t>
+            </a:r>
+            <a:r>
+              <a:rPr lang="ko-KR" altLang="en-US" sz="1500" dirty="0">
+                <a:latin typeface="+mj-lt"/>
+              </a:rPr>
+              <a:t>를 </a:t>
+            </a:r>
+            <a:r>
+              <a:rPr lang="ko-KR" altLang="en-US" sz="1500" b="1" dirty="0">
+                <a:latin typeface="+mj-lt"/>
+              </a:rPr>
+              <a:t>오름차순</a:t>
+            </a:r>
+            <a:r>
+              <a:rPr lang="ko-KR" altLang="en-US" sz="1500" dirty="0">
+                <a:latin typeface="+mj-lt"/>
+              </a:rPr>
+              <a:t>으로 출력</a:t>
+            </a:r>
+            <a:endParaRPr lang="en-US" altLang="ko-KR" sz="1500" dirty="0">
+              <a:latin typeface="+mj-lt"/>
+            </a:endParaRPr>
+          </a:p>
+          <a:p>
+            <a:pPr algn="ctr"/>
+            <a:r>
+              <a:rPr lang="en-US" altLang="ko-KR" sz="1500" dirty="0">
+                <a:latin typeface="+mj-lt"/>
+              </a:rPr>
+              <a:t>part</a:t>
+            </a:r>
+          </a:p>
+          <a:p>
+            <a:pPr algn="ctr"/>
+            <a:r>
+              <a:rPr lang="en-US" altLang="ko-KR" sz="1500" dirty="0">
+                <a:latin typeface="+mj-lt"/>
+              </a:rPr>
+              <a:t>trap </a:t>
+            </a:r>
+          </a:p>
+        </p:txBody>
+      </p:sp>
+      <p:cxnSp>
+        <p:nvCxnSpPr>
+          <p:cNvPr id="33" name="연결선: 꺾임 32">
+            <a:extLst>
+              <a:ext uri="{FF2B5EF4-FFF2-40B4-BE49-F238E27FC236}">
+                <a16:creationId xmlns:a16="http://schemas.microsoft.com/office/drawing/2014/main" id="{EC77204E-5AD0-9920-6A36-68C9B2981C82}"/>
+              </a:ext>
+            </a:extLst>
+          </p:cNvPr>
+          <p:cNvCxnSpPr>
+            <a:stCxn id="20" idx="2"/>
+            <a:endCxn id="31" idx="1"/>
+          </p:cNvCxnSpPr>
+          <p:nvPr/>
+        </p:nvCxnSpPr>
+        <p:spPr>
+          <a:xfrm rot="16200000" flipH="1">
+            <a:off x="1681439" y="5229309"/>
+            <a:ext cx="1093664" cy="513201"/>
+          </a:xfrm>
+          <a:prstGeom prst="bentConnector2">
+            <a:avLst/>
+          </a:prstGeom>
+          <a:ln w="28575">
+            <a:solidFill>
+              <a:srgbClr val="0070C0"/>
+            </a:solidFill>
+            <a:tailEnd type="triangle"/>
+          </a:ln>
+        </p:spPr>
+        <p:style>
+          <a:lnRef idx="1">
+            <a:schemeClr val="accent1"/>
+          </a:lnRef>
+          <a:fillRef idx="0">
+            <a:schemeClr val="accent1"/>
+          </a:fillRef>
+          <a:effectRef idx="0">
+            <a:schemeClr val="accent1"/>
+          </a:effectRef>
+          <a:fontRef idx="minor">
+            <a:schemeClr val="tx1"/>
+          </a:fontRef>
+        </p:style>
+      </p:cxnSp>
+    </p:spTree>
+    <p:extLst>
+      <p:ext uri="{BB962C8B-B14F-4D97-AF65-F5344CB8AC3E}">
+        <p14:creationId xmlns:p14="http://schemas.microsoft.com/office/powerpoint/2010/main" val="378650498"/>
+      </p:ext>
+    </p:extLst>
+  </p:cSld>
+  <p:clrMapOvr>
+    <a:masterClrMapping/>
+  </p:clrMapOvr>
+</p:sld>
+</file>
+
+<file path=ppt/slides/slide9.xml><?xml version="1.0" encoding="utf-8"?>
+<p:sld xmlns:a="http://schemas.openxmlformats.org/drawingml/2006/main" xmlns:r="http://schemas.openxmlformats.org/officeDocument/2006/relationships" xmlns:p="http://schemas.openxmlformats.org/presentationml/2006/main">
+  <p:cSld>
+    <p:spTree>
+      <p:nvGrpSpPr>
+        <p:cNvPr id="1" name=""/>
+        <p:cNvGrpSpPr/>
+        <p:nvPr/>
+      </p:nvGrpSpPr>
+      <p:grpSpPr>
+        <a:xfrm>
+          <a:off x="0" y="0"/>
+          <a:ext cx="0" cy="0"/>
+          <a:chOff x="0" y="0"/>
+          <a:chExt cx="0" cy="0"/>
+        </a:xfrm>
+      </p:grpSpPr>
+      <p:sp>
+        <p:nvSpPr>
+          <p:cNvPr id="2" name="제목 1">
+            <a:extLst>
+              <a:ext uri="{FF2B5EF4-FFF2-40B4-BE49-F238E27FC236}">
+                <a16:creationId xmlns:a16="http://schemas.microsoft.com/office/drawing/2014/main" id="{0BF02238-6EB3-423F-3FDA-6DD80D38C016}"/>
+              </a:ext>
+            </a:extLst>
+          </p:cNvPr>
+          <p:cNvSpPr>
+            <a:spLocks noGrp="1"/>
+          </p:cNvSpPr>
+          <p:nvPr>
+            <p:ph type="title"/>
+          </p:nvPr>
+        </p:nvSpPr>
+        <p:spPr/>
+        <p:txBody>
+          <a:bodyPr/>
+          <a:lstStyle/>
+          <a:p>
+            <a:endParaRPr lang="ko-KR" altLang="en-US"/>
+          </a:p>
+        </p:txBody>
+      </p:sp>
+      <p:sp>
+        <p:nvSpPr>
+          <p:cNvPr id="3" name="내용 개체 틀 2">
+            <a:extLst>
+              <a:ext uri="{FF2B5EF4-FFF2-40B4-BE49-F238E27FC236}">
+                <a16:creationId xmlns:a16="http://schemas.microsoft.com/office/drawing/2014/main" id="{218A1DA4-5594-AD78-778C-6FD9DC925514}"/>
+              </a:ext>
+            </a:extLst>
+          </p:cNvPr>
+          <p:cNvSpPr>
+            <a:spLocks noGrp="1"/>
+          </p:cNvSpPr>
+          <p:nvPr>
+            <p:ph idx="1"/>
+          </p:nvPr>
+        </p:nvSpPr>
+        <p:spPr/>
+        <p:txBody>
+          <a:bodyPr/>
+          <a:lstStyle/>
+          <a:p>
+            <a:endParaRPr lang="ko-KR" altLang="en-US"/>
+          </a:p>
+        </p:txBody>
+      </p:sp>
+    </p:spTree>
+    <p:extLst>
+      <p:ext uri="{BB962C8B-B14F-4D97-AF65-F5344CB8AC3E}">
+        <p14:creationId xmlns:p14="http://schemas.microsoft.com/office/powerpoint/2010/main" val="3675798217"/>
       </p:ext>
     </p:extLst>
   </p:cSld>

--- a/참고자료.pptx
+++ b/참고자료.pptx
@@ -270,7 +270,7 @@
           <a:p>
             <a:fld id="{79000915-8F6C-483C-9EF6-9DDB3374F9AC}" type="datetimeFigureOut">
               <a:rPr lang="ko-KR" altLang="en-US" smtClean="0"/>
-              <a:t>2022-09-28</a:t>
+              <a:t>2022-09-30</a:t>
             </a:fld>
             <a:endParaRPr lang="ko-KR" altLang="en-US"/>
           </a:p>
@@ -468,7 +468,7 @@
           <a:p>
             <a:fld id="{79000915-8F6C-483C-9EF6-9DDB3374F9AC}" type="datetimeFigureOut">
               <a:rPr lang="ko-KR" altLang="en-US" smtClean="0"/>
-              <a:t>2022-09-28</a:t>
+              <a:t>2022-09-30</a:t>
             </a:fld>
             <a:endParaRPr lang="ko-KR" altLang="en-US"/>
           </a:p>
@@ -676,7 +676,7 @@
           <a:p>
             <a:fld id="{79000915-8F6C-483C-9EF6-9DDB3374F9AC}" type="datetimeFigureOut">
               <a:rPr lang="ko-KR" altLang="en-US" smtClean="0"/>
-              <a:t>2022-09-28</a:t>
+              <a:t>2022-09-30</a:t>
             </a:fld>
             <a:endParaRPr lang="ko-KR" altLang="en-US"/>
           </a:p>
@@ -874,7 +874,7 @@
           <a:p>
             <a:fld id="{79000915-8F6C-483C-9EF6-9DDB3374F9AC}" type="datetimeFigureOut">
               <a:rPr lang="ko-KR" altLang="en-US" smtClean="0"/>
-              <a:t>2022-09-28</a:t>
+              <a:t>2022-09-30</a:t>
             </a:fld>
             <a:endParaRPr lang="ko-KR" altLang="en-US"/>
           </a:p>
@@ -1149,7 +1149,7 @@
           <a:p>
             <a:fld id="{79000915-8F6C-483C-9EF6-9DDB3374F9AC}" type="datetimeFigureOut">
               <a:rPr lang="ko-KR" altLang="en-US" smtClean="0"/>
-              <a:t>2022-09-28</a:t>
+              <a:t>2022-09-30</a:t>
             </a:fld>
             <a:endParaRPr lang="ko-KR" altLang="en-US"/>
           </a:p>
@@ -1414,7 +1414,7 @@
           <a:p>
             <a:fld id="{79000915-8F6C-483C-9EF6-9DDB3374F9AC}" type="datetimeFigureOut">
               <a:rPr lang="ko-KR" altLang="en-US" smtClean="0"/>
-              <a:t>2022-09-28</a:t>
+              <a:t>2022-09-30</a:t>
             </a:fld>
             <a:endParaRPr lang="ko-KR" altLang="en-US"/>
           </a:p>
@@ -1826,7 +1826,7 @@
           <a:p>
             <a:fld id="{79000915-8F6C-483C-9EF6-9DDB3374F9AC}" type="datetimeFigureOut">
               <a:rPr lang="ko-KR" altLang="en-US" smtClean="0"/>
-              <a:t>2022-09-28</a:t>
+              <a:t>2022-09-30</a:t>
             </a:fld>
             <a:endParaRPr lang="ko-KR" altLang="en-US"/>
           </a:p>
@@ -1967,7 +1967,7 @@
           <a:p>
             <a:fld id="{79000915-8F6C-483C-9EF6-9DDB3374F9AC}" type="datetimeFigureOut">
               <a:rPr lang="ko-KR" altLang="en-US" smtClean="0"/>
-              <a:t>2022-09-28</a:t>
+              <a:t>2022-09-30</a:t>
             </a:fld>
             <a:endParaRPr lang="ko-KR" altLang="en-US"/>
           </a:p>
@@ -2080,7 +2080,7 @@
           <a:p>
             <a:fld id="{79000915-8F6C-483C-9EF6-9DDB3374F9AC}" type="datetimeFigureOut">
               <a:rPr lang="ko-KR" altLang="en-US" smtClean="0"/>
-              <a:t>2022-09-28</a:t>
+              <a:t>2022-09-30</a:t>
             </a:fld>
             <a:endParaRPr lang="ko-KR" altLang="en-US"/>
           </a:p>
@@ -2391,7 +2391,7 @@
           <a:p>
             <a:fld id="{79000915-8F6C-483C-9EF6-9DDB3374F9AC}" type="datetimeFigureOut">
               <a:rPr lang="ko-KR" altLang="en-US" smtClean="0"/>
-              <a:t>2022-09-28</a:t>
+              <a:t>2022-09-30</a:t>
             </a:fld>
             <a:endParaRPr lang="ko-KR" altLang="en-US"/>
           </a:p>
@@ -2679,7 +2679,7 @@
           <a:p>
             <a:fld id="{79000915-8F6C-483C-9EF6-9DDB3374F9AC}" type="datetimeFigureOut">
               <a:rPr lang="ko-KR" altLang="en-US" smtClean="0"/>
-              <a:t>2022-09-28</a:t>
+              <a:t>2022-09-30</a:t>
             </a:fld>
             <a:endParaRPr lang="ko-KR" altLang="en-US"/>
           </a:p>
@@ -2920,7 +2920,7 @@
           <a:p>
             <a:fld id="{79000915-8F6C-483C-9EF6-9DDB3374F9AC}" type="datetimeFigureOut">
               <a:rPr lang="ko-KR" altLang="en-US" smtClean="0"/>
-              <a:t>2022-09-28</a:t>
+              <a:t>2022-09-30</a:t>
             </a:fld>
             <a:endParaRPr lang="ko-KR" altLang="en-US"/>
           </a:p>
@@ -3644,6 +3644,106 @@
               <a:t>) </a:t>
             </a:r>
             <a:endParaRPr lang="ko-KR" altLang="en-US" sz="1600" dirty="0"/>
+          </a:p>
+        </p:txBody>
+      </p:sp>
+      <p:sp>
+        <p:nvSpPr>
+          <p:cNvPr id="2" name="TextBox 1">
+            <a:extLst>
+              <a:ext uri="{FF2B5EF4-FFF2-40B4-BE49-F238E27FC236}">
+                <a16:creationId xmlns:a16="http://schemas.microsoft.com/office/drawing/2014/main" id="{CF017208-AEB7-2671-C980-7FA636587DD9}"/>
+              </a:ext>
+            </a:extLst>
+          </p:cNvPr>
+          <p:cNvSpPr txBox="1"/>
+          <p:nvPr/>
+        </p:nvSpPr>
+        <p:spPr>
+          <a:xfrm>
+            <a:off x="450966" y="3090446"/>
+            <a:ext cx="2784737" cy="338554"/>
+          </a:xfrm>
+          <a:prstGeom prst="rect">
+            <a:avLst/>
+          </a:prstGeom>
+          <a:noFill/>
+        </p:spPr>
+        <p:txBody>
+          <a:bodyPr wrap="none" rtlCol="0">
+            <a:spAutoFit/>
+          </a:bodyPr>
+          <a:lstStyle/>
+          <a:p>
+            <a:r>
+              <a:rPr lang="ko-KR" altLang="en-US" sz="1600" dirty="0" err="1"/>
+              <a:t>브루트포스</a:t>
+            </a:r>
+            <a:r>
+              <a:rPr lang="ko-KR" altLang="en-US" sz="1600" dirty="0"/>
+              <a:t> </a:t>
+            </a:r>
+            <a:r>
+              <a:rPr lang="en-US" altLang="ko-KR" sz="1600" dirty="0"/>
+              <a:t>: 1018(</a:t>
+            </a:r>
+            <a:r>
+              <a:rPr lang="ko-KR" altLang="en-US" sz="1600" dirty="0" err="1"/>
+              <a:t>체스판</a:t>
+            </a:r>
+            <a:r>
+              <a:rPr lang="en-US" altLang="ko-KR" sz="1600" dirty="0"/>
+              <a:t>),</a:t>
+            </a:r>
+            <a:r>
+              <a:rPr lang="ko-KR" altLang="en-US" sz="1600" dirty="0"/>
+              <a:t> </a:t>
+            </a:r>
+            <a:r>
+              <a:rPr lang="en-US" altLang="ko-KR" sz="1600" dirty="0"/>
+              <a:t> </a:t>
+            </a:r>
+            <a:endParaRPr lang="ko-KR" altLang="en-US" sz="1600" dirty="0"/>
+          </a:p>
+        </p:txBody>
+      </p:sp>
+      <p:sp>
+        <p:nvSpPr>
+          <p:cNvPr id="10" name="TextBox 9">
+            <a:extLst>
+              <a:ext uri="{FF2B5EF4-FFF2-40B4-BE49-F238E27FC236}">
+                <a16:creationId xmlns:a16="http://schemas.microsoft.com/office/drawing/2014/main" id="{20D36E5B-8670-D364-8D44-ED65DEA1AF9A}"/>
+              </a:ext>
+            </a:extLst>
+          </p:cNvPr>
+          <p:cNvSpPr txBox="1"/>
+          <p:nvPr/>
+        </p:nvSpPr>
+        <p:spPr>
+          <a:xfrm>
+            <a:off x="450966" y="3561331"/>
+            <a:ext cx="6094638" cy="369332"/>
+          </a:xfrm>
+          <a:prstGeom prst="rect">
+            <a:avLst/>
+          </a:prstGeom>
+          <a:noFill/>
+        </p:spPr>
+        <p:txBody>
+          <a:bodyPr wrap="square">
+            <a:spAutoFit/>
+          </a:bodyPr>
+          <a:lstStyle/>
+          <a:p>
+            <a:r>
+              <a:rPr lang="ko-KR" altLang="en-US" dirty="0"/>
+              <a:t>트리 집합과 맵</a:t>
+            </a:r>
+            <a:r>
+              <a:rPr lang="en-US" altLang="ko-KR" dirty="0"/>
+              <a:t>: 4675,</a:t>
+            </a:r>
+            <a:endParaRPr lang="ko-KR" altLang="en-US" dirty="0"/>
           </a:p>
         </p:txBody>
       </p:sp>
@@ -13497,10 +13597,10 @@
       </p:sp>
       <p:sp>
         <p:nvSpPr>
-          <p:cNvPr id="2" name="TextBox 1">
+          <p:cNvPr id="3" name="TextBox 2">
             <a:extLst>
               <a:ext uri="{FF2B5EF4-FFF2-40B4-BE49-F238E27FC236}">
-                <a16:creationId xmlns:a16="http://schemas.microsoft.com/office/drawing/2014/main" id="{CCEB1944-076E-2CFE-8805-63E29A9E534E}"/>
+                <a16:creationId xmlns:a16="http://schemas.microsoft.com/office/drawing/2014/main" id="{5FCCFEAC-C2C1-744B-C7CC-687BBA8263C8}"/>
               </a:ext>
             </a:extLst>
           </p:cNvPr>
@@ -13509,7 +13609,7 @@
         </p:nvSpPr>
         <p:spPr>
           <a:xfrm>
-            <a:off x="7275127" y="3118794"/>
+            <a:off x="277923" y="154648"/>
             <a:ext cx="4240263" cy="369332"/>
           </a:xfrm>
           <a:prstGeom prst="rect">
@@ -14874,53 +14974,7922 @@
           <a:chExt cx="0" cy="0"/>
         </a:xfrm>
       </p:grpSpPr>
-      <p:sp>
-        <p:nvSpPr>
-          <p:cNvPr id="2" name="제목 1">
+      <p:graphicFrame>
+        <p:nvGraphicFramePr>
+          <p:cNvPr id="4" name="표 4">
             <a:extLst>
               <a:ext uri="{FF2B5EF4-FFF2-40B4-BE49-F238E27FC236}">
-                <a16:creationId xmlns:a16="http://schemas.microsoft.com/office/drawing/2014/main" id="{0BF02238-6EB3-423F-3FDA-6DD80D38C016}"/>
+                <a16:creationId xmlns:a16="http://schemas.microsoft.com/office/drawing/2014/main" id="{F78E2698-991E-9167-6CF4-1CC0A25F785C}"/>
               </a:ext>
             </a:extLst>
           </p:cNvPr>
-          <p:cNvSpPr>
-            <a:spLocks noGrp="1"/>
-          </p:cNvSpPr>
+          <p:cNvGraphicFramePr>
+            <a:graphicFrameLocks noGrp="1"/>
+          </p:cNvGraphicFramePr>
           <p:nvPr>
-            <p:ph type="title"/>
+            <p:extLst>
+              <p:ext uri="{D42A27DB-BD31-4B8C-83A1-F6EECF244321}">
+                <p14:modId xmlns:p14="http://schemas.microsoft.com/office/powerpoint/2010/main" val="2888288759"/>
+              </p:ext>
+            </p:extLst>
           </p:nvPr>
+        </p:nvGraphicFramePr>
+        <p:xfrm>
+          <a:off x="482600" y="668866"/>
+          <a:ext cx="4025904" cy="3420536"/>
+        </p:xfrm>
+        <a:graphic>
+          <a:graphicData uri="http://schemas.openxmlformats.org/drawingml/2006/table">
+            <a:tbl>
+              <a:tblPr firstRow="1" bandRow="1">
+                <a:tableStyleId>{5C22544A-7EE6-4342-B048-85BDC9FD1C3A}</a:tableStyleId>
+              </a:tblPr>
+              <a:tblGrid>
+                <a:gridCol w="503238">
+                  <a:extLst>
+                    <a:ext uri="{9D8B030D-6E8A-4147-A177-3AD203B41FA5}">
+                      <a16:colId xmlns:a16="http://schemas.microsoft.com/office/drawing/2014/main" val="2185738942"/>
+                    </a:ext>
+                  </a:extLst>
+                </a:gridCol>
+                <a:gridCol w="503238">
+                  <a:extLst>
+                    <a:ext uri="{9D8B030D-6E8A-4147-A177-3AD203B41FA5}">
+                      <a16:colId xmlns:a16="http://schemas.microsoft.com/office/drawing/2014/main" val="2298477384"/>
+                    </a:ext>
+                  </a:extLst>
+                </a:gridCol>
+                <a:gridCol w="503238">
+                  <a:extLst>
+                    <a:ext uri="{9D8B030D-6E8A-4147-A177-3AD203B41FA5}">
+                      <a16:colId xmlns:a16="http://schemas.microsoft.com/office/drawing/2014/main" val="997132227"/>
+                    </a:ext>
+                  </a:extLst>
+                </a:gridCol>
+                <a:gridCol w="503238">
+                  <a:extLst>
+                    <a:ext uri="{9D8B030D-6E8A-4147-A177-3AD203B41FA5}">
+                      <a16:colId xmlns:a16="http://schemas.microsoft.com/office/drawing/2014/main" val="1692992094"/>
+                    </a:ext>
+                  </a:extLst>
+                </a:gridCol>
+                <a:gridCol w="503238">
+                  <a:extLst>
+                    <a:ext uri="{9D8B030D-6E8A-4147-A177-3AD203B41FA5}">
+                      <a16:colId xmlns:a16="http://schemas.microsoft.com/office/drawing/2014/main" val="451574500"/>
+                    </a:ext>
+                  </a:extLst>
+                </a:gridCol>
+                <a:gridCol w="503238">
+                  <a:extLst>
+                    <a:ext uri="{9D8B030D-6E8A-4147-A177-3AD203B41FA5}">
+                      <a16:colId xmlns:a16="http://schemas.microsoft.com/office/drawing/2014/main" val="2723652035"/>
+                    </a:ext>
+                  </a:extLst>
+                </a:gridCol>
+                <a:gridCol w="503238">
+                  <a:extLst>
+                    <a:ext uri="{9D8B030D-6E8A-4147-A177-3AD203B41FA5}">
+                      <a16:colId xmlns:a16="http://schemas.microsoft.com/office/drawing/2014/main" val="3495491986"/>
+                    </a:ext>
+                  </a:extLst>
+                </a:gridCol>
+                <a:gridCol w="503238">
+                  <a:extLst>
+                    <a:ext uri="{9D8B030D-6E8A-4147-A177-3AD203B41FA5}">
+                      <a16:colId xmlns:a16="http://schemas.microsoft.com/office/drawing/2014/main" val="4084766849"/>
+                    </a:ext>
+                  </a:extLst>
+                </a:gridCol>
+              </a:tblGrid>
+              <a:tr h="427567">
+                <a:tc>
+                  <a:txBody>
+                    <a:bodyPr/>
+                    <a:lstStyle/>
+                    <a:p>
+                      <a:pPr latinLnBrk="1"/>
+                      <a:endParaRPr lang="ko-KR" altLang="en-US" dirty="0"/>
+                    </a:p>
+                  </a:txBody>
+                  <a:tcPr>
+                    <a:lnL w="12700" cap="flat" cmpd="sng" algn="ctr">
+                      <a:solidFill>
+                        <a:schemeClr val="tx1"/>
+                      </a:solidFill>
+                      <a:prstDash val="solid"/>
+                      <a:round/>
+                      <a:headEnd type="none" w="med" len="med"/>
+                      <a:tailEnd type="none" w="med" len="med"/>
+                    </a:lnL>
+                    <a:lnR w="12700" cap="flat" cmpd="sng" algn="ctr">
+                      <a:solidFill>
+                        <a:schemeClr val="tx1"/>
+                      </a:solidFill>
+                      <a:prstDash val="solid"/>
+                      <a:round/>
+                      <a:headEnd type="none" w="med" len="med"/>
+                      <a:tailEnd type="none" w="med" len="med"/>
+                    </a:lnR>
+                    <a:lnT w="12700" cap="flat" cmpd="sng" algn="ctr">
+                      <a:solidFill>
+                        <a:schemeClr val="tx1"/>
+                      </a:solidFill>
+                      <a:prstDash val="solid"/>
+                      <a:round/>
+                      <a:headEnd type="none" w="med" len="med"/>
+                      <a:tailEnd type="none" w="med" len="med"/>
+                    </a:lnT>
+                    <a:lnB w="12700" cap="flat" cmpd="sng" algn="ctr">
+                      <a:solidFill>
+                        <a:schemeClr val="tx1"/>
+                      </a:solidFill>
+                      <a:prstDash val="solid"/>
+                      <a:round/>
+                      <a:headEnd type="none" w="med" len="med"/>
+                      <a:tailEnd type="none" w="med" len="med"/>
+                    </a:lnB>
+                    <a:solidFill>
+                      <a:schemeClr val="bg1">
+                        <a:lumMod val="95000"/>
+                      </a:schemeClr>
+                    </a:solidFill>
+                  </a:tcPr>
+                </a:tc>
+                <a:tc>
+                  <a:txBody>
+                    <a:bodyPr/>
+                    <a:lstStyle/>
+                    <a:p>
+                      <a:pPr latinLnBrk="1"/>
+                      <a:endParaRPr lang="ko-KR" altLang="en-US" dirty="0"/>
+                    </a:p>
+                  </a:txBody>
+                  <a:tcPr>
+                    <a:lnL w="12700" cap="flat" cmpd="sng" algn="ctr">
+                      <a:solidFill>
+                        <a:schemeClr val="tx1"/>
+                      </a:solidFill>
+                      <a:prstDash val="solid"/>
+                      <a:round/>
+                      <a:headEnd type="none" w="med" len="med"/>
+                      <a:tailEnd type="none" w="med" len="med"/>
+                    </a:lnL>
+                    <a:lnR w="12700" cap="flat" cmpd="sng" algn="ctr">
+                      <a:solidFill>
+                        <a:schemeClr val="tx1"/>
+                      </a:solidFill>
+                      <a:prstDash val="solid"/>
+                      <a:round/>
+                      <a:headEnd type="none" w="med" len="med"/>
+                      <a:tailEnd type="none" w="med" len="med"/>
+                    </a:lnR>
+                    <a:lnT w="12700" cap="flat" cmpd="sng" algn="ctr">
+                      <a:solidFill>
+                        <a:schemeClr val="tx1"/>
+                      </a:solidFill>
+                      <a:prstDash val="solid"/>
+                      <a:round/>
+                      <a:headEnd type="none" w="med" len="med"/>
+                      <a:tailEnd type="none" w="med" len="med"/>
+                    </a:lnT>
+                    <a:lnB w="12700" cap="flat" cmpd="sng" algn="ctr">
+                      <a:solidFill>
+                        <a:schemeClr val="tx1"/>
+                      </a:solidFill>
+                      <a:prstDash val="solid"/>
+                      <a:round/>
+                      <a:headEnd type="none" w="med" len="med"/>
+                      <a:tailEnd type="none" w="med" len="med"/>
+                    </a:lnB>
+                    <a:solidFill>
+                      <a:schemeClr val="tx1">
+                        <a:lumMod val="95000"/>
+                        <a:lumOff val="5000"/>
+                      </a:schemeClr>
+                    </a:solidFill>
+                  </a:tcPr>
+                </a:tc>
+                <a:tc>
+                  <a:txBody>
+                    <a:bodyPr/>
+                    <a:lstStyle/>
+                    <a:p>
+                      <a:pPr latinLnBrk="1"/>
+                      <a:endParaRPr lang="ko-KR" altLang="en-US" dirty="0"/>
+                    </a:p>
+                  </a:txBody>
+                  <a:tcPr>
+                    <a:lnL w="12700" cap="flat" cmpd="sng" algn="ctr">
+                      <a:solidFill>
+                        <a:schemeClr val="tx1"/>
+                      </a:solidFill>
+                      <a:prstDash val="solid"/>
+                      <a:round/>
+                      <a:headEnd type="none" w="med" len="med"/>
+                      <a:tailEnd type="none" w="med" len="med"/>
+                    </a:lnL>
+                    <a:lnR w="12700" cap="flat" cmpd="sng" algn="ctr">
+                      <a:solidFill>
+                        <a:schemeClr val="tx1"/>
+                      </a:solidFill>
+                      <a:prstDash val="solid"/>
+                      <a:round/>
+                      <a:headEnd type="none" w="med" len="med"/>
+                      <a:tailEnd type="none" w="med" len="med"/>
+                    </a:lnR>
+                    <a:lnT w="12700" cap="flat" cmpd="sng" algn="ctr">
+                      <a:solidFill>
+                        <a:schemeClr val="tx1"/>
+                      </a:solidFill>
+                      <a:prstDash val="solid"/>
+                      <a:round/>
+                      <a:headEnd type="none" w="med" len="med"/>
+                      <a:tailEnd type="none" w="med" len="med"/>
+                    </a:lnT>
+                    <a:lnB w="12700" cap="flat" cmpd="sng" algn="ctr">
+                      <a:solidFill>
+                        <a:schemeClr val="tx1"/>
+                      </a:solidFill>
+                      <a:prstDash val="solid"/>
+                      <a:round/>
+                      <a:headEnd type="none" w="med" len="med"/>
+                      <a:tailEnd type="none" w="med" len="med"/>
+                    </a:lnB>
+                    <a:solidFill>
+                      <a:schemeClr val="bg1">
+                        <a:lumMod val="95000"/>
+                      </a:schemeClr>
+                    </a:solidFill>
+                  </a:tcPr>
+                </a:tc>
+                <a:tc>
+                  <a:txBody>
+                    <a:bodyPr/>
+                    <a:lstStyle/>
+                    <a:p>
+                      <a:pPr latinLnBrk="1"/>
+                      <a:endParaRPr lang="ko-KR" altLang="en-US" dirty="0"/>
+                    </a:p>
+                  </a:txBody>
+                  <a:tcPr>
+                    <a:lnL w="12700" cap="flat" cmpd="sng" algn="ctr">
+                      <a:solidFill>
+                        <a:schemeClr val="tx1"/>
+                      </a:solidFill>
+                      <a:prstDash val="solid"/>
+                      <a:round/>
+                      <a:headEnd type="none" w="med" len="med"/>
+                      <a:tailEnd type="none" w="med" len="med"/>
+                    </a:lnL>
+                    <a:lnR w="12700" cap="flat" cmpd="sng" algn="ctr">
+                      <a:solidFill>
+                        <a:schemeClr val="tx1"/>
+                      </a:solidFill>
+                      <a:prstDash val="solid"/>
+                      <a:round/>
+                      <a:headEnd type="none" w="med" len="med"/>
+                      <a:tailEnd type="none" w="med" len="med"/>
+                    </a:lnR>
+                    <a:lnT w="12700" cap="flat" cmpd="sng" algn="ctr">
+                      <a:solidFill>
+                        <a:schemeClr val="tx1"/>
+                      </a:solidFill>
+                      <a:prstDash val="solid"/>
+                      <a:round/>
+                      <a:headEnd type="none" w="med" len="med"/>
+                      <a:tailEnd type="none" w="med" len="med"/>
+                    </a:lnT>
+                    <a:lnB w="12700" cap="flat" cmpd="sng" algn="ctr">
+                      <a:solidFill>
+                        <a:schemeClr val="tx1"/>
+                      </a:solidFill>
+                      <a:prstDash val="solid"/>
+                      <a:round/>
+                      <a:headEnd type="none" w="med" len="med"/>
+                      <a:tailEnd type="none" w="med" len="med"/>
+                    </a:lnB>
+                    <a:solidFill>
+                      <a:schemeClr val="tx1">
+                        <a:lumMod val="95000"/>
+                        <a:lumOff val="5000"/>
+                      </a:schemeClr>
+                    </a:solidFill>
+                  </a:tcPr>
+                </a:tc>
+                <a:tc>
+                  <a:txBody>
+                    <a:bodyPr/>
+                    <a:lstStyle/>
+                    <a:p>
+                      <a:pPr latinLnBrk="1"/>
+                      <a:endParaRPr lang="ko-KR" altLang="en-US" dirty="0"/>
+                    </a:p>
+                  </a:txBody>
+                  <a:tcPr>
+                    <a:lnL w="12700" cap="flat" cmpd="sng" algn="ctr">
+                      <a:solidFill>
+                        <a:schemeClr val="tx1"/>
+                      </a:solidFill>
+                      <a:prstDash val="solid"/>
+                      <a:round/>
+                      <a:headEnd type="none" w="med" len="med"/>
+                      <a:tailEnd type="none" w="med" len="med"/>
+                    </a:lnL>
+                    <a:lnR w="12700" cap="flat" cmpd="sng" algn="ctr">
+                      <a:solidFill>
+                        <a:schemeClr val="tx1"/>
+                      </a:solidFill>
+                      <a:prstDash val="solid"/>
+                      <a:round/>
+                      <a:headEnd type="none" w="med" len="med"/>
+                      <a:tailEnd type="none" w="med" len="med"/>
+                    </a:lnR>
+                    <a:lnT w="12700" cap="flat" cmpd="sng" algn="ctr">
+                      <a:solidFill>
+                        <a:schemeClr val="tx1"/>
+                      </a:solidFill>
+                      <a:prstDash val="solid"/>
+                      <a:round/>
+                      <a:headEnd type="none" w="med" len="med"/>
+                      <a:tailEnd type="none" w="med" len="med"/>
+                    </a:lnT>
+                    <a:lnB w="12700" cap="flat" cmpd="sng" algn="ctr">
+                      <a:solidFill>
+                        <a:schemeClr val="tx1"/>
+                      </a:solidFill>
+                      <a:prstDash val="solid"/>
+                      <a:round/>
+                      <a:headEnd type="none" w="med" len="med"/>
+                      <a:tailEnd type="none" w="med" len="med"/>
+                    </a:lnB>
+                    <a:solidFill>
+                      <a:schemeClr val="bg1">
+                        <a:lumMod val="95000"/>
+                      </a:schemeClr>
+                    </a:solidFill>
+                  </a:tcPr>
+                </a:tc>
+                <a:tc>
+                  <a:txBody>
+                    <a:bodyPr/>
+                    <a:lstStyle/>
+                    <a:p>
+                      <a:pPr latinLnBrk="1"/>
+                      <a:endParaRPr lang="ko-KR" altLang="en-US" dirty="0"/>
+                    </a:p>
+                  </a:txBody>
+                  <a:tcPr>
+                    <a:lnL w="12700" cap="flat" cmpd="sng" algn="ctr">
+                      <a:solidFill>
+                        <a:schemeClr val="tx1"/>
+                      </a:solidFill>
+                      <a:prstDash val="solid"/>
+                      <a:round/>
+                      <a:headEnd type="none" w="med" len="med"/>
+                      <a:tailEnd type="none" w="med" len="med"/>
+                    </a:lnL>
+                    <a:lnR w="12700" cap="flat" cmpd="sng" algn="ctr">
+                      <a:solidFill>
+                        <a:schemeClr val="tx1"/>
+                      </a:solidFill>
+                      <a:prstDash val="solid"/>
+                      <a:round/>
+                      <a:headEnd type="none" w="med" len="med"/>
+                      <a:tailEnd type="none" w="med" len="med"/>
+                    </a:lnR>
+                    <a:lnT w="12700" cap="flat" cmpd="sng" algn="ctr">
+                      <a:solidFill>
+                        <a:schemeClr val="tx1"/>
+                      </a:solidFill>
+                      <a:prstDash val="solid"/>
+                      <a:round/>
+                      <a:headEnd type="none" w="med" len="med"/>
+                      <a:tailEnd type="none" w="med" len="med"/>
+                    </a:lnT>
+                    <a:lnB w="12700" cap="flat" cmpd="sng" algn="ctr">
+                      <a:solidFill>
+                        <a:schemeClr val="tx1"/>
+                      </a:solidFill>
+                      <a:prstDash val="solid"/>
+                      <a:round/>
+                      <a:headEnd type="none" w="med" len="med"/>
+                      <a:tailEnd type="none" w="med" len="med"/>
+                    </a:lnB>
+                    <a:solidFill>
+                      <a:schemeClr val="tx1">
+                        <a:lumMod val="95000"/>
+                        <a:lumOff val="5000"/>
+                      </a:schemeClr>
+                    </a:solidFill>
+                  </a:tcPr>
+                </a:tc>
+                <a:tc>
+                  <a:txBody>
+                    <a:bodyPr/>
+                    <a:lstStyle/>
+                    <a:p>
+                      <a:pPr latinLnBrk="1"/>
+                      <a:endParaRPr lang="ko-KR" altLang="en-US" dirty="0"/>
+                    </a:p>
+                  </a:txBody>
+                  <a:tcPr>
+                    <a:lnL w="12700" cap="flat" cmpd="sng" algn="ctr">
+                      <a:solidFill>
+                        <a:schemeClr val="tx1"/>
+                      </a:solidFill>
+                      <a:prstDash val="solid"/>
+                      <a:round/>
+                      <a:headEnd type="none" w="med" len="med"/>
+                      <a:tailEnd type="none" w="med" len="med"/>
+                    </a:lnL>
+                    <a:lnR w="12700" cap="flat" cmpd="sng" algn="ctr">
+                      <a:solidFill>
+                        <a:schemeClr val="tx1"/>
+                      </a:solidFill>
+                      <a:prstDash val="solid"/>
+                      <a:round/>
+                      <a:headEnd type="none" w="med" len="med"/>
+                      <a:tailEnd type="none" w="med" len="med"/>
+                    </a:lnR>
+                    <a:lnT w="12700" cap="flat" cmpd="sng" algn="ctr">
+                      <a:solidFill>
+                        <a:schemeClr val="tx1"/>
+                      </a:solidFill>
+                      <a:prstDash val="solid"/>
+                      <a:round/>
+                      <a:headEnd type="none" w="med" len="med"/>
+                      <a:tailEnd type="none" w="med" len="med"/>
+                    </a:lnT>
+                    <a:lnB w="12700" cap="flat" cmpd="sng" algn="ctr">
+                      <a:solidFill>
+                        <a:schemeClr val="tx1"/>
+                      </a:solidFill>
+                      <a:prstDash val="solid"/>
+                      <a:round/>
+                      <a:headEnd type="none" w="med" len="med"/>
+                      <a:tailEnd type="none" w="med" len="med"/>
+                    </a:lnB>
+                    <a:solidFill>
+                      <a:schemeClr val="bg1">
+                        <a:lumMod val="95000"/>
+                      </a:schemeClr>
+                    </a:solidFill>
+                  </a:tcPr>
+                </a:tc>
+                <a:tc>
+                  <a:txBody>
+                    <a:bodyPr/>
+                    <a:lstStyle/>
+                    <a:p>
+                      <a:pPr latinLnBrk="1"/>
+                      <a:endParaRPr lang="ko-KR" altLang="en-US" dirty="0"/>
+                    </a:p>
+                  </a:txBody>
+                  <a:tcPr>
+                    <a:lnL w="12700" cap="flat" cmpd="sng" algn="ctr">
+                      <a:solidFill>
+                        <a:schemeClr val="tx1"/>
+                      </a:solidFill>
+                      <a:prstDash val="solid"/>
+                      <a:round/>
+                      <a:headEnd type="none" w="med" len="med"/>
+                      <a:tailEnd type="none" w="med" len="med"/>
+                    </a:lnL>
+                    <a:lnR w="12700" cap="flat" cmpd="sng" algn="ctr">
+                      <a:solidFill>
+                        <a:schemeClr val="tx1"/>
+                      </a:solidFill>
+                      <a:prstDash val="solid"/>
+                      <a:round/>
+                      <a:headEnd type="none" w="med" len="med"/>
+                      <a:tailEnd type="none" w="med" len="med"/>
+                    </a:lnR>
+                    <a:lnT w="12700" cap="flat" cmpd="sng" algn="ctr">
+                      <a:solidFill>
+                        <a:schemeClr val="tx1"/>
+                      </a:solidFill>
+                      <a:prstDash val="solid"/>
+                      <a:round/>
+                      <a:headEnd type="none" w="med" len="med"/>
+                      <a:tailEnd type="none" w="med" len="med"/>
+                    </a:lnT>
+                    <a:lnB w="12700" cap="flat" cmpd="sng" algn="ctr">
+                      <a:solidFill>
+                        <a:schemeClr val="tx1"/>
+                      </a:solidFill>
+                      <a:prstDash val="solid"/>
+                      <a:round/>
+                      <a:headEnd type="none" w="med" len="med"/>
+                      <a:tailEnd type="none" w="med" len="med"/>
+                    </a:lnB>
+                    <a:solidFill>
+                      <a:schemeClr val="tx1">
+                        <a:lumMod val="95000"/>
+                        <a:lumOff val="5000"/>
+                      </a:schemeClr>
+                    </a:solidFill>
+                  </a:tcPr>
+                </a:tc>
+                <a:extLst>
+                  <a:ext uri="{0D108BD9-81ED-4DB2-BD59-A6C34878D82A}">
+                    <a16:rowId xmlns:a16="http://schemas.microsoft.com/office/drawing/2014/main" val="2705599669"/>
+                  </a:ext>
+                </a:extLst>
+              </a:tr>
+              <a:tr h="427567">
+                <a:tc>
+                  <a:txBody>
+                    <a:bodyPr/>
+                    <a:lstStyle/>
+                    <a:p>
+                      <a:pPr latinLnBrk="1"/>
+                      <a:endParaRPr lang="ko-KR" altLang="en-US" dirty="0"/>
+                    </a:p>
+                  </a:txBody>
+                  <a:tcPr>
+                    <a:lnL w="12700" cap="flat" cmpd="sng" algn="ctr">
+                      <a:solidFill>
+                        <a:schemeClr val="tx1"/>
+                      </a:solidFill>
+                      <a:prstDash val="solid"/>
+                      <a:round/>
+                      <a:headEnd type="none" w="med" len="med"/>
+                      <a:tailEnd type="none" w="med" len="med"/>
+                    </a:lnL>
+                    <a:lnR w="12700" cap="flat" cmpd="sng" algn="ctr">
+                      <a:solidFill>
+                        <a:schemeClr val="tx1"/>
+                      </a:solidFill>
+                      <a:prstDash val="solid"/>
+                      <a:round/>
+                      <a:headEnd type="none" w="med" len="med"/>
+                      <a:tailEnd type="none" w="med" len="med"/>
+                    </a:lnR>
+                    <a:lnT w="12700" cap="flat" cmpd="sng" algn="ctr">
+                      <a:solidFill>
+                        <a:schemeClr val="tx1"/>
+                      </a:solidFill>
+                      <a:prstDash val="solid"/>
+                      <a:round/>
+                      <a:headEnd type="none" w="med" len="med"/>
+                      <a:tailEnd type="none" w="med" len="med"/>
+                    </a:lnT>
+                    <a:lnB w="12700" cap="flat" cmpd="sng" algn="ctr">
+                      <a:solidFill>
+                        <a:schemeClr val="tx1"/>
+                      </a:solidFill>
+                      <a:prstDash val="solid"/>
+                      <a:round/>
+                      <a:headEnd type="none" w="med" len="med"/>
+                      <a:tailEnd type="none" w="med" len="med"/>
+                    </a:lnB>
+                    <a:solidFill>
+                      <a:schemeClr val="tx1">
+                        <a:lumMod val="95000"/>
+                        <a:lumOff val="5000"/>
+                      </a:schemeClr>
+                    </a:solidFill>
+                  </a:tcPr>
+                </a:tc>
+                <a:tc>
+                  <a:txBody>
+                    <a:bodyPr/>
+                    <a:lstStyle/>
+                    <a:p>
+                      <a:pPr latinLnBrk="1"/>
+                      <a:endParaRPr lang="ko-KR" altLang="en-US" dirty="0"/>
+                    </a:p>
+                  </a:txBody>
+                  <a:tcPr>
+                    <a:lnL w="12700" cap="flat" cmpd="sng" algn="ctr">
+                      <a:solidFill>
+                        <a:schemeClr val="tx1"/>
+                      </a:solidFill>
+                      <a:prstDash val="solid"/>
+                      <a:round/>
+                      <a:headEnd type="none" w="med" len="med"/>
+                      <a:tailEnd type="none" w="med" len="med"/>
+                    </a:lnL>
+                    <a:lnR w="12700" cap="flat" cmpd="sng" algn="ctr">
+                      <a:solidFill>
+                        <a:schemeClr val="tx1"/>
+                      </a:solidFill>
+                      <a:prstDash val="solid"/>
+                      <a:round/>
+                      <a:headEnd type="none" w="med" len="med"/>
+                      <a:tailEnd type="none" w="med" len="med"/>
+                    </a:lnR>
+                    <a:lnT w="12700" cap="flat" cmpd="sng" algn="ctr">
+                      <a:solidFill>
+                        <a:schemeClr val="tx1"/>
+                      </a:solidFill>
+                      <a:prstDash val="solid"/>
+                      <a:round/>
+                      <a:headEnd type="none" w="med" len="med"/>
+                      <a:tailEnd type="none" w="med" len="med"/>
+                    </a:lnT>
+                    <a:lnB w="12700" cap="flat" cmpd="sng" algn="ctr">
+                      <a:solidFill>
+                        <a:schemeClr val="tx1"/>
+                      </a:solidFill>
+                      <a:prstDash val="solid"/>
+                      <a:round/>
+                      <a:headEnd type="none" w="med" len="med"/>
+                      <a:tailEnd type="none" w="med" len="med"/>
+                    </a:lnB>
+                    <a:solidFill>
+                      <a:schemeClr val="bg1">
+                        <a:lumMod val="95000"/>
+                      </a:schemeClr>
+                    </a:solidFill>
+                  </a:tcPr>
+                </a:tc>
+                <a:tc>
+                  <a:txBody>
+                    <a:bodyPr/>
+                    <a:lstStyle/>
+                    <a:p>
+                      <a:pPr latinLnBrk="1"/>
+                      <a:endParaRPr lang="ko-KR" altLang="en-US" dirty="0"/>
+                    </a:p>
+                  </a:txBody>
+                  <a:tcPr>
+                    <a:lnL w="12700" cap="flat" cmpd="sng" algn="ctr">
+                      <a:solidFill>
+                        <a:schemeClr val="tx1"/>
+                      </a:solidFill>
+                      <a:prstDash val="solid"/>
+                      <a:round/>
+                      <a:headEnd type="none" w="med" len="med"/>
+                      <a:tailEnd type="none" w="med" len="med"/>
+                    </a:lnL>
+                    <a:lnR w="12700" cap="flat" cmpd="sng" algn="ctr">
+                      <a:solidFill>
+                        <a:schemeClr val="tx1"/>
+                      </a:solidFill>
+                      <a:prstDash val="solid"/>
+                      <a:round/>
+                      <a:headEnd type="none" w="med" len="med"/>
+                      <a:tailEnd type="none" w="med" len="med"/>
+                    </a:lnR>
+                    <a:lnT w="12700" cap="flat" cmpd="sng" algn="ctr">
+                      <a:solidFill>
+                        <a:schemeClr val="tx1"/>
+                      </a:solidFill>
+                      <a:prstDash val="solid"/>
+                      <a:round/>
+                      <a:headEnd type="none" w="med" len="med"/>
+                      <a:tailEnd type="none" w="med" len="med"/>
+                    </a:lnT>
+                    <a:lnB w="12700" cap="flat" cmpd="sng" algn="ctr">
+                      <a:solidFill>
+                        <a:schemeClr val="tx1"/>
+                      </a:solidFill>
+                      <a:prstDash val="solid"/>
+                      <a:round/>
+                      <a:headEnd type="none" w="med" len="med"/>
+                      <a:tailEnd type="none" w="med" len="med"/>
+                    </a:lnB>
+                    <a:solidFill>
+                      <a:schemeClr val="tx1">
+                        <a:lumMod val="95000"/>
+                        <a:lumOff val="5000"/>
+                      </a:schemeClr>
+                    </a:solidFill>
+                  </a:tcPr>
+                </a:tc>
+                <a:tc>
+                  <a:txBody>
+                    <a:bodyPr/>
+                    <a:lstStyle/>
+                    <a:p>
+                      <a:pPr latinLnBrk="1"/>
+                      <a:endParaRPr lang="ko-KR" altLang="en-US" dirty="0"/>
+                    </a:p>
+                  </a:txBody>
+                  <a:tcPr>
+                    <a:lnL w="12700" cap="flat" cmpd="sng" algn="ctr">
+                      <a:solidFill>
+                        <a:schemeClr val="tx1"/>
+                      </a:solidFill>
+                      <a:prstDash val="solid"/>
+                      <a:round/>
+                      <a:headEnd type="none" w="med" len="med"/>
+                      <a:tailEnd type="none" w="med" len="med"/>
+                    </a:lnL>
+                    <a:lnR w="12700" cap="flat" cmpd="sng" algn="ctr">
+                      <a:solidFill>
+                        <a:schemeClr val="tx1"/>
+                      </a:solidFill>
+                      <a:prstDash val="solid"/>
+                      <a:round/>
+                      <a:headEnd type="none" w="med" len="med"/>
+                      <a:tailEnd type="none" w="med" len="med"/>
+                    </a:lnR>
+                    <a:lnT w="12700" cap="flat" cmpd="sng" algn="ctr">
+                      <a:solidFill>
+                        <a:schemeClr val="tx1"/>
+                      </a:solidFill>
+                      <a:prstDash val="solid"/>
+                      <a:round/>
+                      <a:headEnd type="none" w="med" len="med"/>
+                      <a:tailEnd type="none" w="med" len="med"/>
+                    </a:lnT>
+                    <a:lnB w="12700" cap="flat" cmpd="sng" algn="ctr">
+                      <a:solidFill>
+                        <a:schemeClr val="tx1"/>
+                      </a:solidFill>
+                      <a:prstDash val="solid"/>
+                      <a:round/>
+                      <a:headEnd type="none" w="med" len="med"/>
+                      <a:tailEnd type="none" w="med" len="med"/>
+                    </a:lnB>
+                    <a:solidFill>
+                      <a:schemeClr val="bg1">
+                        <a:lumMod val="95000"/>
+                      </a:schemeClr>
+                    </a:solidFill>
+                  </a:tcPr>
+                </a:tc>
+                <a:tc>
+                  <a:txBody>
+                    <a:bodyPr/>
+                    <a:lstStyle/>
+                    <a:p>
+                      <a:pPr latinLnBrk="1"/>
+                      <a:endParaRPr lang="ko-KR" altLang="en-US" dirty="0"/>
+                    </a:p>
+                  </a:txBody>
+                  <a:tcPr>
+                    <a:lnL w="12700" cap="flat" cmpd="sng" algn="ctr">
+                      <a:solidFill>
+                        <a:schemeClr val="tx1"/>
+                      </a:solidFill>
+                      <a:prstDash val="solid"/>
+                      <a:round/>
+                      <a:headEnd type="none" w="med" len="med"/>
+                      <a:tailEnd type="none" w="med" len="med"/>
+                    </a:lnL>
+                    <a:lnR w="12700" cap="flat" cmpd="sng" algn="ctr">
+                      <a:solidFill>
+                        <a:schemeClr val="tx1"/>
+                      </a:solidFill>
+                      <a:prstDash val="solid"/>
+                      <a:round/>
+                      <a:headEnd type="none" w="med" len="med"/>
+                      <a:tailEnd type="none" w="med" len="med"/>
+                    </a:lnR>
+                    <a:lnT w="12700" cap="flat" cmpd="sng" algn="ctr">
+                      <a:solidFill>
+                        <a:schemeClr val="tx1"/>
+                      </a:solidFill>
+                      <a:prstDash val="solid"/>
+                      <a:round/>
+                      <a:headEnd type="none" w="med" len="med"/>
+                      <a:tailEnd type="none" w="med" len="med"/>
+                    </a:lnT>
+                    <a:lnB w="12700" cap="flat" cmpd="sng" algn="ctr">
+                      <a:solidFill>
+                        <a:schemeClr val="tx1"/>
+                      </a:solidFill>
+                      <a:prstDash val="solid"/>
+                      <a:round/>
+                      <a:headEnd type="none" w="med" len="med"/>
+                      <a:tailEnd type="none" w="med" len="med"/>
+                    </a:lnB>
+                    <a:solidFill>
+                      <a:schemeClr val="tx1">
+                        <a:lumMod val="95000"/>
+                        <a:lumOff val="5000"/>
+                      </a:schemeClr>
+                    </a:solidFill>
+                  </a:tcPr>
+                </a:tc>
+                <a:tc>
+                  <a:txBody>
+                    <a:bodyPr/>
+                    <a:lstStyle/>
+                    <a:p>
+                      <a:pPr latinLnBrk="1"/>
+                      <a:endParaRPr lang="ko-KR" altLang="en-US" dirty="0"/>
+                    </a:p>
+                  </a:txBody>
+                  <a:tcPr>
+                    <a:lnL w="12700" cap="flat" cmpd="sng" algn="ctr">
+                      <a:solidFill>
+                        <a:schemeClr val="tx1"/>
+                      </a:solidFill>
+                      <a:prstDash val="solid"/>
+                      <a:round/>
+                      <a:headEnd type="none" w="med" len="med"/>
+                      <a:tailEnd type="none" w="med" len="med"/>
+                    </a:lnL>
+                    <a:lnR w="12700" cap="flat" cmpd="sng" algn="ctr">
+                      <a:solidFill>
+                        <a:schemeClr val="tx1"/>
+                      </a:solidFill>
+                      <a:prstDash val="solid"/>
+                      <a:round/>
+                      <a:headEnd type="none" w="med" len="med"/>
+                      <a:tailEnd type="none" w="med" len="med"/>
+                    </a:lnR>
+                    <a:lnT w="12700" cap="flat" cmpd="sng" algn="ctr">
+                      <a:solidFill>
+                        <a:schemeClr val="tx1"/>
+                      </a:solidFill>
+                      <a:prstDash val="solid"/>
+                      <a:round/>
+                      <a:headEnd type="none" w="med" len="med"/>
+                      <a:tailEnd type="none" w="med" len="med"/>
+                    </a:lnT>
+                    <a:lnB w="12700" cap="flat" cmpd="sng" algn="ctr">
+                      <a:solidFill>
+                        <a:schemeClr val="tx1"/>
+                      </a:solidFill>
+                      <a:prstDash val="solid"/>
+                      <a:round/>
+                      <a:headEnd type="none" w="med" len="med"/>
+                      <a:tailEnd type="none" w="med" len="med"/>
+                    </a:lnB>
+                    <a:solidFill>
+                      <a:schemeClr val="bg1">
+                        <a:lumMod val="95000"/>
+                      </a:schemeClr>
+                    </a:solidFill>
+                  </a:tcPr>
+                </a:tc>
+                <a:tc>
+                  <a:txBody>
+                    <a:bodyPr/>
+                    <a:lstStyle/>
+                    <a:p>
+                      <a:pPr latinLnBrk="1"/>
+                      <a:endParaRPr lang="ko-KR" altLang="en-US" dirty="0"/>
+                    </a:p>
+                  </a:txBody>
+                  <a:tcPr>
+                    <a:lnL w="12700" cap="flat" cmpd="sng" algn="ctr">
+                      <a:solidFill>
+                        <a:schemeClr val="tx1"/>
+                      </a:solidFill>
+                      <a:prstDash val="solid"/>
+                      <a:round/>
+                      <a:headEnd type="none" w="med" len="med"/>
+                      <a:tailEnd type="none" w="med" len="med"/>
+                    </a:lnL>
+                    <a:lnR w="12700" cap="flat" cmpd="sng" algn="ctr">
+                      <a:solidFill>
+                        <a:schemeClr val="tx1"/>
+                      </a:solidFill>
+                      <a:prstDash val="solid"/>
+                      <a:round/>
+                      <a:headEnd type="none" w="med" len="med"/>
+                      <a:tailEnd type="none" w="med" len="med"/>
+                    </a:lnR>
+                    <a:lnT w="12700" cap="flat" cmpd="sng" algn="ctr">
+                      <a:solidFill>
+                        <a:schemeClr val="tx1"/>
+                      </a:solidFill>
+                      <a:prstDash val="solid"/>
+                      <a:round/>
+                      <a:headEnd type="none" w="med" len="med"/>
+                      <a:tailEnd type="none" w="med" len="med"/>
+                    </a:lnT>
+                    <a:lnB w="12700" cap="flat" cmpd="sng" algn="ctr">
+                      <a:solidFill>
+                        <a:schemeClr val="tx1"/>
+                      </a:solidFill>
+                      <a:prstDash val="solid"/>
+                      <a:round/>
+                      <a:headEnd type="none" w="med" len="med"/>
+                      <a:tailEnd type="none" w="med" len="med"/>
+                    </a:lnB>
+                    <a:solidFill>
+                      <a:schemeClr val="tx1">
+                        <a:lumMod val="95000"/>
+                        <a:lumOff val="5000"/>
+                      </a:schemeClr>
+                    </a:solidFill>
+                  </a:tcPr>
+                </a:tc>
+                <a:tc>
+                  <a:txBody>
+                    <a:bodyPr/>
+                    <a:lstStyle/>
+                    <a:p>
+                      <a:pPr latinLnBrk="1"/>
+                      <a:endParaRPr lang="ko-KR" altLang="en-US" dirty="0"/>
+                    </a:p>
+                  </a:txBody>
+                  <a:tcPr>
+                    <a:lnL w="12700" cap="flat" cmpd="sng" algn="ctr">
+                      <a:solidFill>
+                        <a:schemeClr val="tx1"/>
+                      </a:solidFill>
+                      <a:prstDash val="solid"/>
+                      <a:round/>
+                      <a:headEnd type="none" w="med" len="med"/>
+                      <a:tailEnd type="none" w="med" len="med"/>
+                    </a:lnL>
+                    <a:lnR w="12700" cap="flat" cmpd="sng" algn="ctr">
+                      <a:solidFill>
+                        <a:schemeClr val="tx1"/>
+                      </a:solidFill>
+                      <a:prstDash val="solid"/>
+                      <a:round/>
+                      <a:headEnd type="none" w="med" len="med"/>
+                      <a:tailEnd type="none" w="med" len="med"/>
+                    </a:lnR>
+                    <a:lnT w="12700" cap="flat" cmpd="sng" algn="ctr">
+                      <a:solidFill>
+                        <a:schemeClr val="tx1"/>
+                      </a:solidFill>
+                      <a:prstDash val="solid"/>
+                      <a:round/>
+                      <a:headEnd type="none" w="med" len="med"/>
+                      <a:tailEnd type="none" w="med" len="med"/>
+                    </a:lnT>
+                    <a:lnB w="12700" cap="flat" cmpd="sng" algn="ctr">
+                      <a:solidFill>
+                        <a:schemeClr val="tx1"/>
+                      </a:solidFill>
+                      <a:prstDash val="solid"/>
+                      <a:round/>
+                      <a:headEnd type="none" w="med" len="med"/>
+                      <a:tailEnd type="none" w="med" len="med"/>
+                    </a:lnB>
+                    <a:solidFill>
+                      <a:schemeClr val="bg1">
+                        <a:lumMod val="95000"/>
+                      </a:schemeClr>
+                    </a:solidFill>
+                  </a:tcPr>
+                </a:tc>
+                <a:extLst>
+                  <a:ext uri="{0D108BD9-81ED-4DB2-BD59-A6C34878D82A}">
+                    <a16:rowId xmlns:a16="http://schemas.microsoft.com/office/drawing/2014/main" val="3242154972"/>
+                  </a:ext>
+                </a:extLst>
+              </a:tr>
+              <a:tr h="427567">
+                <a:tc>
+                  <a:txBody>
+                    <a:bodyPr/>
+                    <a:lstStyle/>
+                    <a:p>
+                      <a:pPr latinLnBrk="1"/>
+                      <a:endParaRPr lang="ko-KR" altLang="en-US"/>
+                    </a:p>
+                  </a:txBody>
+                  <a:tcPr>
+                    <a:lnL w="12700" cap="flat" cmpd="sng" algn="ctr">
+                      <a:solidFill>
+                        <a:schemeClr val="tx1"/>
+                      </a:solidFill>
+                      <a:prstDash val="solid"/>
+                      <a:round/>
+                      <a:headEnd type="none" w="med" len="med"/>
+                      <a:tailEnd type="none" w="med" len="med"/>
+                    </a:lnL>
+                    <a:lnR w="12700" cap="flat" cmpd="sng" algn="ctr">
+                      <a:solidFill>
+                        <a:schemeClr val="tx1"/>
+                      </a:solidFill>
+                      <a:prstDash val="solid"/>
+                      <a:round/>
+                      <a:headEnd type="none" w="med" len="med"/>
+                      <a:tailEnd type="none" w="med" len="med"/>
+                    </a:lnR>
+                    <a:lnT w="12700" cap="flat" cmpd="sng" algn="ctr">
+                      <a:solidFill>
+                        <a:schemeClr val="tx1"/>
+                      </a:solidFill>
+                      <a:prstDash val="solid"/>
+                      <a:round/>
+                      <a:headEnd type="none" w="med" len="med"/>
+                      <a:tailEnd type="none" w="med" len="med"/>
+                    </a:lnT>
+                    <a:lnB w="12700" cap="flat" cmpd="sng" algn="ctr">
+                      <a:solidFill>
+                        <a:schemeClr val="tx1"/>
+                      </a:solidFill>
+                      <a:prstDash val="solid"/>
+                      <a:round/>
+                      <a:headEnd type="none" w="med" len="med"/>
+                      <a:tailEnd type="none" w="med" len="med"/>
+                    </a:lnB>
+                    <a:solidFill>
+                      <a:schemeClr val="bg1">
+                        <a:lumMod val="95000"/>
+                      </a:schemeClr>
+                    </a:solidFill>
+                  </a:tcPr>
+                </a:tc>
+                <a:tc>
+                  <a:txBody>
+                    <a:bodyPr/>
+                    <a:lstStyle/>
+                    <a:p>
+                      <a:pPr latinLnBrk="1"/>
+                      <a:endParaRPr lang="ko-KR" altLang="en-US"/>
+                    </a:p>
+                  </a:txBody>
+                  <a:tcPr>
+                    <a:lnL w="12700" cap="flat" cmpd="sng" algn="ctr">
+                      <a:solidFill>
+                        <a:schemeClr val="tx1"/>
+                      </a:solidFill>
+                      <a:prstDash val="solid"/>
+                      <a:round/>
+                      <a:headEnd type="none" w="med" len="med"/>
+                      <a:tailEnd type="none" w="med" len="med"/>
+                    </a:lnL>
+                    <a:lnR w="12700" cap="flat" cmpd="sng" algn="ctr">
+                      <a:solidFill>
+                        <a:schemeClr val="tx1"/>
+                      </a:solidFill>
+                      <a:prstDash val="solid"/>
+                      <a:round/>
+                      <a:headEnd type="none" w="med" len="med"/>
+                      <a:tailEnd type="none" w="med" len="med"/>
+                    </a:lnR>
+                    <a:lnT w="12700" cap="flat" cmpd="sng" algn="ctr">
+                      <a:solidFill>
+                        <a:schemeClr val="tx1"/>
+                      </a:solidFill>
+                      <a:prstDash val="solid"/>
+                      <a:round/>
+                      <a:headEnd type="none" w="med" len="med"/>
+                      <a:tailEnd type="none" w="med" len="med"/>
+                    </a:lnT>
+                    <a:lnB w="12700" cap="flat" cmpd="sng" algn="ctr">
+                      <a:solidFill>
+                        <a:schemeClr val="tx1"/>
+                      </a:solidFill>
+                      <a:prstDash val="solid"/>
+                      <a:round/>
+                      <a:headEnd type="none" w="med" len="med"/>
+                      <a:tailEnd type="none" w="med" len="med"/>
+                    </a:lnB>
+                    <a:solidFill>
+                      <a:schemeClr val="bg1">
+                        <a:lumMod val="95000"/>
+                      </a:schemeClr>
+                    </a:solidFill>
+                  </a:tcPr>
+                </a:tc>
+                <a:tc>
+                  <a:txBody>
+                    <a:bodyPr/>
+                    <a:lstStyle/>
+                    <a:p>
+                      <a:pPr latinLnBrk="1"/>
+                      <a:endParaRPr lang="ko-KR" altLang="en-US" dirty="0"/>
+                    </a:p>
+                  </a:txBody>
+                  <a:tcPr>
+                    <a:lnL w="12700" cap="flat" cmpd="sng" algn="ctr">
+                      <a:solidFill>
+                        <a:schemeClr val="tx1"/>
+                      </a:solidFill>
+                      <a:prstDash val="solid"/>
+                      <a:round/>
+                      <a:headEnd type="none" w="med" len="med"/>
+                      <a:tailEnd type="none" w="med" len="med"/>
+                    </a:lnL>
+                    <a:lnR w="12700" cap="flat" cmpd="sng" algn="ctr">
+                      <a:solidFill>
+                        <a:schemeClr val="tx1"/>
+                      </a:solidFill>
+                      <a:prstDash val="solid"/>
+                      <a:round/>
+                      <a:headEnd type="none" w="med" len="med"/>
+                      <a:tailEnd type="none" w="med" len="med"/>
+                    </a:lnR>
+                    <a:lnT w="12700" cap="flat" cmpd="sng" algn="ctr">
+                      <a:solidFill>
+                        <a:schemeClr val="tx1"/>
+                      </a:solidFill>
+                      <a:prstDash val="solid"/>
+                      <a:round/>
+                      <a:headEnd type="none" w="med" len="med"/>
+                      <a:tailEnd type="none" w="med" len="med"/>
+                    </a:lnT>
+                    <a:lnB w="12700" cap="flat" cmpd="sng" algn="ctr">
+                      <a:solidFill>
+                        <a:schemeClr val="tx1"/>
+                      </a:solidFill>
+                      <a:prstDash val="solid"/>
+                      <a:round/>
+                      <a:headEnd type="none" w="med" len="med"/>
+                      <a:tailEnd type="none" w="med" len="med"/>
+                    </a:lnB>
+                    <a:solidFill>
+                      <a:schemeClr val="bg1">
+                        <a:lumMod val="95000"/>
+                      </a:schemeClr>
+                    </a:solidFill>
+                  </a:tcPr>
+                </a:tc>
+                <a:tc>
+                  <a:txBody>
+                    <a:bodyPr/>
+                    <a:lstStyle/>
+                    <a:p>
+                      <a:pPr latinLnBrk="1"/>
+                      <a:endParaRPr lang="ko-KR" altLang="en-US" dirty="0"/>
+                    </a:p>
+                  </a:txBody>
+                  <a:tcPr>
+                    <a:lnL w="12700" cap="flat" cmpd="sng" algn="ctr">
+                      <a:solidFill>
+                        <a:schemeClr val="tx1"/>
+                      </a:solidFill>
+                      <a:prstDash val="solid"/>
+                      <a:round/>
+                      <a:headEnd type="none" w="med" len="med"/>
+                      <a:tailEnd type="none" w="med" len="med"/>
+                    </a:lnL>
+                    <a:lnR w="12700" cap="flat" cmpd="sng" algn="ctr">
+                      <a:solidFill>
+                        <a:schemeClr val="tx1"/>
+                      </a:solidFill>
+                      <a:prstDash val="solid"/>
+                      <a:round/>
+                      <a:headEnd type="none" w="med" len="med"/>
+                      <a:tailEnd type="none" w="med" len="med"/>
+                    </a:lnR>
+                    <a:lnT w="12700" cap="flat" cmpd="sng" algn="ctr">
+                      <a:solidFill>
+                        <a:schemeClr val="tx1"/>
+                      </a:solidFill>
+                      <a:prstDash val="solid"/>
+                      <a:round/>
+                      <a:headEnd type="none" w="med" len="med"/>
+                      <a:tailEnd type="none" w="med" len="med"/>
+                    </a:lnT>
+                    <a:lnB w="12700" cap="flat" cmpd="sng" algn="ctr">
+                      <a:solidFill>
+                        <a:schemeClr val="tx1"/>
+                      </a:solidFill>
+                      <a:prstDash val="solid"/>
+                      <a:round/>
+                      <a:headEnd type="none" w="med" len="med"/>
+                      <a:tailEnd type="none" w="med" len="med"/>
+                    </a:lnB>
+                    <a:solidFill>
+                      <a:schemeClr val="bg1">
+                        <a:lumMod val="95000"/>
+                      </a:schemeClr>
+                    </a:solidFill>
+                  </a:tcPr>
+                </a:tc>
+                <a:tc>
+                  <a:txBody>
+                    <a:bodyPr/>
+                    <a:lstStyle/>
+                    <a:p>
+                      <a:pPr latinLnBrk="1"/>
+                      <a:endParaRPr lang="ko-KR" altLang="en-US" dirty="0"/>
+                    </a:p>
+                  </a:txBody>
+                  <a:tcPr>
+                    <a:lnL w="12700" cap="flat" cmpd="sng" algn="ctr">
+                      <a:solidFill>
+                        <a:schemeClr val="tx1"/>
+                      </a:solidFill>
+                      <a:prstDash val="solid"/>
+                      <a:round/>
+                      <a:headEnd type="none" w="med" len="med"/>
+                      <a:tailEnd type="none" w="med" len="med"/>
+                    </a:lnL>
+                    <a:lnR w="12700" cap="flat" cmpd="sng" algn="ctr">
+                      <a:solidFill>
+                        <a:schemeClr val="tx1"/>
+                      </a:solidFill>
+                      <a:prstDash val="solid"/>
+                      <a:round/>
+                      <a:headEnd type="none" w="med" len="med"/>
+                      <a:tailEnd type="none" w="med" len="med"/>
+                    </a:lnR>
+                    <a:lnT w="12700" cap="flat" cmpd="sng" algn="ctr">
+                      <a:solidFill>
+                        <a:schemeClr val="tx1"/>
+                      </a:solidFill>
+                      <a:prstDash val="solid"/>
+                      <a:round/>
+                      <a:headEnd type="none" w="med" len="med"/>
+                      <a:tailEnd type="none" w="med" len="med"/>
+                    </a:lnT>
+                    <a:lnB w="12700" cap="flat" cmpd="sng" algn="ctr">
+                      <a:solidFill>
+                        <a:schemeClr val="tx1"/>
+                      </a:solidFill>
+                      <a:prstDash val="solid"/>
+                      <a:round/>
+                      <a:headEnd type="none" w="med" len="med"/>
+                      <a:tailEnd type="none" w="med" len="med"/>
+                    </a:lnB>
+                    <a:solidFill>
+                      <a:schemeClr val="bg1">
+                        <a:lumMod val="95000"/>
+                      </a:schemeClr>
+                    </a:solidFill>
+                  </a:tcPr>
+                </a:tc>
+                <a:tc>
+                  <a:txBody>
+                    <a:bodyPr/>
+                    <a:lstStyle/>
+                    <a:p>
+                      <a:pPr latinLnBrk="1"/>
+                      <a:endParaRPr lang="ko-KR" altLang="en-US" dirty="0"/>
+                    </a:p>
+                  </a:txBody>
+                  <a:tcPr>
+                    <a:lnL w="12700" cap="flat" cmpd="sng" algn="ctr">
+                      <a:solidFill>
+                        <a:schemeClr val="tx1"/>
+                      </a:solidFill>
+                      <a:prstDash val="solid"/>
+                      <a:round/>
+                      <a:headEnd type="none" w="med" len="med"/>
+                      <a:tailEnd type="none" w="med" len="med"/>
+                    </a:lnL>
+                    <a:lnR w="12700" cap="flat" cmpd="sng" algn="ctr">
+                      <a:solidFill>
+                        <a:schemeClr val="tx1"/>
+                      </a:solidFill>
+                      <a:prstDash val="solid"/>
+                      <a:round/>
+                      <a:headEnd type="none" w="med" len="med"/>
+                      <a:tailEnd type="none" w="med" len="med"/>
+                    </a:lnR>
+                    <a:lnT w="12700" cap="flat" cmpd="sng" algn="ctr">
+                      <a:solidFill>
+                        <a:schemeClr val="tx1"/>
+                      </a:solidFill>
+                      <a:prstDash val="solid"/>
+                      <a:round/>
+                      <a:headEnd type="none" w="med" len="med"/>
+                      <a:tailEnd type="none" w="med" len="med"/>
+                    </a:lnT>
+                    <a:lnB w="12700" cap="flat" cmpd="sng" algn="ctr">
+                      <a:solidFill>
+                        <a:schemeClr val="tx1"/>
+                      </a:solidFill>
+                      <a:prstDash val="solid"/>
+                      <a:round/>
+                      <a:headEnd type="none" w="med" len="med"/>
+                      <a:tailEnd type="none" w="med" len="med"/>
+                    </a:lnB>
+                    <a:solidFill>
+                      <a:schemeClr val="bg1">
+                        <a:lumMod val="95000"/>
+                      </a:schemeClr>
+                    </a:solidFill>
+                  </a:tcPr>
+                </a:tc>
+                <a:tc>
+                  <a:txBody>
+                    <a:bodyPr/>
+                    <a:lstStyle/>
+                    <a:p>
+                      <a:pPr latinLnBrk="1"/>
+                      <a:endParaRPr lang="ko-KR" altLang="en-US" dirty="0"/>
+                    </a:p>
+                  </a:txBody>
+                  <a:tcPr>
+                    <a:lnL w="12700" cap="flat" cmpd="sng" algn="ctr">
+                      <a:solidFill>
+                        <a:schemeClr val="tx1"/>
+                      </a:solidFill>
+                      <a:prstDash val="solid"/>
+                      <a:round/>
+                      <a:headEnd type="none" w="med" len="med"/>
+                      <a:tailEnd type="none" w="med" len="med"/>
+                    </a:lnL>
+                    <a:lnR w="12700" cap="flat" cmpd="sng" algn="ctr">
+                      <a:solidFill>
+                        <a:schemeClr val="tx1"/>
+                      </a:solidFill>
+                      <a:prstDash val="solid"/>
+                      <a:round/>
+                      <a:headEnd type="none" w="med" len="med"/>
+                      <a:tailEnd type="none" w="med" len="med"/>
+                    </a:lnR>
+                    <a:lnT w="12700" cap="flat" cmpd="sng" algn="ctr">
+                      <a:solidFill>
+                        <a:schemeClr val="tx1"/>
+                      </a:solidFill>
+                      <a:prstDash val="solid"/>
+                      <a:round/>
+                      <a:headEnd type="none" w="med" len="med"/>
+                      <a:tailEnd type="none" w="med" len="med"/>
+                    </a:lnT>
+                    <a:lnB w="12700" cap="flat" cmpd="sng" algn="ctr">
+                      <a:solidFill>
+                        <a:schemeClr val="tx1"/>
+                      </a:solidFill>
+                      <a:prstDash val="solid"/>
+                      <a:round/>
+                      <a:headEnd type="none" w="med" len="med"/>
+                      <a:tailEnd type="none" w="med" len="med"/>
+                    </a:lnB>
+                    <a:solidFill>
+                      <a:schemeClr val="bg1">
+                        <a:lumMod val="95000"/>
+                      </a:schemeClr>
+                    </a:solidFill>
+                  </a:tcPr>
+                </a:tc>
+                <a:tc>
+                  <a:txBody>
+                    <a:bodyPr/>
+                    <a:lstStyle/>
+                    <a:p>
+                      <a:pPr latinLnBrk="1"/>
+                      <a:endParaRPr lang="ko-KR" altLang="en-US"/>
+                    </a:p>
+                  </a:txBody>
+                  <a:tcPr>
+                    <a:lnL w="12700" cap="flat" cmpd="sng" algn="ctr">
+                      <a:solidFill>
+                        <a:schemeClr val="tx1"/>
+                      </a:solidFill>
+                      <a:prstDash val="solid"/>
+                      <a:round/>
+                      <a:headEnd type="none" w="med" len="med"/>
+                      <a:tailEnd type="none" w="med" len="med"/>
+                    </a:lnL>
+                    <a:lnR w="12700" cap="flat" cmpd="sng" algn="ctr">
+                      <a:solidFill>
+                        <a:schemeClr val="tx1"/>
+                      </a:solidFill>
+                      <a:prstDash val="solid"/>
+                      <a:round/>
+                      <a:headEnd type="none" w="med" len="med"/>
+                      <a:tailEnd type="none" w="med" len="med"/>
+                    </a:lnR>
+                    <a:lnT w="12700" cap="flat" cmpd="sng" algn="ctr">
+                      <a:solidFill>
+                        <a:schemeClr val="tx1"/>
+                      </a:solidFill>
+                      <a:prstDash val="solid"/>
+                      <a:round/>
+                      <a:headEnd type="none" w="med" len="med"/>
+                      <a:tailEnd type="none" w="med" len="med"/>
+                    </a:lnT>
+                    <a:lnB w="12700" cap="flat" cmpd="sng" algn="ctr">
+                      <a:solidFill>
+                        <a:schemeClr val="tx1"/>
+                      </a:solidFill>
+                      <a:prstDash val="solid"/>
+                      <a:round/>
+                      <a:headEnd type="none" w="med" len="med"/>
+                      <a:tailEnd type="none" w="med" len="med"/>
+                    </a:lnB>
+                    <a:solidFill>
+                      <a:schemeClr val="bg1">
+                        <a:lumMod val="95000"/>
+                      </a:schemeClr>
+                    </a:solidFill>
+                  </a:tcPr>
+                </a:tc>
+                <a:extLst>
+                  <a:ext uri="{0D108BD9-81ED-4DB2-BD59-A6C34878D82A}">
+                    <a16:rowId xmlns:a16="http://schemas.microsoft.com/office/drawing/2014/main" val="2260944037"/>
+                  </a:ext>
+                </a:extLst>
+              </a:tr>
+              <a:tr h="427567">
+                <a:tc>
+                  <a:txBody>
+                    <a:bodyPr/>
+                    <a:lstStyle/>
+                    <a:p>
+                      <a:pPr latinLnBrk="1"/>
+                      <a:endParaRPr lang="ko-KR" altLang="en-US"/>
+                    </a:p>
+                  </a:txBody>
+                  <a:tcPr>
+                    <a:lnL w="12700" cap="flat" cmpd="sng" algn="ctr">
+                      <a:solidFill>
+                        <a:schemeClr val="tx1"/>
+                      </a:solidFill>
+                      <a:prstDash val="solid"/>
+                      <a:round/>
+                      <a:headEnd type="none" w="med" len="med"/>
+                      <a:tailEnd type="none" w="med" len="med"/>
+                    </a:lnL>
+                    <a:lnR w="12700" cap="flat" cmpd="sng" algn="ctr">
+                      <a:solidFill>
+                        <a:schemeClr val="tx1"/>
+                      </a:solidFill>
+                      <a:prstDash val="solid"/>
+                      <a:round/>
+                      <a:headEnd type="none" w="med" len="med"/>
+                      <a:tailEnd type="none" w="med" len="med"/>
+                    </a:lnR>
+                    <a:lnT w="12700" cap="flat" cmpd="sng" algn="ctr">
+                      <a:solidFill>
+                        <a:schemeClr val="tx1"/>
+                      </a:solidFill>
+                      <a:prstDash val="solid"/>
+                      <a:round/>
+                      <a:headEnd type="none" w="med" len="med"/>
+                      <a:tailEnd type="none" w="med" len="med"/>
+                    </a:lnT>
+                    <a:lnB w="12700" cap="flat" cmpd="sng" algn="ctr">
+                      <a:solidFill>
+                        <a:schemeClr val="tx1"/>
+                      </a:solidFill>
+                      <a:prstDash val="solid"/>
+                      <a:round/>
+                      <a:headEnd type="none" w="med" len="med"/>
+                      <a:tailEnd type="none" w="med" len="med"/>
+                    </a:lnB>
+                    <a:solidFill>
+                      <a:schemeClr val="bg1">
+                        <a:lumMod val="95000"/>
+                      </a:schemeClr>
+                    </a:solidFill>
+                  </a:tcPr>
+                </a:tc>
+                <a:tc>
+                  <a:txBody>
+                    <a:bodyPr/>
+                    <a:lstStyle/>
+                    <a:p>
+                      <a:pPr latinLnBrk="1"/>
+                      <a:endParaRPr lang="ko-KR" altLang="en-US"/>
+                    </a:p>
+                  </a:txBody>
+                  <a:tcPr>
+                    <a:lnL w="12700" cap="flat" cmpd="sng" algn="ctr">
+                      <a:solidFill>
+                        <a:schemeClr val="tx1"/>
+                      </a:solidFill>
+                      <a:prstDash val="solid"/>
+                      <a:round/>
+                      <a:headEnd type="none" w="med" len="med"/>
+                      <a:tailEnd type="none" w="med" len="med"/>
+                    </a:lnL>
+                    <a:lnR w="12700" cap="flat" cmpd="sng" algn="ctr">
+                      <a:solidFill>
+                        <a:schemeClr val="tx1"/>
+                      </a:solidFill>
+                      <a:prstDash val="solid"/>
+                      <a:round/>
+                      <a:headEnd type="none" w="med" len="med"/>
+                      <a:tailEnd type="none" w="med" len="med"/>
+                    </a:lnR>
+                    <a:lnT w="12700" cap="flat" cmpd="sng" algn="ctr">
+                      <a:solidFill>
+                        <a:schemeClr val="tx1"/>
+                      </a:solidFill>
+                      <a:prstDash val="solid"/>
+                      <a:round/>
+                      <a:headEnd type="none" w="med" len="med"/>
+                      <a:tailEnd type="none" w="med" len="med"/>
+                    </a:lnT>
+                    <a:lnB w="12700" cap="flat" cmpd="sng" algn="ctr">
+                      <a:solidFill>
+                        <a:schemeClr val="tx1"/>
+                      </a:solidFill>
+                      <a:prstDash val="solid"/>
+                      <a:round/>
+                      <a:headEnd type="none" w="med" len="med"/>
+                      <a:tailEnd type="none" w="med" len="med"/>
+                    </a:lnB>
+                    <a:solidFill>
+                      <a:schemeClr val="bg1">
+                        <a:lumMod val="95000"/>
+                      </a:schemeClr>
+                    </a:solidFill>
+                  </a:tcPr>
+                </a:tc>
+                <a:tc>
+                  <a:txBody>
+                    <a:bodyPr/>
+                    <a:lstStyle/>
+                    <a:p>
+                      <a:pPr latinLnBrk="1"/>
+                      <a:endParaRPr lang="ko-KR" altLang="en-US"/>
+                    </a:p>
+                  </a:txBody>
+                  <a:tcPr>
+                    <a:lnL w="12700" cap="flat" cmpd="sng" algn="ctr">
+                      <a:solidFill>
+                        <a:schemeClr val="tx1"/>
+                      </a:solidFill>
+                      <a:prstDash val="solid"/>
+                      <a:round/>
+                      <a:headEnd type="none" w="med" len="med"/>
+                      <a:tailEnd type="none" w="med" len="med"/>
+                    </a:lnL>
+                    <a:lnR w="12700" cap="flat" cmpd="sng" algn="ctr">
+                      <a:solidFill>
+                        <a:schemeClr val="tx1"/>
+                      </a:solidFill>
+                      <a:prstDash val="solid"/>
+                      <a:round/>
+                      <a:headEnd type="none" w="med" len="med"/>
+                      <a:tailEnd type="none" w="med" len="med"/>
+                    </a:lnR>
+                    <a:lnT w="12700" cap="flat" cmpd="sng" algn="ctr">
+                      <a:solidFill>
+                        <a:schemeClr val="tx1"/>
+                      </a:solidFill>
+                      <a:prstDash val="solid"/>
+                      <a:round/>
+                      <a:headEnd type="none" w="med" len="med"/>
+                      <a:tailEnd type="none" w="med" len="med"/>
+                    </a:lnT>
+                    <a:lnB w="12700" cap="flat" cmpd="sng" algn="ctr">
+                      <a:solidFill>
+                        <a:schemeClr val="tx1"/>
+                      </a:solidFill>
+                      <a:prstDash val="solid"/>
+                      <a:round/>
+                      <a:headEnd type="none" w="med" len="med"/>
+                      <a:tailEnd type="none" w="med" len="med"/>
+                    </a:lnB>
+                    <a:solidFill>
+                      <a:schemeClr val="bg1">
+                        <a:lumMod val="95000"/>
+                      </a:schemeClr>
+                    </a:solidFill>
+                  </a:tcPr>
+                </a:tc>
+                <a:tc>
+                  <a:txBody>
+                    <a:bodyPr/>
+                    <a:lstStyle/>
+                    <a:p>
+                      <a:pPr latinLnBrk="1"/>
+                      <a:endParaRPr lang="ko-KR" altLang="en-US"/>
+                    </a:p>
+                  </a:txBody>
+                  <a:tcPr>
+                    <a:lnL w="12700" cap="flat" cmpd="sng" algn="ctr">
+                      <a:solidFill>
+                        <a:schemeClr val="tx1"/>
+                      </a:solidFill>
+                      <a:prstDash val="solid"/>
+                      <a:round/>
+                      <a:headEnd type="none" w="med" len="med"/>
+                      <a:tailEnd type="none" w="med" len="med"/>
+                    </a:lnL>
+                    <a:lnR w="12700" cap="flat" cmpd="sng" algn="ctr">
+                      <a:solidFill>
+                        <a:schemeClr val="tx1"/>
+                      </a:solidFill>
+                      <a:prstDash val="solid"/>
+                      <a:round/>
+                      <a:headEnd type="none" w="med" len="med"/>
+                      <a:tailEnd type="none" w="med" len="med"/>
+                    </a:lnR>
+                    <a:lnT w="12700" cap="flat" cmpd="sng" algn="ctr">
+                      <a:solidFill>
+                        <a:schemeClr val="tx1"/>
+                      </a:solidFill>
+                      <a:prstDash val="solid"/>
+                      <a:round/>
+                      <a:headEnd type="none" w="med" len="med"/>
+                      <a:tailEnd type="none" w="med" len="med"/>
+                    </a:lnT>
+                    <a:lnB w="12700" cap="flat" cmpd="sng" algn="ctr">
+                      <a:solidFill>
+                        <a:schemeClr val="tx1"/>
+                      </a:solidFill>
+                      <a:prstDash val="solid"/>
+                      <a:round/>
+                      <a:headEnd type="none" w="med" len="med"/>
+                      <a:tailEnd type="none" w="med" len="med"/>
+                    </a:lnB>
+                    <a:solidFill>
+                      <a:schemeClr val="bg1">
+                        <a:lumMod val="95000"/>
+                      </a:schemeClr>
+                    </a:solidFill>
+                  </a:tcPr>
+                </a:tc>
+                <a:tc>
+                  <a:txBody>
+                    <a:bodyPr/>
+                    <a:lstStyle/>
+                    <a:p>
+                      <a:pPr latinLnBrk="1"/>
+                      <a:endParaRPr lang="ko-KR" altLang="en-US" dirty="0"/>
+                    </a:p>
+                  </a:txBody>
+                  <a:tcPr>
+                    <a:lnL w="12700" cap="flat" cmpd="sng" algn="ctr">
+                      <a:solidFill>
+                        <a:schemeClr val="tx1"/>
+                      </a:solidFill>
+                      <a:prstDash val="solid"/>
+                      <a:round/>
+                      <a:headEnd type="none" w="med" len="med"/>
+                      <a:tailEnd type="none" w="med" len="med"/>
+                    </a:lnL>
+                    <a:lnR w="12700" cap="flat" cmpd="sng" algn="ctr">
+                      <a:solidFill>
+                        <a:schemeClr val="tx1"/>
+                      </a:solidFill>
+                      <a:prstDash val="solid"/>
+                      <a:round/>
+                      <a:headEnd type="none" w="med" len="med"/>
+                      <a:tailEnd type="none" w="med" len="med"/>
+                    </a:lnR>
+                    <a:lnT w="12700" cap="flat" cmpd="sng" algn="ctr">
+                      <a:solidFill>
+                        <a:schemeClr val="tx1"/>
+                      </a:solidFill>
+                      <a:prstDash val="solid"/>
+                      <a:round/>
+                      <a:headEnd type="none" w="med" len="med"/>
+                      <a:tailEnd type="none" w="med" len="med"/>
+                    </a:lnT>
+                    <a:lnB w="12700" cap="flat" cmpd="sng" algn="ctr">
+                      <a:solidFill>
+                        <a:schemeClr val="tx1"/>
+                      </a:solidFill>
+                      <a:prstDash val="solid"/>
+                      <a:round/>
+                      <a:headEnd type="none" w="med" len="med"/>
+                      <a:tailEnd type="none" w="med" len="med"/>
+                    </a:lnB>
+                    <a:solidFill>
+                      <a:schemeClr val="bg1">
+                        <a:lumMod val="95000"/>
+                      </a:schemeClr>
+                    </a:solidFill>
+                  </a:tcPr>
+                </a:tc>
+                <a:tc>
+                  <a:txBody>
+                    <a:bodyPr/>
+                    <a:lstStyle/>
+                    <a:p>
+                      <a:pPr latinLnBrk="1"/>
+                      <a:endParaRPr lang="ko-KR" altLang="en-US" dirty="0"/>
+                    </a:p>
+                  </a:txBody>
+                  <a:tcPr>
+                    <a:lnL w="12700" cap="flat" cmpd="sng" algn="ctr">
+                      <a:solidFill>
+                        <a:schemeClr val="tx1"/>
+                      </a:solidFill>
+                      <a:prstDash val="solid"/>
+                      <a:round/>
+                      <a:headEnd type="none" w="med" len="med"/>
+                      <a:tailEnd type="none" w="med" len="med"/>
+                    </a:lnL>
+                    <a:lnR w="12700" cap="flat" cmpd="sng" algn="ctr">
+                      <a:solidFill>
+                        <a:schemeClr val="tx1"/>
+                      </a:solidFill>
+                      <a:prstDash val="solid"/>
+                      <a:round/>
+                      <a:headEnd type="none" w="med" len="med"/>
+                      <a:tailEnd type="none" w="med" len="med"/>
+                    </a:lnR>
+                    <a:lnT w="12700" cap="flat" cmpd="sng" algn="ctr">
+                      <a:solidFill>
+                        <a:schemeClr val="tx1"/>
+                      </a:solidFill>
+                      <a:prstDash val="solid"/>
+                      <a:round/>
+                      <a:headEnd type="none" w="med" len="med"/>
+                      <a:tailEnd type="none" w="med" len="med"/>
+                    </a:lnT>
+                    <a:lnB w="12700" cap="flat" cmpd="sng" algn="ctr">
+                      <a:solidFill>
+                        <a:schemeClr val="tx1"/>
+                      </a:solidFill>
+                      <a:prstDash val="solid"/>
+                      <a:round/>
+                      <a:headEnd type="none" w="med" len="med"/>
+                      <a:tailEnd type="none" w="med" len="med"/>
+                    </a:lnB>
+                    <a:solidFill>
+                      <a:schemeClr val="bg1">
+                        <a:lumMod val="95000"/>
+                      </a:schemeClr>
+                    </a:solidFill>
+                  </a:tcPr>
+                </a:tc>
+                <a:tc>
+                  <a:txBody>
+                    <a:bodyPr/>
+                    <a:lstStyle/>
+                    <a:p>
+                      <a:pPr latinLnBrk="1"/>
+                      <a:endParaRPr lang="ko-KR" altLang="en-US"/>
+                    </a:p>
+                  </a:txBody>
+                  <a:tcPr>
+                    <a:lnL w="12700" cap="flat" cmpd="sng" algn="ctr">
+                      <a:solidFill>
+                        <a:schemeClr val="tx1"/>
+                      </a:solidFill>
+                      <a:prstDash val="solid"/>
+                      <a:round/>
+                      <a:headEnd type="none" w="med" len="med"/>
+                      <a:tailEnd type="none" w="med" len="med"/>
+                    </a:lnL>
+                    <a:lnR w="12700" cap="flat" cmpd="sng" algn="ctr">
+                      <a:solidFill>
+                        <a:schemeClr val="tx1"/>
+                      </a:solidFill>
+                      <a:prstDash val="solid"/>
+                      <a:round/>
+                      <a:headEnd type="none" w="med" len="med"/>
+                      <a:tailEnd type="none" w="med" len="med"/>
+                    </a:lnR>
+                    <a:lnT w="12700" cap="flat" cmpd="sng" algn="ctr">
+                      <a:solidFill>
+                        <a:schemeClr val="tx1"/>
+                      </a:solidFill>
+                      <a:prstDash val="solid"/>
+                      <a:round/>
+                      <a:headEnd type="none" w="med" len="med"/>
+                      <a:tailEnd type="none" w="med" len="med"/>
+                    </a:lnT>
+                    <a:lnB w="12700" cap="flat" cmpd="sng" algn="ctr">
+                      <a:solidFill>
+                        <a:schemeClr val="tx1"/>
+                      </a:solidFill>
+                      <a:prstDash val="solid"/>
+                      <a:round/>
+                      <a:headEnd type="none" w="med" len="med"/>
+                      <a:tailEnd type="none" w="med" len="med"/>
+                    </a:lnB>
+                    <a:solidFill>
+                      <a:schemeClr val="bg1">
+                        <a:lumMod val="95000"/>
+                      </a:schemeClr>
+                    </a:solidFill>
+                  </a:tcPr>
+                </a:tc>
+                <a:tc>
+                  <a:txBody>
+                    <a:bodyPr/>
+                    <a:lstStyle/>
+                    <a:p>
+                      <a:pPr latinLnBrk="1"/>
+                      <a:endParaRPr lang="ko-KR" altLang="en-US"/>
+                    </a:p>
+                  </a:txBody>
+                  <a:tcPr>
+                    <a:lnL w="12700" cap="flat" cmpd="sng" algn="ctr">
+                      <a:solidFill>
+                        <a:schemeClr val="tx1"/>
+                      </a:solidFill>
+                      <a:prstDash val="solid"/>
+                      <a:round/>
+                      <a:headEnd type="none" w="med" len="med"/>
+                      <a:tailEnd type="none" w="med" len="med"/>
+                    </a:lnL>
+                    <a:lnR w="12700" cap="flat" cmpd="sng" algn="ctr">
+                      <a:solidFill>
+                        <a:schemeClr val="tx1"/>
+                      </a:solidFill>
+                      <a:prstDash val="solid"/>
+                      <a:round/>
+                      <a:headEnd type="none" w="med" len="med"/>
+                      <a:tailEnd type="none" w="med" len="med"/>
+                    </a:lnR>
+                    <a:lnT w="12700" cap="flat" cmpd="sng" algn="ctr">
+                      <a:solidFill>
+                        <a:schemeClr val="tx1"/>
+                      </a:solidFill>
+                      <a:prstDash val="solid"/>
+                      <a:round/>
+                      <a:headEnd type="none" w="med" len="med"/>
+                      <a:tailEnd type="none" w="med" len="med"/>
+                    </a:lnT>
+                    <a:lnB w="12700" cap="flat" cmpd="sng" algn="ctr">
+                      <a:solidFill>
+                        <a:schemeClr val="tx1"/>
+                      </a:solidFill>
+                      <a:prstDash val="solid"/>
+                      <a:round/>
+                      <a:headEnd type="none" w="med" len="med"/>
+                      <a:tailEnd type="none" w="med" len="med"/>
+                    </a:lnB>
+                    <a:solidFill>
+                      <a:schemeClr val="bg1">
+                        <a:lumMod val="95000"/>
+                      </a:schemeClr>
+                    </a:solidFill>
+                  </a:tcPr>
+                </a:tc>
+                <a:extLst>
+                  <a:ext uri="{0D108BD9-81ED-4DB2-BD59-A6C34878D82A}">
+                    <a16:rowId xmlns:a16="http://schemas.microsoft.com/office/drawing/2014/main" val="2765553195"/>
+                  </a:ext>
+                </a:extLst>
+              </a:tr>
+              <a:tr h="427567">
+                <a:tc>
+                  <a:txBody>
+                    <a:bodyPr/>
+                    <a:lstStyle/>
+                    <a:p>
+                      <a:pPr latinLnBrk="1"/>
+                      <a:endParaRPr lang="ko-KR" altLang="en-US"/>
+                    </a:p>
+                  </a:txBody>
+                  <a:tcPr>
+                    <a:lnL w="12700" cap="flat" cmpd="sng" algn="ctr">
+                      <a:solidFill>
+                        <a:schemeClr val="tx1"/>
+                      </a:solidFill>
+                      <a:prstDash val="solid"/>
+                      <a:round/>
+                      <a:headEnd type="none" w="med" len="med"/>
+                      <a:tailEnd type="none" w="med" len="med"/>
+                    </a:lnL>
+                    <a:lnR w="12700" cap="flat" cmpd="sng" algn="ctr">
+                      <a:solidFill>
+                        <a:schemeClr val="tx1"/>
+                      </a:solidFill>
+                      <a:prstDash val="solid"/>
+                      <a:round/>
+                      <a:headEnd type="none" w="med" len="med"/>
+                      <a:tailEnd type="none" w="med" len="med"/>
+                    </a:lnR>
+                    <a:lnT w="12700" cap="flat" cmpd="sng" algn="ctr">
+                      <a:solidFill>
+                        <a:schemeClr val="tx1"/>
+                      </a:solidFill>
+                      <a:prstDash val="solid"/>
+                      <a:round/>
+                      <a:headEnd type="none" w="med" len="med"/>
+                      <a:tailEnd type="none" w="med" len="med"/>
+                    </a:lnT>
+                    <a:lnB w="12700" cap="flat" cmpd="sng" algn="ctr">
+                      <a:solidFill>
+                        <a:schemeClr val="tx1"/>
+                      </a:solidFill>
+                      <a:prstDash val="solid"/>
+                      <a:round/>
+                      <a:headEnd type="none" w="med" len="med"/>
+                      <a:tailEnd type="none" w="med" len="med"/>
+                    </a:lnB>
+                    <a:solidFill>
+                      <a:schemeClr val="bg1">
+                        <a:lumMod val="95000"/>
+                      </a:schemeClr>
+                    </a:solidFill>
+                  </a:tcPr>
+                </a:tc>
+                <a:tc>
+                  <a:txBody>
+                    <a:bodyPr/>
+                    <a:lstStyle/>
+                    <a:p>
+                      <a:pPr latinLnBrk="1"/>
+                      <a:endParaRPr lang="ko-KR" altLang="en-US"/>
+                    </a:p>
+                  </a:txBody>
+                  <a:tcPr>
+                    <a:lnL w="12700" cap="flat" cmpd="sng" algn="ctr">
+                      <a:solidFill>
+                        <a:schemeClr val="tx1"/>
+                      </a:solidFill>
+                      <a:prstDash val="solid"/>
+                      <a:round/>
+                      <a:headEnd type="none" w="med" len="med"/>
+                      <a:tailEnd type="none" w="med" len="med"/>
+                    </a:lnL>
+                    <a:lnR w="12700" cap="flat" cmpd="sng" algn="ctr">
+                      <a:solidFill>
+                        <a:schemeClr val="tx1"/>
+                      </a:solidFill>
+                      <a:prstDash val="solid"/>
+                      <a:round/>
+                      <a:headEnd type="none" w="med" len="med"/>
+                      <a:tailEnd type="none" w="med" len="med"/>
+                    </a:lnR>
+                    <a:lnT w="12700" cap="flat" cmpd="sng" algn="ctr">
+                      <a:solidFill>
+                        <a:schemeClr val="tx1"/>
+                      </a:solidFill>
+                      <a:prstDash val="solid"/>
+                      <a:round/>
+                      <a:headEnd type="none" w="med" len="med"/>
+                      <a:tailEnd type="none" w="med" len="med"/>
+                    </a:lnT>
+                    <a:lnB w="12700" cap="flat" cmpd="sng" algn="ctr">
+                      <a:solidFill>
+                        <a:schemeClr val="tx1"/>
+                      </a:solidFill>
+                      <a:prstDash val="solid"/>
+                      <a:round/>
+                      <a:headEnd type="none" w="med" len="med"/>
+                      <a:tailEnd type="none" w="med" len="med"/>
+                    </a:lnB>
+                    <a:solidFill>
+                      <a:schemeClr val="bg1">
+                        <a:lumMod val="95000"/>
+                      </a:schemeClr>
+                    </a:solidFill>
+                  </a:tcPr>
+                </a:tc>
+                <a:tc>
+                  <a:txBody>
+                    <a:bodyPr/>
+                    <a:lstStyle/>
+                    <a:p>
+                      <a:pPr latinLnBrk="1"/>
+                      <a:endParaRPr lang="ko-KR" altLang="en-US"/>
+                    </a:p>
+                  </a:txBody>
+                  <a:tcPr>
+                    <a:lnL w="12700" cap="flat" cmpd="sng" algn="ctr">
+                      <a:solidFill>
+                        <a:schemeClr val="tx1"/>
+                      </a:solidFill>
+                      <a:prstDash val="solid"/>
+                      <a:round/>
+                      <a:headEnd type="none" w="med" len="med"/>
+                      <a:tailEnd type="none" w="med" len="med"/>
+                    </a:lnL>
+                    <a:lnR w="12700" cap="flat" cmpd="sng" algn="ctr">
+                      <a:solidFill>
+                        <a:schemeClr val="tx1"/>
+                      </a:solidFill>
+                      <a:prstDash val="solid"/>
+                      <a:round/>
+                      <a:headEnd type="none" w="med" len="med"/>
+                      <a:tailEnd type="none" w="med" len="med"/>
+                    </a:lnR>
+                    <a:lnT w="12700" cap="flat" cmpd="sng" algn="ctr">
+                      <a:solidFill>
+                        <a:schemeClr val="tx1"/>
+                      </a:solidFill>
+                      <a:prstDash val="solid"/>
+                      <a:round/>
+                      <a:headEnd type="none" w="med" len="med"/>
+                      <a:tailEnd type="none" w="med" len="med"/>
+                    </a:lnT>
+                    <a:lnB w="12700" cap="flat" cmpd="sng" algn="ctr">
+                      <a:solidFill>
+                        <a:schemeClr val="tx1"/>
+                      </a:solidFill>
+                      <a:prstDash val="solid"/>
+                      <a:round/>
+                      <a:headEnd type="none" w="med" len="med"/>
+                      <a:tailEnd type="none" w="med" len="med"/>
+                    </a:lnB>
+                    <a:solidFill>
+                      <a:schemeClr val="bg1">
+                        <a:lumMod val="95000"/>
+                      </a:schemeClr>
+                    </a:solidFill>
+                  </a:tcPr>
+                </a:tc>
+                <a:tc>
+                  <a:txBody>
+                    <a:bodyPr/>
+                    <a:lstStyle/>
+                    <a:p>
+                      <a:pPr latinLnBrk="1"/>
+                      <a:endParaRPr lang="ko-KR" altLang="en-US"/>
+                    </a:p>
+                  </a:txBody>
+                  <a:tcPr>
+                    <a:lnL w="12700" cap="flat" cmpd="sng" algn="ctr">
+                      <a:solidFill>
+                        <a:schemeClr val="tx1"/>
+                      </a:solidFill>
+                      <a:prstDash val="solid"/>
+                      <a:round/>
+                      <a:headEnd type="none" w="med" len="med"/>
+                      <a:tailEnd type="none" w="med" len="med"/>
+                    </a:lnL>
+                    <a:lnR w="12700" cap="flat" cmpd="sng" algn="ctr">
+                      <a:solidFill>
+                        <a:schemeClr val="tx1"/>
+                      </a:solidFill>
+                      <a:prstDash val="solid"/>
+                      <a:round/>
+                      <a:headEnd type="none" w="med" len="med"/>
+                      <a:tailEnd type="none" w="med" len="med"/>
+                    </a:lnR>
+                    <a:lnT w="12700" cap="flat" cmpd="sng" algn="ctr">
+                      <a:solidFill>
+                        <a:schemeClr val="tx1"/>
+                      </a:solidFill>
+                      <a:prstDash val="solid"/>
+                      <a:round/>
+                      <a:headEnd type="none" w="med" len="med"/>
+                      <a:tailEnd type="none" w="med" len="med"/>
+                    </a:lnT>
+                    <a:lnB w="12700" cap="flat" cmpd="sng" algn="ctr">
+                      <a:solidFill>
+                        <a:schemeClr val="tx1"/>
+                      </a:solidFill>
+                      <a:prstDash val="solid"/>
+                      <a:round/>
+                      <a:headEnd type="none" w="med" len="med"/>
+                      <a:tailEnd type="none" w="med" len="med"/>
+                    </a:lnB>
+                    <a:solidFill>
+                      <a:schemeClr val="bg1">
+                        <a:lumMod val="95000"/>
+                      </a:schemeClr>
+                    </a:solidFill>
+                  </a:tcPr>
+                </a:tc>
+                <a:tc>
+                  <a:txBody>
+                    <a:bodyPr/>
+                    <a:lstStyle/>
+                    <a:p>
+                      <a:pPr latinLnBrk="1"/>
+                      <a:endParaRPr lang="ko-KR" altLang="en-US" dirty="0"/>
+                    </a:p>
+                  </a:txBody>
+                  <a:tcPr>
+                    <a:lnL w="12700" cap="flat" cmpd="sng" algn="ctr">
+                      <a:solidFill>
+                        <a:schemeClr val="tx1"/>
+                      </a:solidFill>
+                      <a:prstDash val="solid"/>
+                      <a:round/>
+                      <a:headEnd type="none" w="med" len="med"/>
+                      <a:tailEnd type="none" w="med" len="med"/>
+                    </a:lnL>
+                    <a:lnR w="12700" cap="flat" cmpd="sng" algn="ctr">
+                      <a:solidFill>
+                        <a:schemeClr val="tx1"/>
+                      </a:solidFill>
+                      <a:prstDash val="solid"/>
+                      <a:round/>
+                      <a:headEnd type="none" w="med" len="med"/>
+                      <a:tailEnd type="none" w="med" len="med"/>
+                    </a:lnR>
+                    <a:lnT w="12700" cap="flat" cmpd="sng" algn="ctr">
+                      <a:solidFill>
+                        <a:schemeClr val="tx1"/>
+                      </a:solidFill>
+                      <a:prstDash val="solid"/>
+                      <a:round/>
+                      <a:headEnd type="none" w="med" len="med"/>
+                      <a:tailEnd type="none" w="med" len="med"/>
+                    </a:lnT>
+                    <a:lnB w="12700" cap="flat" cmpd="sng" algn="ctr">
+                      <a:solidFill>
+                        <a:schemeClr val="tx1"/>
+                      </a:solidFill>
+                      <a:prstDash val="solid"/>
+                      <a:round/>
+                      <a:headEnd type="none" w="med" len="med"/>
+                      <a:tailEnd type="none" w="med" len="med"/>
+                    </a:lnB>
+                    <a:solidFill>
+                      <a:schemeClr val="bg1">
+                        <a:lumMod val="95000"/>
+                      </a:schemeClr>
+                    </a:solidFill>
+                  </a:tcPr>
+                </a:tc>
+                <a:tc>
+                  <a:txBody>
+                    <a:bodyPr/>
+                    <a:lstStyle/>
+                    <a:p>
+                      <a:pPr latinLnBrk="1"/>
+                      <a:endParaRPr lang="ko-KR" altLang="en-US" dirty="0"/>
+                    </a:p>
+                  </a:txBody>
+                  <a:tcPr>
+                    <a:lnL w="12700" cap="flat" cmpd="sng" algn="ctr">
+                      <a:solidFill>
+                        <a:schemeClr val="tx1"/>
+                      </a:solidFill>
+                      <a:prstDash val="solid"/>
+                      <a:round/>
+                      <a:headEnd type="none" w="med" len="med"/>
+                      <a:tailEnd type="none" w="med" len="med"/>
+                    </a:lnL>
+                    <a:lnR w="12700" cap="flat" cmpd="sng" algn="ctr">
+                      <a:solidFill>
+                        <a:schemeClr val="tx1"/>
+                      </a:solidFill>
+                      <a:prstDash val="solid"/>
+                      <a:round/>
+                      <a:headEnd type="none" w="med" len="med"/>
+                      <a:tailEnd type="none" w="med" len="med"/>
+                    </a:lnR>
+                    <a:lnT w="12700" cap="flat" cmpd="sng" algn="ctr">
+                      <a:solidFill>
+                        <a:schemeClr val="tx1"/>
+                      </a:solidFill>
+                      <a:prstDash val="solid"/>
+                      <a:round/>
+                      <a:headEnd type="none" w="med" len="med"/>
+                      <a:tailEnd type="none" w="med" len="med"/>
+                    </a:lnT>
+                    <a:lnB w="12700" cap="flat" cmpd="sng" algn="ctr">
+                      <a:solidFill>
+                        <a:schemeClr val="tx1"/>
+                      </a:solidFill>
+                      <a:prstDash val="solid"/>
+                      <a:round/>
+                      <a:headEnd type="none" w="med" len="med"/>
+                      <a:tailEnd type="none" w="med" len="med"/>
+                    </a:lnB>
+                    <a:solidFill>
+                      <a:schemeClr val="bg1">
+                        <a:lumMod val="95000"/>
+                      </a:schemeClr>
+                    </a:solidFill>
+                  </a:tcPr>
+                </a:tc>
+                <a:tc>
+                  <a:txBody>
+                    <a:bodyPr/>
+                    <a:lstStyle/>
+                    <a:p>
+                      <a:pPr latinLnBrk="1"/>
+                      <a:endParaRPr lang="ko-KR" altLang="en-US"/>
+                    </a:p>
+                  </a:txBody>
+                  <a:tcPr>
+                    <a:lnL w="12700" cap="flat" cmpd="sng" algn="ctr">
+                      <a:solidFill>
+                        <a:schemeClr val="tx1"/>
+                      </a:solidFill>
+                      <a:prstDash val="solid"/>
+                      <a:round/>
+                      <a:headEnd type="none" w="med" len="med"/>
+                      <a:tailEnd type="none" w="med" len="med"/>
+                    </a:lnL>
+                    <a:lnR w="12700" cap="flat" cmpd="sng" algn="ctr">
+                      <a:solidFill>
+                        <a:schemeClr val="tx1"/>
+                      </a:solidFill>
+                      <a:prstDash val="solid"/>
+                      <a:round/>
+                      <a:headEnd type="none" w="med" len="med"/>
+                      <a:tailEnd type="none" w="med" len="med"/>
+                    </a:lnR>
+                    <a:lnT w="12700" cap="flat" cmpd="sng" algn="ctr">
+                      <a:solidFill>
+                        <a:schemeClr val="tx1"/>
+                      </a:solidFill>
+                      <a:prstDash val="solid"/>
+                      <a:round/>
+                      <a:headEnd type="none" w="med" len="med"/>
+                      <a:tailEnd type="none" w="med" len="med"/>
+                    </a:lnT>
+                    <a:lnB w="12700" cap="flat" cmpd="sng" algn="ctr">
+                      <a:solidFill>
+                        <a:schemeClr val="tx1"/>
+                      </a:solidFill>
+                      <a:prstDash val="solid"/>
+                      <a:round/>
+                      <a:headEnd type="none" w="med" len="med"/>
+                      <a:tailEnd type="none" w="med" len="med"/>
+                    </a:lnB>
+                    <a:solidFill>
+                      <a:schemeClr val="bg1">
+                        <a:lumMod val="95000"/>
+                      </a:schemeClr>
+                    </a:solidFill>
+                  </a:tcPr>
+                </a:tc>
+                <a:tc>
+                  <a:txBody>
+                    <a:bodyPr/>
+                    <a:lstStyle/>
+                    <a:p>
+                      <a:pPr latinLnBrk="1"/>
+                      <a:endParaRPr lang="ko-KR" altLang="en-US"/>
+                    </a:p>
+                  </a:txBody>
+                  <a:tcPr>
+                    <a:lnL w="12700" cap="flat" cmpd="sng" algn="ctr">
+                      <a:solidFill>
+                        <a:schemeClr val="tx1"/>
+                      </a:solidFill>
+                      <a:prstDash val="solid"/>
+                      <a:round/>
+                      <a:headEnd type="none" w="med" len="med"/>
+                      <a:tailEnd type="none" w="med" len="med"/>
+                    </a:lnL>
+                    <a:lnR w="12700" cap="flat" cmpd="sng" algn="ctr">
+                      <a:solidFill>
+                        <a:schemeClr val="tx1"/>
+                      </a:solidFill>
+                      <a:prstDash val="solid"/>
+                      <a:round/>
+                      <a:headEnd type="none" w="med" len="med"/>
+                      <a:tailEnd type="none" w="med" len="med"/>
+                    </a:lnR>
+                    <a:lnT w="12700" cap="flat" cmpd="sng" algn="ctr">
+                      <a:solidFill>
+                        <a:schemeClr val="tx1"/>
+                      </a:solidFill>
+                      <a:prstDash val="solid"/>
+                      <a:round/>
+                      <a:headEnd type="none" w="med" len="med"/>
+                      <a:tailEnd type="none" w="med" len="med"/>
+                    </a:lnT>
+                    <a:lnB w="12700" cap="flat" cmpd="sng" algn="ctr">
+                      <a:solidFill>
+                        <a:schemeClr val="tx1"/>
+                      </a:solidFill>
+                      <a:prstDash val="solid"/>
+                      <a:round/>
+                      <a:headEnd type="none" w="med" len="med"/>
+                      <a:tailEnd type="none" w="med" len="med"/>
+                    </a:lnB>
+                    <a:solidFill>
+                      <a:schemeClr val="bg1">
+                        <a:lumMod val="95000"/>
+                      </a:schemeClr>
+                    </a:solidFill>
+                  </a:tcPr>
+                </a:tc>
+                <a:extLst>
+                  <a:ext uri="{0D108BD9-81ED-4DB2-BD59-A6C34878D82A}">
+                    <a16:rowId xmlns:a16="http://schemas.microsoft.com/office/drawing/2014/main" val="3174348194"/>
+                  </a:ext>
+                </a:extLst>
+              </a:tr>
+              <a:tr h="427567">
+                <a:tc>
+                  <a:txBody>
+                    <a:bodyPr/>
+                    <a:lstStyle/>
+                    <a:p>
+                      <a:pPr latinLnBrk="1"/>
+                      <a:endParaRPr lang="ko-KR" altLang="en-US"/>
+                    </a:p>
+                  </a:txBody>
+                  <a:tcPr>
+                    <a:lnL w="12700" cap="flat" cmpd="sng" algn="ctr">
+                      <a:solidFill>
+                        <a:schemeClr val="tx1"/>
+                      </a:solidFill>
+                      <a:prstDash val="solid"/>
+                      <a:round/>
+                      <a:headEnd type="none" w="med" len="med"/>
+                      <a:tailEnd type="none" w="med" len="med"/>
+                    </a:lnL>
+                    <a:lnR w="12700" cap="flat" cmpd="sng" algn="ctr">
+                      <a:solidFill>
+                        <a:schemeClr val="tx1"/>
+                      </a:solidFill>
+                      <a:prstDash val="solid"/>
+                      <a:round/>
+                      <a:headEnd type="none" w="med" len="med"/>
+                      <a:tailEnd type="none" w="med" len="med"/>
+                    </a:lnR>
+                    <a:lnT w="12700" cap="flat" cmpd="sng" algn="ctr">
+                      <a:solidFill>
+                        <a:schemeClr val="tx1"/>
+                      </a:solidFill>
+                      <a:prstDash val="solid"/>
+                      <a:round/>
+                      <a:headEnd type="none" w="med" len="med"/>
+                      <a:tailEnd type="none" w="med" len="med"/>
+                    </a:lnT>
+                    <a:lnB w="12700" cap="flat" cmpd="sng" algn="ctr">
+                      <a:solidFill>
+                        <a:schemeClr val="tx1"/>
+                      </a:solidFill>
+                      <a:prstDash val="solid"/>
+                      <a:round/>
+                      <a:headEnd type="none" w="med" len="med"/>
+                      <a:tailEnd type="none" w="med" len="med"/>
+                    </a:lnB>
+                    <a:solidFill>
+                      <a:schemeClr val="bg1">
+                        <a:lumMod val="95000"/>
+                      </a:schemeClr>
+                    </a:solidFill>
+                  </a:tcPr>
+                </a:tc>
+                <a:tc>
+                  <a:txBody>
+                    <a:bodyPr/>
+                    <a:lstStyle/>
+                    <a:p>
+                      <a:pPr latinLnBrk="1"/>
+                      <a:endParaRPr lang="ko-KR" altLang="en-US"/>
+                    </a:p>
+                  </a:txBody>
+                  <a:tcPr>
+                    <a:lnL w="12700" cap="flat" cmpd="sng" algn="ctr">
+                      <a:solidFill>
+                        <a:schemeClr val="tx1"/>
+                      </a:solidFill>
+                      <a:prstDash val="solid"/>
+                      <a:round/>
+                      <a:headEnd type="none" w="med" len="med"/>
+                      <a:tailEnd type="none" w="med" len="med"/>
+                    </a:lnL>
+                    <a:lnR w="12700" cap="flat" cmpd="sng" algn="ctr">
+                      <a:solidFill>
+                        <a:schemeClr val="tx1"/>
+                      </a:solidFill>
+                      <a:prstDash val="solid"/>
+                      <a:round/>
+                      <a:headEnd type="none" w="med" len="med"/>
+                      <a:tailEnd type="none" w="med" len="med"/>
+                    </a:lnR>
+                    <a:lnT w="12700" cap="flat" cmpd="sng" algn="ctr">
+                      <a:solidFill>
+                        <a:schemeClr val="tx1"/>
+                      </a:solidFill>
+                      <a:prstDash val="solid"/>
+                      <a:round/>
+                      <a:headEnd type="none" w="med" len="med"/>
+                      <a:tailEnd type="none" w="med" len="med"/>
+                    </a:lnT>
+                    <a:lnB w="12700" cap="flat" cmpd="sng" algn="ctr">
+                      <a:solidFill>
+                        <a:schemeClr val="tx1"/>
+                      </a:solidFill>
+                      <a:prstDash val="solid"/>
+                      <a:round/>
+                      <a:headEnd type="none" w="med" len="med"/>
+                      <a:tailEnd type="none" w="med" len="med"/>
+                    </a:lnB>
+                    <a:solidFill>
+                      <a:schemeClr val="bg1">
+                        <a:lumMod val="95000"/>
+                      </a:schemeClr>
+                    </a:solidFill>
+                  </a:tcPr>
+                </a:tc>
+                <a:tc>
+                  <a:txBody>
+                    <a:bodyPr/>
+                    <a:lstStyle/>
+                    <a:p>
+                      <a:pPr latinLnBrk="1"/>
+                      <a:endParaRPr lang="ko-KR" altLang="en-US"/>
+                    </a:p>
+                  </a:txBody>
+                  <a:tcPr>
+                    <a:lnL w="12700" cap="flat" cmpd="sng" algn="ctr">
+                      <a:solidFill>
+                        <a:schemeClr val="tx1"/>
+                      </a:solidFill>
+                      <a:prstDash val="solid"/>
+                      <a:round/>
+                      <a:headEnd type="none" w="med" len="med"/>
+                      <a:tailEnd type="none" w="med" len="med"/>
+                    </a:lnL>
+                    <a:lnR w="12700" cap="flat" cmpd="sng" algn="ctr">
+                      <a:solidFill>
+                        <a:schemeClr val="tx1"/>
+                      </a:solidFill>
+                      <a:prstDash val="solid"/>
+                      <a:round/>
+                      <a:headEnd type="none" w="med" len="med"/>
+                      <a:tailEnd type="none" w="med" len="med"/>
+                    </a:lnR>
+                    <a:lnT w="12700" cap="flat" cmpd="sng" algn="ctr">
+                      <a:solidFill>
+                        <a:schemeClr val="tx1"/>
+                      </a:solidFill>
+                      <a:prstDash val="solid"/>
+                      <a:round/>
+                      <a:headEnd type="none" w="med" len="med"/>
+                      <a:tailEnd type="none" w="med" len="med"/>
+                    </a:lnT>
+                    <a:lnB w="12700" cap="flat" cmpd="sng" algn="ctr">
+                      <a:solidFill>
+                        <a:schemeClr val="tx1"/>
+                      </a:solidFill>
+                      <a:prstDash val="solid"/>
+                      <a:round/>
+                      <a:headEnd type="none" w="med" len="med"/>
+                      <a:tailEnd type="none" w="med" len="med"/>
+                    </a:lnB>
+                    <a:solidFill>
+                      <a:schemeClr val="bg1">
+                        <a:lumMod val="95000"/>
+                      </a:schemeClr>
+                    </a:solidFill>
+                  </a:tcPr>
+                </a:tc>
+                <a:tc>
+                  <a:txBody>
+                    <a:bodyPr/>
+                    <a:lstStyle/>
+                    <a:p>
+                      <a:pPr latinLnBrk="1"/>
+                      <a:endParaRPr lang="ko-KR" altLang="en-US"/>
+                    </a:p>
+                  </a:txBody>
+                  <a:tcPr>
+                    <a:lnL w="12700" cap="flat" cmpd="sng" algn="ctr">
+                      <a:solidFill>
+                        <a:schemeClr val="tx1"/>
+                      </a:solidFill>
+                      <a:prstDash val="solid"/>
+                      <a:round/>
+                      <a:headEnd type="none" w="med" len="med"/>
+                      <a:tailEnd type="none" w="med" len="med"/>
+                    </a:lnL>
+                    <a:lnR w="12700" cap="flat" cmpd="sng" algn="ctr">
+                      <a:solidFill>
+                        <a:schemeClr val="tx1"/>
+                      </a:solidFill>
+                      <a:prstDash val="solid"/>
+                      <a:round/>
+                      <a:headEnd type="none" w="med" len="med"/>
+                      <a:tailEnd type="none" w="med" len="med"/>
+                    </a:lnR>
+                    <a:lnT w="12700" cap="flat" cmpd="sng" algn="ctr">
+                      <a:solidFill>
+                        <a:schemeClr val="tx1"/>
+                      </a:solidFill>
+                      <a:prstDash val="solid"/>
+                      <a:round/>
+                      <a:headEnd type="none" w="med" len="med"/>
+                      <a:tailEnd type="none" w="med" len="med"/>
+                    </a:lnT>
+                    <a:lnB w="12700" cap="flat" cmpd="sng" algn="ctr">
+                      <a:solidFill>
+                        <a:schemeClr val="tx1"/>
+                      </a:solidFill>
+                      <a:prstDash val="solid"/>
+                      <a:round/>
+                      <a:headEnd type="none" w="med" len="med"/>
+                      <a:tailEnd type="none" w="med" len="med"/>
+                    </a:lnB>
+                    <a:solidFill>
+                      <a:schemeClr val="bg1">
+                        <a:lumMod val="95000"/>
+                      </a:schemeClr>
+                    </a:solidFill>
+                  </a:tcPr>
+                </a:tc>
+                <a:tc>
+                  <a:txBody>
+                    <a:bodyPr/>
+                    <a:lstStyle/>
+                    <a:p>
+                      <a:pPr latinLnBrk="1"/>
+                      <a:endParaRPr lang="ko-KR" altLang="en-US" dirty="0"/>
+                    </a:p>
+                  </a:txBody>
+                  <a:tcPr>
+                    <a:lnL w="12700" cap="flat" cmpd="sng" algn="ctr">
+                      <a:solidFill>
+                        <a:schemeClr val="tx1"/>
+                      </a:solidFill>
+                      <a:prstDash val="solid"/>
+                      <a:round/>
+                      <a:headEnd type="none" w="med" len="med"/>
+                      <a:tailEnd type="none" w="med" len="med"/>
+                    </a:lnL>
+                    <a:lnR w="12700" cap="flat" cmpd="sng" algn="ctr">
+                      <a:solidFill>
+                        <a:schemeClr val="tx1"/>
+                      </a:solidFill>
+                      <a:prstDash val="solid"/>
+                      <a:round/>
+                      <a:headEnd type="none" w="med" len="med"/>
+                      <a:tailEnd type="none" w="med" len="med"/>
+                    </a:lnR>
+                    <a:lnT w="12700" cap="flat" cmpd="sng" algn="ctr">
+                      <a:solidFill>
+                        <a:schemeClr val="tx1"/>
+                      </a:solidFill>
+                      <a:prstDash val="solid"/>
+                      <a:round/>
+                      <a:headEnd type="none" w="med" len="med"/>
+                      <a:tailEnd type="none" w="med" len="med"/>
+                    </a:lnT>
+                    <a:lnB w="12700" cap="flat" cmpd="sng" algn="ctr">
+                      <a:solidFill>
+                        <a:schemeClr val="tx1"/>
+                      </a:solidFill>
+                      <a:prstDash val="solid"/>
+                      <a:round/>
+                      <a:headEnd type="none" w="med" len="med"/>
+                      <a:tailEnd type="none" w="med" len="med"/>
+                    </a:lnB>
+                    <a:solidFill>
+                      <a:schemeClr val="bg1">
+                        <a:lumMod val="95000"/>
+                      </a:schemeClr>
+                    </a:solidFill>
+                  </a:tcPr>
+                </a:tc>
+                <a:tc>
+                  <a:txBody>
+                    <a:bodyPr/>
+                    <a:lstStyle/>
+                    <a:p>
+                      <a:pPr latinLnBrk="1"/>
+                      <a:endParaRPr lang="ko-KR" altLang="en-US" dirty="0"/>
+                    </a:p>
+                  </a:txBody>
+                  <a:tcPr>
+                    <a:lnL w="12700" cap="flat" cmpd="sng" algn="ctr">
+                      <a:solidFill>
+                        <a:schemeClr val="tx1"/>
+                      </a:solidFill>
+                      <a:prstDash val="solid"/>
+                      <a:round/>
+                      <a:headEnd type="none" w="med" len="med"/>
+                      <a:tailEnd type="none" w="med" len="med"/>
+                    </a:lnL>
+                    <a:lnR w="12700" cap="flat" cmpd="sng" algn="ctr">
+                      <a:solidFill>
+                        <a:schemeClr val="tx1"/>
+                      </a:solidFill>
+                      <a:prstDash val="solid"/>
+                      <a:round/>
+                      <a:headEnd type="none" w="med" len="med"/>
+                      <a:tailEnd type="none" w="med" len="med"/>
+                    </a:lnR>
+                    <a:lnT w="12700" cap="flat" cmpd="sng" algn="ctr">
+                      <a:solidFill>
+                        <a:schemeClr val="tx1"/>
+                      </a:solidFill>
+                      <a:prstDash val="solid"/>
+                      <a:round/>
+                      <a:headEnd type="none" w="med" len="med"/>
+                      <a:tailEnd type="none" w="med" len="med"/>
+                    </a:lnT>
+                    <a:lnB w="12700" cap="flat" cmpd="sng" algn="ctr">
+                      <a:solidFill>
+                        <a:schemeClr val="tx1"/>
+                      </a:solidFill>
+                      <a:prstDash val="solid"/>
+                      <a:round/>
+                      <a:headEnd type="none" w="med" len="med"/>
+                      <a:tailEnd type="none" w="med" len="med"/>
+                    </a:lnB>
+                    <a:solidFill>
+                      <a:schemeClr val="bg1">
+                        <a:lumMod val="95000"/>
+                      </a:schemeClr>
+                    </a:solidFill>
+                  </a:tcPr>
+                </a:tc>
+                <a:tc>
+                  <a:txBody>
+                    <a:bodyPr/>
+                    <a:lstStyle/>
+                    <a:p>
+                      <a:pPr latinLnBrk="1"/>
+                      <a:endParaRPr lang="ko-KR" altLang="en-US"/>
+                    </a:p>
+                  </a:txBody>
+                  <a:tcPr>
+                    <a:lnL w="12700" cap="flat" cmpd="sng" algn="ctr">
+                      <a:solidFill>
+                        <a:schemeClr val="tx1"/>
+                      </a:solidFill>
+                      <a:prstDash val="solid"/>
+                      <a:round/>
+                      <a:headEnd type="none" w="med" len="med"/>
+                      <a:tailEnd type="none" w="med" len="med"/>
+                    </a:lnL>
+                    <a:lnR w="12700" cap="flat" cmpd="sng" algn="ctr">
+                      <a:solidFill>
+                        <a:schemeClr val="tx1"/>
+                      </a:solidFill>
+                      <a:prstDash val="solid"/>
+                      <a:round/>
+                      <a:headEnd type="none" w="med" len="med"/>
+                      <a:tailEnd type="none" w="med" len="med"/>
+                    </a:lnR>
+                    <a:lnT w="12700" cap="flat" cmpd="sng" algn="ctr">
+                      <a:solidFill>
+                        <a:schemeClr val="tx1"/>
+                      </a:solidFill>
+                      <a:prstDash val="solid"/>
+                      <a:round/>
+                      <a:headEnd type="none" w="med" len="med"/>
+                      <a:tailEnd type="none" w="med" len="med"/>
+                    </a:lnT>
+                    <a:lnB w="12700" cap="flat" cmpd="sng" algn="ctr">
+                      <a:solidFill>
+                        <a:schemeClr val="tx1"/>
+                      </a:solidFill>
+                      <a:prstDash val="solid"/>
+                      <a:round/>
+                      <a:headEnd type="none" w="med" len="med"/>
+                      <a:tailEnd type="none" w="med" len="med"/>
+                    </a:lnB>
+                    <a:solidFill>
+                      <a:schemeClr val="bg1">
+                        <a:lumMod val="95000"/>
+                      </a:schemeClr>
+                    </a:solidFill>
+                  </a:tcPr>
+                </a:tc>
+                <a:tc>
+                  <a:txBody>
+                    <a:bodyPr/>
+                    <a:lstStyle/>
+                    <a:p>
+                      <a:pPr latinLnBrk="1"/>
+                      <a:endParaRPr lang="ko-KR" altLang="en-US"/>
+                    </a:p>
+                  </a:txBody>
+                  <a:tcPr>
+                    <a:lnL w="12700" cap="flat" cmpd="sng" algn="ctr">
+                      <a:solidFill>
+                        <a:schemeClr val="tx1"/>
+                      </a:solidFill>
+                      <a:prstDash val="solid"/>
+                      <a:round/>
+                      <a:headEnd type="none" w="med" len="med"/>
+                      <a:tailEnd type="none" w="med" len="med"/>
+                    </a:lnL>
+                    <a:lnR w="12700" cap="flat" cmpd="sng" algn="ctr">
+                      <a:solidFill>
+                        <a:schemeClr val="tx1"/>
+                      </a:solidFill>
+                      <a:prstDash val="solid"/>
+                      <a:round/>
+                      <a:headEnd type="none" w="med" len="med"/>
+                      <a:tailEnd type="none" w="med" len="med"/>
+                    </a:lnR>
+                    <a:lnT w="12700" cap="flat" cmpd="sng" algn="ctr">
+                      <a:solidFill>
+                        <a:schemeClr val="tx1"/>
+                      </a:solidFill>
+                      <a:prstDash val="solid"/>
+                      <a:round/>
+                      <a:headEnd type="none" w="med" len="med"/>
+                      <a:tailEnd type="none" w="med" len="med"/>
+                    </a:lnT>
+                    <a:lnB w="12700" cap="flat" cmpd="sng" algn="ctr">
+                      <a:solidFill>
+                        <a:schemeClr val="tx1"/>
+                      </a:solidFill>
+                      <a:prstDash val="solid"/>
+                      <a:round/>
+                      <a:headEnd type="none" w="med" len="med"/>
+                      <a:tailEnd type="none" w="med" len="med"/>
+                    </a:lnB>
+                    <a:solidFill>
+                      <a:schemeClr val="bg1">
+                        <a:lumMod val="95000"/>
+                      </a:schemeClr>
+                    </a:solidFill>
+                  </a:tcPr>
+                </a:tc>
+                <a:extLst>
+                  <a:ext uri="{0D108BD9-81ED-4DB2-BD59-A6C34878D82A}">
+                    <a16:rowId xmlns:a16="http://schemas.microsoft.com/office/drawing/2014/main" val="2468022832"/>
+                  </a:ext>
+                </a:extLst>
+              </a:tr>
+              <a:tr h="427567">
+                <a:tc>
+                  <a:txBody>
+                    <a:bodyPr/>
+                    <a:lstStyle/>
+                    <a:p>
+                      <a:pPr latinLnBrk="1"/>
+                      <a:endParaRPr lang="ko-KR" altLang="en-US"/>
+                    </a:p>
+                  </a:txBody>
+                  <a:tcPr>
+                    <a:lnL w="12700" cap="flat" cmpd="sng" algn="ctr">
+                      <a:solidFill>
+                        <a:schemeClr val="tx1"/>
+                      </a:solidFill>
+                      <a:prstDash val="solid"/>
+                      <a:round/>
+                      <a:headEnd type="none" w="med" len="med"/>
+                      <a:tailEnd type="none" w="med" len="med"/>
+                    </a:lnL>
+                    <a:lnR w="12700" cap="flat" cmpd="sng" algn="ctr">
+                      <a:solidFill>
+                        <a:schemeClr val="tx1"/>
+                      </a:solidFill>
+                      <a:prstDash val="solid"/>
+                      <a:round/>
+                      <a:headEnd type="none" w="med" len="med"/>
+                      <a:tailEnd type="none" w="med" len="med"/>
+                    </a:lnR>
+                    <a:lnT w="12700" cap="flat" cmpd="sng" algn="ctr">
+                      <a:solidFill>
+                        <a:schemeClr val="tx1"/>
+                      </a:solidFill>
+                      <a:prstDash val="solid"/>
+                      <a:round/>
+                      <a:headEnd type="none" w="med" len="med"/>
+                      <a:tailEnd type="none" w="med" len="med"/>
+                    </a:lnT>
+                    <a:lnB w="12700" cap="flat" cmpd="sng" algn="ctr">
+                      <a:solidFill>
+                        <a:schemeClr val="tx1"/>
+                      </a:solidFill>
+                      <a:prstDash val="solid"/>
+                      <a:round/>
+                      <a:headEnd type="none" w="med" len="med"/>
+                      <a:tailEnd type="none" w="med" len="med"/>
+                    </a:lnB>
+                    <a:solidFill>
+                      <a:schemeClr val="bg1">
+                        <a:lumMod val="95000"/>
+                      </a:schemeClr>
+                    </a:solidFill>
+                  </a:tcPr>
+                </a:tc>
+                <a:tc>
+                  <a:txBody>
+                    <a:bodyPr/>
+                    <a:lstStyle/>
+                    <a:p>
+                      <a:pPr latinLnBrk="1"/>
+                      <a:endParaRPr lang="ko-KR" altLang="en-US"/>
+                    </a:p>
+                  </a:txBody>
+                  <a:tcPr>
+                    <a:lnL w="12700" cap="flat" cmpd="sng" algn="ctr">
+                      <a:solidFill>
+                        <a:schemeClr val="tx1"/>
+                      </a:solidFill>
+                      <a:prstDash val="solid"/>
+                      <a:round/>
+                      <a:headEnd type="none" w="med" len="med"/>
+                      <a:tailEnd type="none" w="med" len="med"/>
+                    </a:lnL>
+                    <a:lnR w="12700" cap="flat" cmpd="sng" algn="ctr">
+                      <a:solidFill>
+                        <a:schemeClr val="tx1"/>
+                      </a:solidFill>
+                      <a:prstDash val="solid"/>
+                      <a:round/>
+                      <a:headEnd type="none" w="med" len="med"/>
+                      <a:tailEnd type="none" w="med" len="med"/>
+                    </a:lnR>
+                    <a:lnT w="12700" cap="flat" cmpd="sng" algn="ctr">
+                      <a:solidFill>
+                        <a:schemeClr val="tx1"/>
+                      </a:solidFill>
+                      <a:prstDash val="solid"/>
+                      <a:round/>
+                      <a:headEnd type="none" w="med" len="med"/>
+                      <a:tailEnd type="none" w="med" len="med"/>
+                    </a:lnT>
+                    <a:lnB w="12700" cap="flat" cmpd="sng" algn="ctr">
+                      <a:solidFill>
+                        <a:schemeClr val="tx1"/>
+                      </a:solidFill>
+                      <a:prstDash val="solid"/>
+                      <a:round/>
+                      <a:headEnd type="none" w="med" len="med"/>
+                      <a:tailEnd type="none" w="med" len="med"/>
+                    </a:lnB>
+                    <a:solidFill>
+                      <a:schemeClr val="bg1">
+                        <a:lumMod val="95000"/>
+                      </a:schemeClr>
+                    </a:solidFill>
+                  </a:tcPr>
+                </a:tc>
+                <a:tc>
+                  <a:txBody>
+                    <a:bodyPr/>
+                    <a:lstStyle/>
+                    <a:p>
+                      <a:pPr latinLnBrk="1"/>
+                      <a:endParaRPr lang="ko-KR" altLang="en-US"/>
+                    </a:p>
+                  </a:txBody>
+                  <a:tcPr>
+                    <a:lnL w="12700" cap="flat" cmpd="sng" algn="ctr">
+                      <a:solidFill>
+                        <a:schemeClr val="tx1"/>
+                      </a:solidFill>
+                      <a:prstDash val="solid"/>
+                      <a:round/>
+                      <a:headEnd type="none" w="med" len="med"/>
+                      <a:tailEnd type="none" w="med" len="med"/>
+                    </a:lnL>
+                    <a:lnR w="12700" cap="flat" cmpd="sng" algn="ctr">
+                      <a:solidFill>
+                        <a:schemeClr val="tx1"/>
+                      </a:solidFill>
+                      <a:prstDash val="solid"/>
+                      <a:round/>
+                      <a:headEnd type="none" w="med" len="med"/>
+                      <a:tailEnd type="none" w="med" len="med"/>
+                    </a:lnR>
+                    <a:lnT w="12700" cap="flat" cmpd="sng" algn="ctr">
+                      <a:solidFill>
+                        <a:schemeClr val="tx1"/>
+                      </a:solidFill>
+                      <a:prstDash val="solid"/>
+                      <a:round/>
+                      <a:headEnd type="none" w="med" len="med"/>
+                      <a:tailEnd type="none" w="med" len="med"/>
+                    </a:lnT>
+                    <a:lnB w="12700" cap="flat" cmpd="sng" algn="ctr">
+                      <a:solidFill>
+                        <a:schemeClr val="tx1"/>
+                      </a:solidFill>
+                      <a:prstDash val="solid"/>
+                      <a:round/>
+                      <a:headEnd type="none" w="med" len="med"/>
+                      <a:tailEnd type="none" w="med" len="med"/>
+                    </a:lnB>
+                    <a:solidFill>
+                      <a:schemeClr val="bg1">
+                        <a:lumMod val="95000"/>
+                      </a:schemeClr>
+                    </a:solidFill>
+                  </a:tcPr>
+                </a:tc>
+                <a:tc>
+                  <a:txBody>
+                    <a:bodyPr/>
+                    <a:lstStyle/>
+                    <a:p>
+                      <a:pPr latinLnBrk="1"/>
+                      <a:endParaRPr lang="ko-KR" altLang="en-US"/>
+                    </a:p>
+                  </a:txBody>
+                  <a:tcPr>
+                    <a:lnL w="12700" cap="flat" cmpd="sng" algn="ctr">
+                      <a:solidFill>
+                        <a:schemeClr val="tx1"/>
+                      </a:solidFill>
+                      <a:prstDash val="solid"/>
+                      <a:round/>
+                      <a:headEnd type="none" w="med" len="med"/>
+                      <a:tailEnd type="none" w="med" len="med"/>
+                    </a:lnL>
+                    <a:lnR w="12700" cap="flat" cmpd="sng" algn="ctr">
+                      <a:solidFill>
+                        <a:schemeClr val="tx1"/>
+                      </a:solidFill>
+                      <a:prstDash val="solid"/>
+                      <a:round/>
+                      <a:headEnd type="none" w="med" len="med"/>
+                      <a:tailEnd type="none" w="med" len="med"/>
+                    </a:lnR>
+                    <a:lnT w="12700" cap="flat" cmpd="sng" algn="ctr">
+                      <a:solidFill>
+                        <a:schemeClr val="tx1"/>
+                      </a:solidFill>
+                      <a:prstDash val="solid"/>
+                      <a:round/>
+                      <a:headEnd type="none" w="med" len="med"/>
+                      <a:tailEnd type="none" w="med" len="med"/>
+                    </a:lnT>
+                    <a:lnB w="12700" cap="flat" cmpd="sng" algn="ctr">
+                      <a:solidFill>
+                        <a:schemeClr val="tx1"/>
+                      </a:solidFill>
+                      <a:prstDash val="solid"/>
+                      <a:round/>
+                      <a:headEnd type="none" w="med" len="med"/>
+                      <a:tailEnd type="none" w="med" len="med"/>
+                    </a:lnB>
+                    <a:solidFill>
+                      <a:schemeClr val="bg1">
+                        <a:lumMod val="95000"/>
+                      </a:schemeClr>
+                    </a:solidFill>
+                  </a:tcPr>
+                </a:tc>
+                <a:tc>
+                  <a:txBody>
+                    <a:bodyPr/>
+                    <a:lstStyle/>
+                    <a:p>
+                      <a:pPr latinLnBrk="1"/>
+                      <a:endParaRPr lang="ko-KR" altLang="en-US" dirty="0"/>
+                    </a:p>
+                  </a:txBody>
+                  <a:tcPr>
+                    <a:lnL w="12700" cap="flat" cmpd="sng" algn="ctr">
+                      <a:solidFill>
+                        <a:schemeClr val="tx1"/>
+                      </a:solidFill>
+                      <a:prstDash val="solid"/>
+                      <a:round/>
+                      <a:headEnd type="none" w="med" len="med"/>
+                      <a:tailEnd type="none" w="med" len="med"/>
+                    </a:lnL>
+                    <a:lnR w="12700" cap="flat" cmpd="sng" algn="ctr">
+                      <a:solidFill>
+                        <a:schemeClr val="tx1"/>
+                      </a:solidFill>
+                      <a:prstDash val="solid"/>
+                      <a:round/>
+                      <a:headEnd type="none" w="med" len="med"/>
+                      <a:tailEnd type="none" w="med" len="med"/>
+                    </a:lnR>
+                    <a:lnT w="12700" cap="flat" cmpd="sng" algn="ctr">
+                      <a:solidFill>
+                        <a:schemeClr val="tx1"/>
+                      </a:solidFill>
+                      <a:prstDash val="solid"/>
+                      <a:round/>
+                      <a:headEnd type="none" w="med" len="med"/>
+                      <a:tailEnd type="none" w="med" len="med"/>
+                    </a:lnT>
+                    <a:lnB w="12700" cap="flat" cmpd="sng" algn="ctr">
+                      <a:solidFill>
+                        <a:schemeClr val="tx1"/>
+                      </a:solidFill>
+                      <a:prstDash val="solid"/>
+                      <a:round/>
+                      <a:headEnd type="none" w="med" len="med"/>
+                      <a:tailEnd type="none" w="med" len="med"/>
+                    </a:lnB>
+                    <a:solidFill>
+                      <a:schemeClr val="bg1">
+                        <a:lumMod val="95000"/>
+                      </a:schemeClr>
+                    </a:solidFill>
+                  </a:tcPr>
+                </a:tc>
+                <a:tc>
+                  <a:txBody>
+                    <a:bodyPr/>
+                    <a:lstStyle/>
+                    <a:p>
+                      <a:pPr latinLnBrk="1"/>
+                      <a:endParaRPr lang="ko-KR" altLang="en-US" dirty="0"/>
+                    </a:p>
+                  </a:txBody>
+                  <a:tcPr>
+                    <a:lnL w="12700" cap="flat" cmpd="sng" algn="ctr">
+                      <a:solidFill>
+                        <a:schemeClr val="tx1"/>
+                      </a:solidFill>
+                      <a:prstDash val="solid"/>
+                      <a:round/>
+                      <a:headEnd type="none" w="med" len="med"/>
+                      <a:tailEnd type="none" w="med" len="med"/>
+                    </a:lnL>
+                    <a:lnR w="12700" cap="flat" cmpd="sng" algn="ctr">
+                      <a:solidFill>
+                        <a:schemeClr val="tx1"/>
+                      </a:solidFill>
+                      <a:prstDash val="solid"/>
+                      <a:round/>
+                      <a:headEnd type="none" w="med" len="med"/>
+                      <a:tailEnd type="none" w="med" len="med"/>
+                    </a:lnR>
+                    <a:lnT w="12700" cap="flat" cmpd="sng" algn="ctr">
+                      <a:solidFill>
+                        <a:schemeClr val="tx1"/>
+                      </a:solidFill>
+                      <a:prstDash val="solid"/>
+                      <a:round/>
+                      <a:headEnd type="none" w="med" len="med"/>
+                      <a:tailEnd type="none" w="med" len="med"/>
+                    </a:lnT>
+                    <a:lnB w="12700" cap="flat" cmpd="sng" algn="ctr">
+                      <a:solidFill>
+                        <a:schemeClr val="tx1"/>
+                      </a:solidFill>
+                      <a:prstDash val="solid"/>
+                      <a:round/>
+                      <a:headEnd type="none" w="med" len="med"/>
+                      <a:tailEnd type="none" w="med" len="med"/>
+                    </a:lnB>
+                    <a:solidFill>
+                      <a:schemeClr val="bg1">
+                        <a:lumMod val="95000"/>
+                      </a:schemeClr>
+                    </a:solidFill>
+                  </a:tcPr>
+                </a:tc>
+                <a:tc>
+                  <a:txBody>
+                    <a:bodyPr/>
+                    <a:lstStyle/>
+                    <a:p>
+                      <a:pPr latinLnBrk="1"/>
+                      <a:endParaRPr lang="ko-KR" altLang="en-US"/>
+                    </a:p>
+                  </a:txBody>
+                  <a:tcPr>
+                    <a:lnL w="12700" cap="flat" cmpd="sng" algn="ctr">
+                      <a:solidFill>
+                        <a:schemeClr val="tx1"/>
+                      </a:solidFill>
+                      <a:prstDash val="solid"/>
+                      <a:round/>
+                      <a:headEnd type="none" w="med" len="med"/>
+                      <a:tailEnd type="none" w="med" len="med"/>
+                    </a:lnL>
+                    <a:lnR w="12700" cap="flat" cmpd="sng" algn="ctr">
+                      <a:solidFill>
+                        <a:schemeClr val="tx1"/>
+                      </a:solidFill>
+                      <a:prstDash val="solid"/>
+                      <a:round/>
+                      <a:headEnd type="none" w="med" len="med"/>
+                      <a:tailEnd type="none" w="med" len="med"/>
+                    </a:lnR>
+                    <a:lnT w="12700" cap="flat" cmpd="sng" algn="ctr">
+                      <a:solidFill>
+                        <a:schemeClr val="tx1"/>
+                      </a:solidFill>
+                      <a:prstDash val="solid"/>
+                      <a:round/>
+                      <a:headEnd type="none" w="med" len="med"/>
+                      <a:tailEnd type="none" w="med" len="med"/>
+                    </a:lnT>
+                    <a:lnB w="12700" cap="flat" cmpd="sng" algn="ctr">
+                      <a:solidFill>
+                        <a:schemeClr val="tx1"/>
+                      </a:solidFill>
+                      <a:prstDash val="solid"/>
+                      <a:round/>
+                      <a:headEnd type="none" w="med" len="med"/>
+                      <a:tailEnd type="none" w="med" len="med"/>
+                    </a:lnB>
+                    <a:solidFill>
+                      <a:schemeClr val="bg1">
+                        <a:lumMod val="95000"/>
+                      </a:schemeClr>
+                    </a:solidFill>
+                  </a:tcPr>
+                </a:tc>
+                <a:tc>
+                  <a:txBody>
+                    <a:bodyPr/>
+                    <a:lstStyle/>
+                    <a:p>
+                      <a:pPr latinLnBrk="1"/>
+                      <a:endParaRPr lang="ko-KR" altLang="en-US"/>
+                    </a:p>
+                  </a:txBody>
+                  <a:tcPr>
+                    <a:lnL w="12700" cap="flat" cmpd="sng" algn="ctr">
+                      <a:solidFill>
+                        <a:schemeClr val="tx1"/>
+                      </a:solidFill>
+                      <a:prstDash val="solid"/>
+                      <a:round/>
+                      <a:headEnd type="none" w="med" len="med"/>
+                      <a:tailEnd type="none" w="med" len="med"/>
+                    </a:lnL>
+                    <a:lnR w="12700" cap="flat" cmpd="sng" algn="ctr">
+                      <a:solidFill>
+                        <a:schemeClr val="tx1"/>
+                      </a:solidFill>
+                      <a:prstDash val="solid"/>
+                      <a:round/>
+                      <a:headEnd type="none" w="med" len="med"/>
+                      <a:tailEnd type="none" w="med" len="med"/>
+                    </a:lnR>
+                    <a:lnT w="12700" cap="flat" cmpd="sng" algn="ctr">
+                      <a:solidFill>
+                        <a:schemeClr val="tx1"/>
+                      </a:solidFill>
+                      <a:prstDash val="solid"/>
+                      <a:round/>
+                      <a:headEnd type="none" w="med" len="med"/>
+                      <a:tailEnd type="none" w="med" len="med"/>
+                    </a:lnT>
+                    <a:lnB w="12700" cap="flat" cmpd="sng" algn="ctr">
+                      <a:solidFill>
+                        <a:schemeClr val="tx1"/>
+                      </a:solidFill>
+                      <a:prstDash val="solid"/>
+                      <a:round/>
+                      <a:headEnd type="none" w="med" len="med"/>
+                      <a:tailEnd type="none" w="med" len="med"/>
+                    </a:lnB>
+                    <a:solidFill>
+                      <a:schemeClr val="bg1">
+                        <a:lumMod val="95000"/>
+                      </a:schemeClr>
+                    </a:solidFill>
+                  </a:tcPr>
+                </a:tc>
+                <a:extLst>
+                  <a:ext uri="{0D108BD9-81ED-4DB2-BD59-A6C34878D82A}">
+                    <a16:rowId xmlns:a16="http://schemas.microsoft.com/office/drawing/2014/main" val="1921677231"/>
+                  </a:ext>
+                </a:extLst>
+              </a:tr>
+              <a:tr h="427567">
+                <a:tc>
+                  <a:txBody>
+                    <a:bodyPr/>
+                    <a:lstStyle/>
+                    <a:p>
+                      <a:pPr latinLnBrk="1"/>
+                      <a:endParaRPr lang="ko-KR" altLang="en-US"/>
+                    </a:p>
+                  </a:txBody>
+                  <a:tcPr>
+                    <a:lnL w="12700" cap="flat" cmpd="sng" algn="ctr">
+                      <a:solidFill>
+                        <a:schemeClr val="tx1"/>
+                      </a:solidFill>
+                      <a:prstDash val="solid"/>
+                      <a:round/>
+                      <a:headEnd type="none" w="med" len="med"/>
+                      <a:tailEnd type="none" w="med" len="med"/>
+                    </a:lnL>
+                    <a:lnR w="12700" cap="flat" cmpd="sng" algn="ctr">
+                      <a:solidFill>
+                        <a:schemeClr val="tx1"/>
+                      </a:solidFill>
+                      <a:prstDash val="solid"/>
+                      <a:round/>
+                      <a:headEnd type="none" w="med" len="med"/>
+                      <a:tailEnd type="none" w="med" len="med"/>
+                    </a:lnR>
+                    <a:lnT w="12700" cap="flat" cmpd="sng" algn="ctr">
+                      <a:solidFill>
+                        <a:schemeClr val="tx1"/>
+                      </a:solidFill>
+                      <a:prstDash val="solid"/>
+                      <a:round/>
+                      <a:headEnd type="none" w="med" len="med"/>
+                      <a:tailEnd type="none" w="med" len="med"/>
+                    </a:lnT>
+                    <a:lnB w="12700" cap="flat" cmpd="sng" algn="ctr">
+                      <a:solidFill>
+                        <a:schemeClr val="tx1"/>
+                      </a:solidFill>
+                      <a:prstDash val="solid"/>
+                      <a:round/>
+                      <a:headEnd type="none" w="med" len="med"/>
+                      <a:tailEnd type="none" w="med" len="med"/>
+                    </a:lnB>
+                    <a:solidFill>
+                      <a:schemeClr val="bg1">
+                        <a:lumMod val="95000"/>
+                      </a:schemeClr>
+                    </a:solidFill>
+                  </a:tcPr>
+                </a:tc>
+                <a:tc>
+                  <a:txBody>
+                    <a:bodyPr/>
+                    <a:lstStyle/>
+                    <a:p>
+                      <a:pPr latinLnBrk="1"/>
+                      <a:endParaRPr lang="ko-KR" altLang="en-US"/>
+                    </a:p>
+                  </a:txBody>
+                  <a:tcPr>
+                    <a:lnL w="12700" cap="flat" cmpd="sng" algn="ctr">
+                      <a:solidFill>
+                        <a:schemeClr val="tx1"/>
+                      </a:solidFill>
+                      <a:prstDash val="solid"/>
+                      <a:round/>
+                      <a:headEnd type="none" w="med" len="med"/>
+                      <a:tailEnd type="none" w="med" len="med"/>
+                    </a:lnL>
+                    <a:lnR w="12700" cap="flat" cmpd="sng" algn="ctr">
+                      <a:solidFill>
+                        <a:schemeClr val="tx1"/>
+                      </a:solidFill>
+                      <a:prstDash val="solid"/>
+                      <a:round/>
+                      <a:headEnd type="none" w="med" len="med"/>
+                      <a:tailEnd type="none" w="med" len="med"/>
+                    </a:lnR>
+                    <a:lnT w="12700" cap="flat" cmpd="sng" algn="ctr">
+                      <a:solidFill>
+                        <a:schemeClr val="tx1"/>
+                      </a:solidFill>
+                      <a:prstDash val="solid"/>
+                      <a:round/>
+                      <a:headEnd type="none" w="med" len="med"/>
+                      <a:tailEnd type="none" w="med" len="med"/>
+                    </a:lnT>
+                    <a:lnB w="12700" cap="flat" cmpd="sng" algn="ctr">
+                      <a:solidFill>
+                        <a:schemeClr val="tx1"/>
+                      </a:solidFill>
+                      <a:prstDash val="solid"/>
+                      <a:round/>
+                      <a:headEnd type="none" w="med" len="med"/>
+                      <a:tailEnd type="none" w="med" len="med"/>
+                    </a:lnB>
+                    <a:solidFill>
+                      <a:schemeClr val="bg1">
+                        <a:lumMod val="95000"/>
+                      </a:schemeClr>
+                    </a:solidFill>
+                  </a:tcPr>
+                </a:tc>
+                <a:tc>
+                  <a:txBody>
+                    <a:bodyPr/>
+                    <a:lstStyle/>
+                    <a:p>
+                      <a:pPr latinLnBrk="1"/>
+                      <a:endParaRPr lang="ko-KR" altLang="en-US"/>
+                    </a:p>
+                  </a:txBody>
+                  <a:tcPr>
+                    <a:lnL w="12700" cap="flat" cmpd="sng" algn="ctr">
+                      <a:solidFill>
+                        <a:schemeClr val="tx1"/>
+                      </a:solidFill>
+                      <a:prstDash val="solid"/>
+                      <a:round/>
+                      <a:headEnd type="none" w="med" len="med"/>
+                      <a:tailEnd type="none" w="med" len="med"/>
+                    </a:lnL>
+                    <a:lnR w="12700" cap="flat" cmpd="sng" algn="ctr">
+                      <a:solidFill>
+                        <a:schemeClr val="tx1"/>
+                      </a:solidFill>
+                      <a:prstDash val="solid"/>
+                      <a:round/>
+                      <a:headEnd type="none" w="med" len="med"/>
+                      <a:tailEnd type="none" w="med" len="med"/>
+                    </a:lnR>
+                    <a:lnT w="12700" cap="flat" cmpd="sng" algn="ctr">
+                      <a:solidFill>
+                        <a:schemeClr val="tx1"/>
+                      </a:solidFill>
+                      <a:prstDash val="solid"/>
+                      <a:round/>
+                      <a:headEnd type="none" w="med" len="med"/>
+                      <a:tailEnd type="none" w="med" len="med"/>
+                    </a:lnT>
+                    <a:lnB w="12700" cap="flat" cmpd="sng" algn="ctr">
+                      <a:solidFill>
+                        <a:schemeClr val="tx1"/>
+                      </a:solidFill>
+                      <a:prstDash val="solid"/>
+                      <a:round/>
+                      <a:headEnd type="none" w="med" len="med"/>
+                      <a:tailEnd type="none" w="med" len="med"/>
+                    </a:lnB>
+                    <a:solidFill>
+                      <a:schemeClr val="bg1">
+                        <a:lumMod val="95000"/>
+                      </a:schemeClr>
+                    </a:solidFill>
+                  </a:tcPr>
+                </a:tc>
+                <a:tc>
+                  <a:txBody>
+                    <a:bodyPr/>
+                    <a:lstStyle/>
+                    <a:p>
+                      <a:pPr latinLnBrk="1"/>
+                      <a:endParaRPr lang="ko-KR" altLang="en-US"/>
+                    </a:p>
+                  </a:txBody>
+                  <a:tcPr>
+                    <a:lnL w="12700" cap="flat" cmpd="sng" algn="ctr">
+                      <a:solidFill>
+                        <a:schemeClr val="tx1"/>
+                      </a:solidFill>
+                      <a:prstDash val="solid"/>
+                      <a:round/>
+                      <a:headEnd type="none" w="med" len="med"/>
+                      <a:tailEnd type="none" w="med" len="med"/>
+                    </a:lnL>
+                    <a:lnR w="12700" cap="flat" cmpd="sng" algn="ctr">
+                      <a:solidFill>
+                        <a:schemeClr val="tx1"/>
+                      </a:solidFill>
+                      <a:prstDash val="solid"/>
+                      <a:round/>
+                      <a:headEnd type="none" w="med" len="med"/>
+                      <a:tailEnd type="none" w="med" len="med"/>
+                    </a:lnR>
+                    <a:lnT w="12700" cap="flat" cmpd="sng" algn="ctr">
+                      <a:solidFill>
+                        <a:schemeClr val="tx1"/>
+                      </a:solidFill>
+                      <a:prstDash val="solid"/>
+                      <a:round/>
+                      <a:headEnd type="none" w="med" len="med"/>
+                      <a:tailEnd type="none" w="med" len="med"/>
+                    </a:lnT>
+                    <a:lnB w="12700" cap="flat" cmpd="sng" algn="ctr">
+                      <a:solidFill>
+                        <a:schemeClr val="tx1"/>
+                      </a:solidFill>
+                      <a:prstDash val="solid"/>
+                      <a:round/>
+                      <a:headEnd type="none" w="med" len="med"/>
+                      <a:tailEnd type="none" w="med" len="med"/>
+                    </a:lnB>
+                    <a:solidFill>
+                      <a:schemeClr val="bg1">
+                        <a:lumMod val="95000"/>
+                      </a:schemeClr>
+                    </a:solidFill>
+                  </a:tcPr>
+                </a:tc>
+                <a:tc>
+                  <a:txBody>
+                    <a:bodyPr/>
+                    <a:lstStyle/>
+                    <a:p>
+                      <a:pPr latinLnBrk="1"/>
+                      <a:endParaRPr lang="ko-KR" altLang="en-US" dirty="0"/>
+                    </a:p>
+                  </a:txBody>
+                  <a:tcPr>
+                    <a:lnL w="12700" cap="flat" cmpd="sng" algn="ctr">
+                      <a:solidFill>
+                        <a:schemeClr val="tx1"/>
+                      </a:solidFill>
+                      <a:prstDash val="solid"/>
+                      <a:round/>
+                      <a:headEnd type="none" w="med" len="med"/>
+                      <a:tailEnd type="none" w="med" len="med"/>
+                    </a:lnL>
+                    <a:lnR w="12700" cap="flat" cmpd="sng" algn="ctr">
+                      <a:solidFill>
+                        <a:schemeClr val="tx1"/>
+                      </a:solidFill>
+                      <a:prstDash val="solid"/>
+                      <a:round/>
+                      <a:headEnd type="none" w="med" len="med"/>
+                      <a:tailEnd type="none" w="med" len="med"/>
+                    </a:lnR>
+                    <a:lnT w="12700" cap="flat" cmpd="sng" algn="ctr">
+                      <a:solidFill>
+                        <a:schemeClr val="tx1"/>
+                      </a:solidFill>
+                      <a:prstDash val="solid"/>
+                      <a:round/>
+                      <a:headEnd type="none" w="med" len="med"/>
+                      <a:tailEnd type="none" w="med" len="med"/>
+                    </a:lnT>
+                    <a:lnB w="12700" cap="flat" cmpd="sng" algn="ctr">
+                      <a:solidFill>
+                        <a:schemeClr val="tx1"/>
+                      </a:solidFill>
+                      <a:prstDash val="solid"/>
+                      <a:round/>
+                      <a:headEnd type="none" w="med" len="med"/>
+                      <a:tailEnd type="none" w="med" len="med"/>
+                    </a:lnB>
+                    <a:solidFill>
+                      <a:schemeClr val="bg1">
+                        <a:lumMod val="95000"/>
+                      </a:schemeClr>
+                    </a:solidFill>
+                  </a:tcPr>
+                </a:tc>
+                <a:tc>
+                  <a:txBody>
+                    <a:bodyPr/>
+                    <a:lstStyle/>
+                    <a:p>
+                      <a:pPr latinLnBrk="1"/>
+                      <a:endParaRPr lang="ko-KR" altLang="en-US" dirty="0"/>
+                    </a:p>
+                  </a:txBody>
+                  <a:tcPr>
+                    <a:lnL w="12700" cap="flat" cmpd="sng" algn="ctr">
+                      <a:solidFill>
+                        <a:schemeClr val="tx1"/>
+                      </a:solidFill>
+                      <a:prstDash val="solid"/>
+                      <a:round/>
+                      <a:headEnd type="none" w="med" len="med"/>
+                      <a:tailEnd type="none" w="med" len="med"/>
+                    </a:lnL>
+                    <a:lnR w="12700" cap="flat" cmpd="sng" algn="ctr">
+                      <a:solidFill>
+                        <a:schemeClr val="tx1"/>
+                      </a:solidFill>
+                      <a:prstDash val="solid"/>
+                      <a:round/>
+                      <a:headEnd type="none" w="med" len="med"/>
+                      <a:tailEnd type="none" w="med" len="med"/>
+                    </a:lnR>
+                    <a:lnT w="12700" cap="flat" cmpd="sng" algn="ctr">
+                      <a:solidFill>
+                        <a:schemeClr val="tx1"/>
+                      </a:solidFill>
+                      <a:prstDash val="solid"/>
+                      <a:round/>
+                      <a:headEnd type="none" w="med" len="med"/>
+                      <a:tailEnd type="none" w="med" len="med"/>
+                    </a:lnT>
+                    <a:lnB w="12700" cap="flat" cmpd="sng" algn="ctr">
+                      <a:solidFill>
+                        <a:schemeClr val="tx1"/>
+                      </a:solidFill>
+                      <a:prstDash val="solid"/>
+                      <a:round/>
+                      <a:headEnd type="none" w="med" len="med"/>
+                      <a:tailEnd type="none" w="med" len="med"/>
+                    </a:lnB>
+                    <a:solidFill>
+                      <a:schemeClr val="bg1">
+                        <a:lumMod val="95000"/>
+                      </a:schemeClr>
+                    </a:solidFill>
+                  </a:tcPr>
+                </a:tc>
+                <a:tc>
+                  <a:txBody>
+                    <a:bodyPr/>
+                    <a:lstStyle/>
+                    <a:p>
+                      <a:pPr latinLnBrk="1"/>
+                      <a:endParaRPr lang="ko-KR" altLang="en-US"/>
+                    </a:p>
+                  </a:txBody>
+                  <a:tcPr>
+                    <a:lnL w="12700" cap="flat" cmpd="sng" algn="ctr">
+                      <a:solidFill>
+                        <a:schemeClr val="tx1"/>
+                      </a:solidFill>
+                      <a:prstDash val="solid"/>
+                      <a:round/>
+                      <a:headEnd type="none" w="med" len="med"/>
+                      <a:tailEnd type="none" w="med" len="med"/>
+                    </a:lnL>
+                    <a:lnR w="12700" cap="flat" cmpd="sng" algn="ctr">
+                      <a:solidFill>
+                        <a:schemeClr val="tx1"/>
+                      </a:solidFill>
+                      <a:prstDash val="solid"/>
+                      <a:round/>
+                      <a:headEnd type="none" w="med" len="med"/>
+                      <a:tailEnd type="none" w="med" len="med"/>
+                    </a:lnR>
+                    <a:lnT w="12700" cap="flat" cmpd="sng" algn="ctr">
+                      <a:solidFill>
+                        <a:schemeClr val="tx1"/>
+                      </a:solidFill>
+                      <a:prstDash val="solid"/>
+                      <a:round/>
+                      <a:headEnd type="none" w="med" len="med"/>
+                      <a:tailEnd type="none" w="med" len="med"/>
+                    </a:lnT>
+                    <a:lnB w="12700" cap="flat" cmpd="sng" algn="ctr">
+                      <a:solidFill>
+                        <a:schemeClr val="tx1"/>
+                      </a:solidFill>
+                      <a:prstDash val="solid"/>
+                      <a:round/>
+                      <a:headEnd type="none" w="med" len="med"/>
+                      <a:tailEnd type="none" w="med" len="med"/>
+                    </a:lnB>
+                    <a:solidFill>
+                      <a:schemeClr val="bg1">
+                        <a:lumMod val="95000"/>
+                      </a:schemeClr>
+                    </a:solidFill>
+                  </a:tcPr>
+                </a:tc>
+                <a:tc>
+                  <a:txBody>
+                    <a:bodyPr/>
+                    <a:lstStyle/>
+                    <a:p>
+                      <a:pPr latinLnBrk="1"/>
+                      <a:endParaRPr lang="ko-KR" altLang="en-US" dirty="0"/>
+                    </a:p>
+                  </a:txBody>
+                  <a:tcPr>
+                    <a:lnL w="12700" cap="flat" cmpd="sng" algn="ctr">
+                      <a:solidFill>
+                        <a:schemeClr val="tx1"/>
+                      </a:solidFill>
+                      <a:prstDash val="solid"/>
+                      <a:round/>
+                      <a:headEnd type="none" w="med" len="med"/>
+                      <a:tailEnd type="none" w="med" len="med"/>
+                    </a:lnL>
+                    <a:lnR w="12700" cap="flat" cmpd="sng" algn="ctr">
+                      <a:solidFill>
+                        <a:schemeClr val="tx1"/>
+                      </a:solidFill>
+                      <a:prstDash val="solid"/>
+                      <a:round/>
+                      <a:headEnd type="none" w="med" len="med"/>
+                      <a:tailEnd type="none" w="med" len="med"/>
+                    </a:lnR>
+                    <a:lnT w="12700" cap="flat" cmpd="sng" algn="ctr">
+                      <a:solidFill>
+                        <a:schemeClr val="tx1"/>
+                      </a:solidFill>
+                      <a:prstDash val="solid"/>
+                      <a:round/>
+                      <a:headEnd type="none" w="med" len="med"/>
+                      <a:tailEnd type="none" w="med" len="med"/>
+                    </a:lnT>
+                    <a:lnB w="12700" cap="flat" cmpd="sng" algn="ctr">
+                      <a:solidFill>
+                        <a:schemeClr val="tx1"/>
+                      </a:solidFill>
+                      <a:prstDash val="solid"/>
+                      <a:round/>
+                      <a:headEnd type="none" w="med" len="med"/>
+                      <a:tailEnd type="none" w="med" len="med"/>
+                    </a:lnB>
+                    <a:solidFill>
+                      <a:schemeClr val="bg1">
+                        <a:lumMod val="95000"/>
+                      </a:schemeClr>
+                    </a:solidFill>
+                  </a:tcPr>
+                </a:tc>
+                <a:extLst>
+                  <a:ext uri="{0D108BD9-81ED-4DB2-BD59-A6C34878D82A}">
+                    <a16:rowId xmlns:a16="http://schemas.microsoft.com/office/drawing/2014/main" val="778711414"/>
+                  </a:ext>
+                </a:extLst>
+              </a:tr>
+            </a:tbl>
+          </a:graphicData>
+        </a:graphic>
+      </p:graphicFrame>
+      <p:graphicFrame>
+        <p:nvGraphicFramePr>
+          <p:cNvPr id="5" name="표 4">
+            <a:extLst>
+              <a:ext uri="{FF2B5EF4-FFF2-40B4-BE49-F238E27FC236}">
+                <a16:creationId xmlns:a16="http://schemas.microsoft.com/office/drawing/2014/main" id="{3CE24E93-A16B-17BA-ED1F-28681CE3C0DB}"/>
+              </a:ext>
+            </a:extLst>
+          </p:cNvPr>
+          <p:cNvGraphicFramePr>
+            <a:graphicFrameLocks noGrp="1"/>
+          </p:cNvGraphicFramePr>
+          <p:nvPr>
+            <p:extLst>
+              <p:ext uri="{D42A27DB-BD31-4B8C-83A1-F6EECF244321}">
+                <p14:modId xmlns:p14="http://schemas.microsoft.com/office/powerpoint/2010/main" val="3079925053"/>
+              </p:ext>
+            </p:extLst>
+          </p:nvPr>
+        </p:nvGraphicFramePr>
+        <p:xfrm>
+          <a:off x="482600" y="1523998"/>
+          <a:ext cx="4025904" cy="427567"/>
+        </p:xfrm>
+        <a:graphic>
+          <a:graphicData uri="http://schemas.openxmlformats.org/drawingml/2006/table">
+            <a:tbl>
+              <a:tblPr firstRow="1" bandRow="1">
+                <a:tableStyleId>{5C22544A-7EE6-4342-B048-85BDC9FD1C3A}</a:tableStyleId>
+              </a:tblPr>
+              <a:tblGrid>
+                <a:gridCol w="503238">
+                  <a:extLst>
+                    <a:ext uri="{9D8B030D-6E8A-4147-A177-3AD203B41FA5}">
+                      <a16:colId xmlns:a16="http://schemas.microsoft.com/office/drawing/2014/main" val="2797218297"/>
+                    </a:ext>
+                  </a:extLst>
+                </a:gridCol>
+                <a:gridCol w="503238">
+                  <a:extLst>
+                    <a:ext uri="{9D8B030D-6E8A-4147-A177-3AD203B41FA5}">
+                      <a16:colId xmlns:a16="http://schemas.microsoft.com/office/drawing/2014/main" val="1375029806"/>
+                    </a:ext>
+                  </a:extLst>
+                </a:gridCol>
+                <a:gridCol w="503238">
+                  <a:extLst>
+                    <a:ext uri="{9D8B030D-6E8A-4147-A177-3AD203B41FA5}">
+                      <a16:colId xmlns:a16="http://schemas.microsoft.com/office/drawing/2014/main" val="2805382108"/>
+                    </a:ext>
+                  </a:extLst>
+                </a:gridCol>
+                <a:gridCol w="503238">
+                  <a:extLst>
+                    <a:ext uri="{9D8B030D-6E8A-4147-A177-3AD203B41FA5}">
+                      <a16:colId xmlns:a16="http://schemas.microsoft.com/office/drawing/2014/main" val="1788111919"/>
+                    </a:ext>
+                  </a:extLst>
+                </a:gridCol>
+                <a:gridCol w="503238">
+                  <a:extLst>
+                    <a:ext uri="{9D8B030D-6E8A-4147-A177-3AD203B41FA5}">
+                      <a16:colId xmlns:a16="http://schemas.microsoft.com/office/drawing/2014/main" val="2780197273"/>
+                    </a:ext>
+                  </a:extLst>
+                </a:gridCol>
+                <a:gridCol w="503238">
+                  <a:extLst>
+                    <a:ext uri="{9D8B030D-6E8A-4147-A177-3AD203B41FA5}">
+                      <a16:colId xmlns:a16="http://schemas.microsoft.com/office/drawing/2014/main" val="1202739891"/>
+                    </a:ext>
+                  </a:extLst>
+                </a:gridCol>
+                <a:gridCol w="503238">
+                  <a:extLst>
+                    <a:ext uri="{9D8B030D-6E8A-4147-A177-3AD203B41FA5}">
+                      <a16:colId xmlns:a16="http://schemas.microsoft.com/office/drawing/2014/main" val="1135102306"/>
+                    </a:ext>
+                  </a:extLst>
+                </a:gridCol>
+                <a:gridCol w="503238">
+                  <a:extLst>
+                    <a:ext uri="{9D8B030D-6E8A-4147-A177-3AD203B41FA5}">
+                      <a16:colId xmlns:a16="http://schemas.microsoft.com/office/drawing/2014/main" val="2656748054"/>
+                    </a:ext>
+                  </a:extLst>
+                </a:gridCol>
+              </a:tblGrid>
+              <a:tr h="427567">
+                <a:tc>
+                  <a:txBody>
+                    <a:bodyPr/>
+                    <a:lstStyle/>
+                    <a:p>
+                      <a:pPr latinLnBrk="1"/>
+                      <a:endParaRPr lang="ko-KR" altLang="en-US" dirty="0"/>
+                    </a:p>
+                  </a:txBody>
+                  <a:tcPr>
+                    <a:lnL w="12700" cap="flat" cmpd="sng" algn="ctr">
+                      <a:solidFill>
+                        <a:schemeClr val="tx1"/>
+                      </a:solidFill>
+                      <a:prstDash val="solid"/>
+                      <a:round/>
+                      <a:headEnd type="none" w="med" len="med"/>
+                      <a:tailEnd type="none" w="med" len="med"/>
+                    </a:lnL>
+                    <a:lnR w="12700" cap="flat" cmpd="sng" algn="ctr">
+                      <a:solidFill>
+                        <a:schemeClr val="tx1"/>
+                      </a:solidFill>
+                      <a:prstDash val="solid"/>
+                      <a:round/>
+                      <a:headEnd type="none" w="med" len="med"/>
+                      <a:tailEnd type="none" w="med" len="med"/>
+                    </a:lnR>
+                    <a:lnT w="12700" cap="flat" cmpd="sng" algn="ctr">
+                      <a:solidFill>
+                        <a:schemeClr val="tx1"/>
+                      </a:solidFill>
+                      <a:prstDash val="solid"/>
+                      <a:round/>
+                      <a:headEnd type="none" w="med" len="med"/>
+                      <a:tailEnd type="none" w="med" len="med"/>
+                    </a:lnT>
+                    <a:lnB w="12700" cap="flat" cmpd="sng" algn="ctr">
+                      <a:solidFill>
+                        <a:schemeClr val="tx1"/>
+                      </a:solidFill>
+                      <a:prstDash val="solid"/>
+                      <a:round/>
+                      <a:headEnd type="none" w="med" len="med"/>
+                      <a:tailEnd type="none" w="med" len="med"/>
+                    </a:lnB>
+                    <a:solidFill>
+                      <a:schemeClr val="bg1">
+                        <a:lumMod val="95000"/>
+                      </a:schemeClr>
+                    </a:solidFill>
+                  </a:tcPr>
+                </a:tc>
+                <a:tc>
+                  <a:txBody>
+                    <a:bodyPr/>
+                    <a:lstStyle/>
+                    <a:p>
+                      <a:pPr latinLnBrk="1"/>
+                      <a:endParaRPr lang="ko-KR" altLang="en-US" dirty="0"/>
+                    </a:p>
+                  </a:txBody>
+                  <a:tcPr>
+                    <a:lnL w="12700" cap="flat" cmpd="sng" algn="ctr">
+                      <a:solidFill>
+                        <a:schemeClr val="tx1"/>
+                      </a:solidFill>
+                      <a:prstDash val="solid"/>
+                      <a:round/>
+                      <a:headEnd type="none" w="med" len="med"/>
+                      <a:tailEnd type="none" w="med" len="med"/>
+                    </a:lnL>
+                    <a:lnR w="12700" cap="flat" cmpd="sng" algn="ctr">
+                      <a:solidFill>
+                        <a:schemeClr val="tx1"/>
+                      </a:solidFill>
+                      <a:prstDash val="solid"/>
+                      <a:round/>
+                      <a:headEnd type="none" w="med" len="med"/>
+                      <a:tailEnd type="none" w="med" len="med"/>
+                    </a:lnR>
+                    <a:lnT w="12700" cap="flat" cmpd="sng" algn="ctr">
+                      <a:solidFill>
+                        <a:schemeClr val="tx1"/>
+                      </a:solidFill>
+                      <a:prstDash val="solid"/>
+                      <a:round/>
+                      <a:headEnd type="none" w="med" len="med"/>
+                      <a:tailEnd type="none" w="med" len="med"/>
+                    </a:lnT>
+                    <a:lnB w="12700" cap="flat" cmpd="sng" algn="ctr">
+                      <a:solidFill>
+                        <a:schemeClr val="tx1"/>
+                      </a:solidFill>
+                      <a:prstDash val="solid"/>
+                      <a:round/>
+                      <a:headEnd type="none" w="med" len="med"/>
+                      <a:tailEnd type="none" w="med" len="med"/>
+                    </a:lnB>
+                    <a:solidFill>
+                      <a:schemeClr val="tx1">
+                        <a:lumMod val="95000"/>
+                        <a:lumOff val="5000"/>
+                      </a:schemeClr>
+                    </a:solidFill>
+                  </a:tcPr>
+                </a:tc>
+                <a:tc>
+                  <a:txBody>
+                    <a:bodyPr/>
+                    <a:lstStyle/>
+                    <a:p>
+                      <a:pPr latinLnBrk="1"/>
+                      <a:endParaRPr lang="ko-KR" altLang="en-US" dirty="0"/>
+                    </a:p>
+                  </a:txBody>
+                  <a:tcPr>
+                    <a:lnL w="12700" cap="flat" cmpd="sng" algn="ctr">
+                      <a:solidFill>
+                        <a:schemeClr val="tx1"/>
+                      </a:solidFill>
+                      <a:prstDash val="solid"/>
+                      <a:round/>
+                      <a:headEnd type="none" w="med" len="med"/>
+                      <a:tailEnd type="none" w="med" len="med"/>
+                    </a:lnL>
+                    <a:lnR w="12700" cap="flat" cmpd="sng" algn="ctr">
+                      <a:solidFill>
+                        <a:schemeClr val="tx1"/>
+                      </a:solidFill>
+                      <a:prstDash val="solid"/>
+                      <a:round/>
+                      <a:headEnd type="none" w="med" len="med"/>
+                      <a:tailEnd type="none" w="med" len="med"/>
+                    </a:lnR>
+                    <a:lnT w="12700" cap="flat" cmpd="sng" algn="ctr">
+                      <a:solidFill>
+                        <a:schemeClr val="tx1"/>
+                      </a:solidFill>
+                      <a:prstDash val="solid"/>
+                      <a:round/>
+                      <a:headEnd type="none" w="med" len="med"/>
+                      <a:tailEnd type="none" w="med" len="med"/>
+                    </a:lnT>
+                    <a:lnB w="12700" cap="flat" cmpd="sng" algn="ctr">
+                      <a:solidFill>
+                        <a:schemeClr val="tx1"/>
+                      </a:solidFill>
+                      <a:prstDash val="solid"/>
+                      <a:round/>
+                      <a:headEnd type="none" w="med" len="med"/>
+                      <a:tailEnd type="none" w="med" len="med"/>
+                    </a:lnB>
+                    <a:solidFill>
+                      <a:schemeClr val="bg1">
+                        <a:lumMod val="95000"/>
+                      </a:schemeClr>
+                    </a:solidFill>
+                  </a:tcPr>
+                </a:tc>
+                <a:tc>
+                  <a:txBody>
+                    <a:bodyPr/>
+                    <a:lstStyle/>
+                    <a:p>
+                      <a:pPr latinLnBrk="1"/>
+                      <a:endParaRPr lang="ko-KR" altLang="en-US" dirty="0"/>
+                    </a:p>
+                  </a:txBody>
+                  <a:tcPr>
+                    <a:lnL w="12700" cap="flat" cmpd="sng" algn="ctr">
+                      <a:solidFill>
+                        <a:schemeClr val="tx1"/>
+                      </a:solidFill>
+                      <a:prstDash val="solid"/>
+                      <a:round/>
+                      <a:headEnd type="none" w="med" len="med"/>
+                      <a:tailEnd type="none" w="med" len="med"/>
+                    </a:lnL>
+                    <a:lnR w="12700" cap="flat" cmpd="sng" algn="ctr">
+                      <a:solidFill>
+                        <a:schemeClr val="tx1"/>
+                      </a:solidFill>
+                      <a:prstDash val="solid"/>
+                      <a:round/>
+                      <a:headEnd type="none" w="med" len="med"/>
+                      <a:tailEnd type="none" w="med" len="med"/>
+                    </a:lnR>
+                    <a:lnT w="12700" cap="flat" cmpd="sng" algn="ctr">
+                      <a:solidFill>
+                        <a:schemeClr val="tx1"/>
+                      </a:solidFill>
+                      <a:prstDash val="solid"/>
+                      <a:round/>
+                      <a:headEnd type="none" w="med" len="med"/>
+                      <a:tailEnd type="none" w="med" len="med"/>
+                    </a:lnT>
+                    <a:lnB w="12700" cap="flat" cmpd="sng" algn="ctr">
+                      <a:solidFill>
+                        <a:schemeClr val="tx1"/>
+                      </a:solidFill>
+                      <a:prstDash val="solid"/>
+                      <a:round/>
+                      <a:headEnd type="none" w="med" len="med"/>
+                      <a:tailEnd type="none" w="med" len="med"/>
+                    </a:lnB>
+                    <a:solidFill>
+                      <a:schemeClr val="tx1">
+                        <a:lumMod val="95000"/>
+                        <a:lumOff val="5000"/>
+                      </a:schemeClr>
+                    </a:solidFill>
+                  </a:tcPr>
+                </a:tc>
+                <a:tc>
+                  <a:txBody>
+                    <a:bodyPr/>
+                    <a:lstStyle/>
+                    <a:p>
+                      <a:pPr latinLnBrk="1"/>
+                      <a:endParaRPr lang="ko-KR" altLang="en-US" dirty="0"/>
+                    </a:p>
+                  </a:txBody>
+                  <a:tcPr>
+                    <a:lnL w="12700" cap="flat" cmpd="sng" algn="ctr">
+                      <a:solidFill>
+                        <a:schemeClr val="tx1"/>
+                      </a:solidFill>
+                      <a:prstDash val="solid"/>
+                      <a:round/>
+                      <a:headEnd type="none" w="med" len="med"/>
+                      <a:tailEnd type="none" w="med" len="med"/>
+                    </a:lnL>
+                    <a:lnR w="12700" cap="flat" cmpd="sng" algn="ctr">
+                      <a:solidFill>
+                        <a:schemeClr val="tx1"/>
+                      </a:solidFill>
+                      <a:prstDash val="solid"/>
+                      <a:round/>
+                      <a:headEnd type="none" w="med" len="med"/>
+                      <a:tailEnd type="none" w="med" len="med"/>
+                    </a:lnR>
+                    <a:lnT w="12700" cap="flat" cmpd="sng" algn="ctr">
+                      <a:solidFill>
+                        <a:schemeClr val="tx1"/>
+                      </a:solidFill>
+                      <a:prstDash val="solid"/>
+                      <a:round/>
+                      <a:headEnd type="none" w="med" len="med"/>
+                      <a:tailEnd type="none" w="med" len="med"/>
+                    </a:lnT>
+                    <a:lnB w="12700" cap="flat" cmpd="sng" algn="ctr">
+                      <a:solidFill>
+                        <a:schemeClr val="tx1"/>
+                      </a:solidFill>
+                      <a:prstDash val="solid"/>
+                      <a:round/>
+                      <a:headEnd type="none" w="med" len="med"/>
+                      <a:tailEnd type="none" w="med" len="med"/>
+                    </a:lnB>
+                    <a:solidFill>
+                      <a:schemeClr val="bg1">
+                        <a:lumMod val="95000"/>
+                      </a:schemeClr>
+                    </a:solidFill>
+                  </a:tcPr>
+                </a:tc>
+                <a:tc>
+                  <a:txBody>
+                    <a:bodyPr/>
+                    <a:lstStyle/>
+                    <a:p>
+                      <a:pPr latinLnBrk="1"/>
+                      <a:endParaRPr lang="ko-KR" altLang="en-US" dirty="0"/>
+                    </a:p>
+                  </a:txBody>
+                  <a:tcPr>
+                    <a:lnL w="12700" cap="flat" cmpd="sng" algn="ctr">
+                      <a:solidFill>
+                        <a:schemeClr val="tx1"/>
+                      </a:solidFill>
+                      <a:prstDash val="solid"/>
+                      <a:round/>
+                      <a:headEnd type="none" w="med" len="med"/>
+                      <a:tailEnd type="none" w="med" len="med"/>
+                    </a:lnL>
+                    <a:lnR w="12700" cap="flat" cmpd="sng" algn="ctr">
+                      <a:solidFill>
+                        <a:schemeClr val="tx1"/>
+                      </a:solidFill>
+                      <a:prstDash val="solid"/>
+                      <a:round/>
+                      <a:headEnd type="none" w="med" len="med"/>
+                      <a:tailEnd type="none" w="med" len="med"/>
+                    </a:lnR>
+                    <a:lnT w="12700" cap="flat" cmpd="sng" algn="ctr">
+                      <a:solidFill>
+                        <a:schemeClr val="tx1"/>
+                      </a:solidFill>
+                      <a:prstDash val="solid"/>
+                      <a:round/>
+                      <a:headEnd type="none" w="med" len="med"/>
+                      <a:tailEnd type="none" w="med" len="med"/>
+                    </a:lnT>
+                    <a:lnB w="12700" cap="flat" cmpd="sng" algn="ctr">
+                      <a:solidFill>
+                        <a:schemeClr val="tx1"/>
+                      </a:solidFill>
+                      <a:prstDash val="solid"/>
+                      <a:round/>
+                      <a:headEnd type="none" w="med" len="med"/>
+                      <a:tailEnd type="none" w="med" len="med"/>
+                    </a:lnB>
+                    <a:solidFill>
+                      <a:schemeClr val="tx1">
+                        <a:lumMod val="95000"/>
+                        <a:lumOff val="5000"/>
+                      </a:schemeClr>
+                    </a:solidFill>
+                  </a:tcPr>
+                </a:tc>
+                <a:tc>
+                  <a:txBody>
+                    <a:bodyPr/>
+                    <a:lstStyle/>
+                    <a:p>
+                      <a:pPr latinLnBrk="1"/>
+                      <a:endParaRPr lang="ko-KR" altLang="en-US" dirty="0"/>
+                    </a:p>
+                  </a:txBody>
+                  <a:tcPr>
+                    <a:lnL w="12700" cap="flat" cmpd="sng" algn="ctr">
+                      <a:solidFill>
+                        <a:schemeClr val="tx1"/>
+                      </a:solidFill>
+                      <a:prstDash val="solid"/>
+                      <a:round/>
+                      <a:headEnd type="none" w="med" len="med"/>
+                      <a:tailEnd type="none" w="med" len="med"/>
+                    </a:lnL>
+                    <a:lnR w="12700" cap="flat" cmpd="sng" algn="ctr">
+                      <a:solidFill>
+                        <a:schemeClr val="tx1"/>
+                      </a:solidFill>
+                      <a:prstDash val="solid"/>
+                      <a:round/>
+                      <a:headEnd type="none" w="med" len="med"/>
+                      <a:tailEnd type="none" w="med" len="med"/>
+                    </a:lnR>
+                    <a:lnT w="12700" cap="flat" cmpd="sng" algn="ctr">
+                      <a:solidFill>
+                        <a:schemeClr val="tx1"/>
+                      </a:solidFill>
+                      <a:prstDash val="solid"/>
+                      <a:round/>
+                      <a:headEnd type="none" w="med" len="med"/>
+                      <a:tailEnd type="none" w="med" len="med"/>
+                    </a:lnT>
+                    <a:lnB w="12700" cap="flat" cmpd="sng" algn="ctr">
+                      <a:solidFill>
+                        <a:schemeClr val="tx1"/>
+                      </a:solidFill>
+                      <a:prstDash val="solid"/>
+                      <a:round/>
+                      <a:headEnd type="none" w="med" len="med"/>
+                      <a:tailEnd type="none" w="med" len="med"/>
+                    </a:lnB>
+                    <a:solidFill>
+                      <a:schemeClr val="bg1">
+                        <a:lumMod val="95000"/>
+                      </a:schemeClr>
+                    </a:solidFill>
+                  </a:tcPr>
+                </a:tc>
+                <a:tc>
+                  <a:txBody>
+                    <a:bodyPr/>
+                    <a:lstStyle/>
+                    <a:p>
+                      <a:pPr latinLnBrk="1"/>
+                      <a:endParaRPr lang="ko-KR" altLang="en-US" dirty="0"/>
+                    </a:p>
+                  </a:txBody>
+                  <a:tcPr>
+                    <a:lnL w="12700" cap="flat" cmpd="sng" algn="ctr">
+                      <a:solidFill>
+                        <a:schemeClr val="tx1"/>
+                      </a:solidFill>
+                      <a:prstDash val="solid"/>
+                      <a:round/>
+                      <a:headEnd type="none" w="med" len="med"/>
+                      <a:tailEnd type="none" w="med" len="med"/>
+                    </a:lnL>
+                    <a:lnR w="12700" cap="flat" cmpd="sng" algn="ctr">
+                      <a:solidFill>
+                        <a:schemeClr val="tx1"/>
+                      </a:solidFill>
+                      <a:prstDash val="solid"/>
+                      <a:round/>
+                      <a:headEnd type="none" w="med" len="med"/>
+                      <a:tailEnd type="none" w="med" len="med"/>
+                    </a:lnR>
+                    <a:lnT w="12700" cap="flat" cmpd="sng" algn="ctr">
+                      <a:solidFill>
+                        <a:schemeClr val="tx1"/>
+                      </a:solidFill>
+                      <a:prstDash val="solid"/>
+                      <a:round/>
+                      <a:headEnd type="none" w="med" len="med"/>
+                      <a:tailEnd type="none" w="med" len="med"/>
+                    </a:lnT>
+                    <a:lnB w="12700" cap="flat" cmpd="sng" algn="ctr">
+                      <a:solidFill>
+                        <a:schemeClr val="tx1"/>
+                      </a:solidFill>
+                      <a:prstDash val="solid"/>
+                      <a:round/>
+                      <a:headEnd type="none" w="med" len="med"/>
+                      <a:tailEnd type="none" w="med" len="med"/>
+                    </a:lnB>
+                    <a:solidFill>
+                      <a:schemeClr val="tx1">
+                        <a:lumMod val="95000"/>
+                        <a:lumOff val="5000"/>
+                      </a:schemeClr>
+                    </a:solidFill>
+                  </a:tcPr>
+                </a:tc>
+                <a:extLst>
+                  <a:ext uri="{0D108BD9-81ED-4DB2-BD59-A6C34878D82A}">
+                    <a16:rowId xmlns:a16="http://schemas.microsoft.com/office/drawing/2014/main" val="4245482167"/>
+                  </a:ext>
+                </a:extLst>
+              </a:tr>
+            </a:tbl>
+          </a:graphicData>
+        </a:graphic>
+      </p:graphicFrame>
+      <p:graphicFrame>
+        <p:nvGraphicFramePr>
+          <p:cNvPr id="6" name="표 5">
+            <a:extLst>
+              <a:ext uri="{FF2B5EF4-FFF2-40B4-BE49-F238E27FC236}">
+                <a16:creationId xmlns:a16="http://schemas.microsoft.com/office/drawing/2014/main" id="{9DF08C7E-27BF-8CD3-71EF-699692ACE59D}"/>
+              </a:ext>
+            </a:extLst>
+          </p:cNvPr>
+          <p:cNvGraphicFramePr>
+            <a:graphicFrameLocks noGrp="1"/>
+          </p:cNvGraphicFramePr>
+          <p:nvPr>
+            <p:extLst>
+              <p:ext uri="{D42A27DB-BD31-4B8C-83A1-F6EECF244321}">
+                <p14:modId xmlns:p14="http://schemas.microsoft.com/office/powerpoint/2010/main" val="1461577212"/>
+              </p:ext>
+            </p:extLst>
+          </p:nvPr>
+        </p:nvGraphicFramePr>
+        <p:xfrm>
+          <a:off x="482600" y="1951567"/>
+          <a:ext cx="4025904" cy="427567"/>
+        </p:xfrm>
+        <a:graphic>
+          <a:graphicData uri="http://schemas.openxmlformats.org/drawingml/2006/table">
+            <a:tbl>
+              <a:tblPr firstRow="1" bandRow="1">
+                <a:tableStyleId>{5C22544A-7EE6-4342-B048-85BDC9FD1C3A}</a:tableStyleId>
+              </a:tblPr>
+              <a:tblGrid>
+                <a:gridCol w="503238">
+                  <a:extLst>
+                    <a:ext uri="{9D8B030D-6E8A-4147-A177-3AD203B41FA5}">
+                      <a16:colId xmlns:a16="http://schemas.microsoft.com/office/drawing/2014/main" val="1245594285"/>
+                    </a:ext>
+                  </a:extLst>
+                </a:gridCol>
+                <a:gridCol w="503238">
+                  <a:extLst>
+                    <a:ext uri="{9D8B030D-6E8A-4147-A177-3AD203B41FA5}">
+                      <a16:colId xmlns:a16="http://schemas.microsoft.com/office/drawing/2014/main" val="2046667996"/>
+                    </a:ext>
+                  </a:extLst>
+                </a:gridCol>
+                <a:gridCol w="503238">
+                  <a:extLst>
+                    <a:ext uri="{9D8B030D-6E8A-4147-A177-3AD203B41FA5}">
+                      <a16:colId xmlns:a16="http://schemas.microsoft.com/office/drawing/2014/main" val="3261463107"/>
+                    </a:ext>
+                  </a:extLst>
+                </a:gridCol>
+                <a:gridCol w="503238">
+                  <a:extLst>
+                    <a:ext uri="{9D8B030D-6E8A-4147-A177-3AD203B41FA5}">
+                      <a16:colId xmlns:a16="http://schemas.microsoft.com/office/drawing/2014/main" val="3232313719"/>
+                    </a:ext>
+                  </a:extLst>
+                </a:gridCol>
+                <a:gridCol w="503238">
+                  <a:extLst>
+                    <a:ext uri="{9D8B030D-6E8A-4147-A177-3AD203B41FA5}">
+                      <a16:colId xmlns:a16="http://schemas.microsoft.com/office/drawing/2014/main" val="2521536332"/>
+                    </a:ext>
+                  </a:extLst>
+                </a:gridCol>
+                <a:gridCol w="503238">
+                  <a:extLst>
+                    <a:ext uri="{9D8B030D-6E8A-4147-A177-3AD203B41FA5}">
+                      <a16:colId xmlns:a16="http://schemas.microsoft.com/office/drawing/2014/main" val="1332182922"/>
+                    </a:ext>
+                  </a:extLst>
+                </a:gridCol>
+                <a:gridCol w="503238">
+                  <a:extLst>
+                    <a:ext uri="{9D8B030D-6E8A-4147-A177-3AD203B41FA5}">
+                      <a16:colId xmlns:a16="http://schemas.microsoft.com/office/drawing/2014/main" val="3938430726"/>
+                    </a:ext>
+                  </a:extLst>
+                </a:gridCol>
+                <a:gridCol w="503238">
+                  <a:extLst>
+                    <a:ext uri="{9D8B030D-6E8A-4147-A177-3AD203B41FA5}">
+                      <a16:colId xmlns:a16="http://schemas.microsoft.com/office/drawing/2014/main" val="294283129"/>
+                    </a:ext>
+                  </a:extLst>
+                </a:gridCol>
+              </a:tblGrid>
+              <a:tr h="427567">
+                <a:tc>
+                  <a:txBody>
+                    <a:bodyPr/>
+                    <a:lstStyle/>
+                    <a:p>
+                      <a:pPr latinLnBrk="1"/>
+                      <a:endParaRPr lang="ko-KR" altLang="en-US" dirty="0"/>
+                    </a:p>
+                  </a:txBody>
+                  <a:tcPr>
+                    <a:lnL w="12700" cap="flat" cmpd="sng" algn="ctr">
+                      <a:solidFill>
+                        <a:schemeClr val="tx1"/>
+                      </a:solidFill>
+                      <a:prstDash val="solid"/>
+                      <a:round/>
+                      <a:headEnd type="none" w="med" len="med"/>
+                      <a:tailEnd type="none" w="med" len="med"/>
+                    </a:lnL>
+                    <a:lnR w="12700" cap="flat" cmpd="sng" algn="ctr">
+                      <a:solidFill>
+                        <a:schemeClr val="tx1"/>
+                      </a:solidFill>
+                      <a:prstDash val="solid"/>
+                      <a:round/>
+                      <a:headEnd type="none" w="med" len="med"/>
+                      <a:tailEnd type="none" w="med" len="med"/>
+                    </a:lnR>
+                    <a:lnT w="12700" cap="flat" cmpd="sng" algn="ctr">
+                      <a:solidFill>
+                        <a:schemeClr val="tx1"/>
+                      </a:solidFill>
+                      <a:prstDash val="solid"/>
+                      <a:round/>
+                      <a:headEnd type="none" w="med" len="med"/>
+                      <a:tailEnd type="none" w="med" len="med"/>
+                    </a:lnT>
+                    <a:lnB w="12700" cap="flat" cmpd="sng" algn="ctr">
+                      <a:solidFill>
+                        <a:schemeClr val="tx1"/>
+                      </a:solidFill>
+                      <a:prstDash val="solid"/>
+                      <a:round/>
+                      <a:headEnd type="none" w="med" len="med"/>
+                      <a:tailEnd type="none" w="med" len="med"/>
+                    </a:lnB>
+                    <a:solidFill>
+                      <a:schemeClr val="tx1">
+                        <a:lumMod val="95000"/>
+                        <a:lumOff val="5000"/>
+                      </a:schemeClr>
+                    </a:solidFill>
+                  </a:tcPr>
+                </a:tc>
+                <a:tc>
+                  <a:txBody>
+                    <a:bodyPr/>
+                    <a:lstStyle/>
+                    <a:p>
+                      <a:pPr latinLnBrk="1"/>
+                      <a:endParaRPr lang="ko-KR" altLang="en-US" dirty="0"/>
+                    </a:p>
+                  </a:txBody>
+                  <a:tcPr>
+                    <a:lnL w="12700" cap="flat" cmpd="sng" algn="ctr">
+                      <a:solidFill>
+                        <a:schemeClr val="tx1"/>
+                      </a:solidFill>
+                      <a:prstDash val="solid"/>
+                      <a:round/>
+                      <a:headEnd type="none" w="med" len="med"/>
+                      <a:tailEnd type="none" w="med" len="med"/>
+                    </a:lnL>
+                    <a:lnR w="12700" cap="flat" cmpd="sng" algn="ctr">
+                      <a:solidFill>
+                        <a:schemeClr val="tx1"/>
+                      </a:solidFill>
+                      <a:prstDash val="solid"/>
+                      <a:round/>
+                      <a:headEnd type="none" w="med" len="med"/>
+                      <a:tailEnd type="none" w="med" len="med"/>
+                    </a:lnR>
+                    <a:lnT w="12700" cap="flat" cmpd="sng" algn="ctr">
+                      <a:solidFill>
+                        <a:schemeClr val="tx1"/>
+                      </a:solidFill>
+                      <a:prstDash val="solid"/>
+                      <a:round/>
+                      <a:headEnd type="none" w="med" len="med"/>
+                      <a:tailEnd type="none" w="med" len="med"/>
+                    </a:lnT>
+                    <a:lnB w="12700" cap="flat" cmpd="sng" algn="ctr">
+                      <a:solidFill>
+                        <a:schemeClr val="tx1"/>
+                      </a:solidFill>
+                      <a:prstDash val="solid"/>
+                      <a:round/>
+                      <a:headEnd type="none" w="med" len="med"/>
+                      <a:tailEnd type="none" w="med" len="med"/>
+                    </a:lnB>
+                    <a:solidFill>
+                      <a:schemeClr val="bg1">
+                        <a:lumMod val="95000"/>
+                      </a:schemeClr>
+                    </a:solidFill>
+                  </a:tcPr>
+                </a:tc>
+                <a:tc>
+                  <a:txBody>
+                    <a:bodyPr/>
+                    <a:lstStyle/>
+                    <a:p>
+                      <a:pPr latinLnBrk="1"/>
+                      <a:endParaRPr lang="ko-KR" altLang="en-US" dirty="0"/>
+                    </a:p>
+                  </a:txBody>
+                  <a:tcPr>
+                    <a:lnL w="12700" cap="flat" cmpd="sng" algn="ctr">
+                      <a:solidFill>
+                        <a:schemeClr val="tx1"/>
+                      </a:solidFill>
+                      <a:prstDash val="solid"/>
+                      <a:round/>
+                      <a:headEnd type="none" w="med" len="med"/>
+                      <a:tailEnd type="none" w="med" len="med"/>
+                    </a:lnL>
+                    <a:lnR w="12700" cap="flat" cmpd="sng" algn="ctr">
+                      <a:solidFill>
+                        <a:schemeClr val="tx1"/>
+                      </a:solidFill>
+                      <a:prstDash val="solid"/>
+                      <a:round/>
+                      <a:headEnd type="none" w="med" len="med"/>
+                      <a:tailEnd type="none" w="med" len="med"/>
+                    </a:lnR>
+                    <a:lnT w="12700" cap="flat" cmpd="sng" algn="ctr">
+                      <a:solidFill>
+                        <a:schemeClr val="tx1"/>
+                      </a:solidFill>
+                      <a:prstDash val="solid"/>
+                      <a:round/>
+                      <a:headEnd type="none" w="med" len="med"/>
+                      <a:tailEnd type="none" w="med" len="med"/>
+                    </a:lnT>
+                    <a:lnB w="12700" cap="flat" cmpd="sng" algn="ctr">
+                      <a:solidFill>
+                        <a:schemeClr val="tx1"/>
+                      </a:solidFill>
+                      <a:prstDash val="solid"/>
+                      <a:round/>
+                      <a:headEnd type="none" w="med" len="med"/>
+                      <a:tailEnd type="none" w="med" len="med"/>
+                    </a:lnB>
+                    <a:solidFill>
+                      <a:schemeClr val="tx1">
+                        <a:lumMod val="95000"/>
+                        <a:lumOff val="5000"/>
+                      </a:schemeClr>
+                    </a:solidFill>
+                  </a:tcPr>
+                </a:tc>
+                <a:tc>
+                  <a:txBody>
+                    <a:bodyPr/>
+                    <a:lstStyle/>
+                    <a:p>
+                      <a:pPr latinLnBrk="1"/>
+                      <a:endParaRPr lang="ko-KR" altLang="en-US" dirty="0"/>
+                    </a:p>
+                  </a:txBody>
+                  <a:tcPr>
+                    <a:lnL w="12700" cap="flat" cmpd="sng" algn="ctr">
+                      <a:solidFill>
+                        <a:schemeClr val="tx1"/>
+                      </a:solidFill>
+                      <a:prstDash val="solid"/>
+                      <a:round/>
+                      <a:headEnd type="none" w="med" len="med"/>
+                      <a:tailEnd type="none" w="med" len="med"/>
+                    </a:lnL>
+                    <a:lnR w="12700" cap="flat" cmpd="sng" algn="ctr">
+                      <a:solidFill>
+                        <a:schemeClr val="tx1"/>
+                      </a:solidFill>
+                      <a:prstDash val="solid"/>
+                      <a:round/>
+                      <a:headEnd type="none" w="med" len="med"/>
+                      <a:tailEnd type="none" w="med" len="med"/>
+                    </a:lnR>
+                    <a:lnT w="12700" cap="flat" cmpd="sng" algn="ctr">
+                      <a:solidFill>
+                        <a:schemeClr val="tx1"/>
+                      </a:solidFill>
+                      <a:prstDash val="solid"/>
+                      <a:round/>
+                      <a:headEnd type="none" w="med" len="med"/>
+                      <a:tailEnd type="none" w="med" len="med"/>
+                    </a:lnT>
+                    <a:lnB w="12700" cap="flat" cmpd="sng" algn="ctr">
+                      <a:solidFill>
+                        <a:schemeClr val="tx1"/>
+                      </a:solidFill>
+                      <a:prstDash val="solid"/>
+                      <a:round/>
+                      <a:headEnd type="none" w="med" len="med"/>
+                      <a:tailEnd type="none" w="med" len="med"/>
+                    </a:lnB>
+                    <a:solidFill>
+                      <a:schemeClr val="bg1">
+                        <a:lumMod val="95000"/>
+                      </a:schemeClr>
+                    </a:solidFill>
+                  </a:tcPr>
+                </a:tc>
+                <a:tc>
+                  <a:txBody>
+                    <a:bodyPr/>
+                    <a:lstStyle/>
+                    <a:p>
+                      <a:pPr latinLnBrk="1"/>
+                      <a:endParaRPr lang="ko-KR" altLang="en-US" dirty="0"/>
+                    </a:p>
+                  </a:txBody>
+                  <a:tcPr>
+                    <a:lnL w="12700" cap="flat" cmpd="sng" algn="ctr">
+                      <a:solidFill>
+                        <a:schemeClr val="tx1"/>
+                      </a:solidFill>
+                      <a:prstDash val="solid"/>
+                      <a:round/>
+                      <a:headEnd type="none" w="med" len="med"/>
+                      <a:tailEnd type="none" w="med" len="med"/>
+                    </a:lnL>
+                    <a:lnR w="12700" cap="flat" cmpd="sng" algn="ctr">
+                      <a:solidFill>
+                        <a:schemeClr val="tx1"/>
+                      </a:solidFill>
+                      <a:prstDash val="solid"/>
+                      <a:round/>
+                      <a:headEnd type="none" w="med" len="med"/>
+                      <a:tailEnd type="none" w="med" len="med"/>
+                    </a:lnR>
+                    <a:lnT w="12700" cap="flat" cmpd="sng" algn="ctr">
+                      <a:solidFill>
+                        <a:schemeClr val="tx1"/>
+                      </a:solidFill>
+                      <a:prstDash val="solid"/>
+                      <a:round/>
+                      <a:headEnd type="none" w="med" len="med"/>
+                      <a:tailEnd type="none" w="med" len="med"/>
+                    </a:lnT>
+                    <a:lnB w="12700" cap="flat" cmpd="sng" algn="ctr">
+                      <a:solidFill>
+                        <a:schemeClr val="tx1"/>
+                      </a:solidFill>
+                      <a:prstDash val="solid"/>
+                      <a:round/>
+                      <a:headEnd type="none" w="med" len="med"/>
+                      <a:tailEnd type="none" w="med" len="med"/>
+                    </a:lnB>
+                    <a:solidFill>
+                      <a:schemeClr val="tx1">
+                        <a:lumMod val="95000"/>
+                        <a:lumOff val="5000"/>
+                      </a:schemeClr>
+                    </a:solidFill>
+                  </a:tcPr>
+                </a:tc>
+                <a:tc>
+                  <a:txBody>
+                    <a:bodyPr/>
+                    <a:lstStyle/>
+                    <a:p>
+                      <a:pPr latinLnBrk="1"/>
+                      <a:endParaRPr lang="ko-KR" altLang="en-US" dirty="0"/>
+                    </a:p>
+                  </a:txBody>
+                  <a:tcPr>
+                    <a:lnL w="12700" cap="flat" cmpd="sng" algn="ctr">
+                      <a:solidFill>
+                        <a:schemeClr val="tx1"/>
+                      </a:solidFill>
+                      <a:prstDash val="solid"/>
+                      <a:round/>
+                      <a:headEnd type="none" w="med" len="med"/>
+                      <a:tailEnd type="none" w="med" len="med"/>
+                    </a:lnL>
+                    <a:lnR w="12700" cap="flat" cmpd="sng" algn="ctr">
+                      <a:solidFill>
+                        <a:schemeClr val="tx1"/>
+                      </a:solidFill>
+                      <a:prstDash val="solid"/>
+                      <a:round/>
+                      <a:headEnd type="none" w="med" len="med"/>
+                      <a:tailEnd type="none" w="med" len="med"/>
+                    </a:lnR>
+                    <a:lnT w="12700" cap="flat" cmpd="sng" algn="ctr">
+                      <a:solidFill>
+                        <a:schemeClr val="tx1"/>
+                      </a:solidFill>
+                      <a:prstDash val="solid"/>
+                      <a:round/>
+                      <a:headEnd type="none" w="med" len="med"/>
+                      <a:tailEnd type="none" w="med" len="med"/>
+                    </a:lnT>
+                    <a:lnB w="12700" cap="flat" cmpd="sng" algn="ctr">
+                      <a:solidFill>
+                        <a:schemeClr val="tx1"/>
+                      </a:solidFill>
+                      <a:prstDash val="solid"/>
+                      <a:round/>
+                      <a:headEnd type="none" w="med" len="med"/>
+                      <a:tailEnd type="none" w="med" len="med"/>
+                    </a:lnB>
+                    <a:solidFill>
+                      <a:schemeClr val="bg1">
+                        <a:lumMod val="95000"/>
+                      </a:schemeClr>
+                    </a:solidFill>
+                  </a:tcPr>
+                </a:tc>
+                <a:tc>
+                  <a:txBody>
+                    <a:bodyPr/>
+                    <a:lstStyle/>
+                    <a:p>
+                      <a:pPr latinLnBrk="1"/>
+                      <a:endParaRPr lang="ko-KR" altLang="en-US" dirty="0"/>
+                    </a:p>
+                  </a:txBody>
+                  <a:tcPr>
+                    <a:lnL w="12700" cap="flat" cmpd="sng" algn="ctr">
+                      <a:solidFill>
+                        <a:schemeClr val="tx1"/>
+                      </a:solidFill>
+                      <a:prstDash val="solid"/>
+                      <a:round/>
+                      <a:headEnd type="none" w="med" len="med"/>
+                      <a:tailEnd type="none" w="med" len="med"/>
+                    </a:lnL>
+                    <a:lnR w="12700" cap="flat" cmpd="sng" algn="ctr">
+                      <a:solidFill>
+                        <a:schemeClr val="tx1"/>
+                      </a:solidFill>
+                      <a:prstDash val="solid"/>
+                      <a:round/>
+                      <a:headEnd type="none" w="med" len="med"/>
+                      <a:tailEnd type="none" w="med" len="med"/>
+                    </a:lnR>
+                    <a:lnT w="12700" cap="flat" cmpd="sng" algn="ctr">
+                      <a:solidFill>
+                        <a:schemeClr val="tx1"/>
+                      </a:solidFill>
+                      <a:prstDash val="solid"/>
+                      <a:round/>
+                      <a:headEnd type="none" w="med" len="med"/>
+                      <a:tailEnd type="none" w="med" len="med"/>
+                    </a:lnT>
+                    <a:lnB w="12700" cap="flat" cmpd="sng" algn="ctr">
+                      <a:solidFill>
+                        <a:schemeClr val="tx1"/>
+                      </a:solidFill>
+                      <a:prstDash val="solid"/>
+                      <a:round/>
+                      <a:headEnd type="none" w="med" len="med"/>
+                      <a:tailEnd type="none" w="med" len="med"/>
+                    </a:lnB>
+                    <a:solidFill>
+                      <a:schemeClr val="tx1">
+                        <a:lumMod val="95000"/>
+                        <a:lumOff val="5000"/>
+                      </a:schemeClr>
+                    </a:solidFill>
+                  </a:tcPr>
+                </a:tc>
+                <a:tc>
+                  <a:txBody>
+                    <a:bodyPr/>
+                    <a:lstStyle/>
+                    <a:p>
+                      <a:pPr latinLnBrk="1"/>
+                      <a:endParaRPr lang="ko-KR" altLang="en-US" dirty="0"/>
+                    </a:p>
+                  </a:txBody>
+                  <a:tcPr>
+                    <a:lnL w="12700" cap="flat" cmpd="sng" algn="ctr">
+                      <a:solidFill>
+                        <a:schemeClr val="tx1"/>
+                      </a:solidFill>
+                      <a:prstDash val="solid"/>
+                      <a:round/>
+                      <a:headEnd type="none" w="med" len="med"/>
+                      <a:tailEnd type="none" w="med" len="med"/>
+                    </a:lnL>
+                    <a:lnR w="12700" cap="flat" cmpd="sng" algn="ctr">
+                      <a:solidFill>
+                        <a:schemeClr val="tx1"/>
+                      </a:solidFill>
+                      <a:prstDash val="solid"/>
+                      <a:round/>
+                      <a:headEnd type="none" w="med" len="med"/>
+                      <a:tailEnd type="none" w="med" len="med"/>
+                    </a:lnR>
+                    <a:lnT w="12700" cap="flat" cmpd="sng" algn="ctr">
+                      <a:solidFill>
+                        <a:schemeClr val="tx1"/>
+                      </a:solidFill>
+                      <a:prstDash val="solid"/>
+                      <a:round/>
+                      <a:headEnd type="none" w="med" len="med"/>
+                      <a:tailEnd type="none" w="med" len="med"/>
+                    </a:lnT>
+                    <a:lnB w="12700" cap="flat" cmpd="sng" algn="ctr">
+                      <a:solidFill>
+                        <a:schemeClr val="tx1"/>
+                      </a:solidFill>
+                      <a:prstDash val="solid"/>
+                      <a:round/>
+                      <a:headEnd type="none" w="med" len="med"/>
+                      <a:tailEnd type="none" w="med" len="med"/>
+                    </a:lnB>
+                    <a:solidFill>
+                      <a:schemeClr val="bg1">
+                        <a:lumMod val="95000"/>
+                      </a:schemeClr>
+                    </a:solidFill>
+                  </a:tcPr>
+                </a:tc>
+                <a:extLst>
+                  <a:ext uri="{0D108BD9-81ED-4DB2-BD59-A6C34878D82A}">
+                    <a16:rowId xmlns:a16="http://schemas.microsoft.com/office/drawing/2014/main" val="1103631435"/>
+                  </a:ext>
+                </a:extLst>
+              </a:tr>
+            </a:tbl>
+          </a:graphicData>
+        </a:graphic>
+      </p:graphicFrame>
+      <p:graphicFrame>
+        <p:nvGraphicFramePr>
+          <p:cNvPr id="7" name="표 6">
+            <a:extLst>
+              <a:ext uri="{FF2B5EF4-FFF2-40B4-BE49-F238E27FC236}">
+                <a16:creationId xmlns:a16="http://schemas.microsoft.com/office/drawing/2014/main" id="{97234621-675C-B2AD-6B1E-AAEB58231AA3}"/>
+              </a:ext>
+            </a:extLst>
+          </p:cNvPr>
+          <p:cNvGraphicFramePr>
+            <a:graphicFrameLocks noGrp="1"/>
+          </p:cNvGraphicFramePr>
+          <p:nvPr>
+            <p:extLst>
+              <p:ext uri="{D42A27DB-BD31-4B8C-83A1-F6EECF244321}">
+                <p14:modId xmlns:p14="http://schemas.microsoft.com/office/powerpoint/2010/main" val="2887888073"/>
+              </p:ext>
+            </p:extLst>
+          </p:nvPr>
+        </p:nvGraphicFramePr>
+        <p:xfrm>
+          <a:off x="482600" y="2806700"/>
+          <a:ext cx="4025904" cy="427567"/>
+        </p:xfrm>
+        <a:graphic>
+          <a:graphicData uri="http://schemas.openxmlformats.org/drawingml/2006/table">
+            <a:tbl>
+              <a:tblPr firstRow="1" bandRow="1">
+                <a:tableStyleId>{5C22544A-7EE6-4342-B048-85BDC9FD1C3A}</a:tableStyleId>
+              </a:tblPr>
+              <a:tblGrid>
+                <a:gridCol w="503238">
+                  <a:extLst>
+                    <a:ext uri="{9D8B030D-6E8A-4147-A177-3AD203B41FA5}">
+                      <a16:colId xmlns:a16="http://schemas.microsoft.com/office/drawing/2014/main" val="1245594285"/>
+                    </a:ext>
+                  </a:extLst>
+                </a:gridCol>
+                <a:gridCol w="503238">
+                  <a:extLst>
+                    <a:ext uri="{9D8B030D-6E8A-4147-A177-3AD203B41FA5}">
+                      <a16:colId xmlns:a16="http://schemas.microsoft.com/office/drawing/2014/main" val="2046667996"/>
+                    </a:ext>
+                  </a:extLst>
+                </a:gridCol>
+                <a:gridCol w="503238">
+                  <a:extLst>
+                    <a:ext uri="{9D8B030D-6E8A-4147-A177-3AD203B41FA5}">
+                      <a16:colId xmlns:a16="http://schemas.microsoft.com/office/drawing/2014/main" val="3261463107"/>
+                    </a:ext>
+                  </a:extLst>
+                </a:gridCol>
+                <a:gridCol w="503238">
+                  <a:extLst>
+                    <a:ext uri="{9D8B030D-6E8A-4147-A177-3AD203B41FA5}">
+                      <a16:colId xmlns:a16="http://schemas.microsoft.com/office/drawing/2014/main" val="3232313719"/>
+                    </a:ext>
+                  </a:extLst>
+                </a:gridCol>
+                <a:gridCol w="503238">
+                  <a:extLst>
+                    <a:ext uri="{9D8B030D-6E8A-4147-A177-3AD203B41FA5}">
+                      <a16:colId xmlns:a16="http://schemas.microsoft.com/office/drawing/2014/main" val="2521536332"/>
+                    </a:ext>
+                  </a:extLst>
+                </a:gridCol>
+                <a:gridCol w="503238">
+                  <a:extLst>
+                    <a:ext uri="{9D8B030D-6E8A-4147-A177-3AD203B41FA5}">
+                      <a16:colId xmlns:a16="http://schemas.microsoft.com/office/drawing/2014/main" val="1332182922"/>
+                    </a:ext>
+                  </a:extLst>
+                </a:gridCol>
+                <a:gridCol w="503238">
+                  <a:extLst>
+                    <a:ext uri="{9D8B030D-6E8A-4147-A177-3AD203B41FA5}">
+                      <a16:colId xmlns:a16="http://schemas.microsoft.com/office/drawing/2014/main" val="3938430726"/>
+                    </a:ext>
+                  </a:extLst>
+                </a:gridCol>
+                <a:gridCol w="503238">
+                  <a:extLst>
+                    <a:ext uri="{9D8B030D-6E8A-4147-A177-3AD203B41FA5}">
+                      <a16:colId xmlns:a16="http://schemas.microsoft.com/office/drawing/2014/main" val="294283129"/>
+                    </a:ext>
+                  </a:extLst>
+                </a:gridCol>
+              </a:tblGrid>
+              <a:tr h="427567">
+                <a:tc>
+                  <a:txBody>
+                    <a:bodyPr/>
+                    <a:lstStyle/>
+                    <a:p>
+                      <a:pPr latinLnBrk="1"/>
+                      <a:endParaRPr lang="ko-KR" altLang="en-US" dirty="0"/>
+                    </a:p>
+                  </a:txBody>
+                  <a:tcPr>
+                    <a:lnL w="12700" cap="flat" cmpd="sng" algn="ctr">
+                      <a:solidFill>
+                        <a:schemeClr val="tx1"/>
+                      </a:solidFill>
+                      <a:prstDash val="solid"/>
+                      <a:round/>
+                      <a:headEnd type="none" w="med" len="med"/>
+                      <a:tailEnd type="none" w="med" len="med"/>
+                    </a:lnL>
+                    <a:lnR w="12700" cap="flat" cmpd="sng" algn="ctr">
+                      <a:solidFill>
+                        <a:schemeClr val="tx1"/>
+                      </a:solidFill>
+                      <a:prstDash val="solid"/>
+                      <a:round/>
+                      <a:headEnd type="none" w="med" len="med"/>
+                      <a:tailEnd type="none" w="med" len="med"/>
+                    </a:lnR>
+                    <a:lnT w="12700" cap="flat" cmpd="sng" algn="ctr">
+                      <a:solidFill>
+                        <a:schemeClr val="tx1"/>
+                      </a:solidFill>
+                      <a:prstDash val="solid"/>
+                      <a:round/>
+                      <a:headEnd type="none" w="med" len="med"/>
+                      <a:tailEnd type="none" w="med" len="med"/>
+                    </a:lnT>
+                    <a:lnB w="12700" cap="flat" cmpd="sng" algn="ctr">
+                      <a:solidFill>
+                        <a:schemeClr val="tx1"/>
+                      </a:solidFill>
+                      <a:prstDash val="solid"/>
+                      <a:round/>
+                      <a:headEnd type="none" w="med" len="med"/>
+                      <a:tailEnd type="none" w="med" len="med"/>
+                    </a:lnB>
+                    <a:solidFill>
+                      <a:schemeClr val="tx1">
+                        <a:lumMod val="95000"/>
+                        <a:lumOff val="5000"/>
+                      </a:schemeClr>
+                    </a:solidFill>
+                  </a:tcPr>
+                </a:tc>
+                <a:tc>
+                  <a:txBody>
+                    <a:bodyPr/>
+                    <a:lstStyle/>
+                    <a:p>
+                      <a:pPr latinLnBrk="1"/>
+                      <a:endParaRPr lang="ko-KR" altLang="en-US" dirty="0"/>
+                    </a:p>
+                  </a:txBody>
+                  <a:tcPr>
+                    <a:lnL w="12700" cap="flat" cmpd="sng" algn="ctr">
+                      <a:solidFill>
+                        <a:schemeClr val="tx1"/>
+                      </a:solidFill>
+                      <a:prstDash val="solid"/>
+                      <a:round/>
+                      <a:headEnd type="none" w="med" len="med"/>
+                      <a:tailEnd type="none" w="med" len="med"/>
+                    </a:lnL>
+                    <a:lnR w="12700" cap="flat" cmpd="sng" algn="ctr">
+                      <a:solidFill>
+                        <a:schemeClr val="tx1"/>
+                      </a:solidFill>
+                      <a:prstDash val="solid"/>
+                      <a:round/>
+                      <a:headEnd type="none" w="med" len="med"/>
+                      <a:tailEnd type="none" w="med" len="med"/>
+                    </a:lnR>
+                    <a:lnT w="12700" cap="flat" cmpd="sng" algn="ctr">
+                      <a:solidFill>
+                        <a:schemeClr val="tx1"/>
+                      </a:solidFill>
+                      <a:prstDash val="solid"/>
+                      <a:round/>
+                      <a:headEnd type="none" w="med" len="med"/>
+                      <a:tailEnd type="none" w="med" len="med"/>
+                    </a:lnT>
+                    <a:lnB w="12700" cap="flat" cmpd="sng" algn="ctr">
+                      <a:solidFill>
+                        <a:schemeClr val="tx1"/>
+                      </a:solidFill>
+                      <a:prstDash val="solid"/>
+                      <a:round/>
+                      <a:headEnd type="none" w="med" len="med"/>
+                      <a:tailEnd type="none" w="med" len="med"/>
+                    </a:lnB>
+                    <a:solidFill>
+                      <a:schemeClr val="bg1">
+                        <a:lumMod val="95000"/>
+                      </a:schemeClr>
+                    </a:solidFill>
+                  </a:tcPr>
+                </a:tc>
+                <a:tc>
+                  <a:txBody>
+                    <a:bodyPr/>
+                    <a:lstStyle/>
+                    <a:p>
+                      <a:pPr latinLnBrk="1"/>
+                      <a:endParaRPr lang="ko-KR" altLang="en-US" dirty="0"/>
+                    </a:p>
+                  </a:txBody>
+                  <a:tcPr>
+                    <a:lnL w="12700" cap="flat" cmpd="sng" algn="ctr">
+                      <a:solidFill>
+                        <a:schemeClr val="tx1"/>
+                      </a:solidFill>
+                      <a:prstDash val="solid"/>
+                      <a:round/>
+                      <a:headEnd type="none" w="med" len="med"/>
+                      <a:tailEnd type="none" w="med" len="med"/>
+                    </a:lnL>
+                    <a:lnR w="12700" cap="flat" cmpd="sng" algn="ctr">
+                      <a:solidFill>
+                        <a:schemeClr val="tx1"/>
+                      </a:solidFill>
+                      <a:prstDash val="solid"/>
+                      <a:round/>
+                      <a:headEnd type="none" w="med" len="med"/>
+                      <a:tailEnd type="none" w="med" len="med"/>
+                    </a:lnR>
+                    <a:lnT w="12700" cap="flat" cmpd="sng" algn="ctr">
+                      <a:solidFill>
+                        <a:schemeClr val="tx1"/>
+                      </a:solidFill>
+                      <a:prstDash val="solid"/>
+                      <a:round/>
+                      <a:headEnd type="none" w="med" len="med"/>
+                      <a:tailEnd type="none" w="med" len="med"/>
+                    </a:lnT>
+                    <a:lnB w="12700" cap="flat" cmpd="sng" algn="ctr">
+                      <a:solidFill>
+                        <a:schemeClr val="tx1"/>
+                      </a:solidFill>
+                      <a:prstDash val="solid"/>
+                      <a:round/>
+                      <a:headEnd type="none" w="med" len="med"/>
+                      <a:tailEnd type="none" w="med" len="med"/>
+                    </a:lnB>
+                    <a:solidFill>
+                      <a:schemeClr val="tx1">
+                        <a:lumMod val="95000"/>
+                        <a:lumOff val="5000"/>
+                      </a:schemeClr>
+                    </a:solidFill>
+                  </a:tcPr>
+                </a:tc>
+                <a:tc>
+                  <a:txBody>
+                    <a:bodyPr/>
+                    <a:lstStyle/>
+                    <a:p>
+                      <a:pPr latinLnBrk="1"/>
+                      <a:endParaRPr lang="ko-KR" altLang="en-US" dirty="0"/>
+                    </a:p>
+                  </a:txBody>
+                  <a:tcPr>
+                    <a:lnL w="12700" cap="flat" cmpd="sng" algn="ctr">
+                      <a:solidFill>
+                        <a:schemeClr val="tx1"/>
+                      </a:solidFill>
+                      <a:prstDash val="solid"/>
+                      <a:round/>
+                      <a:headEnd type="none" w="med" len="med"/>
+                      <a:tailEnd type="none" w="med" len="med"/>
+                    </a:lnL>
+                    <a:lnR w="12700" cap="flat" cmpd="sng" algn="ctr">
+                      <a:solidFill>
+                        <a:schemeClr val="tx1"/>
+                      </a:solidFill>
+                      <a:prstDash val="solid"/>
+                      <a:round/>
+                      <a:headEnd type="none" w="med" len="med"/>
+                      <a:tailEnd type="none" w="med" len="med"/>
+                    </a:lnR>
+                    <a:lnT w="12700" cap="flat" cmpd="sng" algn="ctr">
+                      <a:solidFill>
+                        <a:schemeClr val="tx1"/>
+                      </a:solidFill>
+                      <a:prstDash val="solid"/>
+                      <a:round/>
+                      <a:headEnd type="none" w="med" len="med"/>
+                      <a:tailEnd type="none" w="med" len="med"/>
+                    </a:lnT>
+                    <a:lnB w="12700" cap="flat" cmpd="sng" algn="ctr">
+                      <a:solidFill>
+                        <a:schemeClr val="tx1"/>
+                      </a:solidFill>
+                      <a:prstDash val="solid"/>
+                      <a:round/>
+                      <a:headEnd type="none" w="med" len="med"/>
+                      <a:tailEnd type="none" w="med" len="med"/>
+                    </a:lnB>
+                    <a:solidFill>
+                      <a:schemeClr val="bg1">
+                        <a:lumMod val="95000"/>
+                      </a:schemeClr>
+                    </a:solidFill>
+                  </a:tcPr>
+                </a:tc>
+                <a:tc>
+                  <a:txBody>
+                    <a:bodyPr/>
+                    <a:lstStyle/>
+                    <a:p>
+                      <a:pPr latinLnBrk="1"/>
+                      <a:endParaRPr lang="ko-KR" altLang="en-US" dirty="0"/>
+                    </a:p>
+                  </a:txBody>
+                  <a:tcPr>
+                    <a:lnL w="12700" cap="flat" cmpd="sng" algn="ctr">
+                      <a:solidFill>
+                        <a:schemeClr val="tx1"/>
+                      </a:solidFill>
+                      <a:prstDash val="solid"/>
+                      <a:round/>
+                      <a:headEnd type="none" w="med" len="med"/>
+                      <a:tailEnd type="none" w="med" len="med"/>
+                    </a:lnL>
+                    <a:lnR w="12700" cap="flat" cmpd="sng" algn="ctr">
+                      <a:solidFill>
+                        <a:schemeClr val="tx1"/>
+                      </a:solidFill>
+                      <a:prstDash val="solid"/>
+                      <a:round/>
+                      <a:headEnd type="none" w="med" len="med"/>
+                      <a:tailEnd type="none" w="med" len="med"/>
+                    </a:lnR>
+                    <a:lnT w="12700" cap="flat" cmpd="sng" algn="ctr">
+                      <a:solidFill>
+                        <a:schemeClr val="tx1"/>
+                      </a:solidFill>
+                      <a:prstDash val="solid"/>
+                      <a:round/>
+                      <a:headEnd type="none" w="med" len="med"/>
+                      <a:tailEnd type="none" w="med" len="med"/>
+                    </a:lnT>
+                    <a:lnB w="12700" cap="flat" cmpd="sng" algn="ctr">
+                      <a:solidFill>
+                        <a:schemeClr val="tx1"/>
+                      </a:solidFill>
+                      <a:prstDash val="solid"/>
+                      <a:round/>
+                      <a:headEnd type="none" w="med" len="med"/>
+                      <a:tailEnd type="none" w="med" len="med"/>
+                    </a:lnB>
+                    <a:solidFill>
+                      <a:schemeClr val="tx1">
+                        <a:lumMod val="95000"/>
+                        <a:lumOff val="5000"/>
+                      </a:schemeClr>
+                    </a:solidFill>
+                  </a:tcPr>
+                </a:tc>
+                <a:tc>
+                  <a:txBody>
+                    <a:bodyPr/>
+                    <a:lstStyle/>
+                    <a:p>
+                      <a:pPr latinLnBrk="1"/>
+                      <a:endParaRPr lang="ko-KR" altLang="en-US" dirty="0"/>
+                    </a:p>
+                  </a:txBody>
+                  <a:tcPr>
+                    <a:lnL w="12700" cap="flat" cmpd="sng" algn="ctr">
+                      <a:solidFill>
+                        <a:schemeClr val="tx1"/>
+                      </a:solidFill>
+                      <a:prstDash val="solid"/>
+                      <a:round/>
+                      <a:headEnd type="none" w="med" len="med"/>
+                      <a:tailEnd type="none" w="med" len="med"/>
+                    </a:lnL>
+                    <a:lnR w="12700" cap="flat" cmpd="sng" algn="ctr">
+                      <a:solidFill>
+                        <a:schemeClr val="tx1"/>
+                      </a:solidFill>
+                      <a:prstDash val="solid"/>
+                      <a:round/>
+                      <a:headEnd type="none" w="med" len="med"/>
+                      <a:tailEnd type="none" w="med" len="med"/>
+                    </a:lnR>
+                    <a:lnT w="12700" cap="flat" cmpd="sng" algn="ctr">
+                      <a:solidFill>
+                        <a:schemeClr val="tx1"/>
+                      </a:solidFill>
+                      <a:prstDash val="solid"/>
+                      <a:round/>
+                      <a:headEnd type="none" w="med" len="med"/>
+                      <a:tailEnd type="none" w="med" len="med"/>
+                    </a:lnT>
+                    <a:lnB w="12700" cap="flat" cmpd="sng" algn="ctr">
+                      <a:solidFill>
+                        <a:schemeClr val="tx1"/>
+                      </a:solidFill>
+                      <a:prstDash val="solid"/>
+                      <a:round/>
+                      <a:headEnd type="none" w="med" len="med"/>
+                      <a:tailEnd type="none" w="med" len="med"/>
+                    </a:lnB>
+                    <a:solidFill>
+                      <a:schemeClr val="bg1">
+                        <a:lumMod val="95000"/>
+                      </a:schemeClr>
+                    </a:solidFill>
+                  </a:tcPr>
+                </a:tc>
+                <a:tc>
+                  <a:txBody>
+                    <a:bodyPr/>
+                    <a:lstStyle/>
+                    <a:p>
+                      <a:pPr latinLnBrk="1"/>
+                      <a:endParaRPr lang="ko-KR" altLang="en-US" dirty="0"/>
+                    </a:p>
+                  </a:txBody>
+                  <a:tcPr>
+                    <a:lnL w="12700" cap="flat" cmpd="sng" algn="ctr">
+                      <a:solidFill>
+                        <a:schemeClr val="tx1"/>
+                      </a:solidFill>
+                      <a:prstDash val="solid"/>
+                      <a:round/>
+                      <a:headEnd type="none" w="med" len="med"/>
+                      <a:tailEnd type="none" w="med" len="med"/>
+                    </a:lnL>
+                    <a:lnR w="12700" cap="flat" cmpd="sng" algn="ctr">
+                      <a:solidFill>
+                        <a:schemeClr val="tx1"/>
+                      </a:solidFill>
+                      <a:prstDash val="solid"/>
+                      <a:round/>
+                      <a:headEnd type="none" w="med" len="med"/>
+                      <a:tailEnd type="none" w="med" len="med"/>
+                    </a:lnR>
+                    <a:lnT w="12700" cap="flat" cmpd="sng" algn="ctr">
+                      <a:solidFill>
+                        <a:schemeClr val="tx1"/>
+                      </a:solidFill>
+                      <a:prstDash val="solid"/>
+                      <a:round/>
+                      <a:headEnd type="none" w="med" len="med"/>
+                      <a:tailEnd type="none" w="med" len="med"/>
+                    </a:lnT>
+                    <a:lnB w="12700" cap="flat" cmpd="sng" algn="ctr">
+                      <a:solidFill>
+                        <a:schemeClr val="tx1"/>
+                      </a:solidFill>
+                      <a:prstDash val="solid"/>
+                      <a:round/>
+                      <a:headEnd type="none" w="med" len="med"/>
+                      <a:tailEnd type="none" w="med" len="med"/>
+                    </a:lnB>
+                    <a:solidFill>
+                      <a:schemeClr val="tx1">
+                        <a:lumMod val="95000"/>
+                        <a:lumOff val="5000"/>
+                      </a:schemeClr>
+                    </a:solidFill>
+                  </a:tcPr>
+                </a:tc>
+                <a:tc>
+                  <a:txBody>
+                    <a:bodyPr/>
+                    <a:lstStyle/>
+                    <a:p>
+                      <a:pPr latinLnBrk="1"/>
+                      <a:endParaRPr lang="ko-KR" altLang="en-US" dirty="0"/>
+                    </a:p>
+                  </a:txBody>
+                  <a:tcPr>
+                    <a:lnL w="12700" cap="flat" cmpd="sng" algn="ctr">
+                      <a:solidFill>
+                        <a:schemeClr val="tx1"/>
+                      </a:solidFill>
+                      <a:prstDash val="solid"/>
+                      <a:round/>
+                      <a:headEnd type="none" w="med" len="med"/>
+                      <a:tailEnd type="none" w="med" len="med"/>
+                    </a:lnL>
+                    <a:lnR w="12700" cap="flat" cmpd="sng" algn="ctr">
+                      <a:solidFill>
+                        <a:schemeClr val="tx1"/>
+                      </a:solidFill>
+                      <a:prstDash val="solid"/>
+                      <a:round/>
+                      <a:headEnd type="none" w="med" len="med"/>
+                      <a:tailEnd type="none" w="med" len="med"/>
+                    </a:lnR>
+                    <a:lnT w="12700" cap="flat" cmpd="sng" algn="ctr">
+                      <a:solidFill>
+                        <a:schemeClr val="tx1"/>
+                      </a:solidFill>
+                      <a:prstDash val="solid"/>
+                      <a:round/>
+                      <a:headEnd type="none" w="med" len="med"/>
+                      <a:tailEnd type="none" w="med" len="med"/>
+                    </a:lnT>
+                    <a:lnB w="12700" cap="flat" cmpd="sng" algn="ctr">
+                      <a:solidFill>
+                        <a:schemeClr val="tx1"/>
+                      </a:solidFill>
+                      <a:prstDash val="solid"/>
+                      <a:round/>
+                      <a:headEnd type="none" w="med" len="med"/>
+                      <a:tailEnd type="none" w="med" len="med"/>
+                    </a:lnB>
+                    <a:solidFill>
+                      <a:schemeClr val="bg1">
+                        <a:lumMod val="95000"/>
+                      </a:schemeClr>
+                    </a:solidFill>
+                  </a:tcPr>
+                </a:tc>
+                <a:extLst>
+                  <a:ext uri="{0D108BD9-81ED-4DB2-BD59-A6C34878D82A}">
+                    <a16:rowId xmlns:a16="http://schemas.microsoft.com/office/drawing/2014/main" val="1103631435"/>
+                  </a:ext>
+                </a:extLst>
+              </a:tr>
+            </a:tbl>
+          </a:graphicData>
+        </a:graphic>
+      </p:graphicFrame>
+      <p:graphicFrame>
+        <p:nvGraphicFramePr>
+          <p:cNvPr id="8" name="표 7">
+            <a:extLst>
+              <a:ext uri="{FF2B5EF4-FFF2-40B4-BE49-F238E27FC236}">
+                <a16:creationId xmlns:a16="http://schemas.microsoft.com/office/drawing/2014/main" id="{A9F9A01E-430E-115E-FFAC-EC6DD81EC048}"/>
+              </a:ext>
+            </a:extLst>
+          </p:cNvPr>
+          <p:cNvGraphicFramePr>
+            <a:graphicFrameLocks noGrp="1"/>
+          </p:cNvGraphicFramePr>
+          <p:nvPr>
+            <p:extLst>
+              <p:ext uri="{D42A27DB-BD31-4B8C-83A1-F6EECF244321}">
+                <p14:modId xmlns:p14="http://schemas.microsoft.com/office/powerpoint/2010/main" val="3615806431"/>
+              </p:ext>
+            </p:extLst>
+          </p:nvPr>
+        </p:nvGraphicFramePr>
+        <p:xfrm>
+          <a:off x="482600" y="2379134"/>
+          <a:ext cx="4025904" cy="427567"/>
+        </p:xfrm>
+        <a:graphic>
+          <a:graphicData uri="http://schemas.openxmlformats.org/drawingml/2006/table">
+            <a:tbl>
+              <a:tblPr firstRow="1" bandRow="1">
+                <a:tableStyleId>{5C22544A-7EE6-4342-B048-85BDC9FD1C3A}</a:tableStyleId>
+              </a:tblPr>
+              <a:tblGrid>
+                <a:gridCol w="503238">
+                  <a:extLst>
+                    <a:ext uri="{9D8B030D-6E8A-4147-A177-3AD203B41FA5}">
+                      <a16:colId xmlns:a16="http://schemas.microsoft.com/office/drawing/2014/main" val="2797218297"/>
+                    </a:ext>
+                  </a:extLst>
+                </a:gridCol>
+                <a:gridCol w="503238">
+                  <a:extLst>
+                    <a:ext uri="{9D8B030D-6E8A-4147-A177-3AD203B41FA5}">
+                      <a16:colId xmlns:a16="http://schemas.microsoft.com/office/drawing/2014/main" val="1375029806"/>
+                    </a:ext>
+                  </a:extLst>
+                </a:gridCol>
+                <a:gridCol w="503238">
+                  <a:extLst>
+                    <a:ext uri="{9D8B030D-6E8A-4147-A177-3AD203B41FA5}">
+                      <a16:colId xmlns:a16="http://schemas.microsoft.com/office/drawing/2014/main" val="2805382108"/>
+                    </a:ext>
+                  </a:extLst>
+                </a:gridCol>
+                <a:gridCol w="503238">
+                  <a:extLst>
+                    <a:ext uri="{9D8B030D-6E8A-4147-A177-3AD203B41FA5}">
+                      <a16:colId xmlns:a16="http://schemas.microsoft.com/office/drawing/2014/main" val="1788111919"/>
+                    </a:ext>
+                  </a:extLst>
+                </a:gridCol>
+                <a:gridCol w="503238">
+                  <a:extLst>
+                    <a:ext uri="{9D8B030D-6E8A-4147-A177-3AD203B41FA5}">
+                      <a16:colId xmlns:a16="http://schemas.microsoft.com/office/drawing/2014/main" val="2780197273"/>
+                    </a:ext>
+                  </a:extLst>
+                </a:gridCol>
+                <a:gridCol w="503238">
+                  <a:extLst>
+                    <a:ext uri="{9D8B030D-6E8A-4147-A177-3AD203B41FA5}">
+                      <a16:colId xmlns:a16="http://schemas.microsoft.com/office/drawing/2014/main" val="1202739891"/>
+                    </a:ext>
+                  </a:extLst>
+                </a:gridCol>
+                <a:gridCol w="503238">
+                  <a:extLst>
+                    <a:ext uri="{9D8B030D-6E8A-4147-A177-3AD203B41FA5}">
+                      <a16:colId xmlns:a16="http://schemas.microsoft.com/office/drawing/2014/main" val="1135102306"/>
+                    </a:ext>
+                  </a:extLst>
+                </a:gridCol>
+                <a:gridCol w="503238">
+                  <a:extLst>
+                    <a:ext uri="{9D8B030D-6E8A-4147-A177-3AD203B41FA5}">
+                      <a16:colId xmlns:a16="http://schemas.microsoft.com/office/drawing/2014/main" val="2656748054"/>
+                    </a:ext>
+                  </a:extLst>
+                </a:gridCol>
+              </a:tblGrid>
+              <a:tr h="427567">
+                <a:tc>
+                  <a:txBody>
+                    <a:bodyPr/>
+                    <a:lstStyle/>
+                    <a:p>
+                      <a:pPr latinLnBrk="1"/>
+                      <a:endParaRPr lang="ko-KR" altLang="en-US" dirty="0"/>
+                    </a:p>
+                  </a:txBody>
+                  <a:tcPr>
+                    <a:lnL w="12700" cap="flat" cmpd="sng" algn="ctr">
+                      <a:solidFill>
+                        <a:schemeClr val="tx1"/>
+                      </a:solidFill>
+                      <a:prstDash val="solid"/>
+                      <a:round/>
+                      <a:headEnd type="none" w="med" len="med"/>
+                      <a:tailEnd type="none" w="med" len="med"/>
+                    </a:lnL>
+                    <a:lnR w="12700" cap="flat" cmpd="sng" algn="ctr">
+                      <a:solidFill>
+                        <a:schemeClr val="tx1"/>
+                      </a:solidFill>
+                      <a:prstDash val="solid"/>
+                      <a:round/>
+                      <a:headEnd type="none" w="med" len="med"/>
+                      <a:tailEnd type="none" w="med" len="med"/>
+                    </a:lnR>
+                    <a:lnT w="12700" cap="flat" cmpd="sng" algn="ctr">
+                      <a:solidFill>
+                        <a:schemeClr val="tx1"/>
+                      </a:solidFill>
+                      <a:prstDash val="solid"/>
+                      <a:round/>
+                      <a:headEnd type="none" w="med" len="med"/>
+                      <a:tailEnd type="none" w="med" len="med"/>
+                    </a:lnT>
+                    <a:lnB w="12700" cap="flat" cmpd="sng" algn="ctr">
+                      <a:solidFill>
+                        <a:schemeClr val="tx1"/>
+                      </a:solidFill>
+                      <a:prstDash val="solid"/>
+                      <a:round/>
+                      <a:headEnd type="none" w="med" len="med"/>
+                      <a:tailEnd type="none" w="med" len="med"/>
+                    </a:lnB>
+                    <a:solidFill>
+                      <a:schemeClr val="bg1">
+                        <a:lumMod val="95000"/>
+                      </a:schemeClr>
+                    </a:solidFill>
+                  </a:tcPr>
+                </a:tc>
+                <a:tc>
+                  <a:txBody>
+                    <a:bodyPr/>
+                    <a:lstStyle/>
+                    <a:p>
+                      <a:pPr latinLnBrk="1"/>
+                      <a:endParaRPr lang="ko-KR" altLang="en-US" dirty="0"/>
+                    </a:p>
+                  </a:txBody>
+                  <a:tcPr>
+                    <a:lnL w="12700" cap="flat" cmpd="sng" algn="ctr">
+                      <a:solidFill>
+                        <a:schemeClr val="tx1"/>
+                      </a:solidFill>
+                      <a:prstDash val="solid"/>
+                      <a:round/>
+                      <a:headEnd type="none" w="med" len="med"/>
+                      <a:tailEnd type="none" w="med" len="med"/>
+                    </a:lnL>
+                    <a:lnR w="12700" cap="flat" cmpd="sng" algn="ctr">
+                      <a:solidFill>
+                        <a:schemeClr val="tx1"/>
+                      </a:solidFill>
+                      <a:prstDash val="solid"/>
+                      <a:round/>
+                      <a:headEnd type="none" w="med" len="med"/>
+                      <a:tailEnd type="none" w="med" len="med"/>
+                    </a:lnR>
+                    <a:lnT w="12700" cap="flat" cmpd="sng" algn="ctr">
+                      <a:solidFill>
+                        <a:schemeClr val="tx1"/>
+                      </a:solidFill>
+                      <a:prstDash val="solid"/>
+                      <a:round/>
+                      <a:headEnd type="none" w="med" len="med"/>
+                      <a:tailEnd type="none" w="med" len="med"/>
+                    </a:lnT>
+                    <a:lnB w="12700" cap="flat" cmpd="sng" algn="ctr">
+                      <a:solidFill>
+                        <a:schemeClr val="tx1"/>
+                      </a:solidFill>
+                      <a:prstDash val="solid"/>
+                      <a:round/>
+                      <a:headEnd type="none" w="med" len="med"/>
+                      <a:tailEnd type="none" w="med" len="med"/>
+                    </a:lnB>
+                    <a:solidFill>
+                      <a:schemeClr val="tx1">
+                        <a:lumMod val="95000"/>
+                        <a:lumOff val="5000"/>
+                      </a:schemeClr>
+                    </a:solidFill>
+                  </a:tcPr>
+                </a:tc>
+                <a:tc>
+                  <a:txBody>
+                    <a:bodyPr/>
+                    <a:lstStyle/>
+                    <a:p>
+                      <a:pPr latinLnBrk="1"/>
+                      <a:endParaRPr lang="ko-KR" altLang="en-US" dirty="0"/>
+                    </a:p>
+                  </a:txBody>
+                  <a:tcPr>
+                    <a:lnL w="12700" cap="flat" cmpd="sng" algn="ctr">
+                      <a:solidFill>
+                        <a:schemeClr val="tx1"/>
+                      </a:solidFill>
+                      <a:prstDash val="solid"/>
+                      <a:round/>
+                      <a:headEnd type="none" w="med" len="med"/>
+                      <a:tailEnd type="none" w="med" len="med"/>
+                    </a:lnL>
+                    <a:lnR w="12700" cap="flat" cmpd="sng" algn="ctr">
+                      <a:solidFill>
+                        <a:schemeClr val="tx1"/>
+                      </a:solidFill>
+                      <a:prstDash val="solid"/>
+                      <a:round/>
+                      <a:headEnd type="none" w="med" len="med"/>
+                      <a:tailEnd type="none" w="med" len="med"/>
+                    </a:lnR>
+                    <a:lnT w="12700" cap="flat" cmpd="sng" algn="ctr">
+                      <a:solidFill>
+                        <a:schemeClr val="tx1"/>
+                      </a:solidFill>
+                      <a:prstDash val="solid"/>
+                      <a:round/>
+                      <a:headEnd type="none" w="med" len="med"/>
+                      <a:tailEnd type="none" w="med" len="med"/>
+                    </a:lnT>
+                    <a:lnB w="12700" cap="flat" cmpd="sng" algn="ctr">
+                      <a:solidFill>
+                        <a:schemeClr val="tx1"/>
+                      </a:solidFill>
+                      <a:prstDash val="solid"/>
+                      <a:round/>
+                      <a:headEnd type="none" w="med" len="med"/>
+                      <a:tailEnd type="none" w="med" len="med"/>
+                    </a:lnB>
+                    <a:solidFill>
+                      <a:schemeClr val="bg1">
+                        <a:lumMod val="95000"/>
+                      </a:schemeClr>
+                    </a:solidFill>
+                  </a:tcPr>
+                </a:tc>
+                <a:tc>
+                  <a:txBody>
+                    <a:bodyPr/>
+                    <a:lstStyle/>
+                    <a:p>
+                      <a:pPr latinLnBrk="1"/>
+                      <a:endParaRPr lang="ko-KR" altLang="en-US" dirty="0"/>
+                    </a:p>
+                  </a:txBody>
+                  <a:tcPr>
+                    <a:lnL w="12700" cap="flat" cmpd="sng" algn="ctr">
+                      <a:solidFill>
+                        <a:schemeClr val="tx1"/>
+                      </a:solidFill>
+                      <a:prstDash val="solid"/>
+                      <a:round/>
+                      <a:headEnd type="none" w="med" len="med"/>
+                      <a:tailEnd type="none" w="med" len="med"/>
+                    </a:lnL>
+                    <a:lnR w="12700" cap="flat" cmpd="sng" algn="ctr">
+                      <a:solidFill>
+                        <a:schemeClr val="tx1"/>
+                      </a:solidFill>
+                      <a:prstDash val="solid"/>
+                      <a:round/>
+                      <a:headEnd type="none" w="med" len="med"/>
+                      <a:tailEnd type="none" w="med" len="med"/>
+                    </a:lnR>
+                    <a:lnT w="12700" cap="flat" cmpd="sng" algn="ctr">
+                      <a:solidFill>
+                        <a:schemeClr val="tx1"/>
+                      </a:solidFill>
+                      <a:prstDash val="solid"/>
+                      <a:round/>
+                      <a:headEnd type="none" w="med" len="med"/>
+                      <a:tailEnd type="none" w="med" len="med"/>
+                    </a:lnT>
+                    <a:lnB w="12700" cap="flat" cmpd="sng" algn="ctr">
+                      <a:solidFill>
+                        <a:schemeClr val="tx1"/>
+                      </a:solidFill>
+                      <a:prstDash val="solid"/>
+                      <a:round/>
+                      <a:headEnd type="none" w="med" len="med"/>
+                      <a:tailEnd type="none" w="med" len="med"/>
+                    </a:lnB>
+                    <a:solidFill>
+                      <a:schemeClr val="tx1">
+                        <a:lumMod val="95000"/>
+                        <a:lumOff val="5000"/>
+                      </a:schemeClr>
+                    </a:solidFill>
+                  </a:tcPr>
+                </a:tc>
+                <a:tc>
+                  <a:txBody>
+                    <a:bodyPr/>
+                    <a:lstStyle/>
+                    <a:p>
+                      <a:pPr latinLnBrk="1"/>
+                      <a:endParaRPr lang="ko-KR" altLang="en-US" dirty="0"/>
+                    </a:p>
+                  </a:txBody>
+                  <a:tcPr>
+                    <a:lnL w="12700" cap="flat" cmpd="sng" algn="ctr">
+                      <a:solidFill>
+                        <a:schemeClr val="tx1"/>
+                      </a:solidFill>
+                      <a:prstDash val="solid"/>
+                      <a:round/>
+                      <a:headEnd type="none" w="med" len="med"/>
+                      <a:tailEnd type="none" w="med" len="med"/>
+                    </a:lnL>
+                    <a:lnR w="12700" cap="flat" cmpd="sng" algn="ctr">
+                      <a:solidFill>
+                        <a:schemeClr val="tx1"/>
+                      </a:solidFill>
+                      <a:prstDash val="solid"/>
+                      <a:round/>
+                      <a:headEnd type="none" w="med" len="med"/>
+                      <a:tailEnd type="none" w="med" len="med"/>
+                    </a:lnR>
+                    <a:lnT w="12700" cap="flat" cmpd="sng" algn="ctr">
+                      <a:solidFill>
+                        <a:schemeClr val="tx1"/>
+                      </a:solidFill>
+                      <a:prstDash val="solid"/>
+                      <a:round/>
+                      <a:headEnd type="none" w="med" len="med"/>
+                      <a:tailEnd type="none" w="med" len="med"/>
+                    </a:lnT>
+                    <a:lnB w="12700" cap="flat" cmpd="sng" algn="ctr">
+                      <a:solidFill>
+                        <a:schemeClr val="tx1"/>
+                      </a:solidFill>
+                      <a:prstDash val="solid"/>
+                      <a:round/>
+                      <a:headEnd type="none" w="med" len="med"/>
+                      <a:tailEnd type="none" w="med" len="med"/>
+                    </a:lnB>
+                    <a:solidFill>
+                      <a:schemeClr val="bg1">
+                        <a:lumMod val="95000"/>
+                      </a:schemeClr>
+                    </a:solidFill>
+                  </a:tcPr>
+                </a:tc>
+                <a:tc>
+                  <a:txBody>
+                    <a:bodyPr/>
+                    <a:lstStyle/>
+                    <a:p>
+                      <a:pPr latinLnBrk="1"/>
+                      <a:endParaRPr lang="ko-KR" altLang="en-US" dirty="0"/>
+                    </a:p>
+                  </a:txBody>
+                  <a:tcPr>
+                    <a:lnL w="12700" cap="flat" cmpd="sng" algn="ctr">
+                      <a:solidFill>
+                        <a:schemeClr val="tx1"/>
+                      </a:solidFill>
+                      <a:prstDash val="solid"/>
+                      <a:round/>
+                      <a:headEnd type="none" w="med" len="med"/>
+                      <a:tailEnd type="none" w="med" len="med"/>
+                    </a:lnL>
+                    <a:lnR w="12700" cap="flat" cmpd="sng" algn="ctr">
+                      <a:solidFill>
+                        <a:schemeClr val="tx1"/>
+                      </a:solidFill>
+                      <a:prstDash val="solid"/>
+                      <a:round/>
+                      <a:headEnd type="none" w="med" len="med"/>
+                      <a:tailEnd type="none" w="med" len="med"/>
+                    </a:lnR>
+                    <a:lnT w="12700" cap="flat" cmpd="sng" algn="ctr">
+                      <a:solidFill>
+                        <a:schemeClr val="tx1"/>
+                      </a:solidFill>
+                      <a:prstDash val="solid"/>
+                      <a:round/>
+                      <a:headEnd type="none" w="med" len="med"/>
+                      <a:tailEnd type="none" w="med" len="med"/>
+                    </a:lnT>
+                    <a:lnB w="12700" cap="flat" cmpd="sng" algn="ctr">
+                      <a:solidFill>
+                        <a:schemeClr val="tx1"/>
+                      </a:solidFill>
+                      <a:prstDash val="solid"/>
+                      <a:round/>
+                      <a:headEnd type="none" w="med" len="med"/>
+                      <a:tailEnd type="none" w="med" len="med"/>
+                    </a:lnB>
+                    <a:solidFill>
+                      <a:schemeClr val="tx1">
+                        <a:lumMod val="95000"/>
+                        <a:lumOff val="5000"/>
+                      </a:schemeClr>
+                    </a:solidFill>
+                  </a:tcPr>
+                </a:tc>
+                <a:tc>
+                  <a:txBody>
+                    <a:bodyPr/>
+                    <a:lstStyle/>
+                    <a:p>
+                      <a:pPr latinLnBrk="1"/>
+                      <a:endParaRPr lang="ko-KR" altLang="en-US" dirty="0"/>
+                    </a:p>
+                  </a:txBody>
+                  <a:tcPr>
+                    <a:lnL w="12700" cap="flat" cmpd="sng" algn="ctr">
+                      <a:solidFill>
+                        <a:schemeClr val="tx1"/>
+                      </a:solidFill>
+                      <a:prstDash val="solid"/>
+                      <a:round/>
+                      <a:headEnd type="none" w="med" len="med"/>
+                      <a:tailEnd type="none" w="med" len="med"/>
+                    </a:lnL>
+                    <a:lnR w="12700" cap="flat" cmpd="sng" algn="ctr">
+                      <a:solidFill>
+                        <a:schemeClr val="tx1"/>
+                      </a:solidFill>
+                      <a:prstDash val="solid"/>
+                      <a:round/>
+                      <a:headEnd type="none" w="med" len="med"/>
+                      <a:tailEnd type="none" w="med" len="med"/>
+                    </a:lnR>
+                    <a:lnT w="12700" cap="flat" cmpd="sng" algn="ctr">
+                      <a:solidFill>
+                        <a:schemeClr val="tx1"/>
+                      </a:solidFill>
+                      <a:prstDash val="solid"/>
+                      <a:round/>
+                      <a:headEnd type="none" w="med" len="med"/>
+                      <a:tailEnd type="none" w="med" len="med"/>
+                    </a:lnT>
+                    <a:lnB w="12700" cap="flat" cmpd="sng" algn="ctr">
+                      <a:solidFill>
+                        <a:schemeClr val="tx1"/>
+                      </a:solidFill>
+                      <a:prstDash val="solid"/>
+                      <a:round/>
+                      <a:headEnd type="none" w="med" len="med"/>
+                      <a:tailEnd type="none" w="med" len="med"/>
+                    </a:lnB>
+                    <a:solidFill>
+                      <a:schemeClr val="bg1">
+                        <a:lumMod val="95000"/>
+                      </a:schemeClr>
+                    </a:solidFill>
+                  </a:tcPr>
+                </a:tc>
+                <a:tc>
+                  <a:txBody>
+                    <a:bodyPr/>
+                    <a:lstStyle/>
+                    <a:p>
+                      <a:pPr latinLnBrk="1"/>
+                      <a:endParaRPr lang="ko-KR" altLang="en-US" dirty="0"/>
+                    </a:p>
+                  </a:txBody>
+                  <a:tcPr>
+                    <a:lnL w="12700" cap="flat" cmpd="sng" algn="ctr">
+                      <a:solidFill>
+                        <a:schemeClr val="tx1"/>
+                      </a:solidFill>
+                      <a:prstDash val="solid"/>
+                      <a:round/>
+                      <a:headEnd type="none" w="med" len="med"/>
+                      <a:tailEnd type="none" w="med" len="med"/>
+                    </a:lnL>
+                    <a:lnR w="12700" cap="flat" cmpd="sng" algn="ctr">
+                      <a:solidFill>
+                        <a:schemeClr val="tx1"/>
+                      </a:solidFill>
+                      <a:prstDash val="solid"/>
+                      <a:round/>
+                      <a:headEnd type="none" w="med" len="med"/>
+                      <a:tailEnd type="none" w="med" len="med"/>
+                    </a:lnR>
+                    <a:lnT w="12700" cap="flat" cmpd="sng" algn="ctr">
+                      <a:solidFill>
+                        <a:schemeClr val="tx1"/>
+                      </a:solidFill>
+                      <a:prstDash val="solid"/>
+                      <a:round/>
+                      <a:headEnd type="none" w="med" len="med"/>
+                      <a:tailEnd type="none" w="med" len="med"/>
+                    </a:lnT>
+                    <a:lnB w="12700" cap="flat" cmpd="sng" algn="ctr">
+                      <a:solidFill>
+                        <a:schemeClr val="tx1"/>
+                      </a:solidFill>
+                      <a:prstDash val="solid"/>
+                      <a:round/>
+                      <a:headEnd type="none" w="med" len="med"/>
+                      <a:tailEnd type="none" w="med" len="med"/>
+                    </a:lnB>
+                    <a:solidFill>
+                      <a:schemeClr val="tx1">
+                        <a:lumMod val="95000"/>
+                        <a:lumOff val="5000"/>
+                      </a:schemeClr>
+                    </a:solidFill>
+                  </a:tcPr>
+                </a:tc>
+                <a:extLst>
+                  <a:ext uri="{0D108BD9-81ED-4DB2-BD59-A6C34878D82A}">
+                    <a16:rowId xmlns:a16="http://schemas.microsoft.com/office/drawing/2014/main" val="4245482167"/>
+                  </a:ext>
+                </a:extLst>
+              </a:tr>
+            </a:tbl>
+          </a:graphicData>
+        </a:graphic>
+      </p:graphicFrame>
+      <p:graphicFrame>
+        <p:nvGraphicFramePr>
+          <p:cNvPr id="9" name="표 8">
+            <a:extLst>
+              <a:ext uri="{FF2B5EF4-FFF2-40B4-BE49-F238E27FC236}">
+                <a16:creationId xmlns:a16="http://schemas.microsoft.com/office/drawing/2014/main" id="{789C5A69-7A94-2348-BFD0-7552B9220367}"/>
+              </a:ext>
+            </a:extLst>
+          </p:cNvPr>
+          <p:cNvGraphicFramePr>
+            <a:graphicFrameLocks noGrp="1"/>
+          </p:cNvGraphicFramePr>
+          <p:nvPr>
+            <p:extLst>
+              <p:ext uri="{D42A27DB-BD31-4B8C-83A1-F6EECF244321}">
+                <p14:modId xmlns:p14="http://schemas.microsoft.com/office/powerpoint/2010/main" val="136720128"/>
+              </p:ext>
+            </p:extLst>
+          </p:nvPr>
+        </p:nvGraphicFramePr>
+        <p:xfrm>
+          <a:off x="482600" y="3661835"/>
+          <a:ext cx="4025904" cy="427567"/>
+        </p:xfrm>
+        <a:graphic>
+          <a:graphicData uri="http://schemas.openxmlformats.org/drawingml/2006/table">
+            <a:tbl>
+              <a:tblPr firstRow="1" bandRow="1">
+                <a:tableStyleId>{5C22544A-7EE6-4342-B048-85BDC9FD1C3A}</a:tableStyleId>
+              </a:tblPr>
+              <a:tblGrid>
+                <a:gridCol w="503238">
+                  <a:extLst>
+                    <a:ext uri="{9D8B030D-6E8A-4147-A177-3AD203B41FA5}">
+                      <a16:colId xmlns:a16="http://schemas.microsoft.com/office/drawing/2014/main" val="1245594285"/>
+                    </a:ext>
+                  </a:extLst>
+                </a:gridCol>
+                <a:gridCol w="503238">
+                  <a:extLst>
+                    <a:ext uri="{9D8B030D-6E8A-4147-A177-3AD203B41FA5}">
+                      <a16:colId xmlns:a16="http://schemas.microsoft.com/office/drawing/2014/main" val="2046667996"/>
+                    </a:ext>
+                  </a:extLst>
+                </a:gridCol>
+                <a:gridCol w="503238">
+                  <a:extLst>
+                    <a:ext uri="{9D8B030D-6E8A-4147-A177-3AD203B41FA5}">
+                      <a16:colId xmlns:a16="http://schemas.microsoft.com/office/drawing/2014/main" val="3261463107"/>
+                    </a:ext>
+                  </a:extLst>
+                </a:gridCol>
+                <a:gridCol w="503238">
+                  <a:extLst>
+                    <a:ext uri="{9D8B030D-6E8A-4147-A177-3AD203B41FA5}">
+                      <a16:colId xmlns:a16="http://schemas.microsoft.com/office/drawing/2014/main" val="3232313719"/>
+                    </a:ext>
+                  </a:extLst>
+                </a:gridCol>
+                <a:gridCol w="503238">
+                  <a:extLst>
+                    <a:ext uri="{9D8B030D-6E8A-4147-A177-3AD203B41FA5}">
+                      <a16:colId xmlns:a16="http://schemas.microsoft.com/office/drawing/2014/main" val="2521536332"/>
+                    </a:ext>
+                  </a:extLst>
+                </a:gridCol>
+                <a:gridCol w="503238">
+                  <a:extLst>
+                    <a:ext uri="{9D8B030D-6E8A-4147-A177-3AD203B41FA5}">
+                      <a16:colId xmlns:a16="http://schemas.microsoft.com/office/drawing/2014/main" val="1332182922"/>
+                    </a:ext>
+                  </a:extLst>
+                </a:gridCol>
+                <a:gridCol w="503238">
+                  <a:extLst>
+                    <a:ext uri="{9D8B030D-6E8A-4147-A177-3AD203B41FA5}">
+                      <a16:colId xmlns:a16="http://schemas.microsoft.com/office/drawing/2014/main" val="3938430726"/>
+                    </a:ext>
+                  </a:extLst>
+                </a:gridCol>
+                <a:gridCol w="503238">
+                  <a:extLst>
+                    <a:ext uri="{9D8B030D-6E8A-4147-A177-3AD203B41FA5}">
+                      <a16:colId xmlns:a16="http://schemas.microsoft.com/office/drawing/2014/main" val="294283129"/>
+                    </a:ext>
+                  </a:extLst>
+                </a:gridCol>
+              </a:tblGrid>
+              <a:tr h="427567">
+                <a:tc>
+                  <a:txBody>
+                    <a:bodyPr/>
+                    <a:lstStyle/>
+                    <a:p>
+                      <a:pPr latinLnBrk="1"/>
+                      <a:endParaRPr lang="ko-KR" altLang="en-US" dirty="0"/>
+                    </a:p>
+                  </a:txBody>
+                  <a:tcPr>
+                    <a:lnL w="12700" cap="flat" cmpd="sng" algn="ctr">
+                      <a:solidFill>
+                        <a:schemeClr val="tx1"/>
+                      </a:solidFill>
+                      <a:prstDash val="solid"/>
+                      <a:round/>
+                      <a:headEnd type="none" w="med" len="med"/>
+                      <a:tailEnd type="none" w="med" len="med"/>
+                    </a:lnL>
+                    <a:lnR w="12700" cap="flat" cmpd="sng" algn="ctr">
+                      <a:solidFill>
+                        <a:schemeClr val="tx1"/>
+                      </a:solidFill>
+                      <a:prstDash val="solid"/>
+                      <a:round/>
+                      <a:headEnd type="none" w="med" len="med"/>
+                      <a:tailEnd type="none" w="med" len="med"/>
+                    </a:lnR>
+                    <a:lnT w="12700" cap="flat" cmpd="sng" algn="ctr">
+                      <a:solidFill>
+                        <a:schemeClr val="tx1"/>
+                      </a:solidFill>
+                      <a:prstDash val="solid"/>
+                      <a:round/>
+                      <a:headEnd type="none" w="med" len="med"/>
+                      <a:tailEnd type="none" w="med" len="med"/>
+                    </a:lnT>
+                    <a:lnB w="12700" cap="flat" cmpd="sng" algn="ctr">
+                      <a:solidFill>
+                        <a:schemeClr val="tx1"/>
+                      </a:solidFill>
+                      <a:prstDash val="solid"/>
+                      <a:round/>
+                      <a:headEnd type="none" w="med" len="med"/>
+                      <a:tailEnd type="none" w="med" len="med"/>
+                    </a:lnB>
+                    <a:solidFill>
+                      <a:schemeClr val="tx1">
+                        <a:lumMod val="95000"/>
+                        <a:lumOff val="5000"/>
+                      </a:schemeClr>
+                    </a:solidFill>
+                  </a:tcPr>
+                </a:tc>
+                <a:tc>
+                  <a:txBody>
+                    <a:bodyPr/>
+                    <a:lstStyle/>
+                    <a:p>
+                      <a:pPr latinLnBrk="1"/>
+                      <a:endParaRPr lang="ko-KR" altLang="en-US" dirty="0"/>
+                    </a:p>
+                  </a:txBody>
+                  <a:tcPr>
+                    <a:lnL w="12700" cap="flat" cmpd="sng" algn="ctr">
+                      <a:solidFill>
+                        <a:schemeClr val="tx1"/>
+                      </a:solidFill>
+                      <a:prstDash val="solid"/>
+                      <a:round/>
+                      <a:headEnd type="none" w="med" len="med"/>
+                      <a:tailEnd type="none" w="med" len="med"/>
+                    </a:lnL>
+                    <a:lnR w="12700" cap="flat" cmpd="sng" algn="ctr">
+                      <a:solidFill>
+                        <a:schemeClr val="tx1"/>
+                      </a:solidFill>
+                      <a:prstDash val="solid"/>
+                      <a:round/>
+                      <a:headEnd type="none" w="med" len="med"/>
+                      <a:tailEnd type="none" w="med" len="med"/>
+                    </a:lnR>
+                    <a:lnT w="12700" cap="flat" cmpd="sng" algn="ctr">
+                      <a:solidFill>
+                        <a:schemeClr val="tx1"/>
+                      </a:solidFill>
+                      <a:prstDash val="solid"/>
+                      <a:round/>
+                      <a:headEnd type="none" w="med" len="med"/>
+                      <a:tailEnd type="none" w="med" len="med"/>
+                    </a:lnT>
+                    <a:lnB w="12700" cap="flat" cmpd="sng" algn="ctr">
+                      <a:solidFill>
+                        <a:schemeClr val="tx1"/>
+                      </a:solidFill>
+                      <a:prstDash val="solid"/>
+                      <a:round/>
+                      <a:headEnd type="none" w="med" len="med"/>
+                      <a:tailEnd type="none" w="med" len="med"/>
+                    </a:lnB>
+                    <a:solidFill>
+                      <a:schemeClr val="bg1">
+                        <a:lumMod val="95000"/>
+                      </a:schemeClr>
+                    </a:solidFill>
+                  </a:tcPr>
+                </a:tc>
+                <a:tc>
+                  <a:txBody>
+                    <a:bodyPr/>
+                    <a:lstStyle/>
+                    <a:p>
+                      <a:pPr latinLnBrk="1"/>
+                      <a:endParaRPr lang="ko-KR" altLang="en-US" dirty="0"/>
+                    </a:p>
+                  </a:txBody>
+                  <a:tcPr>
+                    <a:lnL w="12700" cap="flat" cmpd="sng" algn="ctr">
+                      <a:solidFill>
+                        <a:schemeClr val="tx1"/>
+                      </a:solidFill>
+                      <a:prstDash val="solid"/>
+                      <a:round/>
+                      <a:headEnd type="none" w="med" len="med"/>
+                      <a:tailEnd type="none" w="med" len="med"/>
+                    </a:lnL>
+                    <a:lnR w="12700" cap="flat" cmpd="sng" algn="ctr">
+                      <a:solidFill>
+                        <a:schemeClr val="tx1"/>
+                      </a:solidFill>
+                      <a:prstDash val="solid"/>
+                      <a:round/>
+                      <a:headEnd type="none" w="med" len="med"/>
+                      <a:tailEnd type="none" w="med" len="med"/>
+                    </a:lnR>
+                    <a:lnT w="12700" cap="flat" cmpd="sng" algn="ctr">
+                      <a:solidFill>
+                        <a:schemeClr val="tx1"/>
+                      </a:solidFill>
+                      <a:prstDash val="solid"/>
+                      <a:round/>
+                      <a:headEnd type="none" w="med" len="med"/>
+                      <a:tailEnd type="none" w="med" len="med"/>
+                    </a:lnT>
+                    <a:lnB w="12700" cap="flat" cmpd="sng" algn="ctr">
+                      <a:solidFill>
+                        <a:schemeClr val="tx1"/>
+                      </a:solidFill>
+                      <a:prstDash val="solid"/>
+                      <a:round/>
+                      <a:headEnd type="none" w="med" len="med"/>
+                      <a:tailEnd type="none" w="med" len="med"/>
+                    </a:lnB>
+                    <a:solidFill>
+                      <a:schemeClr val="tx1">
+                        <a:lumMod val="95000"/>
+                        <a:lumOff val="5000"/>
+                      </a:schemeClr>
+                    </a:solidFill>
+                  </a:tcPr>
+                </a:tc>
+                <a:tc>
+                  <a:txBody>
+                    <a:bodyPr/>
+                    <a:lstStyle/>
+                    <a:p>
+                      <a:pPr latinLnBrk="1"/>
+                      <a:endParaRPr lang="ko-KR" altLang="en-US" dirty="0"/>
+                    </a:p>
+                  </a:txBody>
+                  <a:tcPr>
+                    <a:lnL w="12700" cap="flat" cmpd="sng" algn="ctr">
+                      <a:solidFill>
+                        <a:schemeClr val="tx1"/>
+                      </a:solidFill>
+                      <a:prstDash val="solid"/>
+                      <a:round/>
+                      <a:headEnd type="none" w="med" len="med"/>
+                      <a:tailEnd type="none" w="med" len="med"/>
+                    </a:lnL>
+                    <a:lnR w="12700" cap="flat" cmpd="sng" algn="ctr">
+                      <a:solidFill>
+                        <a:schemeClr val="tx1"/>
+                      </a:solidFill>
+                      <a:prstDash val="solid"/>
+                      <a:round/>
+                      <a:headEnd type="none" w="med" len="med"/>
+                      <a:tailEnd type="none" w="med" len="med"/>
+                    </a:lnR>
+                    <a:lnT w="12700" cap="flat" cmpd="sng" algn="ctr">
+                      <a:solidFill>
+                        <a:schemeClr val="tx1"/>
+                      </a:solidFill>
+                      <a:prstDash val="solid"/>
+                      <a:round/>
+                      <a:headEnd type="none" w="med" len="med"/>
+                      <a:tailEnd type="none" w="med" len="med"/>
+                    </a:lnT>
+                    <a:lnB w="12700" cap="flat" cmpd="sng" algn="ctr">
+                      <a:solidFill>
+                        <a:schemeClr val="tx1"/>
+                      </a:solidFill>
+                      <a:prstDash val="solid"/>
+                      <a:round/>
+                      <a:headEnd type="none" w="med" len="med"/>
+                      <a:tailEnd type="none" w="med" len="med"/>
+                    </a:lnB>
+                    <a:solidFill>
+                      <a:schemeClr val="bg1">
+                        <a:lumMod val="95000"/>
+                      </a:schemeClr>
+                    </a:solidFill>
+                  </a:tcPr>
+                </a:tc>
+                <a:tc>
+                  <a:txBody>
+                    <a:bodyPr/>
+                    <a:lstStyle/>
+                    <a:p>
+                      <a:pPr latinLnBrk="1"/>
+                      <a:endParaRPr lang="ko-KR" altLang="en-US" dirty="0"/>
+                    </a:p>
+                  </a:txBody>
+                  <a:tcPr>
+                    <a:lnL w="12700" cap="flat" cmpd="sng" algn="ctr">
+                      <a:solidFill>
+                        <a:schemeClr val="tx1"/>
+                      </a:solidFill>
+                      <a:prstDash val="solid"/>
+                      <a:round/>
+                      <a:headEnd type="none" w="med" len="med"/>
+                      <a:tailEnd type="none" w="med" len="med"/>
+                    </a:lnL>
+                    <a:lnR w="12700" cap="flat" cmpd="sng" algn="ctr">
+                      <a:solidFill>
+                        <a:schemeClr val="tx1"/>
+                      </a:solidFill>
+                      <a:prstDash val="solid"/>
+                      <a:round/>
+                      <a:headEnd type="none" w="med" len="med"/>
+                      <a:tailEnd type="none" w="med" len="med"/>
+                    </a:lnR>
+                    <a:lnT w="12700" cap="flat" cmpd="sng" algn="ctr">
+                      <a:solidFill>
+                        <a:schemeClr val="tx1"/>
+                      </a:solidFill>
+                      <a:prstDash val="solid"/>
+                      <a:round/>
+                      <a:headEnd type="none" w="med" len="med"/>
+                      <a:tailEnd type="none" w="med" len="med"/>
+                    </a:lnT>
+                    <a:lnB w="12700" cap="flat" cmpd="sng" algn="ctr">
+                      <a:solidFill>
+                        <a:schemeClr val="tx1"/>
+                      </a:solidFill>
+                      <a:prstDash val="solid"/>
+                      <a:round/>
+                      <a:headEnd type="none" w="med" len="med"/>
+                      <a:tailEnd type="none" w="med" len="med"/>
+                    </a:lnB>
+                    <a:solidFill>
+                      <a:schemeClr val="tx1">
+                        <a:lumMod val="95000"/>
+                        <a:lumOff val="5000"/>
+                      </a:schemeClr>
+                    </a:solidFill>
+                  </a:tcPr>
+                </a:tc>
+                <a:tc>
+                  <a:txBody>
+                    <a:bodyPr/>
+                    <a:lstStyle/>
+                    <a:p>
+                      <a:pPr latinLnBrk="1"/>
+                      <a:endParaRPr lang="ko-KR" altLang="en-US" dirty="0"/>
+                    </a:p>
+                  </a:txBody>
+                  <a:tcPr>
+                    <a:lnL w="12700" cap="flat" cmpd="sng" algn="ctr">
+                      <a:solidFill>
+                        <a:schemeClr val="tx1"/>
+                      </a:solidFill>
+                      <a:prstDash val="solid"/>
+                      <a:round/>
+                      <a:headEnd type="none" w="med" len="med"/>
+                      <a:tailEnd type="none" w="med" len="med"/>
+                    </a:lnL>
+                    <a:lnR w="12700" cap="flat" cmpd="sng" algn="ctr">
+                      <a:solidFill>
+                        <a:schemeClr val="tx1"/>
+                      </a:solidFill>
+                      <a:prstDash val="solid"/>
+                      <a:round/>
+                      <a:headEnd type="none" w="med" len="med"/>
+                      <a:tailEnd type="none" w="med" len="med"/>
+                    </a:lnR>
+                    <a:lnT w="12700" cap="flat" cmpd="sng" algn="ctr">
+                      <a:solidFill>
+                        <a:schemeClr val="tx1"/>
+                      </a:solidFill>
+                      <a:prstDash val="solid"/>
+                      <a:round/>
+                      <a:headEnd type="none" w="med" len="med"/>
+                      <a:tailEnd type="none" w="med" len="med"/>
+                    </a:lnT>
+                    <a:lnB w="12700" cap="flat" cmpd="sng" algn="ctr">
+                      <a:solidFill>
+                        <a:schemeClr val="tx1"/>
+                      </a:solidFill>
+                      <a:prstDash val="solid"/>
+                      <a:round/>
+                      <a:headEnd type="none" w="med" len="med"/>
+                      <a:tailEnd type="none" w="med" len="med"/>
+                    </a:lnB>
+                    <a:solidFill>
+                      <a:schemeClr val="bg1">
+                        <a:lumMod val="95000"/>
+                      </a:schemeClr>
+                    </a:solidFill>
+                  </a:tcPr>
+                </a:tc>
+                <a:tc>
+                  <a:txBody>
+                    <a:bodyPr/>
+                    <a:lstStyle/>
+                    <a:p>
+                      <a:pPr latinLnBrk="1"/>
+                      <a:endParaRPr lang="ko-KR" altLang="en-US" dirty="0"/>
+                    </a:p>
+                  </a:txBody>
+                  <a:tcPr>
+                    <a:lnL w="12700" cap="flat" cmpd="sng" algn="ctr">
+                      <a:solidFill>
+                        <a:schemeClr val="tx1"/>
+                      </a:solidFill>
+                      <a:prstDash val="solid"/>
+                      <a:round/>
+                      <a:headEnd type="none" w="med" len="med"/>
+                      <a:tailEnd type="none" w="med" len="med"/>
+                    </a:lnL>
+                    <a:lnR w="12700" cap="flat" cmpd="sng" algn="ctr">
+                      <a:solidFill>
+                        <a:schemeClr val="tx1"/>
+                      </a:solidFill>
+                      <a:prstDash val="solid"/>
+                      <a:round/>
+                      <a:headEnd type="none" w="med" len="med"/>
+                      <a:tailEnd type="none" w="med" len="med"/>
+                    </a:lnR>
+                    <a:lnT w="12700" cap="flat" cmpd="sng" algn="ctr">
+                      <a:solidFill>
+                        <a:schemeClr val="tx1"/>
+                      </a:solidFill>
+                      <a:prstDash val="solid"/>
+                      <a:round/>
+                      <a:headEnd type="none" w="med" len="med"/>
+                      <a:tailEnd type="none" w="med" len="med"/>
+                    </a:lnT>
+                    <a:lnB w="12700" cap="flat" cmpd="sng" algn="ctr">
+                      <a:solidFill>
+                        <a:schemeClr val="tx1"/>
+                      </a:solidFill>
+                      <a:prstDash val="solid"/>
+                      <a:round/>
+                      <a:headEnd type="none" w="med" len="med"/>
+                      <a:tailEnd type="none" w="med" len="med"/>
+                    </a:lnB>
+                    <a:solidFill>
+                      <a:schemeClr val="tx1">
+                        <a:lumMod val="95000"/>
+                        <a:lumOff val="5000"/>
+                      </a:schemeClr>
+                    </a:solidFill>
+                  </a:tcPr>
+                </a:tc>
+                <a:tc>
+                  <a:txBody>
+                    <a:bodyPr/>
+                    <a:lstStyle/>
+                    <a:p>
+                      <a:pPr latinLnBrk="1"/>
+                      <a:endParaRPr lang="ko-KR" altLang="en-US" dirty="0"/>
+                    </a:p>
+                  </a:txBody>
+                  <a:tcPr>
+                    <a:lnL w="12700" cap="flat" cmpd="sng" algn="ctr">
+                      <a:solidFill>
+                        <a:schemeClr val="tx1"/>
+                      </a:solidFill>
+                      <a:prstDash val="solid"/>
+                      <a:round/>
+                      <a:headEnd type="none" w="med" len="med"/>
+                      <a:tailEnd type="none" w="med" len="med"/>
+                    </a:lnL>
+                    <a:lnR w="12700" cap="flat" cmpd="sng" algn="ctr">
+                      <a:solidFill>
+                        <a:schemeClr val="tx1"/>
+                      </a:solidFill>
+                      <a:prstDash val="solid"/>
+                      <a:round/>
+                      <a:headEnd type="none" w="med" len="med"/>
+                      <a:tailEnd type="none" w="med" len="med"/>
+                    </a:lnR>
+                    <a:lnT w="12700" cap="flat" cmpd="sng" algn="ctr">
+                      <a:solidFill>
+                        <a:schemeClr val="tx1"/>
+                      </a:solidFill>
+                      <a:prstDash val="solid"/>
+                      <a:round/>
+                      <a:headEnd type="none" w="med" len="med"/>
+                      <a:tailEnd type="none" w="med" len="med"/>
+                    </a:lnT>
+                    <a:lnB w="12700" cap="flat" cmpd="sng" algn="ctr">
+                      <a:solidFill>
+                        <a:schemeClr val="tx1"/>
+                      </a:solidFill>
+                      <a:prstDash val="solid"/>
+                      <a:round/>
+                      <a:headEnd type="none" w="med" len="med"/>
+                      <a:tailEnd type="none" w="med" len="med"/>
+                    </a:lnB>
+                    <a:solidFill>
+                      <a:schemeClr val="bg1">
+                        <a:lumMod val="95000"/>
+                      </a:schemeClr>
+                    </a:solidFill>
+                  </a:tcPr>
+                </a:tc>
+                <a:extLst>
+                  <a:ext uri="{0D108BD9-81ED-4DB2-BD59-A6C34878D82A}">
+                    <a16:rowId xmlns:a16="http://schemas.microsoft.com/office/drawing/2014/main" val="1103631435"/>
+                  </a:ext>
+                </a:extLst>
+              </a:tr>
+            </a:tbl>
+          </a:graphicData>
+        </a:graphic>
+      </p:graphicFrame>
+      <p:graphicFrame>
+        <p:nvGraphicFramePr>
+          <p:cNvPr id="10" name="표 9">
+            <a:extLst>
+              <a:ext uri="{FF2B5EF4-FFF2-40B4-BE49-F238E27FC236}">
+                <a16:creationId xmlns:a16="http://schemas.microsoft.com/office/drawing/2014/main" id="{FFC76AA3-8701-0CD1-F733-4D250F19E06A}"/>
+              </a:ext>
+            </a:extLst>
+          </p:cNvPr>
+          <p:cNvGraphicFramePr>
+            <a:graphicFrameLocks noGrp="1"/>
+          </p:cNvGraphicFramePr>
+          <p:nvPr>
+            <p:extLst>
+              <p:ext uri="{D42A27DB-BD31-4B8C-83A1-F6EECF244321}">
+                <p14:modId xmlns:p14="http://schemas.microsoft.com/office/powerpoint/2010/main" val="3218239504"/>
+              </p:ext>
+            </p:extLst>
+          </p:nvPr>
+        </p:nvGraphicFramePr>
+        <p:xfrm>
+          <a:off x="482600" y="3234264"/>
+          <a:ext cx="4025904" cy="427567"/>
+        </p:xfrm>
+        <a:graphic>
+          <a:graphicData uri="http://schemas.openxmlformats.org/drawingml/2006/table">
+            <a:tbl>
+              <a:tblPr firstRow="1" bandRow="1">
+                <a:tableStyleId>{5C22544A-7EE6-4342-B048-85BDC9FD1C3A}</a:tableStyleId>
+              </a:tblPr>
+              <a:tblGrid>
+                <a:gridCol w="503238">
+                  <a:extLst>
+                    <a:ext uri="{9D8B030D-6E8A-4147-A177-3AD203B41FA5}">
+                      <a16:colId xmlns:a16="http://schemas.microsoft.com/office/drawing/2014/main" val="2797218297"/>
+                    </a:ext>
+                  </a:extLst>
+                </a:gridCol>
+                <a:gridCol w="503238">
+                  <a:extLst>
+                    <a:ext uri="{9D8B030D-6E8A-4147-A177-3AD203B41FA5}">
+                      <a16:colId xmlns:a16="http://schemas.microsoft.com/office/drawing/2014/main" val="1375029806"/>
+                    </a:ext>
+                  </a:extLst>
+                </a:gridCol>
+                <a:gridCol w="503238">
+                  <a:extLst>
+                    <a:ext uri="{9D8B030D-6E8A-4147-A177-3AD203B41FA5}">
+                      <a16:colId xmlns:a16="http://schemas.microsoft.com/office/drawing/2014/main" val="2805382108"/>
+                    </a:ext>
+                  </a:extLst>
+                </a:gridCol>
+                <a:gridCol w="503238">
+                  <a:extLst>
+                    <a:ext uri="{9D8B030D-6E8A-4147-A177-3AD203B41FA5}">
+                      <a16:colId xmlns:a16="http://schemas.microsoft.com/office/drawing/2014/main" val="1788111919"/>
+                    </a:ext>
+                  </a:extLst>
+                </a:gridCol>
+                <a:gridCol w="503238">
+                  <a:extLst>
+                    <a:ext uri="{9D8B030D-6E8A-4147-A177-3AD203B41FA5}">
+                      <a16:colId xmlns:a16="http://schemas.microsoft.com/office/drawing/2014/main" val="2780197273"/>
+                    </a:ext>
+                  </a:extLst>
+                </a:gridCol>
+                <a:gridCol w="503238">
+                  <a:extLst>
+                    <a:ext uri="{9D8B030D-6E8A-4147-A177-3AD203B41FA5}">
+                      <a16:colId xmlns:a16="http://schemas.microsoft.com/office/drawing/2014/main" val="1202739891"/>
+                    </a:ext>
+                  </a:extLst>
+                </a:gridCol>
+                <a:gridCol w="503238">
+                  <a:extLst>
+                    <a:ext uri="{9D8B030D-6E8A-4147-A177-3AD203B41FA5}">
+                      <a16:colId xmlns:a16="http://schemas.microsoft.com/office/drawing/2014/main" val="1135102306"/>
+                    </a:ext>
+                  </a:extLst>
+                </a:gridCol>
+                <a:gridCol w="503238">
+                  <a:extLst>
+                    <a:ext uri="{9D8B030D-6E8A-4147-A177-3AD203B41FA5}">
+                      <a16:colId xmlns:a16="http://schemas.microsoft.com/office/drawing/2014/main" val="2656748054"/>
+                    </a:ext>
+                  </a:extLst>
+                </a:gridCol>
+              </a:tblGrid>
+              <a:tr h="427567">
+                <a:tc>
+                  <a:txBody>
+                    <a:bodyPr/>
+                    <a:lstStyle/>
+                    <a:p>
+                      <a:pPr latinLnBrk="1"/>
+                      <a:endParaRPr lang="ko-KR" altLang="en-US" dirty="0"/>
+                    </a:p>
+                  </a:txBody>
+                  <a:tcPr>
+                    <a:lnL w="12700" cap="flat" cmpd="sng" algn="ctr">
+                      <a:solidFill>
+                        <a:schemeClr val="tx1"/>
+                      </a:solidFill>
+                      <a:prstDash val="solid"/>
+                      <a:round/>
+                      <a:headEnd type="none" w="med" len="med"/>
+                      <a:tailEnd type="none" w="med" len="med"/>
+                    </a:lnL>
+                    <a:lnR w="12700" cap="flat" cmpd="sng" algn="ctr">
+                      <a:solidFill>
+                        <a:schemeClr val="tx1"/>
+                      </a:solidFill>
+                      <a:prstDash val="solid"/>
+                      <a:round/>
+                      <a:headEnd type="none" w="med" len="med"/>
+                      <a:tailEnd type="none" w="med" len="med"/>
+                    </a:lnR>
+                    <a:lnT w="12700" cap="flat" cmpd="sng" algn="ctr">
+                      <a:solidFill>
+                        <a:schemeClr val="tx1"/>
+                      </a:solidFill>
+                      <a:prstDash val="solid"/>
+                      <a:round/>
+                      <a:headEnd type="none" w="med" len="med"/>
+                      <a:tailEnd type="none" w="med" len="med"/>
+                    </a:lnT>
+                    <a:lnB w="12700" cap="flat" cmpd="sng" algn="ctr">
+                      <a:solidFill>
+                        <a:schemeClr val="tx1"/>
+                      </a:solidFill>
+                      <a:prstDash val="solid"/>
+                      <a:round/>
+                      <a:headEnd type="none" w="med" len="med"/>
+                      <a:tailEnd type="none" w="med" len="med"/>
+                    </a:lnB>
+                    <a:solidFill>
+                      <a:schemeClr val="bg1">
+                        <a:lumMod val="95000"/>
+                      </a:schemeClr>
+                    </a:solidFill>
+                  </a:tcPr>
+                </a:tc>
+                <a:tc>
+                  <a:txBody>
+                    <a:bodyPr/>
+                    <a:lstStyle/>
+                    <a:p>
+                      <a:pPr latinLnBrk="1"/>
+                      <a:endParaRPr lang="ko-KR" altLang="en-US" dirty="0"/>
+                    </a:p>
+                  </a:txBody>
+                  <a:tcPr>
+                    <a:lnL w="12700" cap="flat" cmpd="sng" algn="ctr">
+                      <a:solidFill>
+                        <a:schemeClr val="tx1"/>
+                      </a:solidFill>
+                      <a:prstDash val="solid"/>
+                      <a:round/>
+                      <a:headEnd type="none" w="med" len="med"/>
+                      <a:tailEnd type="none" w="med" len="med"/>
+                    </a:lnL>
+                    <a:lnR w="12700" cap="flat" cmpd="sng" algn="ctr">
+                      <a:solidFill>
+                        <a:schemeClr val="tx1"/>
+                      </a:solidFill>
+                      <a:prstDash val="solid"/>
+                      <a:round/>
+                      <a:headEnd type="none" w="med" len="med"/>
+                      <a:tailEnd type="none" w="med" len="med"/>
+                    </a:lnR>
+                    <a:lnT w="12700" cap="flat" cmpd="sng" algn="ctr">
+                      <a:solidFill>
+                        <a:schemeClr val="tx1"/>
+                      </a:solidFill>
+                      <a:prstDash val="solid"/>
+                      <a:round/>
+                      <a:headEnd type="none" w="med" len="med"/>
+                      <a:tailEnd type="none" w="med" len="med"/>
+                    </a:lnT>
+                    <a:lnB w="12700" cap="flat" cmpd="sng" algn="ctr">
+                      <a:solidFill>
+                        <a:schemeClr val="tx1"/>
+                      </a:solidFill>
+                      <a:prstDash val="solid"/>
+                      <a:round/>
+                      <a:headEnd type="none" w="med" len="med"/>
+                      <a:tailEnd type="none" w="med" len="med"/>
+                    </a:lnB>
+                    <a:solidFill>
+                      <a:schemeClr val="tx1">
+                        <a:lumMod val="95000"/>
+                        <a:lumOff val="5000"/>
+                      </a:schemeClr>
+                    </a:solidFill>
+                  </a:tcPr>
+                </a:tc>
+                <a:tc>
+                  <a:txBody>
+                    <a:bodyPr/>
+                    <a:lstStyle/>
+                    <a:p>
+                      <a:pPr latinLnBrk="1"/>
+                      <a:endParaRPr lang="ko-KR" altLang="en-US" dirty="0"/>
+                    </a:p>
+                  </a:txBody>
+                  <a:tcPr>
+                    <a:lnL w="12700" cap="flat" cmpd="sng" algn="ctr">
+                      <a:solidFill>
+                        <a:schemeClr val="tx1"/>
+                      </a:solidFill>
+                      <a:prstDash val="solid"/>
+                      <a:round/>
+                      <a:headEnd type="none" w="med" len="med"/>
+                      <a:tailEnd type="none" w="med" len="med"/>
+                    </a:lnL>
+                    <a:lnR w="12700" cap="flat" cmpd="sng" algn="ctr">
+                      <a:solidFill>
+                        <a:schemeClr val="tx1"/>
+                      </a:solidFill>
+                      <a:prstDash val="solid"/>
+                      <a:round/>
+                      <a:headEnd type="none" w="med" len="med"/>
+                      <a:tailEnd type="none" w="med" len="med"/>
+                    </a:lnR>
+                    <a:lnT w="12700" cap="flat" cmpd="sng" algn="ctr">
+                      <a:solidFill>
+                        <a:schemeClr val="tx1"/>
+                      </a:solidFill>
+                      <a:prstDash val="solid"/>
+                      <a:round/>
+                      <a:headEnd type="none" w="med" len="med"/>
+                      <a:tailEnd type="none" w="med" len="med"/>
+                    </a:lnT>
+                    <a:lnB w="12700" cap="flat" cmpd="sng" algn="ctr">
+                      <a:solidFill>
+                        <a:schemeClr val="tx1"/>
+                      </a:solidFill>
+                      <a:prstDash val="solid"/>
+                      <a:round/>
+                      <a:headEnd type="none" w="med" len="med"/>
+                      <a:tailEnd type="none" w="med" len="med"/>
+                    </a:lnB>
+                    <a:solidFill>
+                      <a:schemeClr val="bg1">
+                        <a:lumMod val="95000"/>
+                      </a:schemeClr>
+                    </a:solidFill>
+                  </a:tcPr>
+                </a:tc>
+                <a:tc>
+                  <a:txBody>
+                    <a:bodyPr/>
+                    <a:lstStyle/>
+                    <a:p>
+                      <a:pPr latinLnBrk="1"/>
+                      <a:endParaRPr lang="ko-KR" altLang="en-US" dirty="0"/>
+                    </a:p>
+                  </a:txBody>
+                  <a:tcPr>
+                    <a:lnL w="12700" cap="flat" cmpd="sng" algn="ctr">
+                      <a:solidFill>
+                        <a:schemeClr val="tx1"/>
+                      </a:solidFill>
+                      <a:prstDash val="solid"/>
+                      <a:round/>
+                      <a:headEnd type="none" w="med" len="med"/>
+                      <a:tailEnd type="none" w="med" len="med"/>
+                    </a:lnL>
+                    <a:lnR w="12700" cap="flat" cmpd="sng" algn="ctr">
+                      <a:solidFill>
+                        <a:schemeClr val="tx1"/>
+                      </a:solidFill>
+                      <a:prstDash val="solid"/>
+                      <a:round/>
+                      <a:headEnd type="none" w="med" len="med"/>
+                      <a:tailEnd type="none" w="med" len="med"/>
+                    </a:lnR>
+                    <a:lnT w="12700" cap="flat" cmpd="sng" algn="ctr">
+                      <a:solidFill>
+                        <a:schemeClr val="tx1"/>
+                      </a:solidFill>
+                      <a:prstDash val="solid"/>
+                      <a:round/>
+                      <a:headEnd type="none" w="med" len="med"/>
+                      <a:tailEnd type="none" w="med" len="med"/>
+                    </a:lnT>
+                    <a:lnB w="12700" cap="flat" cmpd="sng" algn="ctr">
+                      <a:solidFill>
+                        <a:schemeClr val="tx1"/>
+                      </a:solidFill>
+                      <a:prstDash val="solid"/>
+                      <a:round/>
+                      <a:headEnd type="none" w="med" len="med"/>
+                      <a:tailEnd type="none" w="med" len="med"/>
+                    </a:lnB>
+                    <a:solidFill>
+                      <a:schemeClr val="tx1">
+                        <a:lumMod val="95000"/>
+                        <a:lumOff val="5000"/>
+                      </a:schemeClr>
+                    </a:solidFill>
+                  </a:tcPr>
+                </a:tc>
+                <a:tc>
+                  <a:txBody>
+                    <a:bodyPr/>
+                    <a:lstStyle/>
+                    <a:p>
+                      <a:pPr latinLnBrk="1"/>
+                      <a:endParaRPr lang="ko-KR" altLang="en-US" dirty="0"/>
+                    </a:p>
+                  </a:txBody>
+                  <a:tcPr>
+                    <a:lnL w="12700" cap="flat" cmpd="sng" algn="ctr">
+                      <a:solidFill>
+                        <a:schemeClr val="tx1"/>
+                      </a:solidFill>
+                      <a:prstDash val="solid"/>
+                      <a:round/>
+                      <a:headEnd type="none" w="med" len="med"/>
+                      <a:tailEnd type="none" w="med" len="med"/>
+                    </a:lnL>
+                    <a:lnR w="12700" cap="flat" cmpd="sng" algn="ctr">
+                      <a:solidFill>
+                        <a:schemeClr val="tx1"/>
+                      </a:solidFill>
+                      <a:prstDash val="solid"/>
+                      <a:round/>
+                      <a:headEnd type="none" w="med" len="med"/>
+                      <a:tailEnd type="none" w="med" len="med"/>
+                    </a:lnR>
+                    <a:lnT w="12700" cap="flat" cmpd="sng" algn="ctr">
+                      <a:solidFill>
+                        <a:schemeClr val="tx1"/>
+                      </a:solidFill>
+                      <a:prstDash val="solid"/>
+                      <a:round/>
+                      <a:headEnd type="none" w="med" len="med"/>
+                      <a:tailEnd type="none" w="med" len="med"/>
+                    </a:lnT>
+                    <a:lnB w="12700" cap="flat" cmpd="sng" algn="ctr">
+                      <a:solidFill>
+                        <a:schemeClr val="tx1"/>
+                      </a:solidFill>
+                      <a:prstDash val="solid"/>
+                      <a:round/>
+                      <a:headEnd type="none" w="med" len="med"/>
+                      <a:tailEnd type="none" w="med" len="med"/>
+                    </a:lnB>
+                    <a:solidFill>
+                      <a:schemeClr val="bg1">
+                        <a:lumMod val="95000"/>
+                      </a:schemeClr>
+                    </a:solidFill>
+                  </a:tcPr>
+                </a:tc>
+                <a:tc>
+                  <a:txBody>
+                    <a:bodyPr/>
+                    <a:lstStyle/>
+                    <a:p>
+                      <a:pPr latinLnBrk="1"/>
+                      <a:endParaRPr lang="ko-KR" altLang="en-US" dirty="0"/>
+                    </a:p>
+                  </a:txBody>
+                  <a:tcPr>
+                    <a:lnL w="12700" cap="flat" cmpd="sng" algn="ctr">
+                      <a:solidFill>
+                        <a:schemeClr val="tx1"/>
+                      </a:solidFill>
+                      <a:prstDash val="solid"/>
+                      <a:round/>
+                      <a:headEnd type="none" w="med" len="med"/>
+                      <a:tailEnd type="none" w="med" len="med"/>
+                    </a:lnL>
+                    <a:lnR w="12700" cap="flat" cmpd="sng" algn="ctr">
+                      <a:solidFill>
+                        <a:schemeClr val="tx1"/>
+                      </a:solidFill>
+                      <a:prstDash val="solid"/>
+                      <a:round/>
+                      <a:headEnd type="none" w="med" len="med"/>
+                      <a:tailEnd type="none" w="med" len="med"/>
+                    </a:lnR>
+                    <a:lnT w="12700" cap="flat" cmpd="sng" algn="ctr">
+                      <a:solidFill>
+                        <a:schemeClr val="tx1"/>
+                      </a:solidFill>
+                      <a:prstDash val="solid"/>
+                      <a:round/>
+                      <a:headEnd type="none" w="med" len="med"/>
+                      <a:tailEnd type="none" w="med" len="med"/>
+                    </a:lnT>
+                    <a:lnB w="12700" cap="flat" cmpd="sng" algn="ctr">
+                      <a:solidFill>
+                        <a:schemeClr val="tx1"/>
+                      </a:solidFill>
+                      <a:prstDash val="solid"/>
+                      <a:round/>
+                      <a:headEnd type="none" w="med" len="med"/>
+                      <a:tailEnd type="none" w="med" len="med"/>
+                    </a:lnB>
+                    <a:solidFill>
+                      <a:schemeClr val="tx1">
+                        <a:lumMod val="95000"/>
+                        <a:lumOff val="5000"/>
+                      </a:schemeClr>
+                    </a:solidFill>
+                  </a:tcPr>
+                </a:tc>
+                <a:tc>
+                  <a:txBody>
+                    <a:bodyPr/>
+                    <a:lstStyle/>
+                    <a:p>
+                      <a:pPr latinLnBrk="1"/>
+                      <a:endParaRPr lang="ko-KR" altLang="en-US" dirty="0"/>
+                    </a:p>
+                  </a:txBody>
+                  <a:tcPr>
+                    <a:lnL w="12700" cap="flat" cmpd="sng" algn="ctr">
+                      <a:solidFill>
+                        <a:schemeClr val="tx1"/>
+                      </a:solidFill>
+                      <a:prstDash val="solid"/>
+                      <a:round/>
+                      <a:headEnd type="none" w="med" len="med"/>
+                      <a:tailEnd type="none" w="med" len="med"/>
+                    </a:lnL>
+                    <a:lnR w="12700" cap="flat" cmpd="sng" algn="ctr">
+                      <a:solidFill>
+                        <a:schemeClr val="tx1"/>
+                      </a:solidFill>
+                      <a:prstDash val="solid"/>
+                      <a:round/>
+                      <a:headEnd type="none" w="med" len="med"/>
+                      <a:tailEnd type="none" w="med" len="med"/>
+                    </a:lnR>
+                    <a:lnT w="12700" cap="flat" cmpd="sng" algn="ctr">
+                      <a:solidFill>
+                        <a:schemeClr val="tx1"/>
+                      </a:solidFill>
+                      <a:prstDash val="solid"/>
+                      <a:round/>
+                      <a:headEnd type="none" w="med" len="med"/>
+                      <a:tailEnd type="none" w="med" len="med"/>
+                    </a:lnT>
+                    <a:lnB w="12700" cap="flat" cmpd="sng" algn="ctr">
+                      <a:solidFill>
+                        <a:schemeClr val="tx1"/>
+                      </a:solidFill>
+                      <a:prstDash val="solid"/>
+                      <a:round/>
+                      <a:headEnd type="none" w="med" len="med"/>
+                      <a:tailEnd type="none" w="med" len="med"/>
+                    </a:lnB>
+                    <a:solidFill>
+                      <a:schemeClr val="bg1">
+                        <a:lumMod val="95000"/>
+                      </a:schemeClr>
+                    </a:solidFill>
+                  </a:tcPr>
+                </a:tc>
+                <a:tc>
+                  <a:txBody>
+                    <a:bodyPr/>
+                    <a:lstStyle/>
+                    <a:p>
+                      <a:pPr latinLnBrk="1"/>
+                      <a:endParaRPr lang="ko-KR" altLang="en-US" dirty="0"/>
+                    </a:p>
+                  </a:txBody>
+                  <a:tcPr>
+                    <a:lnL w="12700" cap="flat" cmpd="sng" algn="ctr">
+                      <a:solidFill>
+                        <a:schemeClr val="tx1"/>
+                      </a:solidFill>
+                      <a:prstDash val="solid"/>
+                      <a:round/>
+                      <a:headEnd type="none" w="med" len="med"/>
+                      <a:tailEnd type="none" w="med" len="med"/>
+                    </a:lnL>
+                    <a:lnR w="12700" cap="flat" cmpd="sng" algn="ctr">
+                      <a:solidFill>
+                        <a:schemeClr val="tx1"/>
+                      </a:solidFill>
+                      <a:prstDash val="solid"/>
+                      <a:round/>
+                      <a:headEnd type="none" w="med" len="med"/>
+                      <a:tailEnd type="none" w="med" len="med"/>
+                    </a:lnR>
+                    <a:lnT w="12700" cap="flat" cmpd="sng" algn="ctr">
+                      <a:solidFill>
+                        <a:schemeClr val="tx1"/>
+                      </a:solidFill>
+                      <a:prstDash val="solid"/>
+                      <a:round/>
+                      <a:headEnd type="none" w="med" len="med"/>
+                      <a:tailEnd type="none" w="med" len="med"/>
+                    </a:lnT>
+                    <a:lnB w="12700" cap="flat" cmpd="sng" algn="ctr">
+                      <a:solidFill>
+                        <a:schemeClr val="tx1"/>
+                      </a:solidFill>
+                      <a:prstDash val="solid"/>
+                      <a:round/>
+                      <a:headEnd type="none" w="med" len="med"/>
+                      <a:tailEnd type="none" w="med" len="med"/>
+                    </a:lnB>
+                    <a:solidFill>
+                      <a:schemeClr val="tx1">
+                        <a:lumMod val="95000"/>
+                        <a:lumOff val="5000"/>
+                      </a:schemeClr>
+                    </a:solidFill>
+                  </a:tcPr>
+                </a:tc>
+                <a:extLst>
+                  <a:ext uri="{0D108BD9-81ED-4DB2-BD59-A6C34878D82A}">
+                    <a16:rowId xmlns:a16="http://schemas.microsoft.com/office/drawing/2014/main" val="4245482167"/>
+                  </a:ext>
+                </a:extLst>
+              </a:tr>
+            </a:tbl>
+          </a:graphicData>
+        </a:graphic>
+      </p:graphicFrame>
+      <p:sp>
+        <p:nvSpPr>
+          <p:cNvPr id="11" name="TextBox 10">
+            <a:extLst>
+              <a:ext uri="{FF2B5EF4-FFF2-40B4-BE49-F238E27FC236}">
+                <a16:creationId xmlns:a16="http://schemas.microsoft.com/office/drawing/2014/main" id="{D4377A82-A884-CF29-90E4-AD5917E81FCE}"/>
+              </a:ext>
+            </a:extLst>
+          </p:cNvPr>
+          <p:cNvSpPr txBox="1"/>
+          <p:nvPr/>
         </p:nvSpPr>
-        <p:spPr/>
+        <p:spPr>
+          <a:xfrm>
+            <a:off x="482600" y="4298203"/>
+            <a:ext cx="4055919" cy="869790"/>
+          </a:xfrm>
+          <a:prstGeom prst="rect">
+            <a:avLst/>
+          </a:prstGeom>
+          <a:noFill/>
+        </p:spPr>
         <p:txBody>
-          <a:bodyPr/>
+          <a:bodyPr wrap="none" rtlCol="0">
+            <a:spAutoFit/>
+          </a:bodyPr>
           <a:lstStyle/>
           <a:p>
-            <a:endParaRPr lang="ko-KR" altLang="en-US"/>
+            <a:pPr algn="ctr">
+              <a:lnSpc>
+                <a:spcPct val="150000"/>
+              </a:lnSpc>
+            </a:pPr>
+            <a:r>
+              <a:rPr lang="ko-KR" altLang="en-US" b="1" dirty="0"/>
+              <a:t>이런 규칙적인 체스판을 만들기 위해 </a:t>
+            </a:r>
+            <a:endParaRPr lang="en-US" altLang="ko-KR" b="1" dirty="0"/>
+          </a:p>
+          <a:p>
+            <a:pPr algn="ctr">
+              <a:lnSpc>
+                <a:spcPct val="150000"/>
+              </a:lnSpc>
+            </a:pPr>
+            <a:r>
+              <a:rPr lang="ko-KR" altLang="en-US" b="1" dirty="0"/>
+              <a:t>변경해야 하는 최솟값 찾기</a:t>
+            </a:r>
           </a:p>
         </p:txBody>
       </p:sp>
       <p:sp>
         <p:nvSpPr>
-          <p:cNvPr id="3" name="내용 개체 틀 2">
+          <p:cNvPr id="12" name="TextBox 11">
             <a:extLst>
               <a:ext uri="{FF2B5EF4-FFF2-40B4-BE49-F238E27FC236}">
-                <a16:creationId xmlns:a16="http://schemas.microsoft.com/office/drawing/2014/main" id="{218A1DA4-5594-AD78-778C-6FD9DC925514}"/>
+                <a16:creationId xmlns:a16="http://schemas.microsoft.com/office/drawing/2014/main" id="{F90942DB-5250-F33D-3FCC-31866187EB51}"/>
               </a:ext>
             </a:extLst>
           </p:cNvPr>
-          <p:cNvSpPr>
-            <a:spLocks noGrp="1"/>
-          </p:cNvSpPr>
-          <p:nvPr>
-            <p:ph idx="1"/>
-          </p:nvPr>
+          <p:cNvSpPr txBox="1"/>
+          <p:nvPr/>
         </p:nvSpPr>
-        <p:spPr/>
+        <p:spPr>
+          <a:xfrm>
+            <a:off x="237513" y="204144"/>
+            <a:ext cx="4436088" cy="369332"/>
+          </a:xfrm>
+          <a:prstGeom prst="rect">
+            <a:avLst/>
+          </a:prstGeom>
+          <a:noFill/>
+        </p:spPr>
         <p:txBody>
-          <a:bodyPr/>
+          <a:bodyPr wrap="square" rtlCol="0">
+            <a:spAutoFit/>
+          </a:bodyPr>
           <a:lstStyle/>
           <a:p>
-            <a:endParaRPr lang="ko-KR" altLang="en-US"/>
+            <a:r>
+              <a:rPr lang="en-US" altLang="ko-KR" dirty="0"/>
+              <a:t>1018</a:t>
+            </a:r>
+            <a:r>
+              <a:rPr lang="ko-KR" altLang="en-US" dirty="0"/>
+              <a:t> </a:t>
+            </a:r>
+            <a:r>
+              <a:rPr lang="ko-KR" altLang="en-US" b="0" i="0" dirty="0" err="1">
+                <a:effectLst/>
+                <a:latin typeface="Open Sans" panose="020B0606030504020204" pitchFamily="34" charset="0"/>
+              </a:rPr>
+              <a:t>체스판</a:t>
+            </a:r>
+            <a:r>
+              <a:rPr lang="ko-KR" altLang="en-US" b="0" i="0" dirty="0">
+                <a:effectLst/>
+                <a:latin typeface="Open Sans" panose="020B0606030504020204" pitchFamily="34" charset="0"/>
+              </a:rPr>
+              <a:t> 다시 칠하기</a:t>
+            </a:r>
+            <a:r>
+              <a:rPr lang="en-US" altLang="ko-KR" b="0" i="0" dirty="0">
+                <a:effectLst/>
+                <a:latin typeface="Open Sans" panose="020B0606030504020204" pitchFamily="34" charset="0"/>
+              </a:rPr>
+              <a:t> </a:t>
+            </a:r>
+            <a:r>
+              <a:rPr lang="en-US" altLang="ko-KR" dirty="0"/>
+              <a:t>#</a:t>
+            </a:r>
+            <a:r>
+              <a:rPr lang="ko-KR" altLang="en-US" dirty="0" err="1"/>
+              <a:t>브루트포스</a:t>
+            </a:r>
+            <a:endParaRPr lang="ko-KR" altLang="en-US" dirty="0"/>
+          </a:p>
+        </p:txBody>
+      </p:sp>
+      <p:sp>
+        <p:nvSpPr>
+          <p:cNvPr id="13" name="TextBox 12">
+            <a:extLst>
+              <a:ext uri="{FF2B5EF4-FFF2-40B4-BE49-F238E27FC236}">
+                <a16:creationId xmlns:a16="http://schemas.microsoft.com/office/drawing/2014/main" id="{596C3783-4606-116D-D9E9-0B5E3E03CBC1}"/>
+              </a:ext>
+            </a:extLst>
+          </p:cNvPr>
+          <p:cNvSpPr txBox="1"/>
+          <p:nvPr/>
+        </p:nvSpPr>
+        <p:spPr>
+          <a:xfrm>
+            <a:off x="6136200" y="302283"/>
+            <a:ext cx="763351" cy="553998"/>
+          </a:xfrm>
+          <a:prstGeom prst="rect">
+            <a:avLst/>
+          </a:prstGeom>
+          <a:noFill/>
+        </p:spPr>
+        <p:txBody>
+          <a:bodyPr wrap="none" rtlCol="0">
+            <a:spAutoFit/>
+          </a:bodyPr>
+          <a:lstStyle/>
+          <a:p>
+            <a:pPr algn="ctr"/>
+            <a:r>
+              <a:rPr lang="en-US" altLang="ko-KR" sz="1500" b="1" dirty="0">
+                <a:latin typeface="+mj-lt"/>
+              </a:rPr>
+              <a:t>W</a:t>
+            </a:r>
+            <a:r>
+              <a:rPr lang="ko-KR" altLang="en-US" sz="1500" b="1" dirty="0">
+                <a:latin typeface="+mj-lt"/>
+              </a:rPr>
+              <a:t> </a:t>
+            </a:r>
+            <a:r>
+              <a:rPr lang="en-US" altLang="ko-KR" sz="1500" b="1" dirty="0">
+                <a:latin typeface="+mj-lt"/>
+              </a:rPr>
+              <a:t>=</a:t>
+            </a:r>
+            <a:r>
+              <a:rPr lang="ko-KR" altLang="en-US" sz="1500" b="1" dirty="0">
+                <a:latin typeface="+mj-lt"/>
+              </a:rPr>
+              <a:t> </a:t>
+            </a:r>
+            <a:r>
+              <a:rPr lang="en-US" altLang="ko-KR" sz="1500" b="1" dirty="0">
+                <a:latin typeface="+mj-lt"/>
+              </a:rPr>
+              <a:t>1</a:t>
+            </a:r>
+          </a:p>
+          <a:p>
+            <a:pPr algn="ctr"/>
+            <a:r>
+              <a:rPr lang="en-US" altLang="ko-KR" sz="1500" b="1" dirty="0">
+                <a:latin typeface="+mj-lt"/>
+              </a:rPr>
+              <a:t>B = 0</a:t>
+            </a:r>
+          </a:p>
+        </p:txBody>
+      </p:sp>
+      <p:sp>
+        <p:nvSpPr>
+          <p:cNvPr id="14" name="TextBox 13">
+            <a:extLst>
+              <a:ext uri="{FF2B5EF4-FFF2-40B4-BE49-F238E27FC236}">
+                <a16:creationId xmlns:a16="http://schemas.microsoft.com/office/drawing/2014/main" id="{ACC5FBC7-1AE7-D5E6-52D7-B42C927CFCBC}"/>
+              </a:ext>
+            </a:extLst>
+          </p:cNvPr>
+          <p:cNvSpPr txBox="1"/>
+          <p:nvPr/>
+        </p:nvSpPr>
+        <p:spPr>
+          <a:xfrm>
+            <a:off x="7318187" y="302283"/>
+            <a:ext cx="1969899" cy="553998"/>
+          </a:xfrm>
+          <a:prstGeom prst="rect">
+            <a:avLst/>
+          </a:prstGeom>
+          <a:noFill/>
+        </p:spPr>
+        <p:txBody>
+          <a:bodyPr wrap="none" rtlCol="0">
+            <a:spAutoFit/>
+          </a:bodyPr>
+          <a:lstStyle/>
+          <a:p>
+            <a:pPr algn="ctr"/>
+            <a:r>
+              <a:rPr lang="en-US" altLang="ko-KR" sz="1500" b="1" dirty="0" err="1">
+                <a:latin typeface="+mj-lt"/>
+              </a:rPr>
+              <a:t>Wstart</a:t>
+            </a:r>
+            <a:r>
+              <a:rPr lang="ko-KR" altLang="en-US" sz="1500" b="1" dirty="0">
+                <a:latin typeface="+mj-lt"/>
+              </a:rPr>
+              <a:t> </a:t>
+            </a:r>
+            <a:r>
+              <a:rPr lang="en-US" altLang="ko-KR" sz="1500" b="1" dirty="0">
+                <a:latin typeface="+mj-lt"/>
+              </a:rPr>
+              <a:t>=</a:t>
+            </a:r>
+            <a:r>
+              <a:rPr lang="ko-KR" altLang="en-US" sz="1500" b="1" dirty="0">
+                <a:latin typeface="+mj-lt"/>
+              </a:rPr>
+              <a:t> </a:t>
+            </a:r>
+            <a:r>
+              <a:rPr lang="en-US" altLang="ko-KR" sz="1500" b="1" dirty="0">
+                <a:solidFill>
+                  <a:srgbClr val="00B050"/>
+                </a:solidFill>
+                <a:latin typeface="+mj-lt"/>
+              </a:rPr>
+              <a:t>10101010</a:t>
+            </a:r>
+          </a:p>
+          <a:p>
+            <a:pPr algn="ctr"/>
+            <a:r>
+              <a:rPr lang="en-US" altLang="ko-KR" sz="1500" b="1" dirty="0" err="1">
+                <a:latin typeface="+mj-lt"/>
+              </a:rPr>
+              <a:t>Bstart</a:t>
+            </a:r>
+            <a:r>
+              <a:rPr lang="en-US" altLang="ko-KR" sz="1500" b="1" dirty="0">
+                <a:latin typeface="+mj-lt"/>
+              </a:rPr>
+              <a:t> = </a:t>
+            </a:r>
+            <a:r>
+              <a:rPr lang="en-US" altLang="ko-KR" sz="1500" b="1" dirty="0">
+                <a:solidFill>
+                  <a:srgbClr val="0070C0"/>
+                </a:solidFill>
+                <a:latin typeface="+mj-lt"/>
+              </a:rPr>
+              <a:t>01010101</a:t>
+            </a:r>
+          </a:p>
+        </p:txBody>
+      </p:sp>
+      <p:sp>
+        <p:nvSpPr>
+          <p:cNvPr id="16" name="TextBox 15">
+            <a:extLst>
+              <a:ext uri="{FF2B5EF4-FFF2-40B4-BE49-F238E27FC236}">
+                <a16:creationId xmlns:a16="http://schemas.microsoft.com/office/drawing/2014/main" id="{E799554E-20E6-C86A-2F74-C0375194B1C0}"/>
+              </a:ext>
+            </a:extLst>
+          </p:cNvPr>
+          <p:cNvSpPr txBox="1"/>
+          <p:nvPr/>
+        </p:nvSpPr>
+        <p:spPr>
+          <a:xfrm>
+            <a:off x="7190834" y="1278064"/>
+            <a:ext cx="1434533" cy="2308324"/>
+          </a:xfrm>
+          <a:prstGeom prst="rect">
+            <a:avLst/>
+          </a:prstGeom>
+          <a:noFill/>
+          <a:ln>
+            <a:solidFill>
+              <a:schemeClr val="accent1">
+                <a:lumMod val="50000"/>
+              </a:schemeClr>
+            </a:solidFill>
+          </a:ln>
+        </p:spPr>
+        <p:txBody>
+          <a:bodyPr wrap="square">
+            <a:spAutoFit/>
+          </a:bodyPr>
+          <a:lstStyle/>
+          <a:p>
+            <a:pPr algn="ctr"/>
+            <a:r>
+              <a:rPr lang="en-US" altLang="ko-KR" sz="1800" b="1" dirty="0">
+                <a:solidFill>
+                  <a:srgbClr val="00B050"/>
+                </a:solidFill>
+                <a:latin typeface="+mj-lt"/>
+              </a:rPr>
+              <a:t>10101010</a:t>
+            </a:r>
+          </a:p>
+          <a:p>
+            <a:pPr algn="ctr"/>
+            <a:r>
+              <a:rPr lang="en-US" altLang="ko-KR" sz="1800" b="1" dirty="0">
+                <a:solidFill>
+                  <a:srgbClr val="0070C0"/>
+                </a:solidFill>
+                <a:latin typeface="+mj-lt"/>
+              </a:rPr>
+              <a:t>01010101</a:t>
+            </a:r>
+            <a:endParaRPr lang="ko-KR" altLang="en-US" dirty="0"/>
+          </a:p>
+          <a:p>
+            <a:pPr algn="ctr"/>
+            <a:r>
+              <a:rPr lang="en-US" altLang="ko-KR" sz="1800" b="1" dirty="0">
+                <a:solidFill>
+                  <a:srgbClr val="00B050"/>
+                </a:solidFill>
+                <a:latin typeface="+mj-lt"/>
+              </a:rPr>
+              <a:t>10101010</a:t>
+            </a:r>
+            <a:endParaRPr lang="en-US" altLang="ko-KR" b="1" dirty="0">
+              <a:solidFill>
+                <a:srgbClr val="00B050"/>
+              </a:solidFill>
+              <a:latin typeface="+mj-lt"/>
+            </a:endParaRPr>
+          </a:p>
+          <a:p>
+            <a:pPr algn="ctr"/>
+            <a:r>
+              <a:rPr lang="en-US" altLang="ko-KR" sz="1800" b="1" dirty="0">
+                <a:solidFill>
+                  <a:srgbClr val="0070C0"/>
+                </a:solidFill>
+                <a:latin typeface="+mj-lt"/>
+              </a:rPr>
+              <a:t>01010101</a:t>
+            </a:r>
+            <a:endParaRPr lang="ko-KR" altLang="en-US" dirty="0"/>
+          </a:p>
+          <a:p>
+            <a:pPr algn="ctr"/>
+            <a:r>
+              <a:rPr lang="en-US" altLang="ko-KR" sz="1800" b="1" dirty="0">
+                <a:solidFill>
+                  <a:srgbClr val="00B050"/>
+                </a:solidFill>
+                <a:latin typeface="+mj-lt"/>
+              </a:rPr>
+              <a:t>10101010</a:t>
+            </a:r>
+            <a:endParaRPr lang="en-US" altLang="ko-KR" b="1" dirty="0">
+              <a:solidFill>
+                <a:srgbClr val="00B050"/>
+              </a:solidFill>
+              <a:latin typeface="+mj-lt"/>
+            </a:endParaRPr>
+          </a:p>
+          <a:p>
+            <a:pPr algn="ctr"/>
+            <a:r>
+              <a:rPr lang="en-US" altLang="ko-KR" sz="1800" b="1" dirty="0">
+                <a:solidFill>
+                  <a:srgbClr val="0070C0"/>
+                </a:solidFill>
+                <a:latin typeface="+mj-lt"/>
+              </a:rPr>
+              <a:t>01010101</a:t>
+            </a:r>
+            <a:endParaRPr lang="ko-KR" altLang="en-US" dirty="0"/>
+          </a:p>
+          <a:p>
+            <a:pPr algn="ctr"/>
+            <a:r>
+              <a:rPr lang="en-US" altLang="ko-KR" sz="1800" b="1" dirty="0">
+                <a:solidFill>
+                  <a:srgbClr val="00B050"/>
+                </a:solidFill>
+                <a:latin typeface="+mj-lt"/>
+              </a:rPr>
+              <a:t>10101010</a:t>
+            </a:r>
+            <a:endParaRPr lang="en-US" altLang="ko-KR" b="1" dirty="0">
+              <a:solidFill>
+                <a:srgbClr val="00B050"/>
+              </a:solidFill>
+              <a:latin typeface="+mj-lt"/>
+            </a:endParaRPr>
+          </a:p>
+          <a:p>
+            <a:pPr algn="ctr"/>
+            <a:r>
+              <a:rPr lang="en-US" altLang="ko-KR" sz="1800" b="1" dirty="0">
+                <a:solidFill>
+                  <a:srgbClr val="0070C0"/>
+                </a:solidFill>
+                <a:latin typeface="+mj-lt"/>
+              </a:rPr>
+              <a:t>01010101</a:t>
+            </a:r>
+            <a:endParaRPr lang="ko-KR" altLang="en-US" dirty="0"/>
+          </a:p>
+        </p:txBody>
+      </p:sp>
+      <p:sp>
+        <p:nvSpPr>
+          <p:cNvPr id="19" name="직사각형 18">
+            <a:extLst>
+              <a:ext uri="{FF2B5EF4-FFF2-40B4-BE49-F238E27FC236}">
+                <a16:creationId xmlns:a16="http://schemas.microsoft.com/office/drawing/2014/main" id="{9C17952E-4E82-D1D2-3DA4-67404DABE667}"/>
+              </a:ext>
+            </a:extLst>
+          </p:cNvPr>
+          <p:cNvSpPr/>
+          <p:nvPr/>
+        </p:nvSpPr>
+        <p:spPr>
+          <a:xfrm>
+            <a:off x="5774478" y="1280946"/>
+            <a:ext cx="1224643" cy="855436"/>
+          </a:xfrm>
+          <a:prstGeom prst="rect">
+            <a:avLst/>
+          </a:prstGeom>
+          <a:solidFill>
+            <a:schemeClr val="tx2">
+              <a:lumMod val="20000"/>
+              <a:lumOff val="80000"/>
+            </a:schemeClr>
+          </a:solidFill>
+          <a:ln>
+            <a:solidFill>
+              <a:schemeClr val="tx1">
+                <a:lumMod val="85000"/>
+                <a:lumOff val="15000"/>
+              </a:schemeClr>
+            </a:solidFill>
+          </a:ln>
+        </p:spPr>
+        <p:style>
+          <a:lnRef idx="2">
+            <a:schemeClr val="accent1">
+              <a:shade val="50000"/>
+            </a:schemeClr>
+          </a:lnRef>
+          <a:fillRef idx="1">
+            <a:schemeClr val="accent1"/>
+          </a:fillRef>
+          <a:effectRef idx="0">
+            <a:schemeClr val="accent1"/>
+          </a:effectRef>
+          <a:fontRef idx="minor">
+            <a:schemeClr val="lt1"/>
+          </a:fontRef>
+        </p:style>
+        <p:txBody>
+          <a:bodyPr rtlCol="0" anchor="ctr"/>
+          <a:lstStyle/>
+          <a:p>
+            <a:pPr algn="ctr"/>
+            <a:r>
+              <a:rPr lang="ko-KR" altLang="en-US" dirty="0">
+                <a:solidFill>
+                  <a:schemeClr val="tx1"/>
+                </a:solidFill>
+              </a:rPr>
+              <a:t>사용자 </a:t>
+            </a:r>
+            <a:endParaRPr lang="en-US" altLang="ko-KR" dirty="0">
+              <a:solidFill>
+                <a:schemeClr val="tx1"/>
+              </a:solidFill>
+            </a:endParaRPr>
+          </a:p>
+          <a:p>
+            <a:pPr algn="ctr"/>
+            <a:r>
+              <a:rPr lang="ko-KR" altLang="en-US" dirty="0">
+                <a:solidFill>
+                  <a:schemeClr val="tx1"/>
+                </a:solidFill>
+              </a:rPr>
+              <a:t>입력 </a:t>
+            </a:r>
+            <a:endParaRPr lang="en-US" altLang="ko-KR" dirty="0">
+              <a:solidFill>
+                <a:schemeClr val="tx1"/>
+              </a:solidFill>
+            </a:endParaRPr>
+          </a:p>
+          <a:p>
+            <a:pPr algn="ctr"/>
+            <a:r>
+              <a:rPr lang="ko-KR" altLang="en-US" dirty="0" err="1">
+                <a:solidFill>
+                  <a:schemeClr val="tx1"/>
+                </a:solidFill>
+              </a:rPr>
+              <a:t>보드판</a:t>
+            </a:r>
+            <a:endParaRPr lang="ko-KR" altLang="en-US" dirty="0">
+              <a:solidFill>
+                <a:schemeClr val="tx1"/>
+              </a:solidFill>
+            </a:endParaRPr>
+          </a:p>
+        </p:txBody>
+      </p:sp>
+      <p:sp>
+        <p:nvSpPr>
+          <p:cNvPr id="20" name="TextBox 19">
+            <a:extLst>
+              <a:ext uri="{FF2B5EF4-FFF2-40B4-BE49-F238E27FC236}">
+                <a16:creationId xmlns:a16="http://schemas.microsoft.com/office/drawing/2014/main" id="{68150617-8AC7-C33F-51B1-578A8F68CD2C}"/>
+              </a:ext>
+            </a:extLst>
+          </p:cNvPr>
+          <p:cNvSpPr txBox="1"/>
+          <p:nvPr/>
+        </p:nvSpPr>
+        <p:spPr>
+          <a:xfrm>
+            <a:off x="9036156" y="1278064"/>
+            <a:ext cx="1434533" cy="2308324"/>
+          </a:xfrm>
+          <a:prstGeom prst="rect">
+            <a:avLst/>
+          </a:prstGeom>
+          <a:noFill/>
+          <a:ln>
+            <a:solidFill>
+              <a:schemeClr val="tx1">
+                <a:lumMod val="85000"/>
+                <a:lumOff val="15000"/>
+              </a:schemeClr>
+            </a:solidFill>
+          </a:ln>
+        </p:spPr>
+        <p:txBody>
+          <a:bodyPr wrap="square">
+            <a:spAutoFit/>
+          </a:bodyPr>
+          <a:lstStyle/>
+          <a:p>
+            <a:pPr algn="ctr"/>
+            <a:r>
+              <a:rPr lang="en-US" altLang="ko-KR" sz="1800" b="1" dirty="0">
+                <a:solidFill>
+                  <a:srgbClr val="0070C0"/>
+                </a:solidFill>
+                <a:latin typeface="+mj-lt"/>
+              </a:rPr>
+              <a:t>01010101</a:t>
+            </a:r>
+            <a:endParaRPr lang="ko-KR" altLang="en-US" dirty="0"/>
+          </a:p>
+          <a:p>
+            <a:pPr algn="ctr"/>
+            <a:r>
+              <a:rPr lang="en-US" altLang="ko-KR" sz="1800" b="1" dirty="0">
+                <a:solidFill>
+                  <a:srgbClr val="00B050"/>
+                </a:solidFill>
+                <a:latin typeface="+mj-lt"/>
+              </a:rPr>
+              <a:t>10101010</a:t>
+            </a:r>
+            <a:endParaRPr lang="en-US" altLang="ko-KR" b="1" dirty="0">
+              <a:solidFill>
+                <a:srgbClr val="00B050"/>
+              </a:solidFill>
+              <a:latin typeface="+mj-lt"/>
+            </a:endParaRPr>
+          </a:p>
+          <a:p>
+            <a:pPr algn="ctr"/>
+            <a:r>
+              <a:rPr lang="en-US" altLang="ko-KR" sz="1800" b="1" dirty="0">
+                <a:solidFill>
+                  <a:srgbClr val="0070C0"/>
+                </a:solidFill>
+                <a:latin typeface="+mj-lt"/>
+              </a:rPr>
+              <a:t>01010101</a:t>
+            </a:r>
+            <a:endParaRPr lang="ko-KR" altLang="en-US" dirty="0"/>
+          </a:p>
+          <a:p>
+            <a:pPr algn="ctr"/>
+            <a:r>
+              <a:rPr lang="en-US" altLang="ko-KR" sz="1800" b="1" dirty="0">
+                <a:solidFill>
+                  <a:srgbClr val="00B050"/>
+                </a:solidFill>
+                <a:latin typeface="+mj-lt"/>
+              </a:rPr>
+              <a:t>10101010</a:t>
+            </a:r>
+            <a:endParaRPr lang="en-US" altLang="ko-KR" b="1" dirty="0">
+              <a:solidFill>
+                <a:srgbClr val="00B050"/>
+              </a:solidFill>
+              <a:latin typeface="+mj-lt"/>
+            </a:endParaRPr>
+          </a:p>
+          <a:p>
+            <a:pPr algn="ctr"/>
+            <a:r>
+              <a:rPr lang="en-US" altLang="ko-KR" sz="1800" b="1" dirty="0">
+                <a:solidFill>
+                  <a:srgbClr val="0070C0"/>
+                </a:solidFill>
+                <a:latin typeface="+mj-lt"/>
+              </a:rPr>
+              <a:t>01010101</a:t>
+            </a:r>
+            <a:endParaRPr lang="ko-KR" altLang="en-US" dirty="0"/>
+          </a:p>
+          <a:p>
+            <a:pPr algn="ctr"/>
+            <a:r>
+              <a:rPr lang="en-US" altLang="ko-KR" sz="1800" b="1" dirty="0">
+                <a:solidFill>
+                  <a:srgbClr val="00B050"/>
+                </a:solidFill>
+                <a:latin typeface="+mj-lt"/>
+              </a:rPr>
+              <a:t>10101010</a:t>
+            </a:r>
+            <a:endParaRPr lang="en-US" altLang="ko-KR" b="1" dirty="0">
+              <a:solidFill>
+                <a:srgbClr val="00B050"/>
+              </a:solidFill>
+              <a:latin typeface="+mj-lt"/>
+            </a:endParaRPr>
+          </a:p>
+          <a:p>
+            <a:pPr algn="ctr"/>
+            <a:r>
+              <a:rPr lang="en-US" altLang="ko-KR" sz="1800" b="1" dirty="0">
+                <a:solidFill>
+                  <a:srgbClr val="0070C0"/>
+                </a:solidFill>
+                <a:latin typeface="+mj-lt"/>
+              </a:rPr>
+              <a:t>01010101</a:t>
+            </a:r>
+            <a:endParaRPr lang="ko-KR" altLang="en-US" dirty="0"/>
+          </a:p>
+          <a:p>
+            <a:pPr algn="ctr"/>
+            <a:r>
+              <a:rPr lang="en-US" altLang="ko-KR" sz="1800" b="1" dirty="0">
+                <a:solidFill>
+                  <a:srgbClr val="00B050"/>
+                </a:solidFill>
+                <a:latin typeface="+mj-lt"/>
+              </a:rPr>
+              <a:t>10101010</a:t>
+            </a:r>
+            <a:endParaRPr lang="en-US" altLang="ko-KR" b="1" dirty="0">
+              <a:solidFill>
+                <a:srgbClr val="00B050"/>
+              </a:solidFill>
+              <a:latin typeface="+mj-lt"/>
+            </a:endParaRPr>
+          </a:p>
+        </p:txBody>
+      </p:sp>
+      <p:cxnSp>
+        <p:nvCxnSpPr>
+          <p:cNvPr id="22" name="연결선: 꺾임 21">
+            <a:extLst>
+              <a:ext uri="{FF2B5EF4-FFF2-40B4-BE49-F238E27FC236}">
+                <a16:creationId xmlns:a16="http://schemas.microsoft.com/office/drawing/2014/main" id="{D04E260C-045E-42E1-A8EF-0E88E59B9823}"/>
+              </a:ext>
+            </a:extLst>
+          </p:cNvPr>
+          <p:cNvCxnSpPr>
+            <a:cxnSpLocks/>
+            <a:stCxn id="19" idx="2"/>
+            <a:endCxn id="16" idx="1"/>
+          </p:cNvCxnSpPr>
+          <p:nvPr/>
+        </p:nvCxnSpPr>
+        <p:spPr>
+          <a:xfrm rot="16200000" flipH="1">
+            <a:off x="6640895" y="1882287"/>
+            <a:ext cx="295844" cy="804034"/>
+          </a:xfrm>
+          <a:prstGeom prst="bentConnector2">
+            <a:avLst/>
+          </a:prstGeom>
+          <a:ln>
+            <a:solidFill>
+              <a:schemeClr val="bg2">
+                <a:lumMod val="10000"/>
+              </a:schemeClr>
+            </a:solidFill>
+            <a:tailEnd type="triangle"/>
+          </a:ln>
+        </p:spPr>
+        <p:style>
+          <a:lnRef idx="1">
+            <a:schemeClr val="accent1"/>
+          </a:lnRef>
+          <a:fillRef idx="0">
+            <a:schemeClr val="accent1"/>
+          </a:fillRef>
+          <a:effectRef idx="0">
+            <a:schemeClr val="accent1"/>
+          </a:effectRef>
+          <a:fontRef idx="minor">
+            <a:schemeClr val="tx1"/>
+          </a:fontRef>
+        </p:style>
+      </p:cxnSp>
+      <p:sp>
+        <p:nvSpPr>
+          <p:cNvPr id="26" name="TextBox 25">
+            <a:extLst>
+              <a:ext uri="{FF2B5EF4-FFF2-40B4-BE49-F238E27FC236}">
+                <a16:creationId xmlns:a16="http://schemas.microsoft.com/office/drawing/2014/main" id="{9B7E1C6E-440C-42BA-C84E-FD7839C1537E}"/>
+              </a:ext>
+            </a:extLst>
+          </p:cNvPr>
+          <p:cNvSpPr txBox="1"/>
+          <p:nvPr/>
+        </p:nvSpPr>
+        <p:spPr>
+          <a:xfrm>
+            <a:off x="5661553" y="2621059"/>
+            <a:ext cx="1496307" cy="369332"/>
+          </a:xfrm>
+          <a:prstGeom prst="rect">
+            <a:avLst/>
+          </a:prstGeom>
+          <a:noFill/>
+        </p:spPr>
+        <p:txBody>
+          <a:bodyPr wrap="none" rtlCol="0">
+            <a:spAutoFit/>
+          </a:bodyPr>
+          <a:lstStyle/>
+          <a:p>
+            <a:r>
+              <a:rPr lang="ko-KR" altLang="en-US" dirty="0"/>
+              <a:t>각 행을 </a:t>
+            </a:r>
+            <a:r>
+              <a:rPr lang="en-US" altLang="ko-KR" dirty="0">
+                <a:solidFill>
+                  <a:srgbClr val="FF0000"/>
+                </a:solidFill>
+              </a:rPr>
+              <a:t>XOR</a:t>
+            </a:r>
+            <a:endParaRPr lang="ko-KR" altLang="en-US" dirty="0">
+              <a:solidFill>
+                <a:srgbClr val="FF0000"/>
+              </a:solidFill>
+            </a:endParaRPr>
+          </a:p>
+        </p:txBody>
+      </p:sp>
+      <p:sp>
+        <p:nvSpPr>
+          <p:cNvPr id="27" name="TextBox 26">
+            <a:extLst>
+              <a:ext uri="{FF2B5EF4-FFF2-40B4-BE49-F238E27FC236}">
+                <a16:creationId xmlns:a16="http://schemas.microsoft.com/office/drawing/2014/main" id="{9A6E7AE7-65BD-0CEE-901E-0DB1D5F88BAD}"/>
+              </a:ext>
+            </a:extLst>
+          </p:cNvPr>
+          <p:cNvSpPr txBox="1"/>
+          <p:nvPr/>
+        </p:nvSpPr>
+        <p:spPr>
+          <a:xfrm>
+            <a:off x="4988905" y="3822824"/>
+            <a:ext cx="6301725" cy="1200329"/>
+          </a:xfrm>
+          <a:prstGeom prst="rect">
+            <a:avLst/>
+          </a:prstGeom>
+          <a:noFill/>
+        </p:spPr>
+        <p:txBody>
+          <a:bodyPr wrap="none" rtlCol="0">
+            <a:spAutoFit/>
+          </a:bodyPr>
+          <a:lstStyle/>
+          <a:p>
+            <a:r>
+              <a:rPr lang="ko-KR" altLang="en-US" dirty="0"/>
+              <a:t>각 행을 </a:t>
+            </a:r>
+            <a:r>
+              <a:rPr lang="en-US" altLang="ko-KR" dirty="0"/>
+              <a:t>XOR</a:t>
+            </a:r>
+            <a:r>
+              <a:rPr lang="ko-KR" altLang="en-US" dirty="0"/>
+              <a:t>해서 나온 </a:t>
+            </a:r>
+            <a:r>
+              <a:rPr lang="en-US" altLang="ko-KR" dirty="0"/>
+              <a:t>1</a:t>
+            </a:r>
+            <a:r>
+              <a:rPr lang="ko-KR" altLang="en-US" dirty="0"/>
+              <a:t>의 개수 </a:t>
+            </a:r>
+            <a:r>
+              <a:rPr lang="en-US" altLang="ko-KR" dirty="0"/>
+              <a:t>= </a:t>
+            </a:r>
+            <a:r>
+              <a:rPr lang="ko-KR" altLang="en-US" dirty="0"/>
+              <a:t>변경해야 하는 판의 수</a:t>
+            </a:r>
+            <a:endParaRPr lang="en-US" altLang="ko-KR" dirty="0"/>
+          </a:p>
+          <a:p>
+            <a:endParaRPr lang="en-US" altLang="ko-KR" dirty="0"/>
+          </a:p>
+          <a:p>
+            <a:r>
+              <a:rPr lang="ko-KR" altLang="en-US" dirty="0"/>
+              <a:t>모든 행을 </a:t>
+            </a:r>
+            <a:r>
+              <a:rPr lang="en-US" altLang="ko-KR" dirty="0"/>
+              <a:t>XOR </a:t>
+            </a:r>
+            <a:r>
+              <a:rPr lang="ko-KR" altLang="en-US" dirty="0"/>
+              <a:t>해서 나온 </a:t>
+            </a:r>
+            <a:r>
+              <a:rPr lang="en-US" altLang="ko-KR" dirty="0"/>
+              <a:t>1</a:t>
+            </a:r>
+            <a:r>
+              <a:rPr lang="ko-KR" altLang="en-US" dirty="0"/>
+              <a:t>의 결과가 </a:t>
+            </a:r>
+            <a:r>
+              <a:rPr lang="en-US" altLang="ko-KR" dirty="0">
+                <a:solidFill>
+                  <a:srgbClr val="FF0000"/>
+                </a:solidFill>
+              </a:rPr>
+              <a:t>t</a:t>
+            </a:r>
+            <a:r>
+              <a:rPr lang="ko-KR" altLang="en-US" dirty="0"/>
+              <a:t>라면</a:t>
+            </a:r>
+            <a:r>
+              <a:rPr lang="en-US" altLang="ko-KR" dirty="0"/>
+              <a:t>,</a:t>
+            </a:r>
+          </a:p>
+          <a:p>
+            <a:r>
+              <a:rPr lang="ko-KR" altLang="en-US" dirty="0"/>
+              <a:t>다른 경우를 첫 행으로 사용하는 행렬의 계산 결과는 </a:t>
+            </a:r>
+            <a:r>
+              <a:rPr lang="en-US" altLang="ko-KR" dirty="0">
+                <a:solidFill>
+                  <a:srgbClr val="FF0000"/>
+                </a:solidFill>
+              </a:rPr>
+              <a:t>64 – t</a:t>
+            </a:r>
+          </a:p>
+        </p:txBody>
+      </p:sp>
+      <p:sp>
+        <p:nvSpPr>
+          <p:cNvPr id="28" name="TextBox 27">
+            <a:extLst>
+              <a:ext uri="{FF2B5EF4-FFF2-40B4-BE49-F238E27FC236}">
+                <a16:creationId xmlns:a16="http://schemas.microsoft.com/office/drawing/2014/main" id="{CB0F4286-CB58-C2F0-7ECB-F0A74D13B143}"/>
+              </a:ext>
+            </a:extLst>
+          </p:cNvPr>
+          <p:cNvSpPr txBox="1"/>
+          <p:nvPr/>
+        </p:nvSpPr>
+        <p:spPr>
+          <a:xfrm>
+            <a:off x="6636123" y="5160708"/>
+            <a:ext cx="1149674" cy="323165"/>
+          </a:xfrm>
+          <a:prstGeom prst="rect">
+            <a:avLst/>
+          </a:prstGeom>
+          <a:noFill/>
+        </p:spPr>
+        <p:txBody>
+          <a:bodyPr wrap="none" rtlCol="0">
+            <a:spAutoFit/>
+          </a:bodyPr>
+          <a:lstStyle/>
+          <a:p>
+            <a:r>
+              <a:rPr lang="ko-KR" altLang="en-US" sz="1500" dirty="0"/>
+              <a:t> </a:t>
+            </a:r>
+            <a:r>
+              <a:rPr lang="en-US" altLang="ko-KR" sz="1500" b="1" dirty="0">
+                <a:solidFill>
+                  <a:srgbClr val="00B050"/>
+                </a:solidFill>
+              </a:rPr>
+              <a:t>10101010</a:t>
+            </a:r>
+            <a:endParaRPr lang="ko-KR" altLang="en-US" sz="1500" b="1" dirty="0">
+              <a:solidFill>
+                <a:srgbClr val="00B050"/>
+              </a:solidFill>
+            </a:endParaRPr>
+          </a:p>
+        </p:txBody>
+      </p:sp>
+      <p:sp>
+        <p:nvSpPr>
+          <p:cNvPr id="29" name="TextBox 28">
+            <a:extLst>
+              <a:ext uri="{FF2B5EF4-FFF2-40B4-BE49-F238E27FC236}">
+                <a16:creationId xmlns:a16="http://schemas.microsoft.com/office/drawing/2014/main" id="{26B5B9D7-FA50-4945-2B6C-13E06E29D609}"/>
+              </a:ext>
+            </a:extLst>
+          </p:cNvPr>
+          <p:cNvSpPr txBox="1"/>
+          <p:nvPr/>
+        </p:nvSpPr>
+        <p:spPr>
+          <a:xfrm>
+            <a:off x="6725282" y="5520870"/>
+            <a:ext cx="1031051" cy="323165"/>
+          </a:xfrm>
+          <a:prstGeom prst="rect">
+            <a:avLst/>
+          </a:prstGeom>
+          <a:noFill/>
+        </p:spPr>
+        <p:txBody>
+          <a:bodyPr wrap="none" rtlCol="0">
+            <a:spAutoFit/>
+          </a:bodyPr>
+          <a:lstStyle/>
+          <a:p>
+            <a:r>
+              <a:rPr lang="en-US" altLang="ko-KR" sz="1500" dirty="0"/>
+              <a:t>10111101</a:t>
+            </a:r>
+            <a:endParaRPr lang="ko-KR" altLang="en-US" sz="1500" b="1" dirty="0">
+              <a:solidFill>
+                <a:srgbClr val="00B050"/>
+              </a:solidFill>
+            </a:endParaRPr>
+          </a:p>
+        </p:txBody>
+      </p:sp>
+      <p:cxnSp>
+        <p:nvCxnSpPr>
+          <p:cNvPr id="31" name="직선 연결선 30">
+            <a:extLst>
+              <a:ext uri="{FF2B5EF4-FFF2-40B4-BE49-F238E27FC236}">
+                <a16:creationId xmlns:a16="http://schemas.microsoft.com/office/drawing/2014/main" id="{7FEB6FB7-F263-9777-2FFA-2D09776A602B}"/>
+              </a:ext>
+            </a:extLst>
+          </p:cNvPr>
+          <p:cNvCxnSpPr/>
+          <p:nvPr/>
+        </p:nvCxnSpPr>
+        <p:spPr>
+          <a:xfrm>
+            <a:off x="6218141" y="5947551"/>
+            <a:ext cx="1551215" cy="0"/>
+          </a:xfrm>
+          <a:prstGeom prst="line">
+            <a:avLst/>
+          </a:prstGeom>
+          <a:ln>
+            <a:solidFill>
+              <a:schemeClr val="bg2">
+                <a:lumMod val="10000"/>
+              </a:schemeClr>
+            </a:solidFill>
+          </a:ln>
+        </p:spPr>
+        <p:style>
+          <a:lnRef idx="1">
+            <a:schemeClr val="accent1"/>
+          </a:lnRef>
+          <a:fillRef idx="0">
+            <a:schemeClr val="accent1"/>
+          </a:fillRef>
+          <a:effectRef idx="0">
+            <a:schemeClr val="accent1"/>
+          </a:effectRef>
+          <a:fontRef idx="minor">
+            <a:schemeClr val="tx1"/>
+          </a:fontRef>
+        </p:style>
+      </p:cxnSp>
+      <p:sp>
+        <p:nvSpPr>
+          <p:cNvPr id="32" name="TextBox 31">
+            <a:extLst>
+              <a:ext uri="{FF2B5EF4-FFF2-40B4-BE49-F238E27FC236}">
+                <a16:creationId xmlns:a16="http://schemas.microsoft.com/office/drawing/2014/main" id="{4B8606C9-D023-A5DD-4B7D-63318228B7BF}"/>
+              </a:ext>
+            </a:extLst>
+          </p:cNvPr>
+          <p:cNvSpPr txBox="1"/>
+          <p:nvPr/>
+        </p:nvSpPr>
+        <p:spPr>
+          <a:xfrm>
+            <a:off x="6167389" y="5520848"/>
+            <a:ext cx="580800" cy="323165"/>
+          </a:xfrm>
+          <a:prstGeom prst="rect">
+            <a:avLst/>
+          </a:prstGeom>
+          <a:noFill/>
+        </p:spPr>
+        <p:txBody>
+          <a:bodyPr wrap="none" rtlCol="0">
+            <a:spAutoFit/>
+          </a:bodyPr>
+          <a:lstStyle/>
+          <a:p>
+            <a:r>
+              <a:rPr lang="en-US" altLang="ko-KR" sz="1500" b="1" dirty="0">
+                <a:solidFill>
+                  <a:srgbClr val="FF0000"/>
+                </a:solidFill>
+              </a:rPr>
+              <a:t>XOR</a:t>
+            </a:r>
+            <a:endParaRPr lang="ko-KR" altLang="en-US" sz="1500" b="1" dirty="0">
+              <a:solidFill>
+                <a:srgbClr val="FF0000"/>
+              </a:solidFill>
+            </a:endParaRPr>
+          </a:p>
+        </p:txBody>
+      </p:sp>
+      <p:sp>
+        <p:nvSpPr>
+          <p:cNvPr id="33" name="TextBox 32">
+            <a:extLst>
+              <a:ext uri="{FF2B5EF4-FFF2-40B4-BE49-F238E27FC236}">
+                <a16:creationId xmlns:a16="http://schemas.microsoft.com/office/drawing/2014/main" id="{AE56BA63-9BF4-7638-C54A-AFED7361286A}"/>
+              </a:ext>
+            </a:extLst>
+          </p:cNvPr>
+          <p:cNvSpPr txBox="1"/>
+          <p:nvPr/>
+        </p:nvSpPr>
+        <p:spPr>
+          <a:xfrm>
+            <a:off x="6748189" y="5961523"/>
+            <a:ext cx="1098378" cy="323165"/>
+          </a:xfrm>
+          <a:prstGeom prst="rect">
+            <a:avLst/>
+          </a:prstGeom>
+          <a:noFill/>
+        </p:spPr>
+        <p:txBody>
+          <a:bodyPr wrap="none" rtlCol="0">
+            <a:spAutoFit/>
+          </a:bodyPr>
+          <a:lstStyle/>
+          <a:p>
+            <a:r>
+              <a:rPr lang="en-US" altLang="ko-KR" sz="1500" dirty="0"/>
+              <a:t>00010111 </a:t>
+            </a:r>
+            <a:endParaRPr lang="ko-KR" altLang="en-US" sz="1500" b="1" dirty="0">
+              <a:solidFill>
+                <a:srgbClr val="00B050"/>
+              </a:solidFill>
+            </a:endParaRPr>
+          </a:p>
+        </p:txBody>
+      </p:sp>
+      <p:sp>
+        <p:nvSpPr>
+          <p:cNvPr id="34" name="TextBox 33">
+            <a:extLst>
+              <a:ext uri="{FF2B5EF4-FFF2-40B4-BE49-F238E27FC236}">
+                <a16:creationId xmlns:a16="http://schemas.microsoft.com/office/drawing/2014/main" id="{B06013D3-F30E-A387-025F-759A3F826018}"/>
+              </a:ext>
+            </a:extLst>
+          </p:cNvPr>
+          <p:cNvSpPr txBox="1"/>
+          <p:nvPr/>
+        </p:nvSpPr>
+        <p:spPr>
+          <a:xfrm>
+            <a:off x="7846567" y="5975494"/>
+            <a:ext cx="2379177" cy="323165"/>
+          </a:xfrm>
+          <a:prstGeom prst="rect">
+            <a:avLst/>
+          </a:prstGeom>
+          <a:noFill/>
+        </p:spPr>
+        <p:txBody>
+          <a:bodyPr wrap="none" rtlCol="0">
+            <a:spAutoFit/>
+          </a:bodyPr>
+          <a:lstStyle/>
+          <a:p>
+            <a:r>
+              <a:rPr lang="en-US" altLang="ko-KR" sz="1500" dirty="0"/>
+              <a:t>-&gt; 4</a:t>
+            </a:r>
+            <a:r>
+              <a:rPr lang="ko-KR" altLang="en-US" sz="1500" dirty="0"/>
+              <a:t>개의 판 변경해야 함</a:t>
+            </a:r>
+            <a:endParaRPr lang="ko-KR" altLang="en-US" sz="1500" b="1" dirty="0">
+              <a:solidFill>
+                <a:srgbClr val="00B050"/>
+              </a:solidFill>
+            </a:endParaRPr>
+          </a:p>
+        </p:txBody>
+      </p:sp>
+      <p:sp>
+        <p:nvSpPr>
+          <p:cNvPr id="18" name="TextBox 17">
+            <a:extLst>
+              <a:ext uri="{FF2B5EF4-FFF2-40B4-BE49-F238E27FC236}">
+                <a16:creationId xmlns:a16="http://schemas.microsoft.com/office/drawing/2014/main" id="{1B257140-3362-BB31-F55A-85F528C76A68}"/>
+              </a:ext>
+            </a:extLst>
+          </p:cNvPr>
+          <p:cNvSpPr txBox="1"/>
+          <p:nvPr/>
+        </p:nvSpPr>
+        <p:spPr>
+          <a:xfrm>
+            <a:off x="8887832" y="882506"/>
+            <a:ext cx="1731180" cy="369332"/>
+          </a:xfrm>
+          <a:prstGeom prst="rect">
+            <a:avLst/>
+          </a:prstGeom>
+          <a:noFill/>
+        </p:spPr>
+        <p:txBody>
+          <a:bodyPr wrap="none" rtlCol="0">
+            <a:spAutoFit/>
+          </a:bodyPr>
+          <a:lstStyle/>
+          <a:p>
+            <a:r>
+              <a:rPr lang="en-US" altLang="ko-KR" b="1" dirty="0"/>
+              <a:t>64 - XOR </a:t>
+            </a:r>
+            <a:r>
+              <a:rPr lang="ko-KR" altLang="en-US" b="1" dirty="0"/>
+              <a:t>결과</a:t>
+            </a:r>
           </a:p>
         </p:txBody>
       </p:sp>
